--- a/docs/FiguresForDynamicProgrammingProblemsandTheirSolutionsInCode.pptx
+++ b/docs/FiguresForDynamicProgrammingProblemsandTheirSolutionsInCode.pptx
@@ -6,6 +6,7 @@
   </p:sldMasterIdLst>
   <p:sldIdLst>
     <p:sldId id="256" r:id="rId2"/>
+    <p:sldId id="257" r:id="rId3"/>
   </p:sldIdLst>
   <p:sldSz cx="12192000" cy="6858000"/>
   <p:notesSz cx="6858000" cy="9144000"/>
@@ -5038,6 +5039,1884 @@
 </p:sld>
 </file>
 
+<file path=ppt/slides/slide2.xml><?xml version="1.0" encoding="utf-8"?>
+<p:sld xmlns:a="http://schemas.openxmlformats.org/drawingml/2006/main" xmlns:r="http://schemas.openxmlformats.org/officeDocument/2006/relationships" xmlns:p="http://schemas.openxmlformats.org/presentationml/2006/main">
+  <p:cSld>
+    <p:spTree>
+      <p:nvGrpSpPr>
+        <p:cNvPr id="1" name=""/>
+        <p:cNvGrpSpPr/>
+        <p:nvPr/>
+      </p:nvGrpSpPr>
+      <p:grpSpPr>
+        <a:xfrm>
+          <a:off x="0" y="0"/>
+          <a:ext cx="0" cy="0"/>
+          <a:chOff x="0" y="0"/>
+          <a:chExt cx="0" cy="0"/>
+        </a:xfrm>
+      </p:grpSpPr>
+      <p:grpSp>
+        <p:nvGrpSpPr>
+          <p:cNvPr id="78" name="Group 77">
+            <a:extLst>
+              <a:ext uri="{FF2B5EF4-FFF2-40B4-BE49-F238E27FC236}">
+                <a16:creationId xmlns:a16="http://schemas.microsoft.com/office/drawing/2014/main" id="{EB0128A7-FA99-DAF1-5A59-787200606743}"/>
+              </a:ext>
+            </a:extLst>
+          </p:cNvPr>
+          <p:cNvGrpSpPr/>
+          <p:nvPr/>
+        </p:nvGrpSpPr>
+        <p:grpSpPr>
+          <a:xfrm>
+            <a:off x="4918229" y="2527406"/>
+            <a:ext cx="3111256" cy="1534963"/>
+            <a:chOff x="4918229" y="2527406"/>
+            <a:chExt cx="3111256" cy="1534963"/>
+          </a:xfrm>
+        </p:grpSpPr>
+        <p:sp>
+          <p:nvSpPr>
+            <p:cNvPr id="4" name="Oval 3">
+              <a:extLst>
+                <a:ext uri="{FF2B5EF4-FFF2-40B4-BE49-F238E27FC236}">
+                  <a16:creationId xmlns:a16="http://schemas.microsoft.com/office/drawing/2014/main" id="{2EE81C3C-A463-1C37-42F8-1AAE21B2F2CE}"/>
+                </a:ext>
+              </a:extLst>
+            </p:cNvPr>
+            <p:cNvSpPr/>
+            <p:nvPr/>
+          </p:nvSpPr>
+          <p:spPr>
+            <a:xfrm>
+              <a:off x="4918229" y="3222594"/>
+              <a:ext cx="253014" cy="257453"/>
+            </a:xfrm>
+            <a:prstGeom prst="ellipse">
+              <a:avLst/>
+            </a:prstGeom>
+            <a:solidFill>
+              <a:schemeClr val="accent1">
+                <a:alpha val="39000"/>
+              </a:schemeClr>
+            </a:solidFill>
+            <a:ln w="6350"/>
+          </p:spPr>
+          <p:style>
+            <a:lnRef idx="2">
+              <a:schemeClr val="accent1">
+                <a:shade val="15000"/>
+              </a:schemeClr>
+            </a:lnRef>
+            <a:fillRef idx="1">
+              <a:schemeClr val="accent1"/>
+            </a:fillRef>
+            <a:effectRef idx="0">
+              <a:schemeClr val="accent1"/>
+            </a:effectRef>
+            <a:fontRef idx="minor">
+              <a:schemeClr val="lt1"/>
+            </a:fontRef>
+          </p:style>
+          <p:txBody>
+            <a:bodyPr rtlCol="0" anchor="ctr"/>
+            <a:lstStyle/>
+            <a:p>
+              <a:pPr algn="ctr"/>
+              <a:endParaRPr lang="en-US"/>
+            </a:p>
+          </p:txBody>
+        </p:sp>
+        <p:sp>
+          <p:nvSpPr>
+            <p:cNvPr id="5" name="TextBox 4">
+              <a:extLst>
+                <a:ext uri="{FF2B5EF4-FFF2-40B4-BE49-F238E27FC236}">
+                  <a16:creationId xmlns:a16="http://schemas.microsoft.com/office/drawing/2014/main" id="{19B3059E-C7F5-B5AB-5B8C-B6746A272D70}"/>
+                </a:ext>
+              </a:extLst>
+            </p:cNvPr>
+            <p:cNvSpPr txBox="1"/>
+            <p:nvPr/>
+          </p:nvSpPr>
+          <p:spPr>
+            <a:xfrm>
+              <a:off x="4925152" y="3243598"/>
+              <a:ext cx="239168" cy="215444"/>
+            </a:xfrm>
+            <a:prstGeom prst="rect">
+              <a:avLst/>
+            </a:prstGeom>
+            <a:noFill/>
+          </p:spPr>
+          <p:txBody>
+            <a:bodyPr wrap="none" rtlCol="0">
+              <a:spAutoFit/>
+            </a:bodyPr>
+            <a:lstStyle/>
+            <a:p>
+              <a:r>
+                <a:rPr lang="en-US" sz="800" dirty="0"/>
+                <a:t>0</a:t>
+              </a:r>
+            </a:p>
+          </p:txBody>
+        </p:sp>
+        <p:sp>
+          <p:nvSpPr>
+            <p:cNvPr id="6" name="Oval 5">
+              <a:extLst>
+                <a:ext uri="{FF2B5EF4-FFF2-40B4-BE49-F238E27FC236}">
+                  <a16:creationId xmlns:a16="http://schemas.microsoft.com/office/drawing/2014/main" id="{6A3FEDF3-8C36-7DA4-4CFD-FBCBC1D65052}"/>
+                </a:ext>
+              </a:extLst>
+            </p:cNvPr>
+            <p:cNvSpPr/>
+            <p:nvPr/>
+          </p:nvSpPr>
+          <p:spPr>
+            <a:xfrm>
+              <a:off x="5465565" y="2588681"/>
+              <a:ext cx="253014" cy="257453"/>
+            </a:xfrm>
+            <a:prstGeom prst="ellipse">
+              <a:avLst/>
+            </a:prstGeom>
+            <a:solidFill>
+              <a:schemeClr val="accent1">
+                <a:alpha val="39000"/>
+              </a:schemeClr>
+            </a:solidFill>
+            <a:ln w="6350"/>
+          </p:spPr>
+          <p:style>
+            <a:lnRef idx="2">
+              <a:schemeClr val="accent1">
+                <a:shade val="15000"/>
+              </a:schemeClr>
+            </a:lnRef>
+            <a:fillRef idx="1">
+              <a:schemeClr val="accent1"/>
+            </a:fillRef>
+            <a:effectRef idx="0">
+              <a:schemeClr val="accent1"/>
+            </a:effectRef>
+            <a:fontRef idx="minor">
+              <a:schemeClr val="lt1"/>
+            </a:fontRef>
+          </p:style>
+          <p:txBody>
+            <a:bodyPr rtlCol="0" anchor="ctr"/>
+            <a:lstStyle/>
+            <a:p>
+              <a:pPr algn="ctr"/>
+              <a:endParaRPr lang="en-US"/>
+            </a:p>
+          </p:txBody>
+        </p:sp>
+        <p:sp>
+          <p:nvSpPr>
+            <p:cNvPr id="7" name="TextBox 6">
+              <a:extLst>
+                <a:ext uri="{FF2B5EF4-FFF2-40B4-BE49-F238E27FC236}">
+                  <a16:creationId xmlns:a16="http://schemas.microsoft.com/office/drawing/2014/main" id="{04BCAD86-B780-1749-15E3-D789CDE5F8CF}"/>
+                </a:ext>
+              </a:extLst>
+            </p:cNvPr>
+            <p:cNvSpPr txBox="1"/>
+            <p:nvPr/>
+          </p:nvSpPr>
+          <p:spPr>
+            <a:xfrm>
+              <a:off x="5472488" y="2609685"/>
+              <a:ext cx="239168" cy="215444"/>
+            </a:xfrm>
+            <a:prstGeom prst="rect">
+              <a:avLst/>
+            </a:prstGeom>
+            <a:noFill/>
+          </p:spPr>
+          <p:txBody>
+            <a:bodyPr wrap="none" rtlCol="0">
+              <a:spAutoFit/>
+            </a:bodyPr>
+            <a:lstStyle/>
+            <a:p>
+              <a:r>
+                <a:rPr lang="en-US" sz="800" dirty="0"/>
+                <a:t>1</a:t>
+              </a:r>
+            </a:p>
+          </p:txBody>
+        </p:sp>
+        <p:sp>
+          <p:nvSpPr>
+            <p:cNvPr id="8" name="Oval 7">
+              <a:extLst>
+                <a:ext uri="{FF2B5EF4-FFF2-40B4-BE49-F238E27FC236}">
+                  <a16:creationId xmlns:a16="http://schemas.microsoft.com/office/drawing/2014/main" id="{921F22D7-A4DA-DC20-6EA9-A4C05E7A358B}"/>
+                </a:ext>
+              </a:extLst>
+            </p:cNvPr>
+            <p:cNvSpPr/>
+            <p:nvPr/>
+          </p:nvSpPr>
+          <p:spPr>
+            <a:xfrm>
+              <a:off x="6318886" y="2588681"/>
+              <a:ext cx="253014" cy="257453"/>
+            </a:xfrm>
+            <a:prstGeom prst="ellipse">
+              <a:avLst/>
+            </a:prstGeom>
+            <a:solidFill>
+              <a:schemeClr val="accent1">
+                <a:alpha val="39000"/>
+              </a:schemeClr>
+            </a:solidFill>
+            <a:ln w="6350"/>
+          </p:spPr>
+          <p:style>
+            <a:lnRef idx="2">
+              <a:schemeClr val="accent1">
+                <a:shade val="15000"/>
+              </a:schemeClr>
+            </a:lnRef>
+            <a:fillRef idx="1">
+              <a:schemeClr val="accent1"/>
+            </a:fillRef>
+            <a:effectRef idx="0">
+              <a:schemeClr val="accent1"/>
+            </a:effectRef>
+            <a:fontRef idx="minor">
+              <a:schemeClr val="lt1"/>
+            </a:fontRef>
+          </p:style>
+          <p:txBody>
+            <a:bodyPr rtlCol="0" anchor="ctr"/>
+            <a:lstStyle/>
+            <a:p>
+              <a:pPr algn="ctr"/>
+              <a:endParaRPr lang="en-US"/>
+            </a:p>
+          </p:txBody>
+        </p:sp>
+        <p:sp>
+          <p:nvSpPr>
+            <p:cNvPr id="9" name="TextBox 8">
+              <a:extLst>
+                <a:ext uri="{FF2B5EF4-FFF2-40B4-BE49-F238E27FC236}">
+                  <a16:creationId xmlns:a16="http://schemas.microsoft.com/office/drawing/2014/main" id="{92CC0C25-C606-FC69-CB5D-6294AE6D610E}"/>
+                </a:ext>
+              </a:extLst>
+            </p:cNvPr>
+            <p:cNvSpPr txBox="1"/>
+            <p:nvPr/>
+          </p:nvSpPr>
+          <p:spPr>
+            <a:xfrm>
+              <a:off x="6325809" y="2609685"/>
+              <a:ext cx="239168" cy="215444"/>
+            </a:xfrm>
+            <a:prstGeom prst="rect">
+              <a:avLst/>
+            </a:prstGeom>
+            <a:noFill/>
+          </p:spPr>
+          <p:txBody>
+            <a:bodyPr wrap="none" rtlCol="0">
+              <a:spAutoFit/>
+            </a:bodyPr>
+            <a:lstStyle/>
+            <a:p>
+              <a:r>
+                <a:rPr lang="en-US" sz="800" dirty="0"/>
+                <a:t>2</a:t>
+              </a:r>
+            </a:p>
+          </p:txBody>
+        </p:sp>
+        <p:sp>
+          <p:nvSpPr>
+            <p:cNvPr id="10" name="Oval 9">
+              <a:extLst>
+                <a:ext uri="{FF2B5EF4-FFF2-40B4-BE49-F238E27FC236}">
+                  <a16:creationId xmlns:a16="http://schemas.microsoft.com/office/drawing/2014/main" id="{F286E598-C042-2BEC-53C7-654F91A15517}"/>
+                </a:ext>
+              </a:extLst>
+            </p:cNvPr>
+            <p:cNvSpPr/>
+            <p:nvPr/>
+          </p:nvSpPr>
+          <p:spPr>
+            <a:xfrm>
+              <a:off x="7140186" y="2588681"/>
+              <a:ext cx="253014" cy="257453"/>
+            </a:xfrm>
+            <a:prstGeom prst="ellipse">
+              <a:avLst/>
+            </a:prstGeom>
+            <a:solidFill>
+              <a:schemeClr val="accent1">
+                <a:alpha val="39000"/>
+              </a:schemeClr>
+            </a:solidFill>
+            <a:ln w="6350"/>
+          </p:spPr>
+          <p:style>
+            <a:lnRef idx="2">
+              <a:schemeClr val="accent1">
+                <a:shade val="15000"/>
+              </a:schemeClr>
+            </a:lnRef>
+            <a:fillRef idx="1">
+              <a:schemeClr val="accent1"/>
+            </a:fillRef>
+            <a:effectRef idx="0">
+              <a:schemeClr val="accent1"/>
+            </a:effectRef>
+            <a:fontRef idx="minor">
+              <a:schemeClr val="lt1"/>
+            </a:fontRef>
+          </p:style>
+          <p:txBody>
+            <a:bodyPr rtlCol="0" anchor="ctr"/>
+            <a:lstStyle/>
+            <a:p>
+              <a:pPr algn="ctr"/>
+              <a:endParaRPr lang="en-US"/>
+            </a:p>
+          </p:txBody>
+        </p:sp>
+        <p:sp>
+          <p:nvSpPr>
+            <p:cNvPr id="11" name="TextBox 10">
+              <a:extLst>
+                <a:ext uri="{FF2B5EF4-FFF2-40B4-BE49-F238E27FC236}">
+                  <a16:creationId xmlns:a16="http://schemas.microsoft.com/office/drawing/2014/main" id="{1802EFBE-2D96-0F75-5E42-05D5039981BD}"/>
+                </a:ext>
+              </a:extLst>
+            </p:cNvPr>
+            <p:cNvSpPr txBox="1"/>
+            <p:nvPr/>
+          </p:nvSpPr>
+          <p:spPr>
+            <a:xfrm>
+              <a:off x="7147109" y="2609685"/>
+              <a:ext cx="239168" cy="215444"/>
+            </a:xfrm>
+            <a:prstGeom prst="rect">
+              <a:avLst/>
+            </a:prstGeom>
+            <a:noFill/>
+          </p:spPr>
+          <p:txBody>
+            <a:bodyPr wrap="none" rtlCol="0">
+              <a:spAutoFit/>
+            </a:bodyPr>
+            <a:lstStyle/>
+            <a:p>
+              <a:r>
+                <a:rPr lang="en-US" sz="800" dirty="0"/>
+                <a:t>3</a:t>
+              </a:r>
+            </a:p>
+          </p:txBody>
+        </p:sp>
+        <p:sp>
+          <p:nvSpPr>
+            <p:cNvPr id="12" name="Oval 11">
+              <a:extLst>
+                <a:ext uri="{FF2B5EF4-FFF2-40B4-BE49-F238E27FC236}">
+                  <a16:creationId xmlns:a16="http://schemas.microsoft.com/office/drawing/2014/main" id="{90530D8D-D102-46E4-28D0-0C4B3B803476}"/>
+                </a:ext>
+              </a:extLst>
+            </p:cNvPr>
+            <p:cNvSpPr/>
+            <p:nvPr/>
+          </p:nvSpPr>
+          <p:spPr>
+            <a:xfrm>
+              <a:off x="7776471" y="3222594"/>
+              <a:ext cx="253014" cy="257453"/>
+            </a:xfrm>
+            <a:prstGeom prst="ellipse">
+              <a:avLst/>
+            </a:prstGeom>
+            <a:solidFill>
+              <a:schemeClr val="accent1">
+                <a:alpha val="39000"/>
+              </a:schemeClr>
+            </a:solidFill>
+            <a:ln w="6350"/>
+          </p:spPr>
+          <p:style>
+            <a:lnRef idx="2">
+              <a:schemeClr val="accent1">
+                <a:shade val="15000"/>
+              </a:schemeClr>
+            </a:lnRef>
+            <a:fillRef idx="1">
+              <a:schemeClr val="accent1"/>
+            </a:fillRef>
+            <a:effectRef idx="0">
+              <a:schemeClr val="accent1"/>
+            </a:effectRef>
+            <a:fontRef idx="minor">
+              <a:schemeClr val="lt1"/>
+            </a:fontRef>
+          </p:style>
+          <p:txBody>
+            <a:bodyPr rtlCol="0" anchor="ctr"/>
+            <a:lstStyle/>
+            <a:p>
+              <a:pPr algn="ctr"/>
+              <a:endParaRPr lang="en-US"/>
+            </a:p>
+          </p:txBody>
+        </p:sp>
+        <p:sp>
+          <p:nvSpPr>
+            <p:cNvPr id="13" name="TextBox 12">
+              <a:extLst>
+                <a:ext uri="{FF2B5EF4-FFF2-40B4-BE49-F238E27FC236}">
+                  <a16:creationId xmlns:a16="http://schemas.microsoft.com/office/drawing/2014/main" id="{C067C684-6120-3254-27E2-761C38994AF0}"/>
+                </a:ext>
+              </a:extLst>
+            </p:cNvPr>
+            <p:cNvSpPr txBox="1"/>
+            <p:nvPr/>
+          </p:nvSpPr>
+          <p:spPr>
+            <a:xfrm>
+              <a:off x="7783394" y="3243598"/>
+              <a:ext cx="239168" cy="215444"/>
+            </a:xfrm>
+            <a:prstGeom prst="rect">
+              <a:avLst/>
+            </a:prstGeom>
+            <a:noFill/>
+          </p:spPr>
+          <p:txBody>
+            <a:bodyPr wrap="none" rtlCol="0">
+              <a:spAutoFit/>
+            </a:bodyPr>
+            <a:lstStyle/>
+            <a:p>
+              <a:r>
+                <a:rPr lang="en-US" sz="800" dirty="0"/>
+                <a:t>4</a:t>
+              </a:r>
+            </a:p>
+          </p:txBody>
+        </p:sp>
+        <p:sp>
+          <p:nvSpPr>
+            <p:cNvPr id="14" name="Oval 13">
+              <a:extLst>
+                <a:ext uri="{FF2B5EF4-FFF2-40B4-BE49-F238E27FC236}">
+                  <a16:creationId xmlns:a16="http://schemas.microsoft.com/office/drawing/2014/main" id="{8A9287DD-A3C1-8A90-F03F-282198B27A9F}"/>
+                </a:ext>
+              </a:extLst>
+            </p:cNvPr>
+            <p:cNvSpPr/>
+            <p:nvPr/>
+          </p:nvSpPr>
+          <p:spPr>
+            <a:xfrm>
+              <a:off x="5465565" y="3804916"/>
+              <a:ext cx="253014" cy="257453"/>
+            </a:xfrm>
+            <a:prstGeom prst="ellipse">
+              <a:avLst/>
+            </a:prstGeom>
+            <a:solidFill>
+              <a:schemeClr val="accent1">
+                <a:alpha val="39000"/>
+              </a:schemeClr>
+            </a:solidFill>
+            <a:ln w="6350"/>
+          </p:spPr>
+          <p:style>
+            <a:lnRef idx="2">
+              <a:schemeClr val="accent1">
+                <a:shade val="15000"/>
+              </a:schemeClr>
+            </a:lnRef>
+            <a:fillRef idx="1">
+              <a:schemeClr val="accent1"/>
+            </a:fillRef>
+            <a:effectRef idx="0">
+              <a:schemeClr val="accent1"/>
+            </a:effectRef>
+            <a:fontRef idx="minor">
+              <a:schemeClr val="lt1"/>
+            </a:fontRef>
+          </p:style>
+          <p:txBody>
+            <a:bodyPr rtlCol="0" anchor="ctr"/>
+            <a:lstStyle/>
+            <a:p>
+              <a:pPr algn="ctr"/>
+              <a:endParaRPr lang="en-US"/>
+            </a:p>
+          </p:txBody>
+        </p:sp>
+        <p:sp>
+          <p:nvSpPr>
+            <p:cNvPr id="15" name="TextBox 14">
+              <a:extLst>
+                <a:ext uri="{FF2B5EF4-FFF2-40B4-BE49-F238E27FC236}">
+                  <a16:creationId xmlns:a16="http://schemas.microsoft.com/office/drawing/2014/main" id="{051BB9CC-524A-0937-4A38-285698FF8BBA}"/>
+                </a:ext>
+              </a:extLst>
+            </p:cNvPr>
+            <p:cNvSpPr txBox="1"/>
+            <p:nvPr/>
+          </p:nvSpPr>
+          <p:spPr>
+            <a:xfrm>
+              <a:off x="5472488" y="3825920"/>
+              <a:ext cx="239168" cy="215444"/>
+            </a:xfrm>
+            <a:prstGeom prst="rect">
+              <a:avLst/>
+            </a:prstGeom>
+            <a:noFill/>
+          </p:spPr>
+          <p:txBody>
+            <a:bodyPr wrap="none" rtlCol="0">
+              <a:spAutoFit/>
+            </a:bodyPr>
+            <a:lstStyle/>
+            <a:p>
+              <a:r>
+                <a:rPr lang="en-US" sz="800" dirty="0"/>
+                <a:t>7</a:t>
+              </a:r>
+            </a:p>
+          </p:txBody>
+        </p:sp>
+        <p:sp>
+          <p:nvSpPr>
+            <p:cNvPr id="16" name="Oval 15">
+              <a:extLst>
+                <a:ext uri="{FF2B5EF4-FFF2-40B4-BE49-F238E27FC236}">
+                  <a16:creationId xmlns:a16="http://schemas.microsoft.com/office/drawing/2014/main" id="{D227E95B-1F80-C5F0-792A-C64F89EFBF99}"/>
+                </a:ext>
+              </a:extLst>
+            </p:cNvPr>
+            <p:cNvSpPr/>
+            <p:nvPr/>
+          </p:nvSpPr>
+          <p:spPr>
+            <a:xfrm>
+              <a:off x="6318886" y="3804916"/>
+              <a:ext cx="253014" cy="257453"/>
+            </a:xfrm>
+            <a:prstGeom prst="ellipse">
+              <a:avLst/>
+            </a:prstGeom>
+            <a:solidFill>
+              <a:schemeClr val="accent1">
+                <a:alpha val="39000"/>
+              </a:schemeClr>
+            </a:solidFill>
+            <a:ln w="6350"/>
+          </p:spPr>
+          <p:style>
+            <a:lnRef idx="2">
+              <a:schemeClr val="accent1">
+                <a:shade val="15000"/>
+              </a:schemeClr>
+            </a:lnRef>
+            <a:fillRef idx="1">
+              <a:schemeClr val="accent1"/>
+            </a:fillRef>
+            <a:effectRef idx="0">
+              <a:schemeClr val="accent1"/>
+            </a:effectRef>
+            <a:fontRef idx="minor">
+              <a:schemeClr val="lt1"/>
+            </a:fontRef>
+          </p:style>
+          <p:txBody>
+            <a:bodyPr rtlCol="0" anchor="ctr"/>
+            <a:lstStyle/>
+            <a:p>
+              <a:pPr algn="ctr"/>
+              <a:endParaRPr lang="en-US"/>
+            </a:p>
+          </p:txBody>
+        </p:sp>
+        <p:sp>
+          <p:nvSpPr>
+            <p:cNvPr id="17" name="TextBox 16">
+              <a:extLst>
+                <a:ext uri="{FF2B5EF4-FFF2-40B4-BE49-F238E27FC236}">
+                  <a16:creationId xmlns:a16="http://schemas.microsoft.com/office/drawing/2014/main" id="{A5E79171-09E2-2233-2C26-94E565F12A94}"/>
+                </a:ext>
+              </a:extLst>
+            </p:cNvPr>
+            <p:cNvSpPr txBox="1"/>
+            <p:nvPr/>
+          </p:nvSpPr>
+          <p:spPr>
+            <a:xfrm>
+              <a:off x="6325809" y="3825920"/>
+              <a:ext cx="239168" cy="215444"/>
+            </a:xfrm>
+            <a:prstGeom prst="rect">
+              <a:avLst/>
+            </a:prstGeom>
+            <a:noFill/>
+          </p:spPr>
+          <p:txBody>
+            <a:bodyPr wrap="none" rtlCol="0">
+              <a:spAutoFit/>
+            </a:bodyPr>
+            <a:lstStyle/>
+            <a:p>
+              <a:r>
+                <a:rPr lang="en-US" sz="800" dirty="0"/>
+                <a:t>6</a:t>
+              </a:r>
+            </a:p>
+          </p:txBody>
+        </p:sp>
+        <p:sp>
+          <p:nvSpPr>
+            <p:cNvPr id="18" name="Oval 17">
+              <a:extLst>
+                <a:ext uri="{FF2B5EF4-FFF2-40B4-BE49-F238E27FC236}">
+                  <a16:creationId xmlns:a16="http://schemas.microsoft.com/office/drawing/2014/main" id="{3048A303-59BF-B612-23D9-B2808FC1A491}"/>
+                </a:ext>
+              </a:extLst>
+            </p:cNvPr>
+            <p:cNvSpPr/>
+            <p:nvPr/>
+          </p:nvSpPr>
+          <p:spPr>
+            <a:xfrm>
+              <a:off x="7140186" y="3804916"/>
+              <a:ext cx="253014" cy="257453"/>
+            </a:xfrm>
+            <a:prstGeom prst="ellipse">
+              <a:avLst/>
+            </a:prstGeom>
+            <a:solidFill>
+              <a:schemeClr val="accent1">
+                <a:alpha val="39000"/>
+              </a:schemeClr>
+            </a:solidFill>
+            <a:ln w="6350"/>
+          </p:spPr>
+          <p:style>
+            <a:lnRef idx="2">
+              <a:schemeClr val="accent1">
+                <a:shade val="15000"/>
+              </a:schemeClr>
+            </a:lnRef>
+            <a:fillRef idx="1">
+              <a:schemeClr val="accent1"/>
+            </a:fillRef>
+            <a:effectRef idx="0">
+              <a:schemeClr val="accent1"/>
+            </a:effectRef>
+            <a:fontRef idx="minor">
+              <a:schemeClr val="lt1"/>
+            </a:fontRef>
+          </p:style>
+          <p:txBody>
+            <a:bodyPr rtlCol="0" anchor="ctr"/>
+            <a:lstStyle/>
+            <a:p>
+              <a:pPr algn="ctr"/>
+              <a:endParaRPr lang="en-US"/>
+            </a:p>
+          </p:txBody>
+        </p:sp>
+        <p:sp>
+          <p:nvSpPr>
+            <p:cNvPr id="19" name="TextBox 18">
+              <a:extLst>
+                <a:ext uri="{FF2B5EF4-FFF2-40B4-BE49-F238E27FC236}">
+                  <a16:creationId xmlns:a16="http://schemas.microsoft.com/office/drawing/2014/main" id="{E658CDDB-4148-1948-44B3-33EFE8A2AF2A}"/>
+                </a:ext>
+              </a:extLst>
+            </p:cNvPr>
+            <p:cNvSpPr txBox="1"/>
+            <p:nvPr/>
+          </p:nvSpPr>
+          <p:spPr>
+            <a:xfrm>
+              <a:off x="7147109" y="3825920"/>
+              <a:ext cx="239168" cy="215444"/>
+            </a:xfrm>
+            <a:prstGeom prst="rect">
+              <a:avLst/>
+            </a:prstGeom>
+            <a:noFill/>
+          </p:spPr>
+          <p:txBody>
+            <a:bodyPr wrap="none" rtlCol="0">
+              <a:spAutoFit/>
+            </a:bodyPr>
+            <a:lstStyle/>
+            <a:p>
+              <a:r>
+                <a:rPr lang="en-US" sz="800" dirty="0"/>
+                <a:t>5</a:t>
+              </a:r>
+            </a:p>
+          </p:txBody>
+        </p:sp>
+        <p:sp>
+          <p:nvSpPr>
+            <p:cNvPr id="20" name="Oval 19">
+              <a:extLst>
+                <a:ext uri="{FF2B5EF4-FFF2-40B4-BE49-F238E27FC236}">
+                  <a16:creationId xmlns:a16="http://schemas.microsoft.com/office/drawing/2014/main" id="{04BC3EB3-2F4D-D08B-EE42-5E68BB7DD00B}"/>
+                </a:ext>
+              </a:extLst>
+            </p:cNvPr>
+            <p:cNvSpPr/>
+            <p:nvPr/>
+          </p:nvSpPr>
+          <p:spPr>
+            <a:xfrm>
+              <a:off x="6311963" y="3222594"/>
+              <a:ext cx="253014" cy="257453"/>
+            </a:xfrm>
+            <a:prstGeom prst="ellipse">
+              <a:avLst/>
+            </a:prstGeom>
+            <a:solidFill>
+              <a:schemeClr val="accent1">
+                <a:alpha val="39000"/>
+              </a:schemeClr>
+            </a:solidFill>
+            <a:ln w="6350"/>
+          </p:spPr>
+          <p:style>
+            <a:lnRef idx="2">
+              <a:schemeClr val="accent1">
+                <a:shade val="15000"/>
+              </a:schemeClr>
+            </a:lnRef>
+            <a:fillRef idx="1">
+              <a:schemeClr val="accent1"/>
+            </a:fillRef>
+            <a:effectRef idx="0">
+              <a:schemeClr val="accent1"/>
+            </a:effectRef>
+            <a:fontRef idx="minor">
+              <a:schemeClr val="lt1"/>
+            </a:fontRef>
+          </p:style>
+          <p:txBody>
+            <a:bodyPr rtlCol="0" anchor="ctr"/>
+            <a:lstStyle/>
+            <a:p>
+              <a:pPr algn="ctr"/>
+              <a:endParaRPr lang="en-US"/>
+            </a:p>
+          </p:txBody>
+        </p:sp>
+        <p:sp>
+          <p:nvSpPr>
+            <p:cNvPr id="21" name="TextBox 20">
+              <a:extLst>
+                <a:ext uri="{FF2B5EF4-FFF2-40B4-BE49-F238E27FC236}">
+                  <a16:creationId xmlns:a16="http://schemas.microsoft.com/office/drawing/2014/main" id="{4E2A68B3-0D0E-D58F-D185-9D3AD2ABEA0E}"/>
+                </a:ext>
+              </a:extLst>
+            </p:cNvPr>
+            <p:cNvSpPr txBox="1"/>
+            <p:nvPr/>
+          </p:nvSpPr>
+          <p:spPr>
+            <a:xfrm>
+              <a:off x="6318886" y="3243598"/>
+              <a:ext cx="239168" cy="215444"/>
+            </a:xfrm>
+            <a:prstGeom prst="rect">
+              <a:avLst/>
+            </a:prstGeom>
+            <a:noFill/>
+          </p:spPr>
+          <p:txBody>
+            <a:bodyPr wrap="none" rtlCol="0">
+              <a:spAutoFit/>
+            </a:bodyPr>
+            <a:lstStyle/>
+            <a:p>
+              <a:r>
+                <a:rPr lang="en-US" sz="800" dirty="0"/>
+                <a:t>8</a:t>
+              </a:r>
+            </a:p>
+          </p:txBody>
+        </p:sp>
+        <p:cxnSp>
+          <p:nvCxnSpPr>
+            <p:cNvPr id="23" name="Straight Connector 22">
+              <a:extLst>
+                <a:ext uri="{FF2B5EF4-FFF2-40B4-BE49-F238E27FC236}">
+                  <a16:creationId xmlns:a16="http://schemas.microsoft.com/office/drawing/2014/main" id="{92FA63FC-706F-4C37-6C00-AEED85D034A7}"/>
+                </a:ext>
+              </a:extLst>
+            </p:cNvPr>
+            <p:cNvCxnSpPr>
+              <a:cxnSpLocks/>
+            </p:cNvCxnSpPr>
+            <p:nvPr/>
+          </p:nvCxnSpPr>
+          <p:spPr>
+            <a:xfrm flipV="1">
+              <a:off x="5134305" y="2819651"/>
+              <a:ext cx="360408" cy="447266"/>
+            </a:xfrm>
+            <a:prstGeom prst="line">
+              <a:avLst/>
+            </a:prstGeom>
+            <a:ln w="6350"/>
+          </p:spPr>
+          <p:style>
+            <a:lnRef idx="2">
+              <a:schemeClr val="accent1"/>
+            </a:lnRef>
+            <a:fillRef idx="0">
+              <a:schemeClr val="accent1"/>
+            </a:fillRef>
+            <a:effectRef idx="1">
+              <a:schemeClr val="accent1"/>
+            </a:effectRef>
+            <a:fontRef idx="minor">
+              <a:schemeClr val="tx1"/>
+            </a:fontRef>
+          </p:style>
+        </p:cxnSp>
+        <p:cxnSp>
+          <p:nvCxnSpPr>
+            <p:cNvPr id="29" name="Straight Connector 28">
+              <a:extLst>
+                <a:ext uri="{FF2B5EF4-FFF2-40B4-BE49-F238E27FC236}">
+                  <a16:creationId xmlns:a16="http://schemas.microsoft.com/office/drawing/2014/main" id="{5852A6E0-EE68-F9C0-DE93-7557FB6D3B95}"/>
+                </a:ext>
+              </a:extLst>
+            </p:cNvPr>
+            <p:cNvCxnSpPr>
+              <a:cxnSpLocks/>
+              <a:stCxn id="14" idx="0"/>
+              <a:endCxn id="6" idx="4"/>
+            </p:cNvCxnSpPr>
+            <p:nvPr/>
+          </p:nvCxnSpPr>
+          <p:spPr>
+            <a:xfrm flipV="1">
+              <a:off x="5592072" y="2846134"/>
+              <a:ext cx="0" cy="958782"/>
+            </a:xfrm>
+            <a:prstGeom prst="line">
+              <a:avLst/>
+            </a:prstGeom>
+            <a:ln w="6350"/>
+          </p:spPr>
+          <p:style>
+            <a:lnRef idx="2">
+              <a:schemeClr val="accent1"/>
+            </a:lnRef>
+            <a:fillRef idx="0">
+              <a:schemeClr val="accent1"/>
+            </a:fillRef>
+            <a:effectRef idx="1">
+              <a:schemeClr val="accent1"/>
+            </a:effectRef>
+            <a:fontRef idx="minor">
+              <a:schemeClr val="tx1"/>
+            </a:fontRef>
+          </p:style>
+        </p:cxnSp>
+        <p:cxnSp>
+          <p:nvCxnSpPr>
+            <p:cNvPr id="32" name="Straight Connector 31">
+              <a:extLst>
+                <a:ext uri="{FF2B5EF4-FFF2-40B4-BE49-F238E27FC236}">
+                  <a16:creationId xmlns:a16="http://schemas.microsoft.com/office/drawing/2014/main" id="{331A6FA5-1CD4-38EB-F835-FBCC25A3AA32}"/>
+                </a:ext>
+              </a:extLst>
+            </p:cNvPr>
+            <p:cNvCxnSpPr>
+              <a:cxnSpLocks/>
+            </p:cNvCxnSpPr>
+            <p:nvPr/>
+          </p:nvCxnSpPr>
+          <p:spPr>
+            <a:xfrm>
+              <a:off x="5134305" y="3441992"/>
+              <a:ext cx="371091" cy="406583"/>
+            </a:xfrm>
+            <a:prstGeom prst="line">
+              <a:avLst/>
+            </a:prstGeom>
+            <a:ln w="6350"/>
+          </p:spPr>
+          <p:style>
+            <a:lnRef idx="2">
+              <a:schemeClr val="accent1"/>
+            </a:lnRef>
+            <a:fillRef idx="0">
+              <a:schemeClr val="accent1"/>
+            </a:fillRef>
+            <a:effectRef idx="1">
+              <a:schemeClr val="accent1"/>
+            </a:effectRef>
+            <a:fontRef idx="minor">
+              <a:schemeClr val="tx1"/>
+            </a:fontRef>
+          </p:style>
+        </p:cxnSp>
+        <p:cxnSp>
+          <p:nvCxnSpPr>
+            <p:cNvPr id="37" name="Straight Connector 36">
+              <a:extLst>
+                <a:ext uri="{FF2B5EF4-FFF2-40B4-BE49-F238E27FC236}">
+                  <a16:creationId xmlns:a16="http://schemas.microsoft.com/office/drawing/2014/main" id="{ACFA0E20-A54B-6D4E-3289-E620AA79DE77}"/>
+                </a:ext>
+              </a:extLst>
+            </p:cNvPr>
+            <p:cNvCxnSpPr>
+              <a:stCxn id="7" idx="3"/>
+              <a:endCxn id="9" idx="1"/>
+            </p:cNvCxnSpPr>
+            <p:nvPr/>
+          </p:nvCxnSpPr>
+          <p:spPr>
+            <a:xfrm>
+              <a:off x="5711656" y="2717407"/>
+              <a:ext cx="614153" cy="0"/>
+            </a:xfrm>
+            <a:prstGeom prst="line">
+              <a:avLst/>
+            </a:prstGeom>
+            <a:ln w="6350"/>
+          </p:spPr>
+          <p:style>
+            <a:lnRef idx="2">
+              <a:schemeClr val="accent1"/>
+            </a:lnRef>
+            <a:fillRef idx="0">
+              <a:schemeClr val="accent1"/>
+            </a:fillRef>
+            <a:effectRef idx="1">
+              <a:schemeClr val="accent1"/>
+            </a:effectRef>
+            <a:fontRef idx="minor">
+              <a:schemeClr val="tx1"/>
+            </a:fontRef>
+          </p:style>
+        </p:cxnSp>
+        <p:cxnSp>
+          <p:nvCxnSpPr>
+            <p:cNvPr id="39" name="Straight Connector 38">
+              <a:extLst>
+                <a:ext uri="{FF2B5EF4-FFF2-40B4-BE49-F238E27FC236}">
+                  <a16:creationId xmlns:a16="http://schemas.microsoft.com/office/drawing/2014/main" id="{0737C94D-8E2E-503A-9572-ACDB1F6B43CC}"/>
+                </a:ext>
+              </a:extLst>
+            </p:cNvPr>
+            <p:cNvCxnSpPr>
+              <a:stCxn id="9" idx="3"/>
+              <a:endCxn id="11" idx="1"/>
+            </p:cNvCxnSpPr>
+            <p:nvPr/>
+          </p:nvCxnSpPr>
+          <p:spPr>
+            <a:xfrm>
+              <a:off x="6564977" y="2717407"/>
+              <a:ext cx="582132" cy="0"/>
+            </a:xfrm>
+            <a:prstGeom prst="line">
+              <a:avLst/>
+            </a:prstGeom>
+            <a:ln w="6350"/>
+          </p:spPr>
+          <p:style>
+            <a:lnRef idx="2">
+              <a:schemeClr val="accent1"/>
+            </a:lnRef>
+            <a:fillRef idx="0">
+              <a:schemeClr val="accent1"/>
+            </a:fillRef>
+            <a:effectRef idx="1">
+              <a:schemeClr val="accent1"/>
+            </a:effectRef>
+            <a:fontRef idx="minor">
+              <a:schemeClr val="tx1"/>
+            </a:fontRef>
+          </p:style>
+        </p:cxnSp>
+        <p:cxnSp>
+          <p:nvCxnSpPr>
+            <p:cNvPr id="41" name="Straight Connector 40">
+              <a:extLst>
+                <a:ext uri="{FF2B5EF4-FFF2-40B4-BE49-F238E27FC236}">
+                  <a16:creationId xmlns:a16="http://schemas.microsoft.com/office/drawing/2014/main" id="{BFC714FC-A654-D236-2993-B5D6A001E037}"/>
+                </a:ext>
+              </a:extLst>
+            </p:cNvPr>
+            <p:cNvCxnSpPr>
+              <a:cxnSpLocks/>
+            </p:cNvCxnSpPr>
+            <p:nvPr/>
+          </p:nvCxnSpPr>
+          <p:spPr>
+            <a:xfrm>
+              <a:off x="6536550" y="2804644"/>
+              <a:ext cx="652832" cy="1027873"/>
+            </a:xfrm>
+            <a:prstGeom prst="line">
+              <a:avLst/>
+            </a:prstGeom>
+            <a:ln w="6350"/>
+          </p:spPr>
+          <p:style>
+            <a:lnRef idx="2">
+              <a:schemeClr val="accent1"/>
+            </a:lnRef>
+            <a:fillRef idx="0">
+              <a:schemeClr val="accent1"/>
+            </a:fillRef>
+            <a:effectRef idx="1">
+              <a:schemeClr val="accent1"/>
+            </a:effectRef>
+            <a:fontRef idx="minor">
+              <a:schemeClr val="tx1"/>
+            </a:fontRef>
+          </p:style>
+        </p:cxnSp>
+        <p:cxnSp>
+          <p:nvCxnSpPr>
+            <p:cNvPr id="44" name="Straight Connector 43">
+              <a:extLst>
+                <a:ext uri="{FF2B5EF4-FFF2-40B4-BE49-F238E27FC236}">
+                  <a16:creationId xmlns:a16="http://schemas.microsoft.com/office/drawing/2014/main" id="{711CDA23-B8B5-85B6-493F-9E9FD9688DA2}"/>
+                </a:ext>
+              </a:extLst>
+            </p:cNvPr>
+            <p:cNvCxnSpPr>
+              <a:stCxn id="15" idx="3"/>
+              <a:endCxn id="17" idx="1"/>
+            </p:cNvCxnSpPr>
+            <p:nvPr/>
+          </p:nvCxnSpPr>
+          <p:spPr>
+            <a:xfrm>
+              <a:off x="5711656" y="3933642"/>
+              <a:ext cx="614153" cy="0"/>
+            </a:xfrm>
+            <a:prstGeom prst="line">
+              <a:avLst/>
+            </a:prstGeom>
+            <a:ln w="6350"/>
+          </p:spPr>
+          <p:style>
+            <a:lnRef idx="2">
+              <a:schemeClr val="accent1"/>
+            </a:lnRef>
+            <a:fillRef idx="0">
+              <a:schemeClr val="accent1"/>
+            </a:fillRef>
+            <a:effectRef idx="1">
+              <a:schemeClr val="accent1"/>
+            </a:effectRef>
+            <a:fontRef idx="minor">
+              <a:schemeClr val="tx1"/>
+            </a:fontRef>
+          </p:style>
+        </p:cxnSp>
+        <p:cxnSp>
+          <p:nvCxnSpPr>
+            <p:cNvPr id="46" name="Straight Connector 45">
+              <a:extLst>
+                <a:ext uri="{FF2B5EF4-FFF2-40B4-BE49-F238E27FC236}">
+                  <a16:creationId xmlns:a16="http://schemas.microsoft.com/office/drawing/2014/main" id="{5957B8D2-1917-1453-FBD1-A1F1140FA36C}"/>
+                </a:ext>
+              </a:extLst>
+            </p:cNvPr>
+            <p:cNvCxnSpPr>
+              <a:cxnSpLocks/>
+            </p:cNvCxnSpPr>
+            <p:nvPr/>
+          </p:nvCxnSpPr>
+          <p:spPr>
+            <a:xfrm flipV="1">
+              <a:off x="5697771" y="3413619"/>
+              <a:ext cx="630261" cy="457725"/>
+            </a:xfrm>
+            <a:prstGeom prst="line">
+              <a:avLst/>
+            </a:prstGeom>
+            <a:ln w="6350"/>
+          </p:spPr>
+          <p:style>
+            <a:lnRef idx="2">
+              <a:schemeClr val="accent1"/>
+            </a:lnRef>
+            <a:fillRef idx="0">
+              <a:schemeClr val="accent1"/>
+            </a:fillRef>
+            <a:effectRef idx="1">
+              <a:schemeClr val="accent1"/>
+            </a:effectRef>
+            <a:fontRef idx="minor">
+              <a:schemeClr val="tx1"/>
+            </a:fontRef>
+          </p:style>
+        </p:cxnSp>
+        <p:cxnSp>
+          <p:nvCxnSpPr>
+            <p:cNvPr id="51" name="Straight Connector 50">
+              <a:extLst>
+                <a:ext uri="{FF2B5EF4-FFF2-40B4-BE49-F238E27FC236}">
+                  <a16:creationId xmlns:a16="http://schemas.microsoft.com/office/drawing/2014/main" id="{A441C6C4-962B-3128-5666-2EFDF9C2A03A}"/>
+                </a:ext>
+              </a:extLst>
+            </p:cNvPr>
+            <p:cNvCxnSpPr>
+              <a:stCxn id="8" idx="4"/>
+              <a:endCxn id="20" idx="0"/>
+            </p:cNvCxnSpPr>
+            <p:nvPr/>
+          </p:nvCxnSpPr>
+          <p:spPr>
+            <a:xfrm flipH="1">
+              <a:off x="6438470" y="2846134"/>
+              <a:ext cx="6923" cy="376460"/>
+            </a:xfrm>
+            <a:prstGeom prst="line">
+              <a:avLst/>
+            </a:prstGeom>
+            <a:ln w="6350"/>
+          </p:spPr>
+          <p:style>
+            <a:lnRef idx="2">
+              <a:schemeClr val="accent1"/>
+            </a:lnRef>
+            <a:fillRef idx="0">
+              <a:schemeClr val="accent1"/>
+            </a:fillRef>
+            <a:effectRef idx="1">
+              <a:schemeClr val="accent1"/>
+            </a:effectRef>
+            <a:fontRef idx="minor">
+              <a:schemeClr val="tx1"/>
+            </a:fontRef>
+          </p:style>
+        </p:cxnSp>
+        <p:cxnSp>
+          <p:nvCxnSpPr>
+            <p:cNvPr id="52" name="Straight Connector 51">
+              <a:extLst>
+                <a:ext uri="{FF2B5EF4-FFF2-40B4-BE49-F238E27FC236}">
+                  <a16:creationId xmlns:a16="http://schemas.microsoft.com/office/drawing/2014/main" id="{88071123-023F-71C0-AD36-F4B206C29D08}"/>
+                </a:ext>
+              </a:extLst>
+            </p:cNvPr>
+            <p:cNvCxnSpPr>
+              <a:cxnSpLocks/>
+            </p:cNvCxnSpPr>
+            <p:nvPr/>
+          </p:nvCxnSpPr>
+          <p:spPr>
+            <a:xfrm>
+              <a:off x="6439779" y="3474431"/>
+              <a:ext cx="0" cy="336100"/>
+            </a:xfrm>
+            <a:prstGeom prst="line">
+              <a:avLst/>
+            </a:prstGeom>
+            <a:ln w="6350"/>
+          </p:spPr>
+          <p:style>
+            <a:lnRef idx="2">
+              <a:schemeClr val="accent1"/>
+            </a:lnRef>
+            <a:fillRef idx="0">
+              <a:schemeClr val="accent1"/>
+            </a:fillRef>
+            <a:effectRef idx="1">
+              <a:schemeClr val="accent1"/>
+            </a:effectRef>
+            <a:fontRef idx="minor">
+              <a:schemeClr val="tx1"/>
+            </a:fontRef>
+          </p:style>
+        </p:cxnSp>
+        <p:cxnSp>
+          <p:nvCxnSpPr>
+            <p:cNvPr id="55" name="Straight Connector 54">
+              <a:extLst>
+                <a:ext uri="{FF2B5EF4-FFF2-40B4-BE49-F238E27FC236}">
+                  <a16:creationId xmlns:a16="http://schemas.microsoft.com/office/drawing/2014/main" id="{7A5AE248-9FB5-BA63-2E49-F111350AA639}"/>
+                </a:ext>
+              </a:extLst>
+            </p:cNvPr>
+            <p:cNvCxnSpPr>
+              <a:stCxn id="10" idx="4"/>
+              <a:endCxn id="18" idx="0"/>
+            </p:cNvCxnSpPr>
+            <p:nvPr/>
+          </p:nvCxnSpPr>
+          <p:spPr>
+            <a:xfrm>
+              <a:off x="7266693" y="2846134"/>
+              <a:ext cx="0" cy="958782"/>
+            </a:xfrm>
+            <a:prstGeom prst="line">
+              <a:avLst/>
+            </a:prstGeom>
+            <a:ln w="6350"/>
+          </p:spPr>
+          <p:style>
+            <a:lnRef idx="2">
+              <a:schemeClr val="accent1"/>
+            </a:lnRef>
+            <a:fillRef idx="0">
+              <a:schemeClr val="accent1"/>
+            </a:fillRef>
+            <a:effectRef idx="1">
+              <a:schemeClr val="accent1"/>
+            </a:effectRef>
+            <a:fontRef idx="minor">
+              <a:schemeClr val="tx1"/>
+            </a:fontRef>
+          </p:style>
+        </p:cxnSp>
+        <p:cxnSp>
+          <p:nvCxnSpPr>
+            <p:cNvPr id="57" name="Straight Connector 56">
+              <a:extLst>
+                <a:ext uri="{FF2B5EF4-FFF2-40B4-BE49-F238E27FC236}">
+                  <a16:creationId xmlns:a16="http://schemas.microsoft.com/office/drawing/2014/main" id="{F88CB20F-64F8-DFDE-F084-883A34DCC1CE}"/>
+                </a:ext>
+              </a:extLst>
+            </p:cNvPr>
+            <p:cNvCxnSpPr>
+              <a:stCxn id="16" idx="6"/>
+              <a:endCxn id="18" idx="2"/>
+            </p:cNvCxnSpPr>
+            <p:nvPr/>
+          </p:nvCxnSpPr>
+          <p:spPr>
+            <a:xfrm>
+              <a:off x="6571900" y="3933643"/>
+              <a:ext cx="568286" cy="0"/>
+            </a:xfrm>
+            <a:prstGeom prst="line">
+              <a:avLst/>
+            </a:prstGeom>
+            <a:ln w="6350"/>
+          </p:spPr>
+          <p:style>
+            <a:lnRef idx="2">
+              <a:schemeClr val="accent1"/>
+            </a:lnRef>
+            <a:fillRef idx="0">
+              <a:schemeClr val="accent1"/>
+            </a:fillRef>
+            <a:effectRef idx="1">
+              <a:schemeClr val="accent1"/>
+            </a:effectRef>
+            <a:fontRef idx="minor">
+              <a:schemeClr val="tx1"/>
+            </a:fontRef>
+          </p:style>
+        </p:cxnSp>
+        <p:cxnSp>
+          <p:nvCxnSpPr>
+            <p:cNvPr id="59" name="Straight Connector 58">
+              <a:extLst>
+                <a:ext uri="{FF2B5EF4-FFF2-40B4-BE49-F238E27FC236}">
+                  <a16:creationId xmlns:a16="http://schemas.microsoft.com/office/drawing/2014/main" id="{3EA85858-7F06-A367-B23A-BF3AC77A6AEC}"/>
+                </a:ext>
+              </a:extLst>
+            </p:cNvPr>
+            <p:cNvCxnSpPr>
+              <a:cxnSpLocks/>
+            </p:cNvCxnSpPr>
+            <p:nvPr/>
+          </p:nvCxnSpPr>
+          <p:spPr>
+            <a:xfrm>
+              <a:off x="7354861" y="2813836"/>
+              <a:ext cx="454554" cy="458895"/>
+            </a:xfrm>
+            <a:prstGeom prst="line">
+              <a:avLst/>
+            </a:prstGeom>
+            <a:ln w="6350"/>
+          </p:spPr>
+          <p:style>
+            <a:lnRef idx="2">
+              <a:schemeClr val="accent1"/>
+            </a:lnRef>
+            <a:fillRef idx="0">
+              <a:schemeClr val="accent1"/>
+            </a:fillRef>
+            <a:effectRef idx="1">
+              <a:schemeClr val="accent1"/>
+            </a:effectRef>
+            <a:fontRef idx="minor">
+              <a:schemeClr val="tx1"/>
+            </a:fontRef>
+          </p:style>
+        </p:cxnSp>
+        <p:cxnSp>
+          <p:nvCxnSpPr>
+            <p:cNvPr id="62" name="Straight Connector 61">
+              <a:extLst>
+                <a:ext uri="{FF2B5EF4-FFF2-40B4-BE49-F238E27FC236}">
+                  <a16:creationId xmlns:a16="http://schemas.microsoft.com/office/drawing/2014/main" id="{DFF5054E-49CE-BA9E-09C8-F4A799531B36}"/>
+                </a:ext>
+              </a:extLst>
+            </p:cNvPr>
+            <p:cNvCxnSpPr>
+              <a:cxnSpLocks/>
+            </p:cNvCxnSpPr>
+            <p:nvPr/>
+          </p:nvCxnSpPr>
+          <p:spPr>
+            <a:xfrm flipV="1">
+              <a:off x="7351580" y="3441992"/>
+              <a:ext cx="456307" cy="408064"/>
+            </a:xfrm>
+            <a:prstGeom prst="line">
+              <a:avLst/>
+            </a:prstGeom>
+            <a:ln w="6350"/>
+          </p:spPr>
+          <p:style>
+            <a:lnRef idx="2">
+              <a:schemeClr val="accent1"/>
+            </a:lnRef>
+            <a:fillRef idx="0">
+              <a:schemeClr val="accent1"/>
+            </a:fillRef>
+            <a:effectRef idx="1">
+              <a:schemeClr val="accent1"/>
+            </a:effectRef>
+            <a:fontRef idx="minor">
+              <a:schemeClr val="tx1"/>
+            </a:fontRef>
+          </p:style>
+        </p:cxnSp>
+        <p:sp>
+          <p:nvSpPr>
+            <p:cNvPr id="64" name="TextBox 63">
+              <a:extLst>
+                <a:ext uri="{FF2B5EF4-FFF2-40B4-BE49-F238E27FC236}">
+                  <a16:creationId xmlns:a16="http://schemas.microsoft.com/office/drawing/2014/main" id="{234B970A-D457-56C3-3772-6B341E03DC03}"/>
+                </a:ext>
+              </a:extLst>
+            </p:cNvPr>
+            <p:cNvSpPr txBox="1"/>
+            <p:nvPr/>
+          </p:nvSpPr>
+          <p:spPr>
+            <a:xfrm>
+              <a:off x="5144664" y="2898775"/>
+              <a:ext cx="227338" cy="200055"/>
+            </a:xfrm>
+            <a:prstGeom prst="rect">
+              <a:avLst/>
+            </a:prstGeom>
+            <a:noFill/>
+          </p:spPr>
+          <p:txBody>
+            <a:bodyPr wrap="square" rtlCol="0">
+              <a:spAutoFit/>
+            </a:bodyPr>
+            <a:lstStyle/>
+            <a:p>
+              <a:r>
+                <a:rPr lang="en-US" sz="700" dirty="0"/>
+                <a:t>4</a:t>
+              </a:r>
+            </a:p>
+          </p:txBody>
+        </p:sp>
+        <p:sp>
+          <p:nvSpPr>
+            <p:cNvPr id="65" name="TextBox 64">
+              <a:extLst>
+                <a:ext uri="{FF2B5EF4-FFF2-40B4-BE49-F238E27FC236}">
+                  <a16:creationId xmlns:a16="http://schemas.microsoft.com/office/drawing/2014/main" id="{51FB5B34-A1D6-452B-B4C8-516AE82FDE06}"/>
+                </a:ext>
+              </a:extLst>
+            </p:cNvPr>
+            <p:cNvSpPr txBox="1"/>
+            <p:nvPr/>
+          </p:nvSpPr>
+          <p:spPr>
+            <a:xfrm>
+              <a:off x="5919102" y="2527406"/>
+              <a:ext cx="227338" cy="200055"/>
+            </a:xfrm>
+            <a:prstGeom prst="rect">
+              <a:avLst/>
+            </a:prstGeom>
+            <a:noFill/>
+          </p:spPr>
+          <p:txBody>
+            <a:bodyPr wrap="square" rtlCol="0">
+              <a:spAutoFit/>
+            </a:bodyPr>
+            <a:lstStyle/>
+            <a:p>
+              <a:r>
+                <a:rPr lang="en-US" sz="700" dirty="0"/>
+                <a:t>8</a:t>
+              </a:r>
+            </a:p>
+          </p:txBody>
+        </p:sp>
+        <p:sp>
+          <p:nvSpPr>
+            <p:cNvPr id="66" name="TextBox 65">
+              <a:extLst>
+                <a:ext uri="{FF2B5EF4-FFF2-40B4-BE49-F238E27FC236}">
+                  <a16:creationId xmlns:a16="http://schemas.microsoft.com/office/drawing/2014/main" id="{BD805D87-2045-BBF2-69A1-807846388647}"/>
+                </a:ext>
+              </a:extLst>
+            </p:cNvPr>
+            <p:cNvSpPr txBox="1"/>
+            <p:nvPr/>
+          </p:nvSpPr>
+          <p:spPr>
+            <a:xfrm>
+              <a:off x="6723971" y="2535350"/>
+              <a:ext cx="227338" cy="200055"/>
+            </a:xfrm>
+            <a:prstGeom prst="rect">
+              <a:avLst/>
+            </a:prstGeom>
+            <a:noFill/>
+          </p:spPr>
+          <p:txBody>
+            <a:bodyPr wrap="square" rtlCol="0">
+              <a:spAutoFit/>
+            </a:bodyPr>
+            <a:lstStyle/>
+            <a:p>
+              <a:r>
+                <a:rPr lang="en-US" sz="700" dirty="0"/>
+                <a:t>7</a:t>
+              </a:r>
+            </a:p>
+          </p:txBody>
+        </p:sp>
+        <p:sp>
+          <p:nvSpPr>
+            <p:cNvPr id="67" name="TextBox 66">
+              <a:extLst>
+                <a:ext uri="{FF2B5EF4-FFF2-40B4-BE49-F238E27FC236}">
+                  <a16:creationId xmlns:a16="http://schemas.microsoft.com/office/drawing/2014/main" id="{DE5B4C60-D56F-D313-AD70-D370B9B47333}"/>
+                </a:ext>
+              </a:extLst>
+            </p:cNvPr>
+            <p:cNvSpPr txBox="1"/>
+            <p:nvPr/>
+          </p:nvSpPr>
+          <p:spPr>
+            <a:xfrm>
+              <a:off x="5547758" y="3205105"/>
+              <a:ext cx="325358" cy="200055"/>
+            </a:xfrm>
+            <a:prstGeom prst="rect">
+              <a:avLst/>
+            </a:prstGeom>
+            <a:noFill/>
+          </p:spPr>
+          <p:txBody>
+            <a:bodyPr wrap="square" rtlCol="0">
+              <a:spAutoFit/>
+            </a:bodyPr>
+            <a:lstStyle/>
+            <a:p>
+              <a:r>
+                <a:rPr lang="en-US" sz="700" dirty="0"/>
+                <a:t>11</a:t>
+              </a:r>
+            </a:p>
+          </p:txBody>
+        </p:sp>
+        <p:sp>
+          <p:nvSpPr>
+            <p:cNvPr id="68" name="TextBox 67">
+              <a:extLst>
+                <a:ext uri="{FF2B5EF4-FFF2-40B4-BE49-F238E27FC236}">
+                  <a16:creationId xmlns:a16="http://schemas.microsoft.com/office/drawing/2014/main" id="{1A922B81-ED53-7460-5032-79EC353BA67D}"/>
+                </a:ext>
+              </a:extLst>
+            </p:cNvPr>
+            <p:cNvSpPr txBox="1"/>
+            <p:nvPr/>
+          </p:nvSpPr>
+          <p:spPr>
+            <a:xfrm>
+              <a:off x="5860624" y="3449104"/>
+              <a:ext cx="227338" cy="200055"/>
+            </a:xfrm>
+            <a:prstGeom prst="rect">
+              <a:avLst/>
+            </a:prstGeom>
+            <a:noFill/>
+          </p:spPr>
+          <p:txBody>
+            <a:bodyPr wrap="square" rtlCol="0">
+              <a:spAutoFit/>
+            </a:bodyPr>
+            <a:lstStyle/>
+            <a:p>
+              <a:r>
+                <a:rPr lang="en-US" sz="700" dirty="0"/>
+                <a:t>7</a:t>
+              </a:r>
+            </a:p>
+          </p:txBody>
+        </p:sp>
+        <p:sp>
+          <p:nvSpPr>
+            <p:cNvPr id="69" name="TextBox 68">
+              <a:extLst>
+                <a:ext uri="{FF2B5EF4-FFF2-40B4-BE49-F238E27FC236}">
+                  <a16:creationId xmlns:a16="http://schemas.microsoft.com/office/drawing/2014/main" id="{6396E6AC-7A81-E7CA-449E-233ADF11C7E5}"/>
+                </a:ext>
+              </a:extLst>
+            </p:cNvPr>
+            <p:cNvSpPr txBox="1"/>
+            <p:nvPr/>
+          </p:nvSpPr>
+          <p:spPr>
+            <a:xfrm>
+              <a:off x="6406738" y="3542453"/>
+              <a:ext cx="227338" cy="200055"/>
+            </a:xfrm>
+            <a:prstGeom prst="rect">
+              <a:avLst/>
+            </a:prstGeom>
+            <a:noFill/>
+          </p:spPr>
+          <p:txBody>
+            <a:bodyPr wrap="square" rtlCol="0">
+              <a:spAutoFit/>
+            </a:bodyPr>
+            <a:lstStyle/>
+            <a:p>
+              <a:r>
+                <a:rPr lang="en-US" sz="700" dirty="0"/>
+                <a:t>6</a:t>
+              </a:r>
+            </a:p>
+          </p:txBody>
+        </p:sp>
+        <p:sp>
+          <p:nvSpPr>
+            <p:cNvPr id="70" name="TextBox 69">
+              <a:extLst>
+                <a:ext uri="{FF2B5EF4-FFF2-40B4-BE49-F238E27FC236}">
+                  <a16:creationId xmlns:a16="http://schemas.microsoft.com/office/drawing/2014/main" id="{AA7B55D4-8966-E5B2-573D-4575066FD0B0}"/>
+                </a:ext>
+              </a:extLst>
+            </p:cNvPr>
+            <p:cNvSpPr txBox="1"/>
+            <p:nvPr/>
+          </p:nvSpPr>
+          <p:spPr>
+            <a:xfrm>
+              <a:off x="5936243" y="3756299"/>
+              <a:ext cx="227338" cy="200055"/>
+            </a:xfrm>
+            <a:prstGeom prst="rect">
+              <a:avLst/>
+            </a:prstGeom>
+            <a:noFill/>
+          </p:spPr>
+          <p:txBody>
+            <a:bodyPr wrap="square" rtlCol="0">
+              <a:spAutoFit/>
+            </a:bodyPr>
+            <a:lstStyle/>
+            <a:p>
+              <a:r>
+                <a:rPr lang="en-US" sz="700" dirty="0"/>
+                <a:t>1</a:t>
+              </a:r>
+            </a:p>
+          </p:txBody>
+        </p:sp>
+        <p:sp>
+          <p:nvSpPr>
+            <p:cNvPr id="71" name="TextBox 70">
+              <a:extLst>
+                <a:ext uri="{FF2B5EF4-FFF2-40B4-BE49-F238E27FC236}">
+                  <a16:creationId xmlns:a16="http://schemas.microsoft.com/office/drawing/2014/main" id="{C7335EA5-0BDC-87D6-1588-D2DCB3C31C3E}"/>
+                </a:ext>
+              </a:extLst>
+            </p:cNvPr>
+            <p:cNvSpPr txBox="1"/>
+            <p:nvPr/>
+          </p:nvSpPr>
+          <p:spPr>
+            <a:xfrm>
+              <a:off x="6816485" y="3143570"/>
+              <a:ext cx="227338" cy="200055"/>
+            </a:xfrm>
+            <a:prstGeom prst="rect">
+              <a:avLst/>
+            </a:prstGeom>
+            <a:noFill/>
+          </p:spPr>
+          <p:txBody>
+            <a:bodyPr wrap="square" rtlCol="0">
+              <a:spAutoFit/>
+            </a:bodyPr>
+            <a:lstStyle/>
+            <a:p>
+              <a:r>
+                <a:rPr lang="en-US" sz="700" dirty="0"/>
+                <a:t>4</a:t>
+              </a:r>
+            </a:p>
+          </p:txBody>
+        </p:sp>
+        <p:sp>
+          <p:nvSpPr>
+            <p:cNvPr id="72" name="TextBox 71">
+              <a:extLst>
+                <a:ext uri="{FF2B5EF4-FFF2-40B4-BE49-F238E27FC236}">
+                  <a16:creationId xmlns:a16="http://schemas.microsoft.com/office/drawing/2014/main" id="{DF8621CD-C441-BF38-2A39-97E5590393D6}"/>
+                </a:ext>
+              </a:extLst>
+            </p:cNvPr>
+            <p:cNvSpPr txBox="1"/>
+            <p:nvPr/>
+          </p:nvSpPr>
+          <p:spPr>
+            <a:xfrm>
+              <a:off x="7223018" y="3193707"/>
+              <a:ext cx="289019" cy="200055"/>
+            </a:xfrm>
+            <a:prstGeom prst="rect">
+              <a:avLst/>
+            </a:prstGeom>
+            <a:noFill/>
+          </p:spPr>
+          <p:txBody>
+            <a:bodyPr wrap="square" rtlCol="0">
+              <a:spAutoFit/>
+            </a:bodyPr>
+            <a:lstStyle/>
+            <a:p>
+              <a:r>
+                <a:rPr lang="en-US" sz="700" dirty="0"/>
+                <a:t>14</a:t>
+              </a:r>
+            </a:p>
+          </p:txBody>
+        </p:sp>
+        <p:sp>
+          <p:nvSpPr>
+            <p:cNvPr id="73" name="TextBox 72">
+              <a:extLst>
+                <a:ext uri="{FF2B5EF4-FFF2-40B4-BE49-F238E27FC236}">
+                  <a16:creationId xmlns:a16="http://schemas.microsoft.com/office/drawing/2014/main" id="{943E346A-D029-B7A2-1E07-0836129CCD74}"/>
+                </a:ext>
+              </a:extLst>
+            </p:cNvPr>
+            <p:cNvSpPr txBox="1"/>
+            <p:nvPr/>
+          </p:nvSpPr>
+          <p:spPr>
+            <a:xfrm>
+              <a:off x="7534419" y="2847834"/>
+              <a:ext cx="227338" cy="200055"/>
+            </a:xfrm>
+            <a:prstGeom prst="rect">
+              <a:avLst/>
+            </a:prstGeom>
+            <a:noFill/>
+          </p:spPr>
+          <p:txBody>
+            <a:bodyPr wrap="square" rtlCol="0">
+              <a:spAutoFit/>
+            </a:bodyPr>
+            <a:lstStyle/>
+            <a:p>
+              <a:r>
+                <a:rPr lang="en-US" sz="700" dirty="0"/>
+                <a:t>9</a:t>
+              </a:r>
+            </a:p>
+          </p:txBody>
+        </p:sp>
+        <p:sp>
+          <p:nvSpPr>
+            <p:cNvPr id="74" name="TextBox 73">
+              <a:extLst>
+                <a:ext uri="{FF2B5EF4-FFF2-40B4-BE49-F238E27FC236}">
+                  <a16:creationId xmlns:a16="http://schemas.microsoft.com/office/drawing/2014/main" id="{59D375F8-088C-07C0-BAB0-458B60F9284F}"/>
+                </a:ext>
+              </a:extLst>
+            </p:cNvPr>
+            <p:cNvSpPr txBox="1"/>
+            <p:nvPr/>
+          </p:nvSpPr>
+          <p:spPr>
+            <a:xfrm>
+              <a:off x="7530329" y="3615988"/>
+              <a:ext cx="308746" cy="200055"/>
+            </a:xfrm>
+            <a:prstGeom prst="rect">
+              <a:avLst/>
+            </a:prstGeom>
+            <a:noFill/>
+          </p:spPr>
+          <p:txBody>
+            <a:bodyPr wrap="square" rtlCol="0">
+              <a:spAutoFit/>
+            </a:bodyPr>
+            <a:lstStyle/>
+            <a:p>
+              <a:r>
+                <a:rPr lang="en-US" sz="700" dirty="0"/>
+                <a:t>10</a:t>
+              </a:r>
+            </a:p>
+          </p:txBody>
+        </p:sp>
+        <p:sp>
+          <p:nvSpPr>
+            <p:cNvPr id="75" name="TextBox 74">
+              <a:extLst>
+                <a:ext uri="{FF2B5EF4-FFF2-40B4-BE49-F238E27FC236}">
+                  <a16:creationId xmlns:a16="http://schemas.microsoft.com/office/drawing/2014/main" id="{B9D13C12-3896-EEB4-197D-AE18E9953455}"/>
+                </a:ext>
+              </a:extLst>
+            </p:cNvPr>
+            <p:cNvSpPr txBox="1"/>
+            <p:nvPr/>
+          </p:nvSpPr>
+          <p:spPr>
+            <a:xfrm>
+              <a:off x="6770926" y="3762253"/>
+              <a:ext cx="227338" cy="200055"/>
+            </a:xfrm>
+            <a:prstGeom prst="rect">
+              <a:avLst/>
+            </a:prstGeom>
+            <a:noFill/>
+          </p:spPr>
+          <p:txBody>
+            <a:bodyPr wrap="square" rtlCol="0">
+              <a:spAutoFit/>
+            </a:bodyPr>
+            <a:lstStyle/>
+            <a:p>
+              <a:r>
+                <a:rPr lang="en-US" sz="700" dirty="0"/>
+                <a:t>2</a:t>
+              </a:r>
+            </a:p>
+          </p:txBody>
+        </p:sp>
+        <p:sp>
+          <p:nvSpPr>
+            <p:cNvPr id="76" name="TextBox 75">
+              <a:extLst>
+                <a:ext uri="{FF2B5EF4-FFF2-40B4-BE49-F238E27FC236}">
+                  <a16:creationId xmlns:a16="http://schemas.microsoft.com/office/drawing/2014/main" id="{48CC398E-B5DE-3066-CC63-33986311EACF}"/>
+                </a:ext>
+              </a:extLst>
+            </p:cNvPr>
+            <p:cNvSpPr txBox="1"/>
+            <p:nvPr/>
+          </p:nvSpPr>
+          <p:spPr>
+            <a:xfrm>
+              <a:off x="5239539" y="3467013"/>
+              <a:ext cx="227338" cy="200055"/>
+            </a:xfrm>
+            <a:prstGeom prst="rect">
+              <a:avLst/>
+            </a:prstGeom>
+            <a:noFill/>
+          </p:spPr>
+          <p:txBody>
+            <a:bodyPr wrap="square" rtlCol="0">
+              <a:spAutoFit/>
+            </a:bodyPr>
+            <a:lstStyle/>
+            <a:p>
+              <a:r>
+                <a:rPr lang="en-US" sz="700" dirty="0"/>
+                <a:t>8</a:t>
+              </a:r>
+            </a:p>
+          </p:txBody>
+        </p:sp>
+        <p:sp>
+          <p:nvSpPr>
+            <p:cNvPr id="77" name="TextBox 76">
+              <a:extLst>
+                <a:ext uri="{FF2B5EF4-FFF2-40B4-BE49-F238E27FC236}">
+                  <a16:creationId xmlns:a16="http://schemas.microsoft.com/office/drawing/2014/main" id="{194829D1-B2F0-C9A0-0A03-7022A7F6C953}"/>
+                </a:ext>
+              </a:extLst>
+            </p:cNvPr>
+            <p:cNvSpPr txBox="1"/>
+            <p:nvPr/>
+          </p:nvSpPr>
+          <p:spPr>
+            <a:xfrm>
+              <a:off x="6406738" y="2925059"/>
+              <a:ext cx="227338" cy="200055"/>
+            </a:xfrm>
+            <a:prstGeom prst="rect">
+              <a:avLst/>
+            </a:prstGeom>
+            <a:noFill/>
+          </p:spPr>
+          <p:txBody>
+            <a:bodyPr wrap="square" rtlCol="0">
+              <a:spAutoFit/>
+            </a:bodyPr>
+            <a:lstStyle/>
+            <a:p>
+              <a:r>
+                <a:rPr lang="en-US" sz="700" dirty="0"/>
+                <a:t>2</a:t>
+              </a:r>
+            </a:p>
+          </p:txBody>
+        </p:sp>
+      </p:grpSp>
+    </p:spTree>
+    <p:extLst>
+      <p:ext uri="{BB962C8B-B14F-4D97-AF65-F5344CB8AC3E}">
+        <p14:creationId xmlns:p14="http://schemas.microsoft.com/office/powerpoint/2010/main" val="4080265746"/>
+      </p:ext>
+    </p:extLst>
+  </p:cSld>
+  <p:clrMapOvr>
+    <a:masterClrMapping/>
+  </p:clrMapOvr>
+</p:sld>
+</file>
+
 <file path=ppt/theme/theme1.xml><?xml version="1.0" encoding="utf-8"?>
 <a:theme xmlns:a="http://schemas.openxmlformats.org/drawingml/2006/main" name="Office Theme">
   <a:themeElements>

--- a/docs/FiguresForDynamicProgrammingProblemsandTheirSolutionsInCode.pptx
+++ b/docs/FiguresForDynamicProgrammingProblemsandTheirSolutionsInCode.pptx
@@ -7,6 +7,7 @@
   <p:sldIdLst>
     <p:sldId id="256" r:id="rId2"/>
     <p:sldId id="257" r:id="rId3"/>
+    <p:sldId id="258" r:id="rId4"/>
   </p:sldIdLst>
   <p:sldSz cx="12192000" cy="6858000"/>
   <p:notesSz cx="6858000" cy="9144000"/>
@@ -5070,7 +5071,7 @@
         </p:nvGrpSpPr>
         <p:grpSpPr>
           <a:xfrm>
-            <a:off x="4918229" y="2527406"/>
+            <a:off x="6998001" y="865814"/>
             <a:ext cx="3111256" cy="1534963"/>
             <a:chOff x="4918229" y="2527406"/>
             <a:chExt cx="3111256" cy="1534963"/>
@@ -6883,6 +6884,2865 @@
           <p:spPr>
             <a:xfrm>
               <a:off x="6406738" y="2925059"/>
+              <a:ext cx="227338" cy="200055"/>
+            </a:xfrm>
+            <a:prstGeom prst="rect">
+              <a:avLst/>
+            </a:prstGeom>
+            <a:noFill/>
+          </p:spPr>
+          <p:txBody>
+            <a:bodyPr wrap="square" rtlCol="0">
+              <a:spAutoFit/>
+            </a:bodyPr>
+            <a:lstStyle/>
+            <a:p>
+              <a:r>
+                <a:rPr lang="en-US" sz="700" dirty="0"/>
+                <a:t>2</a:t>
+              </a:r>
+            </a:p>
+          </p:txBody>
+        </p:sp>
+      </p:grpSp>
+      <p:sp>
+        <p:nvSpPr>
+          <p:cNvPr id="79" name="Cloud 78">
+            <a:extLst>
+              <a:ext uri="{FF2B5EF4-FFF2-40B4-BE49-F238E27FC236}">
+                <a16:creationId xmlns:a16="http://schemas.microsoft.com/office/drawing/2014/main" id="{86A78290-74D9-4994-0692-CBC188A534E5}"/>
+              </a:ext>
+            </a:extLst>
+          </p:cNvPr>
+          <p:cNvSpPr/>
+          <p:nvPr/>
+        </p:nvSpPr>
+        <p:spPr>
+          <a:xfrm>
+            <a:off x="2588455" y="3512234"/>
+            <a:ext cx="801859" cy="614289"/>
+          </a:xfrm>
+          <a:prstGeom prst="cloud">
+            <a:avLst/>
+          </a:prstGeom>
+          <a:solidFill>
+            <a:schemeClr val="accent1">
+              <a:alpha val="9000"/>
+            </a:schemeClr>
+          </a:solidFill>
+          <a:ln w="6350"/>
+        </p:spPr>
+        <p:style>
+          <a:lnRef idx="2">
+            <a:schemeClr val="accent1">
+              <a:shade val="15000"/>
+            </a:schemeClr>
+          </a:lnRef>
+          <a:fillRef idx="1">
+            <a:schemeClr val="accent1"/>
+          </a:fillRef>
+          <a:effectRef idx="0">
+            <a:schemeClr val="accent1"/>
+          </a:effectRef>
+          <a:fontRef idx="minor">
+            <a:schemeClr val="lt1"/>
+          </a:fontRef>
+        </p:style>
+        <p:txBody>
+          <a:bodyPr rtlCol="0" anchor="ctr"/>
+          <a:lstStyle/>
+          <a:p>
+            <a:pPr algn="ctr"/>
+            <a:endParaRPr lang="en-US"/>
+          </a:p>
+        </p:txBody>
+      </p:sp>
+      <p:sp>
+        <p:nvSpPr>
+          <p:cNvPr id="80" name="Cloud 79">
+            <a:extLst>
+              <a:ext uri="{FF2B5EF4-FFF2-40B4-BE49-F238E27FC236}">
+                <a16:creationId xmlns:a16="http://schemas.microsoft.com/office/drawing/2014/main" id="{FF1378C4-3A12-4F0D-9C26-F9403761D9D2}"/>
+              </a:ext>
+            </a:extLst>
+          </p:cNvPr>
+          <p:cNvSpPr/>
+          <p:nvPr/>
+        </p:nvSpPr>
+        <p:spPr>
+          <a:xfrm>
+            <a:off x="1866315" y="2980246"/>
+            <a:ext cx="2339926" cy="1526105"/>
+          </a:xfrm>
+          <a:prstGeom prst="cloud">
+            <a:avLst/>
+          </a:prstGeom>
+          <a:solidFill>
+            <a:schemeClr val="accent1">
+              <a:alpha val="9000"/>
+            </a:schemeClr>
+          </a:solidFill>
+          <a:ln w="6350"/>
+        </p:spPr>
+        <p:style>
+          <a:lnRef idx="2">
+            <a:schemeClr val="accent1">
+              <a:shade val="15000"/>
+            </a:schemeClr>
+          </a:lnRef>
+          <a:fillRef idx="1">
+            <a:schemeClr val="accent1"/>
+          </a:fillRef>
+          <a:effectRef idx="0">
+            <a:schemeClr val="accent1"/>
+          </a:effectRef>
+          <a:fontRef idx="minor">
+            <a:schemeClr val="lt1"/>
+          </a:fontRef>
+        </p:style>
+        <p:txBody>
+          <a:bodyPr rtlCol="0" anchor="ctr"/>
+          <a:lstStyle/>
+          <a:p>
+            <a:pPr algn="ctr"/>
+            <a:endParaRPr lang="en-US"/>
+          </a:p>
+        </p:txBody>
+      </p:sp>
+      <p:sp>
+        <p:nvSpPr>
+          <p:cNvPr id="81" name="Oval 80">
+            <a:extLst>
+              <a:ext uri="{FF2B5EF4-FFF2-40B4-BE49-F238E27FC236}">
+                <a16:creationId xmlns:a16="http://schemas.microsoft.com/office/drawing/2014/main" id="{F9C53369-2C07-E2D2-D5DF-A6E4C5E27E41}"/>
+              </a:ext>
+            </a:extLst>
+          </p:cNvPr>
+          <p:cNvSpPr/>
+          <p:nvPr/>
+        </p:nvSpPr>
+        <p:spPr>
+          <a:xfrm>
+            <a:off x="2482990" y="3512234"/>
+            <a:ext cx="114300" cy="111978"/>
+          </a:xfrm>
+          <a:prstGeom prst="ellipse">
+            <a:avLst/>
+          </a:prstGeom>
+          <a:solidFill>
+            <a:schemeClr val="accent1">
+              <a:alpha val="13000"/>
+            </a:schemeClr>
+          </a:solidFill>
+          <a:ln w="6350"/>
+        </p:spPr>
+        <p:style>
+          <a:lnRef idx="2">
+            <a:schemeClr val="accent1">
+              <a:shade val="15000"/>
+            </a:schemeClr>
+          </a:lnRef>
+          <a:fillRef idx="1">
+            <a:schemeClr val="accent1"/>
+          </a:fillRef>
+          <a:effectRef idx="0">
+            <a:schemeClr val="accent1"/>
+          </a:effectRef>
+          <a:fontRef idx="minor">
+            <a:schemeClr val="lt1"/>
+          </a:fontRef>
+        </p:style>
+        <p:txBody>
+          <a:bodyPr rtlCol="0" anchor="ctr"/>
+          <a:lstStyle/>
+          <a:p>
+            <a:pPr algn="ctr"/>
+            <a:endParaRPr lang="en-US"/>
+          </a:p>
+        </p:txBody>
+      </p:sp>
+      <p:sp>
+        <p:nvSpPr>
+          <p:cNvPr id="82" name="Oval 81">
+            <a:extLst>
+              <a:ext uri="{FF2B5EF4-FFF2-40B4-BE49-F238E27FC236}">
+                <a16:creationId xmlns:a16="http://schemas.microsoft.com/office/drawing/2014/main" id="{9A595F12-1B7E-97E9-6373-E8A0123A6E19}"/>
+              </a:ext>
+            </a:extLst>
+          </p:cNvPr>
+          <p:cNvSpPr/>
+          <p:nvPr/>
+        </p:nvSpPr>
+        <p:spPr>
+          <a:xfrm>
+            <a:off x="2764096" y="3371857"/>
+            <a:ext cx="114300" cy="111978"/>
+          </a:xfrm>
+          <a:prstGeom prst="ellipse">
+            <a:avLst/>
+          </a:prstGeom>
+          <a:solidFill>
+            <a:schemeClr val="accent1">
+              <a:alpha val="13000"/>
+            </a:schemeClr>
+          </a:solidFill>
+          <a:ln w="6350"/>
+        </p:spPr>
+        <p:style>
+          <a:lnRef idx="2">
+            <a:schemeClr val="accent1">
+              <a:shade val="15000"/>
+            </a:schemeClr>
+          </a:lnRef>
+          <a:fillRef idx="1">
+            <a:schemeClr val="accent1"/>
+          </a:fillRef>
+          <a:effectRef idx="0">
+            <a:schemeClr val="accent1"/>
+          </a:effectRef>
+          <a:fontRef idx="minor">
+            <a:schemeClr val="lt1"/>
+          </a:fontRef>
+        </p:style>
+        <p:txBody>
+          <a:bodyPr rtlCol="0" anchor="ctr"/>
+          <a:lstStyle/>
+          <a:p>
+            <a:pPr algn="ctr"/>
+            <a:endParaRPr lang="en-US"/>
+          </a:p>
+        </p:txBody>
+      </p:sp>
+      <p:sp>
+        <p:nvSpPr>
+          <p:cNvPr id="83" name="Oval 82">
+            <a:extLst>
+              <a:ext uri="{FF2B5EF4-FFF2-40B4-BE49-F238E27FC236}">
+                <a16:creationId xmlns:a16="http://schemas.microsoft.com/office/drawing/2014/main" id="{B5353502-30A9-BB12-272C-CBE03CAD31F2}"/>
+              </a:ext>
+            </a:extLst>
+          </p:cNvPr>
+          <p:cNvSpPr/>
+          <p:nvPr/>
+        </p:nvSpPr>
+        <p:spPr>
+          <a:xfrm>
+            <a:off x="3171428" y="3347659"/>
+            <a:ext cx="114300" cy="111978"/>
+          </a:xfrm>
+          <a:prstGeom prst="ellipse">
+            <a:avLst/>
+          </a:prstGeom>
+          <a:solidFill>
+            <a:schemeClr val="accent1">
+              <a:alpha val="13000"/>
+            </a:schemeClr>
+          </a:solidFill>
+          <a:ln w="6350"/>
+        </p:spPr>
+        <p:style>
+          <a:lnRef idx="2">
+            <a:schemeClr val="accent1">
+              <a:shade val="15000"/>
+            </a:schemeClr>
+          </a:lnRef>
+          <a:fillRef idx="1">
+            <a:schemeClr val="accent1"/>
+          </a:fillRef>
+          <a:effectRef idx="0">
+            <a:schemeClr val="accent1"/>
+          </a:effectRef>
+          <a:fontRef idx="minor">
+            <a:schemeClr val="lt1"/>
+          </a:fontRef>
+        </p:style>
+        <p:txBody>
+          <a:bodyPr rtlCol="0" anchor="ctr"/>
+          <a:lstStyle/>
+          <a:p>
+            <a:pPr algn="ctr"/>
+            <a:endParaRPr lang="en-US"/>
+          </a:p>
+        </p:txBody>
+      </p:sp>
+      <p:sp>
+        <p:nvSpPr>
+          <p:cNvPr id="84" name="Oval 83">
+            <a:extLst>
+              <a:ext uri="{FF2B5EF4-FFF2-40B4-BE49-F238E27FC236}">
+                <a16:creationId xmlns:a16="http://schemas.microsoft.com/office/drawing/2014/main" id="{BCF03F23-CE60-7B36-B1AC-6F5B4631C6F3}"/>
+              </a:ext>
+            </a:extLst>
+          </p:cNvPr>
+          <p:cNvSpPr/>
+          <p:nvPr/>
+        </p:nvSpPr>
+        <p:spPr>
+          <a:xfrm>
+            <a:off x="3433318" y="3512234"/>
+            <a:ext cx="114300" cy="111978"/>
+          </a:xfrm>
+          <a:prstGeom prst="ellipse">
+            <a:avLst/>
+          </a:prstGeom>
+          <a:solidFill>
+            <a:schemeClr val="accent1">
+              <a:alpha val="13000"/>
+            </a:schemeClr>
+          </a:solidFill>
+          <a:ln w="6350"/>
+        </p:spPr>
+        <p:style>
+          <a:lnRef idx="2">
+            <a:schemeClr val="accent1">
+              <a:shade val="15000"/>
+            </a:schemeClr>
+          </a:lnRef>
+          <a:fillRef idx="1">
+            <a:schemeClr val="accent1"/>
+          </a:fillRef>
+          <a:effectRef idx="0">
+            <a:schemeClr val="accent1"/>
+          </a:effectRef>
+          <a:fontRef idx="minor">
+            <a:schemeClr val="lt1"/>
+          </a:fontRef>
+        </p:style>
+        <p:txBody>
+          <a:bodyPr rtlCol="0" anchor="ctr"/>
+          <a:lstStyle/>
+          <a:p>
+            <a:pPr algn="ctr"/>
+            <a:endParaRPr lang="en-US"/>
+          </a:p>
+        </p:txBody>
+      </p:sp>
+      <p:sp>
+        <p:nvSpPr>
+          <p:cNvPr id="85" name="Oval 84">
+            <a:extLst>
+              <a:ext uri="{FF2B5EF4-FFF2-40B4-BE49-F238E27FC236}">
+                <a16:creationId xmlns:a16="http://schemas.microsoft.com/office/drawing/2014/main" id="{2BD1D634-CF14-74F8-CE35-99A9AD9A7184}"/>
+              </a:ext>
+            </a:extLst>
+          </p:cNvPr>
+          <p:cNvSpPr/>
+          <p:nvPr/>
+        </p:nvSpPr>
+        <p:spPr>
+          <a:xfrm>
+            <a:off x="2267881" y="3271830"/>
+            <a:ext cx="114300" cy="111978"/>
+          </a:xfrm>
+          <a:prstGeom prst="ellipse">
+            <a:avLst/>
+          </a:prstGeom>
+          <a:solidFill>
+            <a:schemeClr val="accent1">
+              <a:alpha val="13000"/>
+            </a:schemeClr>
+          </a:solidFill>
+          <a:ln w="6350"/>
+        </p:spPr>
+        <p:style>
+          <a:lnRef idx="2">
+            <a:schemeClr val="accent1">
+              <a:shade val="15000"/>
+            </a:schemeClr>
+          </a:lnRef>
+          <a:fillRef idx="1">
+            <a:schemeClr val="accent1"/>
+          </a:fillRef>
+          <a:effectRef idx="0">
+            <a:schemeClr val="accent1"/>
+          </a:effectRef>
+          <a:fontRef idx="minor">
+            <a:schemeClr val="lt1"/>
+          </a:fontRef>
+        </p:style>
+        <p:txBody>
+          <a:bodyPr rtlCol="0" anchor="ctr"/>
+          <a:lstStyle/>
+          <a:p>
+            <a:pPr algn="ctr"/>
+            <a:endParaRPr lang="en-US"/>
+          </a:p>
+        </p:txBody>
+      </p:sp>
+      <p:sp>
+        <p:nvSpPr>
+          <p:cNvPr id="86" name="Oval 85">
+            <a:extLst>
+              <a:ext uri="{FF2B5EF4-FFF2-40B4-BE49-F238E27FC236}">
+                <a16:creationId xmlns:a16="http://schemas.microsoft.com/office/drawing/2014/main" id="{B8F3CED6-E597-A65B-4C69-1E8E0DA24E18}"/>
+              </a:ext>
+            </a:extLst>
+          </p:cNvPr>
+          <p:cNvSpPr/>
+          <p:nvPr/>
+        </p:nvSpPr>
+        <p:spPr>
+          <a:xfrm>
+            <a:off x="2169827" y="3440711"/>
+            <a:ext cx="114300" cy="111978"/>
+          </a:xfrm>
+          <a:prstGeom prst="ellipse">
+            <a:avLst/>
+          </a:prstGeom>
+          <a:solidFill>
+            <a:schemeClr val="accent1">
+              <a:alpha val="13000"/>
+            </a:schemeClr>
+          </a:solidFill>
+          <a:ln w="6350"/>
+        </p:spPr>
+        <p:style>
+          <a:lnRef idx="2">
+            <a:schemeClr val="accent1">
+              <a:shade val="15000"/>
+            </a:schemeClr>
+          </a:lnRef>
+          <a:fillRef idx="1">
+            <a:schemeClr val="accent1"/>
+          </a:fillRef>
+          <a:effectRef idx="0">
+            <a:schemeClr val="accent1"/>
+          </a:effectRef>
+          <a:fontRef idx="minor">
+            <a:schemeClr val="lt1"/>
+          </a:fontRef>
+        </p:style>
+        <p:txBody>
+          <a:bodyPr rtlCol="0" anchor="ctr"/>
+          <a:lstStyle/>
+          <a:p>
+            <a:pPr algn="ctr"/>
+            <a:endParaRPr lang="en-US"/>
+          </a:p>
+        </p:txBody>
+      </p:sp>
+      <p:sp>
+        <p:nvSpPr>
+          <p:cNvPr id="87" name="Oval 86">
+            <a:extLst>
+              <a:ext uri="{FF2B5EF4-FFF2-40B4-BE49-F238E27FC236}">
+                <a16:creationId xmlns:a16="http://schemas.microsoft.com/office/drawing/2014/main" id="{30F5CDB8-EF48-4436-7C1F-89655516DF49}"/>
+              </a:ext>
+            </a:extLst>
+          </p:cNvPr>
+          <p:cNvSpPr/>
+          <p:nvPr/>
+        </p:nvSpPr>
+        <p:spPr>
+          <a:xfrm>
+            <a:off x="2483198" y="3215841"/>
+            <a:ext cx="114300" cy="111978"/>
+          </a:xfrm>
+          <a:prstGeom prst="ellipse">
+            <a:avLst/>
+          </a:prstGeom>
+          <a:solidFill>
+            <a:schemeClr val="accent1">
+              <a:alpha val="13000"/>
+            </a:schemeClr>
+          </a:solidFill>
+          <a:ln w="6350"/>
+        </p:spPr>
+        <p:style>
+          <a:lnRef idx="2">
+            <a:schemeClr val="accent1">
+              <a:shade val="15000"/>
+            </a:schemeClr>
+          </a:lnRef>
+          <a:fillRef idx="1">
+            <a:schemeClr val="accent1"/>
+          </a:fillRef>
+          <a:effectRef idx="0">
+            <a:schemeClr val="accent1"/>
+          </a:effectRef>
+          <a:fontRef idx="minor">
+            <a:schemeClr val="lt1"/>
+          </a:fontRef>
+        </p:style>
+        <p:txBody>
+          <a:bodyPr rtlCol="0" anchor="ctr"/>
+          <a:lstStyle/>
+          <a:p>
+            <a:pPr algn="ctr"/>
+            <a:endParaRPr lang="en-US"/>
+          </a:p>
+        </p:txBody>
+      </p:sp>
+      <p:cxnSp>
+        <p:nvCxnSpPr>
+          <p:cNvPr id="91" name="Straight Connector 90">
+            <a:extLst>
+              <a:ext uri="{FF2B5EF4-FFF2-40B4-BE49-F238E27FC236}">
+                <a16:creationId xmlns:a16="http://schemas.microsoft.com/office/drawing/2014/main" id="{0E0E8E3D-F44F-352B-4E11-B42C4391E5B9}"/>
+              </a:ext>
+            </a:extLst>
+          </p:cNvPr>
+          <p:cNvCxnSpPr>
+            <a:stCxn id="81" idx="5"/>
+          </p:cNvCxnSpPr>
+          <p:nvPr/>
+        </p:nvCxnSpPr>
+        <p:spPr>
+          <a:xfrm>
+            <a:off x="2580551" y="3607813"/>
+            <a:ext cx="89624" cy="68752"/>
+          </a:xfrm>
+          <a:prstGeom prst="line">
+            <a:avLst/>
+          </a:prstGeom>
+          <a:ln w="6350"/>
+        </p:spPr>
+        <p:style>
+          <a:lnRef idx="2">
+            <a:schemeClr val="accent1"/>
+          </a:lnRef>
+          <a:fillRef idx="0">
+            <a:schemeClr val="accent1"/>
+          </a:fillRef>
+          <a:effectRef idx="1">
+            <a:schemeClr val="accent1"/>
+          </a:effectRef>
+          <a:fontRef idx="minor">
+            <a:schemeClr val="tx1"/>
+          </a:fontRef>
+        </p:style>
+      </p:cxnSp>
+      <p:cxnSp>
+        <p:nvCxnSpPr>
+          <p:cNvPr id="93" name="Straight Connector 92">
+            <a:extLst>
+              <a:ext uri="{FF2B5EF4-FFF2-40B4-BE49-F238E27FC236}">
+                <a16:creationId xmlns:a16="http://schemas.microsoft.com/office/drawing/2014/main" id="{E271572D-0B3E-F381-5793-B87DE7621B1A}"/>
+              </a:ext>
+            </a:extLst>
+          </p:cNvPr>
+          <p:cNvCxnSpPr>
+            <a:stCxn id="81" idx="1"/>
+            <a:endCxn id="85" idx="5"/>
+          </p:cNvCxnSpPr>
+          <p:nvPr/>
+        </p:nvCxnSpPr>
+        <p:spPr>
+          <a:xfrm flipH="1" flipV="1">
+            <a:off x="2365442" y="3367409"/>
+            <a:ext cx="134287" cy="161224"/>
+          </a:xfrm>
+          <a:prstGeom prst="line">
+            <a:avLst/>
+          </a:prstGeom>
+          <a:ln w="6350"/>
+        </p:spPr>
+        <p:style>
+          <a:lnRef idx="2">
+            <a:schemeClr val="accent1"/>
+          </a:lnRef>
+          <a:fillRef idx="0">
+            <a:schemeClr val="accent1"/>
+          </a:fillRef>
+          <a:effectRef idx="1">
+            <a:schemeClr val="accent1"/>
+          </a:effectRef>
+          <a:fontRef idx="minor">
+            <a:schemeClr val="tx1"/>
+          </a:fontRef>
+        </p:style>
+      </p:cxnSp>
+      <p:cxnSp>
+        <p:nvCxnSpPr>
+          <p:cNvPr id="95" name="Straight Connector 94">
+            <a:extLst>
+              <a:ext uri="{FF2B5EF4-FFF2-40B4-BE49-F238E27FC236}">
+                <a16:creationId xmlns:a16="http://schemas.microsoft.com/office/drawing/2014/main" id="{E8634810-74C6-6B8B-C248-13B1EBD6C39C}"/>
+              </a:ext>
+            </a:extLst>
+          </p:cNvPr>
+          <p:cNvCxnSpPr>
+            <a:stCxn id="81" idx="0"/>
+          </p:cNvCxnSpPr>
+          <p:nvPr/>
+        </p:nvCxnSpPr>
+        <p:spPr>
+          <a:xfrm flipV="1">
+            <a:off x="2540140" y="3401029"/>
+            <a:ext cx="3886" cy="111205"/>
+          </a:xfrm>
+          <a:prstGeom prst="line">
+            <a:avLst/>
+          </a:prstGeom>
+          <a:ln w="6350">
+            <a:prstDash val="sysDash"/>
+          </a:ln>
+        </p:spPr>
+        <p:style>
+          <a:lnRef idx="2">
+            <a:schemeClr val="accent1"/>
+          </a:lnRef>
+          <a:fillRef idx="0">
+            <a:schemeClr val="accent1"/>
+          </a:fillRef>
+          <a:effectRef idx="1">
+            <a:schemeClr val="accent1"/>
+          </a:effectRef>
+          <a:fontRef idx="minor">
+            <a:schemeClr val="tx1"/>
+          </a:fontRef>
+        </p:style>
+      </p:cxnSp>
+      <p:cxnSp>
+        <p:nvCxnSpPr>
+          <p:cNvPr id="97" name="Straight Connector 96">
+            <a:extLst>
+              <a:ext uri="{FF2B5EF4-FFF2-40B4-BE49-F238E27FC236}">
+                <a16:creationId xmlns:a16="http://schemas.microsoft.com/office/drawing/2014/main" id="{02965D2C-D480-BAA7-D135-0235C7C9241B}"/>
+              </a:ext>
+            </a:extLst>
+          </p:cNvPr>
+          <p:cNvCxnSpPr>
+            <a:stCxn id="81" idx="2"/>
+          </p:cNvCxnSpPr>
+          <p:nvPr/>
+        </p:nvCxnSpPr>
+        <p:spPr>
+          <a:xfrm flipH="1" flipV="1">
+            <a:off x="2365442" y="3539272"/>
+            <a:ext cx="117548" cy="28951"/>
+          </a:xfrm>
+          <a:prstGeom prst="line">
+            <a:avLst/>
+          </a:prstGeom>
+          <a:ln w="6350">
+            <a:prstDash val="dash"/>
+          </a:ln>
+        </p:spPr>
+        <p:style>
+          <a:lnRef idx="2">
+            <a:schemeClr val="accent1"/>
+          </a:lnRef>
+          <a:fillRef idx="0">
+            <a:schemeClr val="accent1"/>
+          </a:fillRef>
+          <a:effectRef idx="1">
+            <a:schemeClr val="accent1"/>
+          </a:effectRef>
+          <a:fontRef idx="minor">
+            <a:schemeClr val="tx1"/>
+          </a:fontRef>
+        </p:style>
+      </p:cxnSp>
+      <p:cxnSp>
+        <p:nvCxnSpPr>
+          <p:cNvPr id="99" name="Straight Connector 98">
+            <a:extLst>
+              <a:ext uri="{FF2B5EF4-FFF2-40B4-BE49-F238E27FC236}">
+                <a16:creationId xmlns:a16="http://schemas.microsoft.com/office/drawing/2014/main" id="{96DFB36C-9328-7976-EE74-416BB6A222E5}"/>
+              </a:ext>
+            </a:extLst>
+          </p:cNvPr>
+          <p:cNvCxnSpPr>
+            <a:stCxn id="82" idx="4"/>
+          </p:cNvCxnSpPr>
+          <p:nvPr/>
+        </p:nvCxnSpPr>
+        <p:spPr>
+          <a:xfrm>
+            <a:off x="2821246" y="3483835"/>
+            <a:ext cx="0" cy="99381"/>
+          </a:xfrm>
+          <a:prstGeom prst="line">
+            <a:avLst/>
+          </a:prstGeom>
+          <a:ln w="6350"/>
+        </p:spPr>
+        <p:style>
+          <a:lnRef idx="2">
+            <a:schemeClr val="accent1"/>
+          </a:lnRef>
+          <a:fillRef idx="0">
+            <a:schemeClr val="accent1"/>
+          </a:fillRef>
+          <a:effectRef idx="1">
+            <a:schemeClr val="accent1"/>
+          </a:effectRef>
+          <a:fontRef idx="minor">
+            <a:schemeClr val="tx1"/>
+          </a:fontRef>
+        </p:style>
+      </p:cxnSp>
+      <p:sp>
+        <p:nvSpPr>
+          <p:cNvPr id="100" name="Oval 99">
+            <a:extLst>
+              <a:ext uri="{FF2B5EF4-FFF2-40B4-BE49-F238E27FC236}">
+                <a16:creationId xmlns:a16="http://schemas.microsoft.com/office/drawing/2014/main" id="{80CC25DA-1A64-1363-2EDD-08C8933EA23E}"/>
+              </a:ext>
+            </a:extLst>
+          </p:cNvPr>
+          <p:cNvSpPr/>
+          <p:nvPr/>
+        </p:nvSpPr>
+        <p:spPr>
+          <a:xfrm>
+            <a:off x="2795236" y="3112487"/>
+            <a:ext cx="114300" cy="111978"/>
+          </a:xfrm>
+          <a:prstGeom prst="ellipse">
+            <a:avLst/>
+          </a:prstGeom>
+          <a:solidFill>
+            <a:schemeClr val="accent1">
+              <a:alpha val="13000"/>
+            </a:schemeClr>
+          </a:solidFill>
+          <a:ln w="6350"/>
+        </p:spPr>
+        <p:style>
+          <a:lnRef idx="2">
+            <a:schemeClr val="accent1">
+              <a:shade val="15000"/>
+            </a:schemeClr>
+          </a:lnRef>
+          <a:fillRef idx="1">
+            <a:schemeClr val="accent1"/>
+          </a:fillRef>
+          <a:effectRef idx="0">
+            <a:schemeClr val="accent1"/>
+          </a:effectRef>
+          <a:fontRef idx="minor">
+            <a:schemeClr val="lt1"/>
+          </a:fontRef>
+        </p:style>
+        <p:txBody>
+          <a:bodyPr rtlCol="0" anchor="ctr"/>
+          <a:lstStyle/>
+          <a:p>
+            <a:pPr algn="ctr"/>
+            <a:endParaRPr lang="en-US"/>
+          </a:p>
+        </p:txBody>
+      </p:sp>
+      <p:sp>
+        <p:nvSpPr>
+          <p:cNvPr id="101" name="Oval 100">
+            <a:extLst>
+              <a:ext uri="{FF2B5EF4-FFF2-40B4-BE49-F238E27FC236}">
+                <a16:creationId xmlns:a16="http://schemas.microsoft.com/office/drawing/2014/main" id="{0E78D46B-79E5-4AD9-D058-18C9C2302EF0}"/>
+              </a:ext>
+            </a:extLst>
+          </p:cNvPr>
+          <p:cNvSpPr/>
+          <p:nvPr/>
+        </p:nvSpPr>
+        <p:spPr>
+          <a:xfrm>
+            <a:off x="3200008" y="3092240"/>
+            <a:ext cx="114300" cy="111978"/>
+          </a:xfrm>
+          <a:prstGeom prst="ellipse">
+            <a:avLst/>
+          </a:prstGeom>
+          <a:solidFill>
+            <a:schemeClr val="accent1">
+              <a:alpha val="13000"/>
+            </a:schemeClr>
+          </a:solidFill>
+          <a:ln w="6350"/>
+        </p:spPr>
+        <p:style>
+          <a:lnRef idx="2">
+            <a:schemeClr val="accent1">
+              <a:shade val="15000"/>
+            </a:schemeClr>
+          </a:lnRef>
+          <a:fillRef idx="1">
+            <a:schemeClr val="accent1"/>
+          </a:fillRef>
+          <a:effectRef idx="0">
+            <a:schemeClr val="accent1"/>
+          </a:effectRef>
+          <a:fontRef idx="minor">
+            <a:schemeClr val="lt1"/>
+          </a:fontRef>
+        </p:style>
+        <p:txBody>
+          <a:bodyPr rtlCol="0" anchor="ctr"/>
+          <a:lstStyle/>
+          <a:p>
+            <a:pPr algn="ctr"/>
+            <a:endParaRPr lang="en-US"/>
+          </a:p>
+        </p:txBody>
+      </p:sp>
+      <p:sp>
+        <p:nvSpPr>
+          <p:cNvPr id="102" name="Oval 101">
+            <a:extLst>
+              <a:ext uri="{FF2B5EF4-FFF2-40B4-BE49-F238E27FC236}">
+                <a16:creationId xmlns:a16="http://schemas.microsoft.com/office/drawing/2014/main" id="{F95F4D1F-F66F-5B69-DD92-E5AF4F6C00E5}"/>
+              </a:ext>
+            </a:extLst>
+          </p:cNvPr>
+          <p:cNvSpPr/>
+          <p:nvPr/>
+        </p:nvSpPr>
+        <p:spPr>
+          <a:xfrm>
+            <a:off x="3724575" y="3402705"/>
+            <a:ext cx="114300" cy="111978"/>
+          </a:xfrm>
+          <a:prstGeom prst="ellipse">
+            <a:avLst/>
+          </a:prstGeom>
+          <a:solidFill>
+            <a:schemeClr val="accent1">
+              <a:alpha val="13000"/>
+            </a:schemeClr>
+          </a:solidFill>
+          <a:ln w="6350"/>
+        </p:spPr>
+        <p:style>
+          <a:lnRef idx="2">
+            <a:schemeClr val="accent1">
+              <a:shade val="15000"/>
+            </a:schemeClr>
+          </a:lnRef>
+          <a:fillRef idx="1">
+            <a:schemeClr val="accent1"/>
+          </a:fillRef>
+          <a:effectRef idx="0">
+            <a:schemeClr val="accent1"/>
+          </a:effectRef>
+          <a:fontRef idx="minor">
+            <a:schemeClr val="lt1"/>
+          </a:fontRef>
+        </p:style>
+        <p:txBody>
+          <a:bodyPr rtlCol="0" anchor="ctr"/>
+          <a:lstStyle/>
+          <a:p>
+            <a:pPr algn="ctr"/>
+            <a:endParaRPr lang="en-US"/>
+          </a:p>
+        </p:txBody>
+      </p:sp>
+      <p:sp>
+        <p:nvSpPr>
+          <p:cNvPr id="103" name="Oval 102">
+            <a:extLst>
+              <a:ext uri="{FF2B5EF4-FFF2-40B4-BE49-F238E27FC236}">
+                <a16:creationId xmlns:a16="http://schemas.microsoft.com/office/drawing/2014/main" id="{475FE024-64FF-603C-06B1-63A422D8B30E}"/>
+              </a:ext>
+            </a:extLst>
+          </p:cNvPr>
+          <p:cNvSpPr/>
+          <p:nvPr/>
+        </p:nvSpPr>
+        <p:spPr>
+          <a:xfrm>
+            <a:off x="3720254" y="3583216"/>
+            <a:ext cx="114300" cy="111978"/>
+          </a:xfrm>
+          <a:prstGeom prst="ellipse">
+            <a:avLst/>
+          </a:prstGeom>
+          <a:solidFill>
+            <a:schemeClr val="accent1">
+              <a:alpha val="13000"/>
+            </a:schemeClr>
+          </a:solidFill>
+          <a:ln w="6350"/>
+        </p:spPr>
+        <p:style>
+          <a:lnRef idx="2">
+            <a:schemeClr val="accent1">
+              <a:shade val="15000"/>
+            </a:schemeClr>
+          </a:lnRef>
+          <a:fillRef idx="1">
+            <a:schemeClr val="accent1"/>
+          </a:fillRef>
+          <a:effectRef idx="0">
+            <a:schemeClr val="accent1"/>
+          </a:effectRef>
+          <a:fontRef idx="minor">
+            <a:schemeClr val="lt1"/>
+          </a:fontRef>
+        </p:style>
+        <p:txBody>
+          <a:bodyPr rtlCol="0" anchor="ctr"/>
+          <a:lstStyle/>
+          <a:p>
+            <a:pPr algn="ctr"/>
+            <a:endParaRPr lang="en-US"/>
+          </a:p>
+        </p:txBody>
+      </p:sp>
+      <p:sp>
+        <p:nvSpPr>
+          <p:cNvPr id="104" name="Oval 103">
+            <a:extLst>
+              <a:ext uri="{FF2B5EF4-FFF2-40B4-BE49-F238E27FC236}">
+                <a16:creationId xmlns:a16="http://schemas.microsoft.com/office/drawing/2014/main" id="{E0119382-AB25-8C06-41CB-B97AE15E47B7}"/>
+              </a:ext>
+            </a:extLst>
+          </p:cNvPr>
+          <p:cNvSpPr/>
+          <p:nvPr/>
+        </p:nvSpPr>
+        <p:spPr>
+          <a:xfrm>
+            <a:off x="3537476" y="3233788"/>
+            <a:ext cx="114300" cy="111978"/>
+          </a:xfrm>
+          <a:prstGeom prst="ellipse">
+            <a:avLst/>
+          </a:prstGeom>
+          <a:solidFill>
+            <a:schemeClr val="accent1">
+              <a:alpha val="13000"/>
+            </a:schemeClr>
+          </a:solidFill>
+          <a:ln w="6350"/>
+        </p:spPr>
+        <p:style>
+          <a:lnRef idx="2">
+            <a:schemeClr val="accent1">
+              <a:shade val="15000"/>
+            </a:schemeClr>
+          </a:lnRef>
+          <a:fillRef idx="1">
+            <a:schemeClr val="accent1"/>
+          </a:fillRef>
+          <a:effectRef idx="0">
+            <a:schemeClr val="accent1"/>
+          </a:effectRef>
+          <a:fontRef idx="minor">
+            <a:schemeClr val="lt1"/>
+          </a:fontRef>
+        </p:style>
+        <p:txBody>
+          <a:bodyPr rtlCol="0" anchor="ctr"/>
+          <a:lstStyle/>
+          <a:p>
+            <a:pPr algn="ctr"/>
+            <a:endParaRPr lang="en-US"/>
+          </a:p>
+        </p:txBody>
+      </p:sp>
+      <p:sp>
+        <p:nvSpPr>
+          <p:cNvPr id="105" name="Oval 104">
+            <a:extLst>
+              <a:ext uri="{FF2B5EF4-FFF2-40B4-BE49-F238E27FC236}">
+                <a16:creationId xmlns:a16="http://schemas.microsoft.com/office/drawing/2014/main" id="{17B13070-18AA-43F2-4EF1-DEA3678D99D9}"/>
+              </a:ext>
+            </a:extLst>
+          </p:cNvPr>
+          <p:cNvSpPr/>
+          <p:nvPr/>
+        </p:nvSpPr>
+        <p:spPr>
+          <a:xfrm>
+            <a:off x="3397746" y="3112487"/>
+            <a:ext cx="114300" cy="111978"/>
+          </a:xfrm>
+          <a:prstGeom prst="ellipse">
+            <a:avLst/>
+          </a:prstGeom>
+          <a:solidFill>
+            <a:schemeClr val="accent1">
+              <a:alpha val="13000"/>
+            </a:schemeClr>
+          </a:solidFill>
+          <a:ln w="6350"/>
+        </p:spPr>
+        <p:style>
+          <a:lnRef idx="2">
+            <a:schemeClr val="accent1">
+              <a:shade val="15000"/>
+            </a:schemeClr>
+          </a:lnRef>
+          <a:fillRef idx="1">
+            <a:schemeClr val="accent1"/>
+          </a:fillRef>
+          <a:effectRef idx="0">
+            <a:schemeClr val="accent1"/>
+          </a:effectRef>
+          <a:fontRef idx="minor">
+            <a:schemeClr val="lt1"/>
+          </a:fontRef>
+        </p:style>
+        <p:txBody>
+          <a:bodyPr rtlCol="0" anchor="ctr"/>
+          <a:lstStyle/>
+          <a:p>
+            <a:pPr algn="ctr"/>
+            <a:endParaRPr lang="en-US"/>
+          </a:p>
+        </p:txBody>
+      </p:sp>
+      <p:grpSp>
+        <p:nvGrpSpPr>
+          <p:cNvPr id="153" name="Group 152">
+            <a:extLst>
+              <a:ext uri="{FF2B5EF4-FFF2-40B4-BE49-F238E27FC236}">
+                <a16:creationId xmlns:a16="http://schemas.microsoft.com/office/drawing/2014/main" id="{F5860C5D-ADDF-5E44-49C2-2CEC89249F4D}"/>
+              </a:ext>
+            </a:extLst>
+          </p:cNvPr>
+          <p:cNvGrpSpPr/>
+          <p:nvPr/>
+        </p:nvGrpSpPr>
+        <p:grpSpPr>
+          <a:xfrm>
+            <a:off x="7044551" y="4164978"/>
+            <a:ext cx="3111256" cy="1534963"/>
+            <a:chOff x="7044551" y="4164978"/>
+            <a:chExt cx="3111256" cy="1534963"/>
+          </a:xfrm>
+        </p:grpSpPr>
+        <p:sp>
+          <p:nvSpPr>
+            <p:cNvPr id="107" name="Oval 106">
+              <a:extLst>
+                <a:ext uri="{FF2B5EF4-FFF2-40B4-BE49-F238E27FC236}">
+                  <a16:creationId xmlns:a16="http://schemas.microsoft.com/office/drawing/2014/main" id="{24553229-7B93-9A0A-373D-EC654D6A79F4}"/>
+                </a:ext>
+              </a:extLst>
+            </p:cNvPr>
+            <p:cNvSpPr/>
+            <p:nvPr/>
+          </p:nvSpPr>
+          <p:spPr>
+            <a:xfrm>
+              <a:off x="7044551" y="4860166"/>
+              <a:ext cx="253014" cy="257453"/>
+            </a:xfrm>
+            <a:prstGeom prst="ellipse">
+              <a:avLst/>
+            </a:prstGeom>
+            <a:solidFill>
+              <a:schemeClr val="accent1">
+                <a:alpha val="39000"/>
+              </a:schemeClr>
+            </a:solidFill>
+            <a:ln w="6350"/>
+          </p:spPr>
+          <p:style>
+            <a:lnRef idx="2">
+              <a:schemeClr val="accent1">
+                <a:shade val="15000"/>
+              </a:schemeClr>
+            </a:lnRef>
+            <a:fillRef idx="1">
+              <a:schemeClr val="accent1"/>
+            </a:fillRef>
+            <a:effectRef idx="0">
+              <a:schemeClr val="accent1"/>
+            </a:effectRef>
+            <a:fontRef idx="minor">
+              <a:schemeClr val="lt1"/>
+            </a:fontRef>
+          </p:style>
+          <p:txBody>
+            <a:bodyPr rtlCol="0" anchor="ctr"/>
+            <a:lstStyle/>
+            <a:p>
+              <a:pPr algn="ctr"/>
+              <a:endParaRPr lang="en-US"/>
+            </a:p>
+          </p:txBody>
+        </p:sp>
+        <p:sp>
+          <p:nvSpPr>
+            <p:cNvPr id="108" name="TextBox 107">
+              <a:extLst>
+                <a:ext uri="{FF2B5EF4-FFF2-40B4-BE49-F238E27FC236}">
+                  <a16:creationId xmlns:a16="http://schemas.microsoft.com/office/drawing/2014/main" id="{FC31D678-F38D-C68E-C8F0-D835BF6EDEC6}"/>
+                </a:ext>
+              </a:extLst>
+            </p:cNvPr>
+            <p:cNvSpPr txBox="1"/>
+            <p:nvPr/>
+          </p:nvSpPr>
+          <p:spPr>
+            <a:xfrm>
+              <a:off x="7051474" y="4881170"/>
+              <a:ext cx="239168" cy="215444"/>
+            </a:xfrm>
+            <a:prstGeom prst="rect">
+              <a:avLst/>
+            </a:prstGeom>
+            <a:noFill/>
+          </p:spPr>
+          <p:txBody>
+            <a:bodyPr wrap="none" rtlCol="0">
+              <a:spAutoFit/>
+            </a:bodyPr>
+            <a:lstStyle/>
+            <a:p>
+              <a:r>
+                <a:rPr lang="en-US" sz="800" dirty="0"/>
+                <a:t>0</a:t>
+              </a:r>
+            </a:p>
+          </p:txBody>
+        </p:sp>
+        <p:sp>
+          <p:nvSpPr>
+            <p:cNvPr id="109" name="Oval 108">
+              <a:extLst>
+                <a:ext uri="{FF2B5EF4-FFF2-40B4-BE49-F238E27FC236}">
+                  <a16:creationId xmlns:a16="http://schemas.microsoft.com/office/drawing/2014/main" id="{0BDCC689-D062-7EE7-F613-FFA4815095AF}"/>
+                </a:ext>
+              </a:extLst>
+            </p:cNvPr>
+            <p:cNvSpPr/>
+            <p:nvPr/>
+          </p:nvSpPr>
+          <p:spPr>
+            <a:xfrm>
+              <a:off x="7591887" y="4226253"/>
+              <a:ext cx="253014" cy="257453"/>
+            </a:xfrm>
+            <a:prstGeom prst="ellipse">
+              <a:avLst/>
+            </a:prstGeom>
+            <a:solidFill>
+              <a:schemeClr val="accent1">
+                <a:alpha val="39000"/>
+              </a:schemeClr>
+            </a:solidFill>
+            <a:ln w="6350"/>
+          </p:spPr>
+          <p:style>
+            <a:lnRef idx="2">
+              <a:schemeClr val="accent1">
+                <a:shade val="15000"/>
+              </a:schemeClr>
+            </a:lnRef>
+            <a:fillRef idx="1">
+              <a:schemeClr val="accent1"/>
+            </a:fillRef>
+            <a:effectRef idx="0">
+              <a:schemeClr val="accent1"/>
+            </a:effectRef>
+            <a:fontRef idx="minor">
+              <a:schemeClr val="lt1"/>
+            </a:fontRef>
+          </p:style>
+          <p:txBody>
+            <a:bodyPr rtlCol="0" anchor="ctr"/>
+            <a:lstStyle/>
+            <a:p>
+              <a:pPr algn="ctr"/>
+              <a:endParaRPr lang="en-US"/>
+            </a:p>
+          </p:txBody>
+        </p:sp>
+        <p:sp>
+          <p:nvSpPr>
+            <p:cNvPr id="110" name="TextBox 109">
+              <a:extLst>
+                <a:ext uri="{FF2B5EF4-FFF2-40B4-BE49-F238E27FC236}">
+                  <a16:creationId xmlns:a16="http://schemas.microsoft.com/office/drawing/2014/main" id="{E83162DF-0FA6-9508-1BCE-84B5D82ED029}"/>
+                </a:ext>
+              </a:extLst>
+            </p:cNvPr>
+            <p:cNvSpPr txBox="1"/>
+            <p:nvPr/>
+          </p:nvSpPr>
+          <p:spPr>
+            <a:xfrm>
+              <a:off x="7598810" y="4247257"/>
+              <a:ext cx="239168" cy="215444"/>
+            </a:xfrm>
+            <a:prstGeom prst="rect">
+              <a:avLst/>
+            </a:prstGeom>
+            <a:noFill/>
+          </p:spPr>
+          <p:txBody>
+            <a:bodyPr wrap="none" rtlCol="0">
+              <a:spAutoFit/>
+            </a:bodyPr>
+            <a:lstStyle/>
+            <a:p>
+              <a:r>
+                <a:rPr lang="en-US" sz="800" dirty="0"/>
+                <a:t>1</a:t>
+              </a:r>
+            </a:p>
+          </p:txBody>
+        </p:sp>
+        <p:sp>
+          <p:nvSpPr>
+            <p:cNvPr id="111" name="Oval 110">
+              <a:extLst>
+                <a:ext uri="{FF2B5EF4-FFF2-40B4-BE49-F238E27FC236}">
+                  <a16:creationId xmlns:a16="http://schemas.microsoft.com/office/drawing/2014/main" id="{0F26765E-71C5-F967-D2DC-4379CC2277BD}"/>
+                </a:ext>
+              </a:extLst>
+            </p:cNvPr>
+            <p:cNvSpPr/>
+            <p:nvPr/>
+          </p:nvSpPr>
+          <p:spPr>
+            <a:xfrm>
+              <a:off x="8445208" y="4226253"/>
+              <a:ext cx="253014" cy="257453"/>
+            </a:xfrm>
+            <a:prstGeom prst="ellipse">
+              <a:avLst/>
+            </a:prstGeom>
+            <a:solidFill>
+              <a:schemeClr val="accent1">
+                <a:alpha val="39000"/>
+              </a:schemeClr>
+            </a:solidFill>
+            <a:ln w="6350"/>
+          </p:spPr>
+          <p:style>
+            <a:lnRef idx="2">
+              <a:schemeClr val="accent1">
+                <a:shade val="15000"/>
+              </a:schemeClr>
+            </a:lnRef>
+            <a:fillRef idx="1">
+              <a:schemeClr val="accent1"/>
+            </a:fillRef>
+            <a:effectRef idx="0">
+              <a:schemeClr val="accent1"/>
+            </a:effectRef>
+            <a:fontRef idx="minor">
+              <a:schemeClr val="lt1"/>
+            </a:fontRef>
+          </p:style>
+          <p:txBody>
+            <a:bodyPr rtlCol="0" anchor="ctr"/>
+            <a:lstStyle/>
+            <a:p>
+              <a:pPr algn="ctr"/>
+              <a:endParaRPr lang="en-US"/>
+            </a:p>
+          </p:txBody>
+        </p:sp>
+        <p:sp>
+          <p:nvSpPr>
+            <p:cNvPr id="112" name="TextBox 111">
+              <a:extLst>
+                <a:ext uri="{FF2B5EF4-FFF2-40B4-BE49-F238E27FC236}">
+                  <a16:creationId xmlns:a16="http://schemas.microsoft.com/office/drawing/2014/main" id="{03EFA114-31B2-FF1C-ED40-69A745DD6B98}"/>
+                </a:ext>
+              </a:extLst>
+            </p:cNvPr>
+            <p:cNvSpPr txBox="1"/>
+            <p:nvPr/>
+          </p:nvSpPr>
+          <p:spPr>
+            <a:xfrm>
+              <a:off x="8452131" y="4247257"/>
+              <a:ext cx="239168" cy="215444"/>
+            </a:xfrm>
+            <a:prstGeom prst="rect">
+              <a:avLst/>
+            </a:prstGeom>
+            <a:noFill/>
+          </p:spPr>
+          <p:txBody>
+            <a:bodyPr wrap="none" rtlCol="0">
+              <a:spAutoFit/>
+            </a:bodyPr>
+            <a:lstStyle/>
+            <a:p>
+              <a:r>
+                <a:rPr lang="en-US" sz="800" dirty="0"/>
+                <a:t>2</a:t>
+              </a:r>
+            </a:p>
+          </p:txBody>
+        </p:sp>
+        <p:sp>
+          <p:nvSpPr>
+            <p:cNvPr id="113" name="Oval 112">
+              <a:extLst>
+                <a:ext uri="{FF2B5EF4-FFF2-40B4-BE49-F238E27FC236}">
+                  <a16:creationId xmlns:a16="http://schemas.microsoft.com/office/drawing/2014/main" id="{D6AB376F-F8FC-DBC2-72E2-F48C5AC047DF}"/>
+                </a:ext>
+              </a:extLst>
+            </p:cNvPr>
+            <p:cNvSpPr/>
+            <p:nvPr/>
+          </p:nvSpPr>
+          <p:spPr>
+            <a:xfrm>
+              <a:off x="9266508" y="4226253"/>
+              <a:ext cx="253014" cy="257453"/>
+            </a:xfrm>
+            <a:prstGeom prst="ellipse">
+              <a:avLst/>
+            </a:prstGeom>
+            <a:solidFill>
+              <a:schemeClr val="accent1">
+                <a:alpha val="39000"/>
+              </a:schemeClr>
+            </a:solidFill>
+            <a:ln w="6350"/>
+          </p:spPr>
+          <p:style>
+            <a:lnRef idx="2">
+              <a:schemeClr val="accent1">
+                <a:shade val="15000"/>
+              </a:schemeClr>
+            </a:lnRef>
+            <a:fillRef idx="1">
+              <a:schemeClr val="accent1"/>
+            </a:fillRef>
+            <a:effectRef idx="0">
+              <a:schemeClr val="accent1"/>
+            </a:effectRef>
+            <a:fontRef idx="minor">
+              <a:schemeClr val="lt1"/>
+            </a:fontRef>
+          </p:style>
+          <p:txBody>
+            <a:bodyPr rtlCol="0" anchor="ctr"/>
+            <a:lstStyle/>
+            <a:p>
+              <a:pPr algn="ctr"/>
+              <a:endParaRPr lang="en-US"/>
+            </a:p>
+          </p:txBody>
+        </p:sp>
+        <p:sp>
+          <p:nvSpPr>
+            <p:cNvPr id="114" name="TextBox 113">
+              <a:extLst>
+                <a:ext uri="{FF2B5EF4-FFF2-40B4-BE49-F238E27FC236}">
+                  <a16:creationId xmlns:a16="http://schemas.microsoft.com/office/drawing/2014/main" id="{3BDA2950-6BDA-30D2-7668-260BDDE39C7B}"/>
+                </a:ext>
+              </a:extLst>
+            </p:cNvPr>
+            <p:cNvSpPr txBox="1"/>
+            <p:nvPr/>
+          </p:nvSpPr>
+          <p:spPr>
+            <a:xfrm>
+              <a:off x="9273431" y="4247257"/>
+              <a:ext cx="239168" cy="215444"/>
+            </a:xfrm>
+            <a:prstGeom prst="rect">
+              <a:avLst/>
+            </a:prstGeom>
+            <a:noFill/>
+          </p:spPr>
+          <p:txBody>
+            <a:bodyPr wrap="none" rtlCol="0">
+              <a:spAutoFit/>
+            </a:bodyPr>
+            <a:lstStyle/>
+            <a:p>
+              <a:r>
+                <a:rPr lang="en-US" sz="800" dirty="0"/>
+                <a:t>7</a:t>
+              </a:r>
+            </a:p>
+          </p:txBody>
+        </p:sp>
+        <p:sp>
+          <p:nvSpPr>
+            <p:cNvPr id="115" name="Oval 114">
+              <a:extLst>
+                <a:ext uri="{FF2B5EF4-FFF2-40B4-BE49-F238E27FC236}">
+                  <a16:creationId xmlns:a16="http://schemas.microsoft.com/office/drawing/2014/main" id="{8844027D-4460-D4BC-7B4A-4536F868BE25}"/>
+                </a:ext>
+              </a:extLst>
+            </p:cNvPr>
+            <p:cNvSpPr/>
+            <p:nvPr/>
+          </p:nvSpPr>
+          <p:spPr>
+            <a:xfrm>
+              <a:off x="9902793" y="4860166"/>
+              <a:ext cx="253014" cy="257453"/>
+            </a:xfrm>
+            <a:prstGeom prst="ellipse">
+              <a:avLst/>
+            </a:prstGeom>
+            <a:solidFill>
+              <a:schemeClr val="accent1">
+                <a:alpha val="39000"/>
+              </a:schemeClr>
+            </a:solidFill>
+            <a:ln w="6350"/>
+          </p:spPr>
+          <p:style>
+            <a:lnRef idx="2">
+              <a:schemeClr val="accent1">
+                <a:shade val="15000"/>
+              </a:schemeClr>
+            </a:lnRef>
+            <a:fillRef idx="1">
+              <a:schemeClr val="accent1"/>
+            </a:fillRef>
+            <a:effectRef idx="0">
+              <a:schemeClr val="accent1"/>
+            </a:effectRef>
+            <a:fontRef idx="minor">
+              <a:schemeClr val="lt1"/>
+            </a:fontRef>
+          </p:style>
+          <p:txBody>
+            <a:bodyPr rtlCol="0" anchor="ctr"/>
+            <a:lstStyle/>
+            <a:p>
+              <a:pPr algn="ctr"/>
+              <a:endParaRPr lang="en-US"/>
+            </a:p>
+          </p:txBody>
+        </p:sp>
+        <p:sp>
+          <p:nvSpPr>
+            <p:cNvPr id="116" name="TextBox 115">
+              <a:extLst>
+                <a:ext uri="{FF2B5EF4-FFF2-40B4-BE49-F238E27FC236}">
+                  <a16:creationId xmlns:a16="http://schemas.microsoft.com/office/drawing/2014/main" id="{46589154-E976-33B1-FBF9-037F86BD2A29}"/>
+                </a:ext>
+              </a:extLst>
+            </p:cNvPr>
+            <p:cNvSpPr txBox="1"/>
+            <p:nvPr/>
+          </p:nvSpPr>
+          <p:spPr>
+            <a:xfrm>
+              <a:off x="9909716" y="4881170"/>
+              <a:ext cx="239168" cy="215444"/>
+            </a:xfrm>
+            <a:prstGeom prst="rect">
+              <a:avLst/>
+            </a:prstGeom>
+            <a:noFill/>
+          </p:spPr>
+          <p:txBody>
+            <a:bodyPr wrap="none" rtlCol="0">
+              <a:spAutoFit/>
+            </a:bodyPr>
+            <a:lstStyle/>
+            <a:p>
+              <a:r>
+                <a:rPr lang="en-US" sz="800" dirty="0"/>
+                <a:t>8</a:t>
+              </a:r>
+            </a:p>
+          </p:txBody>
+        </p:sp>
+        <p:sp>
+          <p:nvSpPr>
+            <p:cNvPr id="117" name="Oval 116">
+              <a:extLst>
+                <a:ext uri="{FF2B5EF4-FFF2-40B4-BE49-F238E27FC236}">
+                  <a16:creationId xmlns:a16="http://schemas.microsoft.com/office/drawing/2014/main" id="{C7BB3BDB-1970-59A9-0817-8CD9FB273E18}"/>
+                </a:ext>
+              </a:extLst>
+            </p:cNvPr>
+            <p:cNvSpPr/>
+            <p:nvPr/>
+          </p:nvSpPr>
+          <p:spPr>
+            <a:xfrm>
+              <a:off x="7591887" y="5442488"/>
+              <a:ext cx="253014" cy="257453"/>
+            </a:xfrm>
+            <a:prstGeom prst="ellipse">
+              <a:avLst/>
+            </a:prstGeom>
+            <a:solidFill>
+              <a:schemeClr val="accent1">
+                <a:alpha val="39000"/>
+              </a:schemeClr>
+            </a:solidFill>
+            <a:ln w="6350"/>
+          </p:spPr>
+          <p:style>
+            <a:lnRef idx="2">
+              <a:schemeClr val="accent1">
+                <a:shade val="15000"/>
+              </a:schemeClr>
+            </a:lnRef>
+            <a:fillRef idx="1">
+              <a:schemeClr val="accent1"/>
+            </a:fillRef>
+            <a:effectRef idx="0">
+              <a:schemeClr val="accent1"/>
+            </a:effectRef>
+            <a:fontRef idx="minor">
+              <a:schemeClr val="lt1"/>
+            </a:fontRef>
+          </p:style>
+          <p:txBody>
+            <a:bodyPr rtlCol="0" anchor="ctr"/>
+            <a:lstStyle/>
+            <a:p>
+              <a:pPr algn="ctr"/>
+              <a:endParaRPr lang="en-US"/>
+            </a:p>
+          </p:txBody>
+        </p:sp>
+        <p:sp>
+          <p:nvSpPr>
+            <p:cNvPr id="118" name="TextBox 117">
+              <a:extLst>
+                <a:ext uri="{FF2B5EF4-FFF2-40B4-BE49-F238E27FC236}">
+                  <a16:creationId xmlns:a16="http://schemas.microsoft.com/office/drawing/2014/main" id="{52FCFFB5-AA2A-35BD-FCC1-7970C2343E79}"/>
+                </a:ext>
+              </a:extLst>
+            </p:cNvPr>
+            <p:cNvSpPr txBox="1"/>
+            <p:nvPr/>
+          </p:nvSpPr>
+          <p:spPr>
+            <a:xfrm>
+              <a:off x="7598810" y="5463492"/>
+              <a:ext cx="239168" cy="215444"/>
+            </a:xfrm>
+            <a:prstGeom prst="rect">
+              <a:avLst/>
+            </a:prstGeom>
+            <a:noFill/>
+          </p:spPr>
+          <p:txBody>
+            <a:bodyPr wrap="none" rtlCol="0">
+              <a:spAutoFit/>
+            </a:bodyPr>
+            <a:lstStyle/>
+            <a:p>
+              <a:r>
+                <a:rPr lang="en-US" sz="800" dirty="0"/>
+                <a:t>3</a:t>
+              </a:r>
+            </a:p>
+          </p:txBody>
+        </p:sp>
+        <p:sp>
+          <p:nvSpPr>
+            <p:cNvPr id="119" name="Oval 118">
+              <a:extLst>
+                <a:ext uri="{FF2B5EF4-FFF2-40B4-BE49-F238E27FC236}">
+                  <a16:creationId xmlns:a16="http://schemas.microsoft.com/office/drawing/2014/main" id="{658F915F-1DF8-713A-D192-9A984479CF8A}"/>
+                </a:ext>
+              </a:extLst>
+            </p:cNvPr>
+            <p:cNvSpPr/>
+            <p:nvPr/>
+          </p:nvSpPr>
+          <p:spPr>
+            <a:xfrm>
+              <a:off x="8445208" y="5442488"/>
+              <a:ext cx="253014" cy="257453"/>
+            </a:xfrm>
+            <a:prstGeom prst="ellipse">
+              <a:avLst/>
+            </a:prstGeom>
+            <a:solidFill>
+              <a:schemeClr val="accent1">
+                <a:alpha val="39000"/>
+              </a:schemeClr>
+            </a:solidFill>
+            <a:ln w="6350"/>
+          </p:spPr>
+          <p:style>
+            <a:lnRef idx="2">
+              <a:schemeClr val="accent1">
+                <a:shade val="15000"/>
+              </a:schemeClr>
+            </a:lnRef>
+            <a:fillRef idx="1">
+              <a:schemeClr val="accent1"/>
+            </a:fillRef>
+            <a:effectRef idx="0">
+              <a:schemeClr val="accent1"/>
+            </a:effectRef>
+            <a:fontRef idx="minor">
+              <a:schemeClr val="lt1"/>
+            </a:fontRef>
+          </p:style>
+          <p:txBody>
+            <a:bodyPr rtlCol="0" anchor="ctr"/>
+            <a:lstStyle/>
+            <a:p>
+              <a:pPr algn="ctr"/>
+              <a:endParaRPr lang="en-US"/>
+            </a:p>
+          </p:txBody>
+        </p:sp>
+        <p:sp>
+          <p:nvSpPr>
+            <p:cNvPr id="120" name="TextBox 119">
+              <a:extLst>
+                <a:ext uri="{FF2B5EF4-FFF2-40B4-BE49-F238E27FC236}">
+                  <a16:creationId xmlns:a16="http://schemas.microsoft.com/office/drawing/2014/main" id="{B7765A83-7F17-F524-6103-981C0509692C}"/>
+                </a:ext>
+              </a:extLst>
+            </p:cNvPr>
+            <p:cNvSpPr txBox="1"/>
+            <p:nvPr/>
+          </p:nvSpPr>
+          <p:spPr>
+            <a:xfrm>
+              <a:off x="8452131" y="5463492"/>
+              <a:ext cx="239168" cy="215444"/>
+            </a:xfrm>
+            <a:prstGeom prst="rect">
+              <a:avLst/>
+            </a:prstGeom>
+            <a:noFill/>
+          </p:spPr>
+          <p:txBody>
+            <a:bodyPr wrap="none" rtlCol="0">
+              <a:spAutoFit/>
+            </a:bodyPr>
+            <a:lstStyle/>
+            <a:p>
+              <a:r>
+                <a:rPr lang="en-US" sz="800" dirty="0"/>
+                <a:t>5</a:t>
+              </a:r>
+            </a:p>
+          </p:txBody>
+        </p:sp>
+        <p:sp>
+          <p:nvSpPr>
+            <p:cNvPr id="121" name="Oval 120">
+              <a:extLst>
+                <a:ext uri="{FF2B5EF4-FFF2-40B4-BE49-F238E27FC236}">
+                  <a16:creationId xmlns:a16="http://schemas.microsoft.com/office/drawing/2014/main" id="{3C4B0967-5291-6078-DAC4-BB2390A5C54F}"/>
+                </a:ext>
+              </a:extLst>
+            </p:cNvPr>
+            <p:cNvSpPr/>
+            <p:nvPr/>
+          </p:nvSpPr>
+          <p:spPr>
+            <a:xfrm>
+              <a:off x="9266508" y="5442488"/>
+              <a:ext cx="253014" cy="257453"/>
+            </a:xfrm>
+            <a:prstGeom prst="ellipse">
+              <a:avLst/>
+            </a:prstGeom>
+            <a:solidFill>
+              <a:schemeClr val="accent1">
+                <a:alpha val="39000"/>
+              </a:schemeClr>
+            </a:solidFill>
+            <a:ln w="6350"/>
+          </p:spPr>
+          <p:style>
+            <a:lnRef idx="2">
+              <a:schemeClr val="accent1">
+                <a:shade val="15000"/>
+              </a:schemeClr>
+            </a:lnRef>
+            <a:fillRef idx="1">
+              <a:schemeClr val="accent1"/>
+            </a:fillRef>
+            <a:effectRef idx="0">
+              <a:schemeClr val="accent1"/>
+            </a:effectRef>
+            <a:fontRef idx="minor">
+              <a:schemeClr val="lt1"/>
+            </a:fontRef>
+          </p:style>
+          <p:txBody>
+            <a:bodyPr rtlCol="0" anchor="ctr"/>
+            <a:lstStyle/>
+            <a:p>
+              <a:pPr algn="ctr"/>
+              <a:endParaRPr lang="en-US"/>
+            </a:p>
+          </p:txBody>
+        </p:sp>
+        <p:sp>
+          <p:nvSpPr>
+            <p:cNvPr id="122" name="TextBox 121">
+              <a:extLst>
+                <a:ext uri="{FF2B5EF4-FFF2-40B4-BE49-F238E27FC236}">
+                  <a16:creationId xmlns:a16="http://schemas.microsoft.com/office/drawing/2014/main" id="{10B3DE92-0CF2-F94F-8DAA-91BA0CC9196C}"/>
+                </a:ext>
+              </a:extLst>
+            </p:cNvPr>
+            <p:cNvSpPr txBox="1"/>
+            <p:nvPr/>
+          </p:nvSpPr>
+          <p:spPr>
+            <a:xfrm>
+              <a:off x="9273431" y="5463492"/>
+              <a:ext cx="239168" cy="215444"/>
+            </a:xfrm>
+            <a:prstGeom prst="rect">
+              <a:avLst/>
+            </a:prstGeom>
+            <a:noFill/>
+          </p:spPr>
+          <p:txBody>
+            <a:bodyPr wrap="none" rtlCol="0">
+              <a:spAutoFit/>
+            </a:bodyPr>
+            <a:lstStyle/>
+            <a:p>
+              <a:r>
+                <a:rPr lang="en-US" sz="800" dirty="0"/>
+                <a:t>6</a:t>
+              </a:r>
+            </a:p>
+          </p:txBody>
+        </p:sp>
+        <p:sp>
+          <p:nvSpPr>
+            <p:cNvPr id="123" name="Oval 122">
+              <a:extLst>
+                <a:ext uri="{FF2B5EF4-FFF2-40B4-BE49-F238E27FC236}">
+                  <a16:creationId xmlns:a16="http://schemas.microsoft.com/office/drawing/2014/main" id="{CA135156-EA72-5EDD-B77C-986FCFA25992}"/>
+                </a:ext>
+              </a:extLst>
+            </p:cNvPr>
+            <p:cNvSpPr/>
+            <p:nvPr/>
+          </p:nvSpPr>
+          <p:spPr>
+            <a:xfrm>
+              <a:off x="8438285" y="4860166"/>
+              <a:ext cx="253014" cy="257453"/>
+            </a:xfrm>
+            <a:prstGeom prst="ellipse">
+              <a:avLst/>
+            </a:prstGeom>
+            <a:solidFill>
+              <a:schemeClr val="accent1">
+                <a:alpha val="39000"/>
+              </a:schemeClr>
+            </a:solidFill>
+            <a:ln w="6350"/>
+          </p:spPr>
+          <p:style>
+            <a:lnRef idx="2">
+              <a:schemeClr val="accent1">
+                <a:shade val="15000"/>
+              </a:schemeClr>
+            </a:lnRef>
+            <a:fillRef idx="1">
+              <a:schemeClr val="accent1"/>
+            </a:fillRef>
+            <a:effectRef idx="0">
+              <a:schemeClr val="accent1"/>
+            </a:effectRef>
+            <a:fontRef idx="minor">
+              <a:schemeClr val="lt1"/>
+            </a:fontRef>
+          </p:style>
+          <p:txBody>
+            <a:bodyPr rtlCol="0" anchor="ctr"/>
+            <a:lstStyle/>
+            <a:p>
+              <a:pPr algn="ctr"/>
+              <a:endParaRPr lang="en-US"/>
+            </a:p>
+          </p:txBody>
+        </p:sp>
+        <p:sp>
+          <p:nvSpPr>
+            <p:cNvPr id="124" name="TextBox 123">
+              <a:extLst>
+                <a:ext uri="{FF2B5EF4-FFF2-40B4-BE49-F238E27FC236}">
+                  <a16:creationId xmlns:a16="http://schemas.microsoft.com/office/drawing/2014/main" id="{C6473DE6-5430-22BB-E1B4-E28ECB9D0291}"/>
+                </a:ext>
+              </a:extLst>
+            </p:cNvPr>
+            <p:cNvSpPr txBox="1"/>
+            <p:nvPr/>
+          </p:nvSpPr>
+          <p:spPr>
+            <a:xfrm>
+              <a:off x="8445208" y="4881170"/>
+              <a:ext cx="239168" cy="215444"/>
+            </a:xfrm>
+            <a:prstGeom prst="rect">
+              <a:avLst/>
+            </a:prstGeom>
+            <a:noFill/>
+          </p:spPr>
+          <p:txBody>
+            <a:bodyPr wrap="none" rtlCol="0">
+              <a:spAutoFit/>
+            </a:bodyPr>
+            <a:lstStyle/>
+            <a:p>
+              <a:r>
+                <a:rPr lang="en-US" sz="800" dirty="0"/>
+                <a:t>4</a:t>
+              </a:r>
+            </a:p>
+          </p:txBody>
+        </p:sp>
+        <p:cxnSp>
+          <p:nvCxnSpPr>
+            <p:cNvPr id="125" name="Straight Connector 124">
+              <a:extLst>
+                <a:ext uri="{FF2B5EF4-FFF2-40B4-BE49-F238E27FC236}">
+                  <a16:creationId xmlns:a16="http://schemas.microsoft.com/office/drawing/2014/main" id="{FA072EF3-750A-E1B9-46A8-FCB4B3FA6F5D}"/>
+                </a:ext>
+              </a:extLst>
+            </p:cNvPr>
+            <p:cNvCxnSpPr>
+              <a:cxnSpLocks/>
+            </p:cNvCxnSpPr>
+            <p:nvPr/>
+          </p:nvCxnSpPr>
+          <p:spPr>
+            <a:xfrm flipV="1">
+              <a:off x="7260627" y="4457223"/>
+              <a:ext cx="360408" cy="447266"/>
+            </a:xfrm>
+            <a:prstGeom prst="line">
+              <a:avLst/>
+            </a:prstGeom>
+            <a:ln w="6350">
+              <a:tailEnd type="triangle" w="sm" len="sm"/>
+            </a:ln>
+          </p:spPr>
+          <p:style>
+            <a:lnRef idx="2">
+              <a:schemeClr val="accent1"/>
+            </a:lnRef>
+            <a:fillRef idx="0">
+              <a:schemeClr val="accent1"/>
+            </a:fillRef>
+            <a:effectRef idx="1">
+              <a:schemeClr val="accent1"/>
+            </a:effectRef>
+            <a:fontRef idx="minor">
+              <a:schemeClr val="tx1"/>
+            </a:fontRef>
+          </p:style>
+        </p:cxnSp>
+        <p:cxnSp>
+          <p:nvCxnSpPr>
+            <p:cNvPr id="126" name="Straight Connector 125">
+              <a:extLst>
+                <a:ext uri="{FF2B5EF4-FFF2-40B4-BE49-F238E27FC236}">
+                  <a16:creationId xmlns:a16="http://schemas.microsoft.com/office/drawing/2014/main" id="{A5A00FD7-ED19-15D0-B37F-BBDB9501BDD5}"/>
+                </a:ext>
+              </a:extLst>
+            </p:cNvPr>
+            <p:cNvCxnSpPr>
+              <a:cxnSpLocks/>
+              <a:stCxn id="117" idx="0"/>
+              <a:endCxn id="109" idx="4"/>
+            </p:cNvCxnSpPr>
+            <p:nvPr/>
+          </p:nvCxnSpPr>
+          <p:spPr>
+            <a:xfrm flipV="1">
+              <a:off x="7718394" y="4483706"/>
+              <a:ext cx="0" cy="958782"/>
+            </a:xfrm>
+            <a:prstGeom prst="line">
+              <a:avLst/>
+            </a:prstGeom>
+            <a:ln w="6350">
+              <a:headEnd type="triangle" w="sm" len="sm"/>
+              <a:tailEnd type="none" w="sm" len="sm"/>
+            </a:ln>
+          </p:spPr>
+          <p:style>
+            <a:lnRef idx="2">
+              <a:schemeClr val="accent1"/>
+            </a:lnRef>
+            <a:fillRef idx="0">
+              <a:schemeClr val="accent1"/>
+            </a:fillRef>
+            <a:effectRef idx="1">
+              <a:schemeClr val="accent1"/>
+            </a:effectRef>
+            <a:fontRef idx="minor">
+              <a:schemeClr val="tx1"/>
+            </a:fontRef>
+          </p:style>
+        </p:cxnSp>
+        <p:cxnSp>
+          <p:nvCxnSpPr>
+            <p:cNvPr id="127" name="Straight Connector 126">
+              <a:extLst>
+                <a:ext uri="{FF2B5EF4-FFF2-40B4-BE49-F238E27FC236}">
+                  <a16:creationId xmlns:a16="http://schemas.microsoft.com/office/drawing/2014/main" id="{016F7C81-0846-8C11-0FB1-754DA7EB807D}"/>
+                </a:ext>
+              </a:extLst>
+            </p:cNvPr>
+            <p:cNvCxnSpPr>
+              <a:cxnSpLocks/>
+            </p:cNvCxnSpPr>
+            <p:nvPr/>
+          </p:nvCxnSpPr>
+          <p:spPr>
+            <a:xfrm>
+              <a:off x="7260627" y="5079564"/>
+              <a:ext cx="371091" cy="406583"/>
+            </a:xfrm>
+            <a:prstGeom prst="line">
+              <a:avLst/>
+            </a:prstGeom>
+            <a:ln w="6350">
+              <a:tailEnd type="triangle" w="sm" len="sm"/>
+            </a:ln>
+          </p:spPr>
+          <p:style>
+            <a:lnRef idx="2">
+              <a:schemeClr val="accent1"/>
+            </a:lnRef>
+            <a:fillRef idx="0">
+              <a:schemeClr val="accent1"/>
+            </a:fillRef>
+            <a:effectRef idx="1">
+              <a:schemeClr val="accent1"/>
+            </a:effectRef>
+            <a:fontRef idx="minor">
+              <a:schemeClr val="tx1"/>
+            </a:fontRef>
+          </p:style>
+        </p:cxnSp>
+        <p:cxnSp>
+          <p:nvCxnSpPr>
+            <p:cNvPr id="128" name="Straight Connector 127">
+              <a:extLst>
+                <a:ext uri="{FF2B5EF4-FFF2-40B4-BE49-F238E27FC236}">
+                  <a16:creationId xmlns:a16="http://schemas.microsoft.com/office/drawing/2014/main" id="{BB607D3B-7E31-D5D4-F0F0-6E6DF15B7D5D}"/>
+                </a:ext>
+              </a:extLst>
+            </p:cNvPr>
+            <p:cNvCxnSpPr>
+              <a:stCxn id="110" idx="3"/>
+              <a:endCxn id="112" idx="1"/>
+            </p:cNvCxnSpPr>
+            <p:nvPr/>
+          </p:nvCxnSpPr>
+          <p:spPr>
+            <a:xfrm>
+              <a:off x="7837978" y="4354979"/>
+              <a:ext cx="614153" cy="0"/>
+            </a:xfrm>
+            <a:prstGeom prst="line">
+              <a:avLst/>
+            </a:prstGeom>
+            <a:ln w="6350">
+              <a:tailEnd type="triangle" w="sm" len="sm"/>
+            </a:ln>
+          </p:spPr>
+          <p:style>
+            <a:lnRef idx="2">
+              <a:schemeClr val="accent1"/>
+            </a:lnRef>
+            <a:fillRef idx="0">
+              <a:schemeClr val="accent1"/>
+            </a:fillRef>
+            <a:effectRef idx="1">
+              <a:schemeClr val="accent1"/>
+            </a:effectRef>
+            <a:fontRef idx="minor">
+              <a:schemeClr val="tx1"/>
+            </a:fontRef>
+          </p:style>
+        </p:cxnSp>
+        <p:cxnSp>
+          <p:nvCxnSpPr>
+            <p:cNvPr id="129" name="Straight Connector 128">
+              <a:extLst>
+                <a:ext uri="{FF2B5EF4-FFF2-40B4-BE49-F238E27FC236}">
+                  <a16:creationId xmlns:a16="http://schemas.microsoft.com/office/drawing/2014/main" id="{070BC16B-47AA-D8EB-2847-AF1A234CA076}"/>
+                </a:ext>
+              </a:extLst>
+            </p:cNvPr>
+            <p:cNvCxnSpPr>
+              <a:stCxn id="112" idx="3"/>
+              <a:endCxn id="114" idx="1"/>
+            </p:cNvCxnSpPr>
+            <p:nvPr/>
+          </p:nvCxnSpPr>
+          <p:spPr>
+            <a:xfrm>
+              <a:off x="8691299" y="4354979"/>
+              <a:ext cx="582132" cy="0"/>
+            </a:xfrm>
+            <a:prstGeom prst="line">
+              <a:avLst/>
+            </a:prstGeom>
+            <a:ln w="6350">
+              <a:tailEnd type="triangle" w="sm" len="sm"/>
+            </a:ln>
+          </p:spPr>
+          <p:style>
+            <a:lnRef idx="2">
+              <a:schemeClr val="accent1"/>
+            </a:lnRef>
+            <a:fillRef idx="0">
+              <a:schemeClr val="accent1"/>
+            </a:fillRef>
+            <a:effectRef idx="1">
+              <a:schemeClr val="accent1"/>
+            </a:effectRef>
+            <a:fontRef idx="minor">
+              <a:schemeClr val="tx1"/>
+            </a:fontRef>
+          </p:style>
+        </p:cxnSp>
+        <p:cxnSp>
+          <p:nvCxnSpPr>
+            <p:cNvPr id="130" name="Straight Connector 129">
+              <a:extLst>
+                <a:ext uri="{FF2B5EF4-FFF2-40B4-BE49-F238E27FC236}">
+                  <a16:creationId xmlns:a16="http://schemas.microsoft.com/office/drawing/2014/main" id="{206E00AC-D567-7E7A-3F88-007AD7FC7709}"/>
+                </a:ext>
+              </a:extLst>
+            </p:cNvPr>
+            <p:cNvCxnSpPr>
+              <a:cxnSpLocks/>
+            </p:cNvCxnSpPr>
+            <p:nvPr/>
+          </p:nvCxnSpPr>
+          <p:spPr>
+            <a:xfrm>
+              <a:off x="8662872" y="4442216"/>
+              <a:ext cx="652832" cy="1027873"/>
+            </a:xfrm>
+            <a:prstGeom prst="line">
+              <a:avLst/>
+            </a:prstGeom>
+            <a:ln w="6350">
+              <a:tailEnd type="triangle" w="sm" len="sm"/>
+            </a:ln>
+          </p:spPr>
+          <p:style>
+            <a:lnRef idx="2">
+              <a:schemeClr val="accent1"/>
+            </a:lnRef>
+            <a:fillRef idx="0">
+              <a:schemeClr val="accent1"/>
+            </a:fillRef>
+            <a:effectRef idx="1">
+              <a:schemeClr val="accent1"/>
+            </a:effectRef>
+            <a:fontRef idx="minor">
+              <a:schemeClr val="tx1"/>
+            </a:fontRef>
+          </p:style>
+        </p:cxnSp>
+        <p:cxnSp>
+          <p:nvCxnSpPr>
+            <p:cNvPr id="131" name="Straight Connector 130">
+              <a:extLst>
+                <a:ext uri="{FF2B5EF4-FFF2-40B4-BE49-F238E27FC236}">
+                  <a16:creationId xmlns:a16="http://schemas.microsoft.com/office/drawing/2014/main" id="{DEAF5E16-FC6E-A77D-2037-7753F23568F1}"/>
+                </a:ext>
+              </a:extLst>
+            </p:cNvPr>
+            <p:cNvCxnSpPr>
+              <a:stCxn id="118" idx="3"/>
+              <a:endCxn id="120" idx="1"/>
+            </p:cNvCxnSpPr>
+            <p:nvPr/>
+          </p:nvCxnSpPr>
+          <p:spPr>
+            <a:xfrm>
+              <a:off x="7837978" y="5571214"/>
+              <a:ext cx="614153" cy="0"/>
+            </a:xfrm>
+            <a:prstGeom prst="line">
+              <a:avLst/>
+            </a:prstGeom>
+            <a:ln w="6350">
+              <a:tailEnd type="triangle" w="sm" len="sm"/>
+            </a:ln>
+          </p:spPr>
+          <p:style>
+            <a:lnRef idx="2">
+              <a:schemeClr val="accent1"/>
+            </a:lnRef>
+            <a:fillRef idx="0">
+              <a:schemeClr val="accent1"/>
+            </a:fillRef>
+            <a:effectRef idx="1">
+              <a:schemeClr val="accent1"/>
+            </a:effectRef>
+            <a:fontRef idx="minor">
+              <a:schemeClr val="tx1"/>
+            </a:fontRef>
+          </p:style>
+        </p:cxnSp>
+        <p:cxnSp>
+          <p:nvCxnSpPr>
+            <p:cNvPr id="132" name="Straight Connector 131">
+              <a:extLst>
+                <a:ext uri="{FF2B5EF4-FFF2-40B4-BE49-F238E27FC236}">
+                  <a16:creationId xmlns:a16="http://schemas.microsoft.com/office/drawing/2014/main" id="{8809D109-DB99-160D-9E1A-A11E2983DA1D}"/>
+                </a:ext>
+              </a:extLst>
+            </p:cNvPr>
+            <p:cNvCxnSpPr>
+              <a:cxnSpLocks/>
+            </p:cNvCxnSpPr>
+            <p:nvPr/>
+          </p:nvCxnSpPr>
+          <p:spPr>
+            <a:xfrm flipV="1">
+              <a:off x="7824093" y="5051191"/>
+              <a:ext cx="630261" cy="457725"/>
+            </a:xfrm>
+            <a:prstGeom prst="line">
+              <a:avLst/>
+            </a:prstGeom>
+            <a:ln w="6350">
+              <a:tailEnd type="triangle" w="sm" len="sm"/>
+            </a:ln>
+          </p:spPr>
+          <p:style>
+            <a:lnRef idx="2">
+              <a:schemeClr val="accent1"/>
+            </a:lnRef>
+            <a:fillRef idx="0">
+              <a:schemeClr val="accent1"/>
+            </a:fillRef>
+            <a:effectRef idx="1">
+              <a:schemeClr val="accent1"/>
+            </a:effectRef>
+            <a:fontRef idx="minor">
+              <a:schemeClr val="tx1"/>
+            </a:fontRef>
+          </p:style>
+        </p:cxnSp>
+        <p:cxnSp>
+          <p:nvCxnSpPr>
+            <p:cNvPr id="133" name="Straight Connector 132">
+              <a:extLst>
+                <a:ext uri="{FF2B5EF4-FFF2-40B4-BE49-F238E27FC236}">
+                  <a16:creationId xmlns:a16="http://schemas.microsoft.com/office/drawing/2014/main" id="{94C293B6-BAC6-7926-BBBF-C0BBC69056C0}"/>
+                </a:ext>
+              </a:extLst>
+            </p:cNvPr>
+            <p:cNvCxnSpPr>
+              <a:stCxn id="111" idx="4"/>
+              <a:endCxn id="123" idx="0"/>
+            </p:cNvCxnSpPr>
+            <p:nvPr/>
+          </p:nvCxnSpPr>
+          <p:spPr>
+            <a:xfrm flipH="1">
+              <a:off x="8564792" y="4483706"/>
+              <a:ext cx="6923" cy="376460"/>
+            </a:xfrm>
+            <a:prstGeom prst="line">
+              <a:avLst/>
+            </a:prstGeom>
+            <a:ln w="6350">
+              <a:tailEnd type="triangle" w="sm" len="sm"/>
+            </a:ln>
+          </p:spPr>
+          <p:style>
+            <a:lnRef idx="2">
+              <a:schemeClr val="accent1"/>
+            </a:lnRef>
+            <a:fillRef idx="0">
+              <a:schemeClr val="accent1"/>
+            </a:fillRef>
+            <a:effectRef idx="1">
+              <a:schemeClr val="accent1"/>
+            </a:effectRef>
+            <a:fontRef idx="minor">
+              <a:schemeClr val="tx1"/>
+            </a:fontRef>
+          </p:style>
+        </p:cxnSp>
+        <p:cxnSp>
+          <p:nvCxnSpPr>
+            <p:cNvPr id="134" name="Straight Connector 133">
+              <a:extLst>
+                <a:ext uri="{FF2B5EF4-FFF2-40B4-BE49-F238E27FC236}">
+                  <a16:creationId xmlns:a16="http://schemas.microsoft.com/office/drawing/2014/main" id="{38FD4484-2CC5-FCEC-4D8F-57370ADCB8D9}"/>
+                </a:ext>
+              </a:extLst>
+            </p:cNvPr>
+            <p:cNvCxnSpPr>
+              <a:cxnSpLocks/>
+            </p:cNvCxnSpPr>
+            <p:nvPr/>
+          </p:nvCxnSpPr>
+          <p:spPr>
+            <a:xfrm>
+              <a:off x="8566101" y="5112003"/>
+              <a:ext cx="0" cy="336100"/>
+            </a:xfrm>
+            <a:prstGeom prst="line">
+              <a:avLst/>
+            </a:prstGeom>
+            <a:ln w="6350">
+              <a:tailEnd type="triangle" w="sm" len="sm"/>
+            </a:ln>
+          </p:spPr>
+          <p:style>
+            <a:lnRef idx="2">
+              <a:schemeClr val="accent1"/>
+            </a:lnRef>
+            <a:fillRef idx="0">
+              <a:schemeClr val="accent1"/>
+            </a:fillRef>
+            <a:effectRef idx="1">
+              <a:schemeClr val="accent1"/>
+            </a:effectRef>
+            <a:fontRef idx="minor">
+              <a:schemeClr val="tx1"/>
+            </a:fontRef>
+          </p:style>
+        </p:cxnSp>
+        <p:cxnSp>
+          <p:nvCxnSpPr>
+            <p:cNvPr id="135" name="Straight Connector 134">
+              <a:extLst>
+                <a:ext uri="{FF2B5EF4-FFF2-40B4-BE49-F238E27FC236}">
+                  <a16:creationId xmlns:a16="http://schemas.microsoft.com/office/drawing/2014/main" id="{9B3F7088-E340-46F4-16FF-EB5E25F060BF}"/>
+                </a:ext>
+              </a:extLst>
+            </p:cNvPr>
+            <p:cNvCxnSpPr>
+              <a:stCxn id="113" idx="4"/>
+              <a:endCxn id="121" idx="0"/>
+            </p:cNvCxnSpPr>
+            <p:nvPr/>
+          </p:nvCxnSpPr>
+          <p:spPr>
+            <a:xfrm>
+              <a:off x="9393015" y="4483706"/>
+              <a:ext cx="0" cy="958782"/>
+            </a:xfrm>
+            <a:prstGeom prst="line">
+              <a:avLst/>
+            </a:prstGeom>
+            <a:ln w="6350">
+              <a:headEnd type="triangle" w="sm" len="sm"/>
+              <a:tailEnd type="none"/>
+            </a:ln>
+          </p:spPr>
+          <p:style>
+            <a:lnRef idx="2">
+              <a:schemeClr val="accent1"/>
+            </a:lnRef>
+            <a:fillRef idx="0">
+              <a:schemeClr val="accent1"/>
+            </a:fillRef>
+            <a:effectRef idx="1">
+              <a:schemeClr val="accent1"/>
+            </a:effectRef>
+            <a:fontRef idx="minor">
+              <a:schemeClr val="tx1"/>
+            </a:fontRef>
+          </p:style>
+        </p:cxnSp>
+        <p:cxnSp>
+          <p:nvCxnSpPr>
+            <p:cNvPr id="136" name="Straight Connector 135">
+              <a:extLst>
+                <a:ext uri="{FF2B5EF4-FFF2-40B4-BE49-F238E27FC236}">
+                  <a16:creationId xmlns:a16="http://schemas.microsoft.com/office/drawing/2014/main" id="{9BB5C2AC-C072-AF4F-D70A-DFE30377AAA4}"/>
+                </a:ext>
+              </a:extLst>
+            </p:cNvPr>
+            <p:cNvCxnSpPr>
+              <a:stCxn id="119" idx="6"/>
+              <a:endCxn id="121" idx="2"/>
+            </p:cNvCxnSpPr>
+            <p:nvPr/>
+          </p:nvCxnSpPr>
+          <p:spPr>
+            <a:xfrm>
+              <a:off x="8698222" y="5571215"/>
+              <a:ext cx="568286" cy="0"/>
+            </a:xfrm>
+            <a:prstGeom prst="line">
+              <a:avLst/>
+            </a:prstGeom>
+            <a:ln w="6350">
+              <a:headEnd type="none"/>
+              <a:tailEnd type="triangle" w="sm" len="sm"/>
+            </a:ln>
+          </p:spPr>
+          <p:style>
+            <a:lnRef idx="2">
+              <a:schemeClr val="accent1"/>
+            </a:lnRef>
+            <a:fillRef idx="0">
+              <a:schemeClr val="accent1"/>
+            </a:fillRef>
+            <a:effectRef idx="1">
+              <a:schemeClr val="accent1"/>
+            </a:effectRef>
+            <a:fontRef idx="minor">
+              <a:schemeClr val="tx1"/>
+            </a:fontRef>
+          </p:style>
+        </p:cxnSp>
+        <p:cxnSp>
+          <p:nvCxnSpPr>
+            <p:cNvPr id="137" name="Straight Connector 136">
+              <a:extLst>
+                <a:ext uri="{FF2B5EF4-FFF2-40B4-BE49-F238E27FC236}">
+                  <a16:creationId xmlns:a16="http://schemas.microsoft.com/office/drawing/2014/main" id="{E05DBA94-DED7-890A-F590-F60CE822B165}"/>
+                </a:ext>
+              </a:extLst>
+            </p:cNvPr>
+            <p:cNvCxnSpPr>
+              <a:cxnSpLocks/>
+            </p:cNvCxnSpPr>
+            <p:nvPr/>
+          </p:nvCxnSpPr>
+          <p:spPr>
+            <a:xfrm>
+              <a:off x="9481183" y="4451408"/>
+              <a:ext cx="454554" cy="458895"/>
+            </a:xfrm>
+            <a:prstGeom prst="line">
+              <a:avLst/>
+            </a:prstGeom>
+            <a:ln w="6350">
+              <a:tailEnd type="triangle" w="sm" len="sm"/>
+            </a:ln>
+          </p:spPr>
+          <p:style>
+            <a:lnRef idx="2">
+              <a:schemeClr val="accent1"/>
+            </a:lnRef>
+            <a:fillRef idx="0">
+              <a:schemeClr val="accent1"/>
+            </a:fillRef>
+            <a:effectRef idx="1">
+              <a:schemeClr val="accent1"/>
+            </a:effectRef>
+            <a:fontRef idx="minor">
+              <a:schemeClr val="tx1"/>
+            </a:fontRef>
+          </p:style>
+        </p:cxnSp>
+        <p:cxnSp>
+          <p:nvCxnSpPr>
+            <p:cNvPr id="138" name="Straight Connector 137">
+              <a:extLst>
+                <a:ext uri="{FF2B5EF4-FFF2-40B4-BE49-F238E27FC236}">
+                  <a16:creationId xmlns:a16="http://schemas.microsoft.com/office/drawing/2014/main" id="{51965497-FBA1-55B7-BF81-6420CFC83315}"/>
+                </a:ext>
+              </a:extLst>
+            </p:cNvPr>
+            <p:cNvCxnSpPr>
+              <a:cxnSpLocks/>
+            </p:cNvCxnSpPr>
+            <p:nvPr/>
+          </p:nvCxnSpPr>
+          <p:spPr>
+            <a:xfrm flipV="1">
+              <a:off x="9477902" y="5079564"/>
+              <a:ext cx="456307" cy="408064"/>
+            </a:xfrm>
+            <a:prstGeom prst="line">
+              <a:avLst/>
+            </a:prstGeom>
+            <a:ln w="6350">
+              <a:tailEnd type="triangle" w="sm" len="sm"/>
+            </a:ln>
+          </p:spPr>
+          <p:style>
+            <a:lnRef idx="2">
+              <a:schemeClr val="accent1"/>
+            </a:lnRef>
+            <a:fillRef idx="0">
+              <a:schemeClr val="accent1"/>
+            </a:fillRef>
+            <a:effectRef idx="1">
+              <a:schemeClr val="accent1"/>
+            </a:effectRef>
+            <a:fontRef idx="minor">
+              <a:schemeClr val="tx1"/>
+            </a:fontRef>
+          </p:style>
+        </p:cxnSp>
+        <p:sp>
+          <p:nvSpPr>
+            <p:cNvPr id="139" name="TextBox 138">
+              <a:extLst>
+                <a:ext uri="{FF2B5EF4-FFF2-40B4-BE49-F238E27FC236}">
+                  <a16:creationId xmlns:a16="http://schemas.microsoft.com/office/drawing/2014/main" id="{218FF6FD-CA72-23DC-9055-D38AA8FFDC2D}"/>
+                </a:ext>
+              </a:extLst>
+            </p:cNvPr>
+            <p:cNvSpPr txBox="1"/>
+            <p:nvPr/>
+          </p:nvSpPr>
+          <p:spPr>
+            <a:xfrm>
+              <a:off x="7270986" y="4536347"/>
+              <a:ext cx="227338" cy="200055"/>
+            </a:xfrm>
+            <a:prstGeom prst="rect">
+              <a:avLst/>
+            </a:prstGeom>
+            <a:noFill/>
+          </p:spPr>
+          <p:txBody>
+            <a:bodyPr wrap="square" rtlCol="0">
+              <a:spAutoFit/>
+            </a:bodyPr>
+            <a:lstStyle/>
+            <a:p>
+              <a:r>
+                <a:rPr lang="en-US" sz="700" dirty="0"/>
+                <a:t>4</a:t>
+              </a:r>
+            </a:p>
+          </p:txBody>
+        </p:sp>
+        <p:sp>
+          <p:nvSpPr>
+            <p:cNvPr id="140" name="TextBox 139">
+              <a:extLst>
+                <a:ext uri="{FF2B5EF4-FFF2-40B4-BE49-F238E27FC236}">
+                  <a16:creationId xmlns:a16="http://schemas.microsoft.com/office/drawing/2014/main" id="{6B9CD9BE-B149-3DF6-695B-7FBA624C16FD}"/>
+                </a:ext>
+              </a:extLst>
+            </p:cNvPr>
+            <p:cNvSpPr txBox="1"/>
+            <p:nvPr/>
+          </p:nvSpPr>
+          <p:spPr>
+            <a:xfrm>
+              <a:off x="8045424" y="4164978"/>
+              <a:ext cx="227338" cy="200055"/>
+            </a:xfrm>
+            <a:prstGeom prst="rect">
+              <a:avLst/>
+            </a:prstGeom>
+            <a:noFill/>
+          </p:spPr>
+          <p:txBody>
+            <a:bodyPr wrap="square" rtlCol="0">
+              <a:spAutoFit/>
+            </a:bodyPr>
+            <a:lstStyle/>
+            <a:p>
+              <a:r>
+                <a:rPr lang="en-US" sz="700" dirty="0"/>
+                <a:t>8</a:t>
+              </a:r>
+            </a:p>
+          </p:txBody>
+        </p:sp>
+        <p:sp>
+          <p:nvSpPr>
+            <p:cNvPr id="141" name="TextBox 140">
+              <a:extLst>
+                <a:ext uri="{FF2B5EF4-FFF2-40B4-BE49-F238E27FC236}">
+                  <a16:creationId xmlns:a16="http://schemas.microsoft.com/office/drawing/2014/main" id="{6F111181-73BF-CA03-2F16-7873C1F3F30B}"/>
+                </a:ext>
+              </a:extLst>
+            </p:cNvPr>
+            <p:cNvSpPr txBox="1"/>
+            <p:nvPr/>
+          </p:nvSpPr>
+          <p:spPr>
+            <a:xfrm>
+              <a:off x="8850293" y="4172922"/>
+              <a:ext cx="227338" cy="200055"/>
+            </a:xfrm>
+            <a:prstGeom prst="rect">
+              <a:avLst/>
+            </a:prstGeom>
+            <a:noFill/>
+          </p:spPr>
+          <p:txBody>
+            <a:bodyPr wrap="square" rtlCol="0">
+              <a:spAutoFit/>
+            </a:bodyPr>
+            <a:lstStyle/>
+            <a:p>
+              <a:r>
+                <a:rPr lang="en-US" sz="700" dirty="0"/>
+                <a:t>7</a:t>
+              </a:r>
+            </a:p>
+          </p:txBody>
+        </p:sp>
+        <p:sp>
+          <p:nvSpPr>
+            <p:cNvPr id="142" name="TextBox 141">
+              <a:extLst>
+                <a:ext uri="{FF2B5EF4-FFF2-40B4-BE49-F238E27FC236}">
+                  <a16:creationId xmlns:a16="http://schemas.microsoft.com/office/drawing/2014/main" id="{26BDB2CD-EDD0-E5D7-A154-31F2E555ABAA}"/>
+                </a:ext>
+              </a:extLst>
+            </p:cNvPr>
+            <p:cNvSpPr txBox="1"/>
+            <p:nvPr/>
+          </p:nvSpPr>
+          <p:spPr>
+            <a:xfrm>
+              <a:off x="7674080" y="4842677"/>
+              <a:ext cx="325358" cy="200055"/>
+            </a:xfrm>
+            <a:prstGeom prst="rect">
+              <a:avLst/>
+            </a:prstGeom>
+            <a:noFill/>
+          </p:spPr>
+          <p:txBody>
+            <a:bodyPr wrap="square" rtlCol="0">
+              <a:spAutoFit/>
+            </a:bodyPr>
+            <a:lstStyle/>
+            <a:p>
+              <a:r>
+                <a:rPr lang="en-US" sz="700" dirty="0"/>
+                <a:t>11</a:t>
+              </a:r>
+            </a:p>
+          </p:txBody>
+        </p:sp>
+        <p:sp>
+          <p:nvSpPr>
+            <p:cNvPr id="143" name="TextBox 142">
+              <a:extLst>
+                <a:ext uri="{FF2B5EF4-FFF2-40B4-BE49-F238E27FC236}">
+                  <a16:creationId xmlns:a16="http://schemas.microsoft.com/office/drawing/2014/main" id="{C87CAC7D-15B7-6355-10E3-EAC4125425C8}"/>
+                </a:ext>
+              </a:extLst>
+            </p:cNvPr>
+            <p:cNvSpPr txBox="1"/>
+            <p:nvPr/>
+          </p:nvSpPr>
+          <p:spPr>
+            <a:xfrm>
+              <a:off x="7986946" y="5086676"/>
+              <a:ext cx="227338" cy="200055"/>
+            </a:xfrm>
+            <a:prstGeom prst="rect">
+              <a:avLst/>
+            </a:prstGeom>
+            <a:noFill/>
+          </p:spPr>
+          <p:txBody>
+            <a:bodyPr wrap="square" rtlCol="0">
+              <a:spAutoFit/>
+            </a:bodyPr>
+            <a:lstStyle/>
+            <a:p>
+              <a:r>
+                <a:rPr lang="en-US" sz="700" dirty="0"/>
+                <a:t>7</a:t>
+              </a:r>
+            </a:p>
+          </p:txBody>
+        </p:sp>
+        <p:sp>
+          <p:nvSpPr>
+            <p:cNvPr id="144" name="TextBox 143">
+              <a:extLst>
+                <a:ext uri="{FF2B5EF4-FFF2-40B4-BE49-F238E27FC236}">
+                  <a16:creationId xmlns:a16="http://schemas.microsoft.com/office/drawing/2014/main" id="{20821A49-1DC8-97D3-6828-4FC95CD929CC}"/>
+                </a:ext>
+              </a:extLst>
+            </p:cNvPr>
+            <p:cNvSpPr txBox="1"/>
+            <p:nvPr/>
+          </p:nvSpPr>
+          <p:spPr>
+            <a:xfrm>
+              <a:off x="8533060" y="5180025"/>
+              <a:ext cx="227338" cy="200055"/>
+            </a:xfrm>
+            <a:prstGeom prst="rect">
+              <a:avLst/>
+            </a:prstGeom>
+            <a:noFill/>
+          </p:spPr>
+          <p:txBody>
+            <a:bodyPr wrap="square" rtlCol="0">
+              <a:spAutoFit/>
+            </a:bodyPr>
+            <a:lstStyle/>
+            <a:p>
+              <a:r>
+                <a:rPr lang="en-US" sz="700" dirty="0"/>
+                <a:t>6</a:t>
+              </a:r>
+            </a:p>
+          </p:txBody>
+        </p:sp>
+        <p:sp>
+          <p:nvSpPr>
+            <p:cNvPr id="145" name="TextBox 144">
+              <a:extLst>
+                <a:ext uri="{FF2B5EF4-FFF2-40B4-BE49-F238E27FC236}">
+                  <a16:creationId xmlns:a16="http://schemas.microsoft.com/office/drawing/2014/main" id="{61BECFA5-ACE5-845F-4D88-109EB2AA5689}"/>
+                </a:ext>
+              </a:extLst>
+            </p:cNvPr>
+            <p:cNvSpPr txBox="1"/>
+            <p:nvPr/>
+          </p:nvSpPr>
+          <p:spPr>
+            <a:xfrm>
+              <a:off x="8062565" y="5393871"/>
+              <a:ext cx="227338" cy="200055"/>
+            </a:xfrm>
+            <a:prstGeom prst="rect">
+              <a:avLst/>
+            </a:prstGeom>
+            <a:noFill/>
+          </p:spPr>
+          <p:txBody>
+            <a:bodyPr wrap="square" rtlCol="0">
+              <a:spAutoFit/>
+            </a:bodyPr>
+            <a:lstStyle/>
+            <a:p>
+              <a:r>
+                <a:rPr lang="en-US" sz="700" dirty="0"/>
+                <a:t>1</a:t>
+              </a:r>
+            </a:p>
+          </p:txBody>
+        </p:sp>
+        <p:sp>
+          <p:nvSpPr>
+            <p:cNvPr id="146" name="TextBox 145">
+              <a:extLst>
+                <a:ext uri="{FF2B5EF4-FFF2-40B4-BE49-F238E27FC236}">
+                  <a16:creationId xmlns:a16="http://schemas.microsoft.com/office/drawing/2014/main" id="{21CE4E77-A256-398C-A865-3913E8799E73}"/>
+                </a:ext>
+              </a:extLst>
+            </p:cNvPr>
+            <p:cNvSpPr txBox="1"/>
+            <p:nvPr/>
+          </p:nvSpPr>
+          <p:spPr>
+            <a:xfrm>
+              <a:off x="8942807" y="4781142"/>
+              <a:ext cx="227338" cy="200055"/>
+            </a:xfrm>
+            <a:prstGeom prst="rect">
+              <a:avLst/>
+            </a:prstGeom>
+            <a:noFill/>
+          </p:spPr>
+          <p:txBody>
+            <a:bodyPr wrap="square" rtlCol="0">
+              <a:spAutoFit/>
+            </a:bodyPr>
+            <a:lstStyle/>
+            <a:p>
+              <a:r>
+                <a:rPr lang="en-US" sz="700" dirty="0"/>
+                <a:t>4</a:t>
+              </a:r>
+            </a:p>
+          </p:txBody>
+        </p:sp>
+        <p:sp>
+          <p:nvSpPr>
+            <p:cNvPr id="147" name="TextBox 146">
+              <a:extLst>
+                <a:ext uri="{FF2B5EF4-FFF2-40B4-BE49-F238E27FC236}">
+                  <a16:creationId xmlns:a16="http://schemas.microsoft.com/office/drawing/2014/main" id="{373B5FEE-3AFE-4EFD-05DF-507E1EAE4059}"/>
+                </a:ext>
+              </a:extLst>
+            </p:cNvPr>
+            <p:cNvSpPr txBox="1"/>
+            <p:nvPr/>
+          </p:nvSpPr>
+          <p:spPr>
+            <a:xfrm>
+              <a:off x="9349340" y="4831279"/>
+              <a:ext cx="289019" cy="200055"/>
+            </a:xfrm>
+            <a:prstGeom prst="rect">
+              <a:avLst/>
+            </a:prstGeom>
+            <a:noFill/>
+          </p:spPr>
+          <p:txBody>
+            <a:bodyPr wrap="square" rtlCol="0">
+              <a:spAutoFit/>
+            </a:bodyPr>
+            <a:lstStyle/>
+            <a:p>
+              <a:r>
+                <a:rPr lang="en-US" sz="700" dirty="0"/>
+                <a:t>14</a:t>
+              </a:r>
+            </a:p>
+          </p:txBody>
+        </p:sp>
+        <p:sp>
+          <p:nvSpPr>
+            <p:cNvPr id="148" name="TextBox 147">
+              <a:extLst>
+                <a:ext uri="{FF2B5EF4-FFF2-40B4-BE49-F238E27FC236}">
+                  <a16:creationId xmlns:a16="http://schemas.microsoft.com/office/drawing/2014/main" id="{F1D2D1E2-88AD-E134-ECAB-AB9970C1D0B5}"/>
+                </a:ext>
+              </a:extLst>
+            </p:cNvPr>
+            <p:cNvSpPr txBox="1"/>
+            <p:nvPr/>
+          </p:nvSpPr>
+          <p:spPr>
+            <a:xfrm>
+              <a:off x="9660741" y="4485406"/>
+              <a:ext cx="227338" cy="200055"/>
+            </a:xfrm>
+            <a:prstGeom prst="rect">
+              <a:avLst/>
+            </a:prstGeom>
+            <a:noFill/>
+          </p:spPr>
+          <p:txBody>
+            <a:bodyPr wrap="square" rtlCol="0">
+              <a:spAutoFit/>
+            </a:bodyPr>
+            <a:lstStyle/>
+            <a:p>
+              <a:r>
+                <a:rPr lang="en-US" sz="700" dirty="0"/>
+                <a:t>9</a:t>
+              </a:r>
+            </a:p>
+          </p:txBody>
+        </p:sp>
+        <p:sp>
+          <p:nvSpPr>
+            <p:cNvPr id="149" name="TextBox 148">
+              <a:extLst>
+                <a:ext uri="{FF2B5EF4-FFF2-40B4-BE49-F238E27FC236}">
+                  <a16:creationId xmlns:a16="http://schemas.microsoft.com/office/drawing/2014/main" id="{40500A06-773A-7C66-1C8A-B5B65290B639}"/>
+                </a:ext>
+              </a:extLst>
+            </p:cNvPr>
+            <p:cNvSpPr txBox="1"/>
+            <p:nvPr/>
+          </p:nvSpPr>
+          <p:spPr>
+            <a:xfrm>
+              <a:off x="9656651" y="5253560"/>
+              <a:ext cx="308746" cy="200055"/>
+            </a:xfrm>
+            <a:prstGeom prst="rect">
+              <a:avLst/>
+            </a:prstGeom>
+            <a:noFill/>
+          </p:spPr>
+          <p:txBody>
+            <a:bodyPr wrap="square" rtlCol="0">
+              <a:spAutoFit/>
+            </a:bodyPr>
+            <a:lstStyle/>
+            <a:p>
+              <a:r>
+                <a:rPr lang="en-US" sz="700" dirty="0"/>
+                <a:t>10</a:t>
+              </a:r>
+            </a:p>
+          </p:txBody>
+        </p:sp>
+        <p:sp>
+          <p:nvSpPr>
+            <p:cNvPr id="150" name="TextBox 149">
+              <a:extLst>
+                <a:ext uri="{FF2B5EF4-FFF2-40B4-BE49-F238E27FC236}">
+                  <a16:creationId xmlns:a16="http://schemas.microsoft.com/office/drawing/2014/main" id="{A54A1B8F-611B-8FC2-C972-8574645C269A}"/>
+                </a:ext>
+              </a:extLst>
+            </p:cNvPr>
+            <p:cNvSpPr txBox="1"/>
+            <p:nvPr/>
+          </p:nvSpPr>
+          <p:spPr>
+            <a:xfrm>
+              <a:off x="8897248" y="5399825"/>
+              <a:ext cx="227338" cy="200055"/>
+            </a:xfrm>
+            <a:prstGeom prst="rect">
+              <a:avLst/>
+            </a:prstGeom>
+            <a:noFill/>
+          </p:spPr>
+          <p:txBody>
+            <a:bodyPr wrap="square" rtlCol="0">
+              <a:spAutoFit/>
+            </a:bodyPr>
+            <a:lstStyle/>
+            <a:p>
+              <a:r>
+                <a:rPr lang="en-US" sz="700" dirty="0"/>
+                <a:t>2</a:t>
+              </a:r>
+            </a:p>
+          </p:txBody>
+        </p:sp>
+        <p:sp>
+          <p:nvSpPr>
+            <p:cNvPr id="151" name="TextBox 150">
+              <a:extLst>
+                <a:ext uri="{FF2B5EF4-FFF2-40B4-BE49-F238E27FC236}">
+                  <a16:creationId xmlns:a16="http://schemas.microsoft.com/office/drawing/2014/main" id="{8528C3DA-0775-B2F3-0FD5-E97CC743BD3B}"/>
+                </a:ext>
+              </a:extLst>
+            </p:cNvPr>
+            <p:cNvSpPr txBox="1"/>
+            <p:nvPr/>
+          </p:nvSpPr>
+          <p:spPr>
+            <a:xfrm>
+              <a:off x="7365861" y="5104585"/>
+              <a:ext cx="227338" cy="200055"/>
+            </a:xfrm>
+            <a:prstGeom prst="rect">
+              <a:avLst/>
+            </a:prstGeom>
+            <a:noFill/>
+          </p:spPr>
+          <p:txBody>
+            <a:bodyPr wrap="square" rtlCol="0">
+              <a:spAutoFit/>
+            </a:bodyPr>
+            <a:lstStyle/>
+            <a:p>
+              <a:r>
+                <a:rPr lang="en-US" sz="700" dirty="0"/>
+                <a:t>8</a:t>
+              </a:r>
+            </a:p>
+          </p:txBody>
+        </p:sp>
+        <p:sp>
+          <p:nvSpPr>
+            <p:cNvPr id="152" name="TextBox 151">
+              <a:extLst>
+                <a:ext uri="{FF2B5EF4-FFF2-40B4-BE49-F238E27FC236}">
+                  <a16:creationId xmlns:a16="http://schemas.microsoft.com/office/drawing/2014/main" id="{9A334DE1-BF00-D6D8-E682-8DB647DE3FA4}"/>
+                </a:ext>
+              </a:extLst>
+            </p:cNvPr>
+            <p:cNvSpPr txBox="1"/>
+            <p:nvPr/>
+          </p:nvSpPr>
+          <p:spPr>
+            <a:xfrm>
+              <a:off x="8533060" y="4562631"/>
               <a:ext cx="227338" cy="200055"/>
             </a:xfrm>
             <a:prstGeom prst="rect">
@@ -6908,6 +9768,1683 @@
     <p:extLst>
       <p:ext uri="{BB962C8B-B14F-4D97-AF65-F5344CB8AC3E}">
         <p14:creationId xmlns:p14="http://schemas.microsoft.com/office/powerpoint/2010/main" val="4080265746"/>
+      </p:ext>
+    </p:extLst>
+  </p:cSld>
+  <p:clrMapOvr>
+    <a:masterClrMapping/>
+  </p:clrMapOvr>
+</p:sld>
+</file>
+
+<file path=ppt/slides/slide3.xml><?xml version="1.0" encoding="utf-8"?>
+<p:sld xmlns:a="http://schemas.openxmlformats.org/drawingml/2006/main" xmlns:r="http://schemas.openxmlformats.org/officeDocument/2006/relationships" xmlns:p="http://schemas.openxmlformats.org/presentationml/2006/main">
+  <p:cSld>
+    <p:spTree>
+      <p:nvGrpSpPr>
+        <p:cNvPr id="1" name=""/>
+        <p:cNvGrpSpPr/>
+        <p:nvPr/>
+      </p:nvGrpSpPr>
+      <p:grpSpPr>
+        <a:xfrm>
+          <a:off x="0" y="0"/>
+          <a:ext cx="0" cy="0"/>
+          <a:chOff x="0" y="0"/>
+          <a:chExt cx="0" cy="0"/>
+        </a:xfrm>
+      </p:grpSpPr>
+      <p:sp>
+        <p:nvSpPr>
+          <p:cNvPr id="3" name="Oval 2">
+            <a:extLst>
+              <a:ext uri="{FF2B5EF4-FFF2-40B4-BE49-F238E27FC236}">
+                <a16:creationId xmlns:a16="http://schemas.microsoft.com/office/drawing/2014/main" id="{7D9B10D7-016B-13B6-E743-1C5711C5139B}"/>
+              </a:ext>
+            </a:extLst>
+          </p:cNvPr>
+          <p:cNvSpPr/>
+          <p:nvPr/>
+        </p:nvSpPr>
+        <p:spPr>
+          <a:xfrm>
+            <a:off x="7042451" y="3356706"/>
+            <a:ext cx="253014" cy="257453"/>
+          </a:xfrm>
+          <a:prstGeom prst="ellipse">
+            <a:avLst/>
+          </a:prstGeom>
+          <a:solidFill>
+            <a:schemeClr val="accent1">
+              <a:alpha val="39000"/>
+            </a:schemeClr>
+          </a:solidFill>
+          <a:ln w="6350"/>
+        </p:spPr>
+        <p:style>
+          <a:lnRef idx="2">
+            <a:schemeClr val="accent1">
+              <a:shade val="15000"/>
+            </a:schemeClr>
+          </a:lnRef>
+          <a:fillRef idx="1">
+            <a:schemeClr val="accent1"/>
+          </a:fillRef>
+          <a:effectRef idx="0">
+            <a:schemeClr val="accent1"/>
+          </a:effectRef>
+          <a:fontRef idx="minor">
+            <a:schemeClr val="lt1"/>
+          </a:fontRef>
+        </p:style>
+        <p:txBody>
+          <a:bodyPr rtlCol="0" anchor="ctr"/>
+          <a:lstStyle/>
+          <a:p>
+            <a:pPr algn="ctr"/>
+            <a:endParaRPr lang="en-US"/>
+          </a:p>
+        </p:txBody>
+      </p:sp>
+      <p:sp>
+        <p:nvSpPr>
+          <p:cNvPr id="4" name="TextBox 3">
+            <a:extLst>
+              <a:ext uri="{FF2B5EF4-FFF2-40B4-BE49-F238E27FC236}">
+                <a16:creationId xmlns:a16="http://schemas.microsoft.com/office/drawing/2014/main" id="{A2E93C23-FF32-471A-5D6B-091642FBD752}"/>
+              </a:ext>
+            </a:extLst>
+          </p:cNvPr>
+          <p:cNvSpPr txBox="1"/>
+          <p:nvPr/>
+        </p:nvSpPr>
+        <p:spPr>
+          <a:xfrm>
+            <a:off x="7049374" y="3377710"/>
+            <a:ext cx="239168" cy="215444"/>
+          </a:xfrm>
+          <a:prstGeom prst="rect">
+            <a:avLst/>
+          </a:prstGeom>
+          <a:noFill/>
+        </p:spPr>
+        <p:txBody>
+          <a:bodyPr wrap="none" rtlCol="0">
+            <a:spAutoFit/>
+          </a:bodyPr>
+          <a:lstStyle/>
+          <a:p>
+            <a:r>
+              <a:rPr lang="en-US" sz="800" dirty="0"/>
+              <a:t>1</a:t>
+            </a:r>
+          </a:p>
+        </p:txBody>
+      </p:sp>
+      <p:sp>
+        <p:nvSpPr>
+          <p:cNvPr id="5" name="Oval 4">
+            <a:extLst>
+              <a:ext uri="{FF2B5EF4-FFF2-40B4-BE49-F238E27FC236}">
+                <a16:creationId xmlns:a16="http://schemas.microsoft.com/office/drawing/2014/main" id="{AD2BBF63-2C6D-7924-6E71-C3A8D25F688E}"/>
+              </a:ext>
+            </a:extLst>
+          </p:cNvPr>
+          <p:cNvSpPr/>
+          <p:nvPr/>
+        </p:nvSpPr>
+        <p:spPr>
+          <a:xfrm>
+            <a:off x="7589787" y="2722793"/>
+            <a:ext cx="253014" cy="257453"/>
+          </a:xfrm>
+          <a:prstGeom prst="ellipse">
+            <a:avLst/>
+          </a:prstGeom>
+          <a:solidFill>
+            <a:schemeClr val="accent1">
+              <a:alpha val="39000"/>
+            </a:schemeClr>
+          </a:solidFill>
+          <a:ln w="6350"/>
+        </p:spPr>
+        <p:style>
+          <a:lnRef idx="2">
+            <a:schemeClr val="accent1">
+              <a:shade val="15000"/>
+            </a:schemeClr>
+          </a:lnRef>
+          <a:fillRef idx="1">
+            <a:schemeClr val="accent1"/>
+          </a:fillRef>
+          <a:effectRef idx="0">
+            <a:schemeClr val="accent1"/>
+          </a:effectRef>
+          <a:fontRef idx="minor">
+            <a:schemeClr val="lt1"/>
+          </a:fontRef>
+        </p:style>
+        <p:txBody>
+          <a:bodyPr rtlCol="0" anchor="ctr"/>
+          <a:lstStyle/>
+          <a:p>
+            <a:pPr algn="ctr"/>
+            <a:endParaRPr lang="en-US"/>
+          </a:p>
+        </p:txBody>
+      </p:sp>
+      <p:sp>
+        <p:nvSpPr>
+          <p:cNvPr id="6" name="TextBox 5">
+            <a:extLst>
+              <a:ext uri="{FF2B5EF4-FFF2-40B4-BE49-F238E27FC236}">
+                <a16:creationId xmlns:a16="http://schemas.microsoft.com/office/drawing/2014/main" id="{234EDE27-71A8-E8CD-B684-A30B124C158E}"/>
+              </a:ext>
+            </a:extLst>
+          </p:cNvPr>
+          <p:cNvSpPr txBox="1"/>
+          <p:nvPr/>
+        </p:nvSpPr>
+        <p:spPr>
+          <a:xfrm>
+            <a:off x="7596710" y="2743797"/>
+            <a:ext cx="239168" cy="215444"/>
+          </a:xfrm>
+          <a:prstGeom prst="rect">
+            <a:avLst/>
+          </a:prstGeom>
+          <a:noFill/>
+        </p:spPr>
+        <p:txBody>
+          <a:bodyPr wrap="none" rtlCol="0">
+            <a:spAutoFit/>
+          </a:bodyPr>
+          <a:lstStyle/>
+          <a:p>
+            <a:r>
+              <a:rPr lang="en-US" sz="800" dirty="0"/>
+              <a:t>2</a:t>
+            </a:r>
+          </a:p>
+        </p:txBody>
+      </p:sp>
+      <p:sp>
+        <p:nvSpPr>
+          <p:cNvPr id="7" name="Oval 6">
+            <a:extLst>
+              <a:ext uri="{FF2B5EF4-FFF2-40B4-BE49-F238E27FC236}">
+                <a16:creationId xmlns:a16="http://schemas.microsoft.com/office/drawing/2014/main" id="{D1CFA0E3-2832-1E84-3B90-4D07740F0176}"/>
+              </a:ext>
+            </a:extLst>
+          </p:cNvPr>
+          <p:cNvSpPr/>
+          <p:nvPr/>
+        </p:nvSpPr>
+        <p:spPr>
+          <a:xfrm>
+            <a:off x="8443108" y="2722793"/>
+            <a:ext cx="253014" cy="257453"/>
+          </a:xfrm>
+          <a:prstGeom prst="ellipse">
+            <a:avLst/>
+          </a:prstGeom>
+          <a:solidFill>
+            <a:schemeClr val="accent1">
+              <a:alpha val="39000"/>
+            </a:schemeClr>
+          </a:solidFill>
+          <a:ln w="6350"/>
+        </p:spPr>
+        <p:style>
+          <a:lnRef idx="2">
+            <a:schemeClr val="accent1">
+              <a:shade val="15000"/>
+            </a:schemeClr>
+          </a:lnRef>
+          <a:fillRef idx="1">
+            <a:schemeClr val="accent1"/>
+          </a:fillRef>
+          <a:effectRef idx="0">
+            <a:schemeClr val="accent1"/>
+          </a:effectRef>
+          <a:fontRef idx="minor">
+            <a:schemeClr val="lt1"/>
+          </a:fontRef>
+        </p:style>
+        <p:txBody>
+          <a:bodyPr rtlCol="0" anchor="ctr"/>
+          <a:lstStyle/>
+          <a:p>
+            <a:pPr algn="ctr"/>
+            <a:endParaRPr lang="en-US"/>
+          </a:p>
+        </p:txBody>
+      </p:sp>
+      <p:sp>
+        <p:nvSpPr>
+          <p:cNvPr id="8" name="TextBox 7">
+            <a:extLst>
+              <a:ext uri="{FF2B5EF4-FFF2-40B4-BE49-F238E27FC236}">
+                <a16:creationId xmlns:a16="http://schemas.microsoft.com/office/drawing/2014/main" id="{77EBC726-2EFC-0A68-F3C2-40E3F71861F9}"/>
+              </a:ext>
+            </a:extLst>
+          </p:cNvPr>
+          <p:cNvSpPr txBox="1"/>
+          <p:nvPr/>
+        </p:nvSpPr>
+        <p:spPr>
+          <a:xfrm>
+            <a:off x="8450031" y="2743797"/>
+            <a:ext cx="239168" cy="215444"/>
+          </a:xfrm>
+          <a:prstGeom prst="rect">
+            <a:avLst/>
+          </a:prstGeom>
+          <a:noFill/>
+        </p:spPr>
+        <p:txBody>
+          <a:bodyPr wrap="none" rtlCol="0">
+            <a:spAutoFit/>
+          </a:bodyPr>
+          <a:lstStyle/>
+          <a:p>
+            <a:r>
+              <a:rPr lang="en-US" sz="800" dirty="0"/>
+              <a:t>5</a:t>
+            </a:r>
+          </a:p>
+        </p:txBody>
+      </p:sp>
+      <p:sp>
+        <p:nvSpPr>
+          <p:cNvPr id="9" name="Oval 8">
+            <a:extLst>
+              <a:ext uri="{FF2B5EF4-FFF2-40B4-BE49-F238E27FC236}">
+                <a16:creationId xmlns:a16="http://schemas.microsoft.com/office/drawing/2014/main" id="{01127E08-7D3E-4EE4-6808-8FE4CBF0C35A}"/>
+              </a:ext>
+            </a:extLst>
+          </p:cNvPr>
+          <p:cNvSpPr/>
+          <p:nvPr/>
+        </p:nvSpPr>
+        <p:spPr>
+          <a:xfrm>
+            <a:off x="9264408" y="2722793"/>
+            <a:ext cx="253014" cy="257453"/>
+          </a:xfrm>
+          <a:prstGeom prst="ellipse">
+            <a:avLst/>
+          </a:prstGeom>
+          <a:solidFill>
+            <a:schemeClr val="accent1">
+              <a:alpha val="39000"/>
+            </a:schemeClr>
+          </a:solidFill>
+          <a:ln w="6350"/>
+        </p:spPr>
+        <p:style>
+          <a:lnRef idx="2">
+            <a:schemeClr val="accent1">
+              <a:shade val="15000"/>
+            </a:schemeClr>
+          </a:lnRef>
+          <a:fillRef idx="1">
+            <a:schemeClr val="accent1"/>
+          </a:fillRef>
+          <a:effectRef idx="0">
+            <a:schemeClr val="accent1"/>
+          </a:effectRef>
+          <a:fontRef idx="minor">
+            <a:schemeClr val="lt1"/>
+          </a:fontRef>
+        </p:style>
+        <p:txBody>
+          <a:bodyPr rtlCol="0" anchor="ctr"/>
+          <a:lstStyle/>
+          <a:p>
+            <a:pPr algn="ctr"/>
+            <a:endParaRPr lang="en-US"/>
+          </a:p>
+        </p:txBody>
+      </p:sp>
+      <p:sp>
+        <p:nvSpPr>
+          <p:cNvPr id="10" name="TextBox 9">
+            <a:extLst>
+              <a:ext uri="{FF2B5EF4-FFF2-40B4-BE49-F238E27FC236}">
+                <a16:creationId xmlns:a16="http://schemas.microsoft.com/office/drawing/2014/main" id="{8B0987E7-E67C-FB57-891B-C72FA3DB2C07}"/>
+              </a:ext>
+            </a:extLst>
+          </p:cNvPr>
+          <p:cNvSpPr txBox="1"/>
+          <p:nvPr/>
+        </p:nvSpPr>
+        <p:spPr>
+          <a:xfrm>
+            <a:off x="9271331" y="2743797"/>
+            <a:ext cx="239168" cy="215444"/>
+          </a:xfrm>
+          <a:prstGeom prst="rect">
+            <a:avLst/>
+          </a:prstGeom>
+          <a:noFill/>
+        </p:spPr>
+        <p:txBody>
+          <a:bodyPr wrap="none" rtlCol="0">
+            <a:spAutoFit/>
+          </a:bodyPr>
+          <a:lstStyle/>
+          <a:p>
+            <a:r>
+              <a:rPr lang="en-US" sz="800" dirty="0"/>
+              <a:t>7</a:t>
+            </a:r>
+          </a:p>
+        </p:txBody>
+      </p:sp>
+      <p:sp>
+        <p:nvSpPr>
+          <p:cNvPr id="11" name="Oval 10">
+            <a:extLst>
+              <a:ext uri="{FF2B5EF4-FFF2-40B4-BE49-F238E27FC236}">
+                <a16:creationId xmlns:a16="http://schemas.microsoft.com/office/drawing/2014/main" id="{E862846A-78B5-F49F-0876-889B53B14717}"/>
+              </a:ext>
+            </a:extLst>
+          </p:cNvPr>
+          <p:cNvSpPr/>
+          <p:nvPr/>
+        </p:nvSpPr>
+        <p:spPr>
+          <a:xfrm>
+            <a:off x="9900693" y="3356706"/>
+            <a:ext cx="253014" cy="257453"/>
+          </a:xfrm>
+          <a:prstGeom prst="ellipse">
+            <a:avLst/>
+          </a:prstGeom>
+          <a:solidFill>
+            <a:schemeClr val="accent1">
+              <a:alpha val="39000"/>
+            </a:schemeClr>
+          </a:solidFill>
+          <a:ln w="6350"/>
+        </p:spPr>
+        <p:style>
+          <a:lnRef idx="2">
+            <a:schemeClr val="accent1">
+              <a:shade val="15000"/>
+            </a:schemeClr>
+          </a:lnRef>
+          <a:fillRef idx="1">
+            <a:schemeClr val="accent1"/>
+          </a:fillRef>
+          <a:effectRef idx="0">
+            <a:schemeClr val="accent1"/>
+          </a:effectRef>
+          <a:fontRef idx="minor">
+            <a:schemeClr val="lt1"/>
+          </a:fontRef>
+        </p:style>
+        <p:txBody>
+          <a:bodyPr rtlCol="0" anchor="ctr"/>
+          <a:lstStyle/>
+          <a:p>
+            <a:pPr algn="ctr"/>
+            <a:endParaRPr lang="en-US"/>
+          </a:p>
+        </p:txBody>
+      </p:sp>
+      <p:sp>
+        <p:nvSpPr>
+          <p:cNvPr id="12" name="TextBox 11">
+            <a:extLst>
+              <a:ext uri="{FF2B5EF4-FFF2-40B4-BE49-F238E27FC236}">
+                <a16:creationId xmlns:a16="http://schemas.microsoft.com/office/drawing/2014/main" id="{D4176142-1F4F-CEB7-F277-B6C095BF8A65}"/>
+              </a:ext>
+            </a:extLst>
+          </p:cNvPr>
+          <p:cNvSpPr txBox="1"/>
+          <p:nvPr/>
+        </p:nvSpPr>
+        <p:spPr>
+          <a:xfrm>
+            <a:off x="9907616" y="3377710"/>
+            <a:ext cx="239168" cy="215444"/>
+          </a:xfrm>
+          <a:prstGeom prst="rect">
+            <a:avLst/>
+          </a:prstGeom>
+          <a:noFill/>
+        </p:spPr>
+        <p:txBody>
+          <a:bodyPr wrap="none" rtlCol="0">
+            <a:spAutoFit/>
+          </a:bodyPr>
+          <a:lstStyle/>
+          <a:p>
+            <a:r>
+              <a:rPr lang="en-US" sz="800" dirty="0"/>
+              <a:t>9</a:t>
+            </a:r>
+          </a:p>
+        </p:txBody>
+      </p:sp>
+      <p:sp>
+        <p:nvSpPr>
+          <p:cNvPr id="13" name="Oval 12">
+            <a:extLst>
+              <a:ext uri="{FF2B5EF4-FFF2-40B4-BE49-F238E27FC236}">
+                <a16:creationId xmlns:a16="http://schemas.microsoft.com/office/drawing/2014/main" id="{85BB7DB0-1D6C-1438-593A-760D8B97AD93}"/>
+              </a:ext>
+            </a:extLst>
+          </p:cNvPr>
+          <p:cNvSpPr/>
+          <p:nvPr/>
+        </p:nvSpPr>
+        <p:spPr>
+          <a:xfrm>
+            <a:off x="7589787" y="3939028"/>
+            <a:ext cx="253014" cy="257453"/>
+          </a:xfrm>
+          <a:prstGeom prst="ellipse">
+            <a:avLst/>
+          </a:prstGeom>
+          <a:solidFill>
+            <a:schemeClr val="accent1">
+              <a:alpha val="39000"/>
+            </a:schemeClr>
+          </a:solidFill>
+          <a:ln w="6350"/>
+        </p:spPr>
+        <p:style>
+          <a:lnRef idx="2">
+            <a:schemeClr val="accent1">
+              <a:shade val="15000"/>
+            </a:schemeClr>
+          </a:lnRef>
+          <a:fillRef idx="1">
+            <a:schemeClr val="accent1"/>
+          </a:fillRef>
+          <a:effectRef idx="0">
+            <a:schemeClr val="accent1"/>
+          </a:effectRef>
+          <a:fontRef idx="minor">
+            <a:schemeClr val="lt1"/>
+          </a:fontRef>
+        </p:style>
+        <p:txBody>
+          <a:bodyPr rtlCol="0" anchor="ctr"/>
+          <a:lstStyle/>
+          <a:p>
+            <a:pPr algn="ctr"/>
+            <a:endParaRPr lang="en-US"/>
+          </a:p>
+        </p:txBody>
+      </p:sp>
+      <p:sp>
+        <p:nvSpPr>
+          <p:cNvPr id="14" name="TextBox 13">
+            <a:extLst>
+              <a:ext uri="{FF2B5EF4-FFF2-40B4-BE49-F238E27FC236}">
+                <a16:creationId xmlns:a16="http://schemas.microsoft.com/office/drawing/2014/main" id="{66C043C6-4D25-962B-575A-86326EC9A879}"/>
+              </a:ext>
+            </a:extLst>
+          </p:cNvPr>
+          <p:cNvSpPr txBox="1"/>
+          <p:nvPr/>
+        </p:nvSpPr>
+        <p:spPr>
+          <a:xfrm>
+            <a:off x="7596710" y="3960032"/>
+            <a:ext cx="239168" cy="215444"/>
+          </a:xfrm>
+          <a:prstGeom prst="rect">
+            <a:avLst/>
+          </a:prstGeom>
+          <a:noFill/>
+        </p:spPr>
+        <p:txBody>
+          <a:bodyPr wrap="none" rtlCol="0">
+            <a:spAutoFit/>
+          </a:bodyPr>
+          <a:lstStyle/>
+          <a:p>
+            <a:r>
+              <a:rPr lang="en-US" sz="800" dirty="0"/>
+              <a:t>3</a:t>
+            </a:r>
+          </a:p>
+        </p:txBody>
+      </p:sp>
+      <p:sp>
+        <p:nvSpPr>
+          <p:cNvPr id="15" name="Oval 14">
+            <a:extLst>
+              <a:ext uri="{FF2B5EF4-FFF2-40B4-BE49-F238E27FC236}">
+                <a16:creationId xmlns:a16="http://schemas.microsoft.com/office/drawing/2014/main" id="{3CF9E790-45C9-E34A-C921-D58E13436DD4}"/>
+              </a:ext>
+            </a:extLst>
+          </p:cNvPr>
+          <p:cNvSpPr/>
+          <p:nvPr/>
+        </p:nvSpPr>
+        <p:spPr>
+          <a:xfrm>
+            <a:off x="8443108" y="3939028"/>
+            <a:ext cx="253014" cy="257453"/>
+          </a:xfrm>
+          <a:prstGeom prst="ellipse">
+            <a:avLst/>
+          </a:prstGeom>
+          <a:solidFill>
+            <a:schemeClr val="accent1">
+              <a:alpha val="39000"/>
+            </a:schemeClr>
+          </a:solidFill>
+          <a:ln w="6350"/>
+        </p:spPr>
+        <p:style>
+          <a:lnRef idx="2">
+            <a:schemeClr val="accent1">
+              <a:shade val="15000"/>
+            </a:schemeClr>
+          </a:lnRef>
+          <a:fillRef idx="1">
+            <a:schemeClr val="accent1"/>
+          </a:fillRef>
+          <a:effectRef idx="0">
+            <a:schemeClr val="accent1"/>
+          </a:effectRef>
+          <a:fontRef idx="minor">
+            <a:schemeClr val="lt1"/>
+          </a:fontRef>
+        </p:style>
+        <p:txBody>
+          <a:bodyPr rtlCol="0" anchor="ctr"/>
+          <a:lstStyle/>
+          <a:p>
+            <a:pPr algn="ctr"/>
+            <a:endParaRPr lang="en-US"/>
+          </a:p>
+        </p:txBody>
+      </p:sp>
+      <p:sp>
+        <p:nvSpPr>
+          <p:cNvPr id="16" name="TextBox 15">
+            <a:extLst>
+              <a:ext uri="{FF2B5EF4-FFF2-40B4-BE49-F238E27FC236}">
+                <a16:creationId xmlns:a16="http://schemas.microsoft.com/office/drawing/2014/main" id="{2C30C1E3-AFF5-37A8-DE4E-9849273FD691}"/>
+              </a:ext>
+            </a:extLst>
+          </p:cNvPr>
+          <p:cNvSpPr txBox="1"/>
+          <p:nvPr/>
+        </p:nvSpPr>
+        <p:spPr>
+          <a:xfrm>
+            <a:off x="8450031" y="3960032"/>
+            <a:ext cx="239168" cy="215444"/>
+          </a:xfrm>
+          <a:prstGeom prst="rect">
+            <a:avLst/>
+          </a:prstGeom>
+          <a:noFill/>
+        </p:spPr>
+        <p:txBody>
+          <a:bodyPr wrap="none" rtlCol="0">
+            <a:spAutoFit/>
+          </a:bodyPr>
+          <a:lstStyle/>
+          <a:p>
+            <a:r>
+              <a:rPr lang="en-US" sz="800" dirty="0"/>
+              <a:t>6</a:t>
+            </a:r>
+          </a:p>
+        </p:txBody>
+      </p:sp>
+      <p:sp>
+        <p:nvSpPr>
+          <p:cNvPr id="17" name="Oval 16">
+            <a:extLst>
+              <a:ext uri="{FF2B5EF4-FFF2-40B4-BE49-F238E27FC236}">
+                <a16:creationId xmlns:a16="http://schemas.microsoft.com/office/drawing/2014/main" id="{B47FDF8F-D5A7-7526-E2B3-13D22760ECCD}"/>
+              </a:ext>
+            </a:extLst>
+          </p:cNvPr>
+          <p:cNvSpPr/>
+          <p:nvPr/>
+        </p:nvSpPr>
+        <p:spPr>
+          <a:xfrm>
+            <a:off x="9264408" y="3939028"/>
+            <a:ext cx="253014" cy="257453"/>
+          </a:xfrm>
+          <a:prstGeom prst="ellipse">
+            <a:avLst/>
+          </a:prstGeom>
+          <a:solidFill>
+            <a:schemeClr val="accent1">
+              <a:alpha val="39000"/>
+            </a:schemeClr>
+          </a:solidFill>
+          <a:ln w="6350"/>
+        </p:spPr>
+        <p:style>
+          <a:lnRef idx="2">
+            <a:schemeClr val="accent1">
+              <a:shade val="15000"/>
+            </a:schemeClr>
+          </a:lnRef>
+          <a:fillRef idx="1">
+            <a:schemeClr val="accent1"/>
+          </a:fillRef>
+          <a:effectRef idx="0">
+            <a:schemeClr val="accent1"/>
+          </a:effectRef>
+          <a:fontRef idx="minor">
+            <a:schemeClr val="lt1"/>
+          </a:fontRef>
+        </p:style>
+        <p:txBody>
+          <a:bodyPr rtlCol="0" anchor="ctr"/>
+          <a:lstStyle/>
+          <a:p>
+            <a:pPr algn="ctr"/>
+            <a:endParaRPr lang="en-US"/>
+          </a:p>
+        </p:txBody>
+      </p:sp>
+      <p:sp>
+        <p:nvSpPr>
+          <p:cNvPr id="18" name="TextBox 17">
+            <a:extLst>
+              <a:ext uri="{FF2B5EF4-FFF2-40B4-BE49-F238E27FC236}">
+                <a16:creationId xmlns:a16="http://schemas.microsoft.com/office/drawing/2014/main" id="{EACDDEAC-288B-EC74-4092-261908AF08ED}"/>
+              </a:ext>
+            </a:extLst>
+          </p:cNvPr>
+          <p:cNvSpPr txBox="1"/>
+          <p:nvPr/>
+        </p:nvSpPr>
+        <p:spPr>
+          <a:xfrm>
+            <a:off x="9271331" y="3960032"/>
+            <a:ext cx="239168" cy="215444"/>
+          </a:xfrm>
+          <a:prstGeom prst="rect">
+            <a:avLst/>
+          </a:prstGeom>
+          <a:noFill/>
+        </p:spPr>
+        <p:txBody>
+          <a:bodyPr wrap="none" rtlCol="0">
+            <a:spAutoFit/>
+          </a:bodyPr>
+          <a:lstStyle/>
+          <a:p>
+            <a:r>
+              <a:rPr lang="en-US" sz="800" dirty="0"/>
+              <a:t>8</a:t>
+            </a:r>
+          </a:p>
+        </p:txBody>
+      </p:sp>
+      <p:sp>
+        <p:nvSpPr>
+          <p:cNvPr id="19" name="Oval 18">
+            <a:extLst>
+              <a:ext uri="{FF2B5EF4-FFF2-40B4-BE49-F238E27FC236}">
+                <a16:creationId xmlns:a16="http://schemas.microsoft.com/office/drawing/2014/main" id="{27DF2BB0-5310-57B0-5508-E652EF64D1FF}"/>
+              </a:ext>
+            </a:extLst>
+          </p:cNvPr>
+          <p:cNvSpPr/>
+          <p:nvPr/>
+        </p:nvSpPr>
+        <p:spPr>
+          <a:xfrm>
+            <a:off x="8436185" y="3356706"/>
+            <a:ext cx="253014" cy="257453"/>
+          </a:xfrm>
+          <a:prstGeom prst="ellipse">
+            <a:avLst/>
+          </a:prstGeom>
+          <a:solidFill>
+            <a:schemeClr val="accent1">
+              <a:alpha val="39000"/>
+            </a:schemeClr>
+          </a:solidFill>
+          <a:ln w="6350"/>
+        </p:spPr>
+        <p:style>
+          <a:lnRef idx="2">
+            <a:schemeClr val="accent1">
+              <a:shade val="15000"/>
+            </a:schemeClr>
+          </a:lnRef>
+          <a:fillRef idx="1">
+            <a:schemeClr val="accent1"/>
+          </a:fillRef>
+          <a:effectRef idx="0">
+            <a:schemeClr val="accent1"/>
+          </a:effectRef>
+          <a:fontRef idx="minor">
+            <a:schemeClr val="lt1"/>
+          </a:fontRef>
+        </p:style>
+        <p:txBody>
+          <a:bodyPr rtlCol="0" anchor="ctr"/>
+          <a:lstStyle/>
+          <a:p>
+            <a:pPr algn="ctr"/>
+            <a:endParaRPr lang="en-US"/>
+          </a:p>
+        </p:txBody>
+      </p:sp>
+      <p:sp>
+        <p:nvSpPr>
+          <p:cNvPr id="20" name="TextBox 19">
+            <a:extLst>
+              <a:ext uri="{FF2B5EF4-FFF2-40B4-BE49-F238E27FC236}">
+                <a16:creationId xmlns:a16="http://schemas.microsoft.com/office/drawing/2014/main" id="{DBA0C572-331B-B77D-3C81-30F7A3C9945F}"/>
+              </a:ext>
+            </a:extLst>
+          </p:cNvPr>
+          <p:cNvSpPr txBox="1"/>
+          <p:nvPr/>
+        </p:nvSpPr>
+        <p:spPr>
+          <a:xfrm>
+            <a:off x="8443108" y="3377710"/>
+            <a:ext cx="239168" cy="215444"/>
+          </a:xfrm>
+          <a:prstGeom prst="rect">
+            <a:avLst/>
+          </a:prstGeom>
+          <a:noFill/>
+        </p:spPr>
+        <p:txBody>
+          <a:bodyPr wrap="none" rtlCol="0">
+            <a:spAutoFit/>
+          </a:bodyPr>
+          <a:lstStyle/>
+          <a:p>
+            <a:r>
+              <a:rPr lang="en-US" sz="800" dirty="0"/>
+              <a:t>4</a:t>
+            </a:r>
+          </a:p>
+        </p:txBody>
+      </p:sp>
+      <p:cxnSp>
+        <p:nvCxnSpPr>
+          <p:cNvPr id="21" name="Straight Connector 20">
+            <a:extLst>
+              <a:ext uri="{FF2B5EF4-FFF2-40B4-BE49-F238E27FC236}">
+                <a16:creationId xmlns:a16="http://schemas.microsoft.com/office/drawing/2014/main" id="{C064B397-016F-723B-3648-CD232637FAAC}"/>
+              </a:ext>
+            </a:extLst>
+          </p:cNvPr>
+          <p:cNvCxnSpPr>
+            <a:cxnSpLocks/>
+          </p:cNvCxnSpPr>
+          <p:nvPr/>
+        </p:nvCxnSpPr>
+        <p:spPr>
+          <a:xfrm flipV="1">
+            <a:off x="7258527" y="2953763"/>
+            <a:ext cx="360408" cy="447266"/>
+          </a:xfrm>
+          <a:prstGeom prst="line">
+            <a:avLst/>
+          </a:prstGeom>
+          <a:ln w="6350">
+            <a:tailEnd type="triangle" w="sm" len="sm"/>
+          </a:ln>
+        </p:spPr>
+        <p:style>
+          <a:lnRef idx="2">
+            <a:schemeClr val="accent1"/>
+          </a:lnRef>
+          <a:fillRef idx="0">
+            <a:schemeClr val="accent1"/>
+          </a:fillRef>
+          <a:effectRef idx="1">
+            <a:schemeClr val="accent1"/>
+          </a:effectRef>
+          <a:fontRef idx="minor">
+            <a:schemeClr val="tx1"/>
+          </a:fontRef>
+        </p:style>
+      </p:cxnSp>
+      <p:cxnSp>
+        <p:nvCxnSpPr>
+          <p:cNvPr id="23" name="Straight Connector 22">
+            <a:extLst>
+              <a:ext uri="{FF2B5EF4-FFF2-40B4-BE49-F238E27FC236}">
+                <a16:creationId xmlns:a16="http://schemas.microsoft.com/office/drawing/2014/main" id="{6B6D4093-793D-1773-0275-A643468F3661}"/>
+              </a:ext>
+            </a:extLst>
+          </p:cNvPr>
+          <p:cNvCxnSpPr>
+            <a:cxnSpLocks/>
+          </p:cNvCxnSpPr>
+          <p:nvPr/>
+        </p:nvCxnSpPr>
+        <p:spPr>
+          <a:xfrm>
+            <a:off x="7258527" y="3576104"/>
+            <a:ext cx="371091" cy="406583"/>
+          </a:xfrm>
+          <a:prstGeom prst="line">
+            <a:avLst/>
+          </a:prstGeom>
+          <a:ln w="6350">
+            <a:tailEnd type="triangle" w="sm" len="sm"/>
+          </a:ln>
+        </p:spPr>
+        <p:style>
+          <a:lnRef idx="2">
+            <a:schemeClr val="accent1"/>
+          </a:lnRef>
+          <a:fillRef idx="0">
+            <a:schemeClr val="accent1"/>
+          </a:fillRef>
+          <a:effectRef idx="1">
+            <a:schemeClr val="accent1"/>
+          </a:effectRef>
+          <a:fontRef idx="minor">
+            <a:schemeClr val="tx1"/>
+          </a:fontRef>
+        </p:style>
+      </p:cxnSp>
+      <p:cxnSp>
+        <p:nvCxnSpPr>
+          <p:cNvPr id="24" name="Straight Connector 23">
+            <a:extLst>
+              <a:ext uri="{FF2B5EF4-FFF2-40B4-BE49-F238E27FC236}">
+                <a16:creationId xmlns:a16="http://schemas.microsoft.com/office/drawing/2014/main" id="{3451E4C3-8532-99DD-4588-F3C82FBCF598}"/>
+              </a:ext>
+            </a:extLst>
+          </p:cNvPr>
+          <p:cNvCxnSpPr>
+            <a:stCxn id="6" idx="3"/>
+            <a:endCxn id="8" idx="1"/>
+          </p:cNvCxnSpPr>
+          <p:nvPr/>
+        </p:nvCxnSpPr>
+        <p:spPr>
+          <a:xfrm>
+            <a:off x="7835878" y="2851519"/>
+            <a:ext cx="614153" cy="0"/>
+          </a:xfrm>
+          <a:prstGeom prst="line">
+            <a:avLst/>
+          </a:prstGeom>
+          <a:ln w="6350"/>
+        </p:spPr>
+        <p:style>
+          <a:lnRef idx="2">
+            <a:schemeClr val="accent1"/>
+          </a:lnRef>
+          <a:fillRef idx="0">
+            <a:schemeClr val="accent1"/>
+          </a:fillRef>
+          <a:effectRef idx="1">
+            <a:schemeClr val="accent1"/>
+          </a:effectRef>
+          <a:fontRef idx="minor">
+            <a:schemeClr val="tx1"/>
+          </a:fontRef>
+        </p:style>
+      </p:cxnSp>
+      <p:cxnSp>
+        <p:nvCxnSpPr>
+          <p:cNvPr id="25" name="Straight Connector 24">
+            <a:extLst>
+              <a:ext uri="{FF2B5EF4-FFF2-40B4-BE49-F238E27FC236}">
+                <a16:creationId xmlns:a16="http://schemas.microsoft.com/office/drawing/2014/main" id="{BE4D9A21-8609-5515-6399-5D487F36331C}"/>
+              </a:ext>
+            </a:extLst>
+          </p:cNvPr>
+          <p:cNvCxnSpPr>
+            <a:stCxn id="8" idx="3"/>
+            <a:endCxn id="10" idx="1"/>
+          </p:cNvCxnSpPr>
+          <p:nvPr/>
+        </p:nvCxnSpPr>
+        <p:spPr>
+          <a:xfrm>
+            <a:off x="8689199" y="2851519"/>
+            <a:ext cx="582132" cy="0"/>
+          </a:xfrm>
+          <a:prstGeom prst="line">
+            <a:avLst/>
+          </a:prstGeom>
+          <a:ln w="6350"/>
+        </p:spPr>
+        <p:style>
+          <a:lnRef idx="2">
+            <a:schemeClr val="accent1"/>
+          </a:lnRef>
+          <a:fillRef idx="0">
+            <a:schemeClr val="accent1"/>
+          </a:fillRef>
+          <a:effectRef idx="1">
+            <a:schemeClr val="accent1"/>
+          </a:effectRef>
+          <a:fontRef idx="minor">
+            <a:schemeClr val="tx1"/>
+          </a:fontRef>
+        </p:style>
+      </p:cxnSp>
+      <p:cxnSp>
+        <p:nvCxnSpPr>
+          <p:cNvPr id="27" name="Straight Connector 26">
+            <a:extLst>
+              <a:ext uri="{FF2B5EF4-FFF2-40B4-BE49-F238E27FC236}">
+                <a16:creationId xmlns:a16="http://schemas.microsoft.com/office/drawing/2014/main" id="{3F233BD1-DF05-B3BA-084B-599EBCA3133F}"/>
+              </a:ext>
+            </a:extLst>
+          </p:cNvPr>
+          <p:cNvCxnSpPr>
+            <a:stCxn id="14" idx="3"/>
+            <a:endCxn id="16" idx="1"/>
+          </p:cNvCxnSpPr>
+          <p:nvPr/>
+        </p:nvCxnSpPr>
+        <p:spPr>
+          <a:xfrm>
+            <a:off x="7835878" y="4067754"/>
+            <a:ext cx="614153" cy="0"/>
+          </a:xfrm>
+          <a:prstGeom prst="line">
+            <a:avLst/>
+          </a:prstGeom>
+          <a:ln w="6350"/>
+        </p:spPr>
+        <p:style>
+          <a:lnRef idx="2">
+            <a:schemeClr val="accent1"/>
+          </a:lnRef>
+          <a:fillRef idx="0">
+            <a:schemeClr val="accent1"/>
+          </a:fillRef>
+          <a:effectRef idx="1">
+            <a:schemeClr val="accent1"/>
+          </a:effectRef>
+          <a:fontRef idx="minor">
+            <a:schemeClr val="tx1"/>
+          </a:fontRef>
+        </p:style>
+      </p:cxnSp>
+      <p:cxnSp>
+        <p:nvCxnSpPr>
+          <p:cNvPr id="28" name="Straight Connector 27">
+            <a:extLst>
+              <a:ext uri="{FF2B5EF4-FFF2-40B4-BE49-F238E27FC236}">
+                <a16:creationId xmlns:a16="http://schemas.microsoft.com/office/drawing/2014/main" id="{30BB029C-35D6-BDB5-11AF-F5C8D3577875}"/>
+              </a:ext>
+            </a:extLst>
+          </p:cNvPr>
+          <p:cNvCxnSpPr>
+            <a:cxnSpLocks/>
+          </p:cNvCxnSpPr>
+          <p:nvPr/>
+        </p:nvCxnSpPr>
+        <p:spPr>
+          <a:xfrm flipV="1">
+            <a:off x="7821993" y="3547731"/>
+            <a:ext cx="630261" cy="457725"/>
+          </a:xfrm>
+          <a:prstGeom prst="line">
+            <a:avLst/>
+          </a:prstGeom>
+          <a:ln w="6350"/>
+        </p:spPr>
+        <p:style>
+          <a:lnRef idx="2">
+            <a:schemeClr val="accent1"/>
+          </a:lnRef>
+          <a:fillRef idx="0">
+            <a:schemeClr val="accent1"/>
+          </a:fillRef>
+          <a:effectRef idx="1">
+            <a:schemeClr val="accent1"/>
+          </a:effectRef>
+          <a:fontRef idx="minor">
+            <a:schemeClr val="tx1"/>
+          </a:fontRef>
+        </p:style>
+      </p:cxnSp>
+      <p:cxnSp>
+        <p:nvCxnSpPr>
+          <p:cNvPr id="29" name="Straight Connector 28">
+            <a:extLst>
+              <a:ext uri="{FF2B5EF4-FFF2-40B4-BE49-F238E27FC236}">
+                <a16:creationId xmlns:a16="http://schemas.microsoft.com/office/drawing/2014/main" id="{2D8C2571-09C7-C61D-B8E8-781D847B59E5}"/>
+              </a:ext>
+            </a:extLst>
+          </p:cNvPr>
+          <p:cNvCxnSpPr>
+            <a:stCxn id="7" idx="4"/>
+            <a:endCxn id="19" idx="0"/>
+          </p:cNvCxnSpPr>
+          <p:nvPr/>
+        </p:nvCxnSpPr>
+        <p:spPr>
+          <a:xfrm flipH="1">
+            <a:off x="8562692" y="2980246"/>
+            <a:ext cx="6923" cy="376460"/>
+          </a:xfrm>
+          <a:prstGeom prst="line">
+            <a:avLst/>
+          </a:prstGeom>
+          <a:ln w="6350"/>
+        </p:spPr>
+        <p:style>
+          <a:lnRef idx="2">
+            <a:schemeClr val="accent1"/>
+          </a:lnRef>
+          <a:fillRef idx="0">
+            <a:schemeClr val="accent1"/>
+          </a:fillRef>
+          <a:effectRef idx="1">
+            <a:schemeClr val="accent1"/>
+          </a:effectRef>
+          <a:fontRef idx="minor">
+            <a:schemeClr val="tx1"/>
+          </a:fontRef>
+        </p:style>
+      </p:cxnSp>
+      <p:cxnSp>
+        <p:nvCxnSpPr>
+          <p:cNvPr id="30" name="Straight Connector 29">
+            <a:extLst>
+              <a:ext uri="{FF2B5EF4-FFF2-40B4-BE49-F238E27FC236}">
+                <a16:creationId xmlns:a16="http://schemas.microsoft.com/office/drawing/2014/main" id="{1F80EF97-BB66-B7F2-2785-BC8788B7771E}"/>
+              </a:ext>
+            </a:extLst>
+          </p:cNvPr>
+          <p:cNvCxnSpPr>
+            <a:cxnSpLocks/>
+          </p:cNvCxnSpPr>
+          <p:nvPr/>
+        </p:nvCxnSpPr>
+        <p:spPr>
+          <a:xfrm>
+            <a:off x="8564001" y="3608543"/>
+            <a:ext cx="0" cy="336100"/>
+          </a:xfrm>
+          <a:prstGeom prst="line">
+            <a:avLst/>
+          </a:prstGeom>
+          <a:ln w="6350"/>
+        </p:spPr>
+        <p:style>
+          <a:lnRef idx="2">
+            <a:schemeClr val="accent1"/>
+          </a:lnRef>
+          <a:fillRef idx="0">
+            <a:schemeClr val="accent1"/>
+          </a:fillRef>
+          <a:effectRef idx="1">
+            <a:schemeClr val="accent1"/>
+          </a:effectRef>
+          <a:fontRef idx="minor">
+            <a:schemeClr val="tx1"/>
+          </a:fontRef>
+        </p:style>
+      </p:cxnSp>
+      <p:cxnSp>
+        <p:nvCxnSpPr>
+          <p:cNvPr id="32" name="Straight Connector 31">
+            <a:extLst>
+              <a:ext uri="{FF2B5EF4-FFF2-40B4-BE49-F238E27FC236}">
+                <a16:creationId xmlns:a16="http://schemas.microsoft.com/office/drawing/2014/main" id="{ED19F3CE-F7A9-AF9C-5227-EA23072EDE2E}"/>
+              </a:ext>
+            </a:extLst>
+          </p:cNvPr>
+          <p:cNvCxnSpPr>
+            <a:stCxn id="15" idx="6"/>
+            <a:endCxn id="17" idx="2"/>
+          </p:cNvCxnSpPr>
+          <p:nvPr/>
+        </p:nvCxnSpPr>
+        <p:spPr>
+          <a:xfrm>
+            <a:off x="8696122" y="4067755"/>
+            <a:ext cx="568286" cy="0"/>
+          </a:xfrm>
+          <a:prstGeom prst="line">
+            <a:avLst/>
+          </a:prstGeom>
+          <a:ln w="6350"/>
+        </p:spPr>
+        <p:style>
+          <a:lnRef idx="2">
+            <a:schemeClr val="accent1"/>
+          </a:lnRef>
+          <a:fillRef idx="0">
+            <a:schemeClr val="accent1"/>
+          </a:fillRef>
+          <a:effectRef idx="1">
+            <a:schemeClr val="accent1"/>
+          </a:effectRef>
+          <a:fontRef idx="minor">
+            <a:schemeClr val="tx1"/>
+          </a:fontRef>
+        </p:style>
+      </p:cxnSp>
+      <p:cxnSp>
+        <p:nvCxnSpPr>
+          <p:cNvPr id="33" name="Straight Connector 32">
+            <a:extLst>
+              <a:ext uri="{FF2B5EF4-FFF2-40B4-BE49-F238E27FC236}">
+                <a16:creationId xmlns:a16="http://schemas.microsoft.com/office/drawing/2014/main" id="{F6BD7CB9-5622-DF65-39D4-2D6FD1437B45}"/>
+              </a:ext>
+            </a:extLst>
+          </p:cNvPr>
+          <p:cNvCxnSpPr>
+            <a:cxnSpLocks/>
+          </p:cNvCxnSpPr>
+          <p:nvPr/>
+        </p:nvCxnSpPr>
+        <p:spPr>
+          <a:xfrm>
+            <a:off x="9479083" y="2947948"/>
+            <a:ext cx="454554" cy="458895"/>
+          </a:xfrm>
+          <a:prstGeom prst="line">
+            <a:avLst/>
+          </a:prstGeom>
+          <a:ln w="6350"/>
+        </p:spPr>
+        <p:style>
+          <a:lnRef idx="2">
+            <a:schemeClr val="accent1"/>
+          </a:lnRef>
+          <a:fillRef idx="0">
+            <a:schemeClr val="accent1"/>
+          </a:fillRef>
+          <a:effectRef idx="1">
+            <a:schemeClr val="accent1"/>
+          </a:effectRef>
+          <a:fontRef idx="minor">
+            <a:schemeClr val="tx1"/>
+          </a:fontRef>
+        </p:style>
+      </p:cxnSp>
+      <p:cxnSp>
+        <p:nvCxnSpPr>
+          <p:cNvPr id="34" name="Straight Connector 33">
+            <a:extLst>
+              <a:ext uri="{FF2B5EF4-FFF2-40B4-BE49-F238E27FC236}">
+                <a16:creationId xmlns:a16="http://schemas.microsoft.com/office/drawing/2014/main" id="{E0355322-9C6D-BB4D-5B26-080CB7D9658A}"/>
+              </a:ext>
+            </a:extLst>
+          </p:cNvPr>
+          <p:cNvCxnSpPr>
+            <a:cxnSpLocks/>
+          </p:cNvCxnSpPr>
+          <p:nvPr/>
+        </p:nvCxnSpPr>
+        <p:spPr>
+          <a:xfrm flipV="1">
+            <a:off x="9475802" y="3576104"/>
+            <a:ext cx="456307" cy="408064"/>
+          </a:xfrm>
+          <a:prstGeom prst="line">
+            <a:avLst/>
+          </a:prstGeom>
+          <a:ln w="6350"/>
+        </p:spPr>
+        <p:style>
+          <a:lnRef idx="2">
+            <a:schemeClr val="accent1"/>
+          </a:lnRef>
+          <a:fillRef idx="0">
+            <a:schemeClr val="accent1"/>
+          </a:fillRef>
+          <a:effectRef idx="1">
+            <a:schemeClr val="accent1"/>
+          </a:effectRef>
+          <a:fontRef idx="minor">
+            <a:schemeClr val="tx1"/>
+          </a:fontRef>
+        </p:style>
+      </p:cxnSp>
+      <p:sp>
+        <p:nvSpPr>
+          <p:cNvPr id="35" name="TextBox 34">
+            <a:extLst>
+              <a:ext uri="{FF2B5EF4-FFF2-40B4-BE49-F238E27FC236}">
+                <a16:creationId xmlns:a16="http://schemas.microsoft.com/office/drawing/2014/main" id="{67A20FEA-DBFF-A051-396B-8A2C7F97A774}"/>
+              </a:ext>
+            </a:extLst>
+          </p:cNvPr>
+          <p:cNvSpPr txBox="1"/>
+          <p:nvPr/>
+        </p:nvSpPr>
+        <p:spPr>
+          <a:xfrm>
+            <a:off x="7268886" y="3032887"/>
+            <a:ext cx="227338" cy="200055"/>
+          </a:xfrm>
+          <a:prstGeom prst="rect">
+            <a:avLst/>
+          </a:prstGeom>
+          <a:noFill/>
+        </p:spPr>
+        <p:txBody>
+          <a:bodyPr wrap="square" rtlCol="0">
+            <a:spAutoFit/>
+          </a:bodyPr>
+          <a:lstStyle/>
+          <a:p>
+            <a:r>
+              <a:rPr lang="en-US" sz="700" dirty="0"/>
+              <a:t>1</a:t>
+            </a:r>
+          </a:p>
+        </p:txBody>
+      </p:sp>
+      <p:sp>
+        <p:nvSpPr>
+          <p:cNvPr id="36" name="TextBox 35">
+            <a:extLst>
+              <a:ext uri="{FF2B5EF4-FFF2-40B4-BE49-F238E27FC236}">
+                <a16:creationId xmlns:a16="http://schemas.microsoft.com/office/drawing/2014/main" id="{0AC34092-3AEB-536C-9F23-085B9BEA9D38}"/>
+              </a:ext>
+            </a:extLst>
+          </p:cNvPr>
+          <p:cNvSpPr txBox="1"/>
+          <p:nvPr/>
+        </p:nvSpPr>
+        <p:spPr>
+          <a:xfrm>
+            <a:off x="8043324" y="2661518"/>
+            <a:ext cx="227338" cy="200055"/>
+          </a:xfrm>
+          <a:prstGeom prst="rect">
+            <a:avLst/>
+          </a:prstGeom>
+          <a:noFill/>
+        </p:spPr>
+        <p:txBody>
+          <a:bodyPr wrap="square" rtlCol="0">
+            <a:spAutoFit/>
+          </a:bodyPr>
+          <a:lstStyle/>
+          <a:p>
+            <a:r>
+              <a:rPr lang="en-US" sz="700" dirty="0"/>
+              <a:t>8</a:t>
+            </a:r>
+          </a:p>
+        </p:txBody>
+      </p:sp>
+      <p:sp>
+        <p:nvSpPr>
+          <p:cNvPr id="37" name="TextBox 36">
+            <a:extLst>
+              <a:ext uri="{FF2B5EF4-FFF2-40B4-BE49-F238E27FC236}">
+                <a16:creationId xmlns:a16="http://schemas.microsoft.com/office/drawing/2014/main" id="{5DA1FBFA-B51C-36B9-96DA-B72223C17FD7}"/>
+              </a:ext>
+            </a:extLst>
+          </p:cNvPr>
+          <p:cNvSpPr txBox="1"/>
+          <p:nvPr/>
+        </p:nvSpPr>
+        <p:spPr>
+          <a:xfrm>
+            <a:off x="8848193" y="2669462"/>
+            <a:ext cx="227338" cy="200055"/>
+          </a:xfrm>
+          <a:prstGeom prst="rect">
+            <a:avLst/>
+          </a:prstGeom>
+          <a:noFill/>
+        </p:spPr>
+        <p:txBody>
+          <a:bodyPr wrap="square" rtlCol="0">
+            <a:spAutoFit/>
+          </a:bodyPr>
+          <a:lstStyle/>
+          <a:p>
+            <a:r>
+              <a:rPr lang="en-US" sz="700" dirty="0"/>
+              <a:t>7</a:t>
+            </a:r>
+          </a:p>
+        </p:txBody>
+      </p:sp>
+      <p:sp>
+        <p:nvSpPr>
+          <p:cNvPr id="39" name="TextBox 38">
+            <a:extLst>
+              <a:ext uri="{FF2B5EF4-FFF2-40B4-BE49-F238E27FC236}">
+                <a16:creationId xmlns:a16="http://schemas.microsoft.com/office/drawing/2014/main" id="{C649178F-2E11-850D-C2CB-F2D992F1E9CC}"/>
+              </a:ext>
+            </a:extLst>
+          </p:cNvPr>
+          <p:cNvSpPr txBox="1"/>
+          <p:nvPr/>
+        </p:nvSpPr>
+        <p:spPr>
+          <a:xfrm>
+            <a:off x="7984846" y="3583216"/>
+            <a:ext cx="227338" cy="200055"/>
+          </a:xfrm>
+          <a:prstGeom prst="rect">
+            <a:avLst/>
+          </a:prstGeom>
+          <a:noFill/>
+        </p:spPr>
+        <p:txBody>
+          <a:bodyPr wrap="square" rtlCol="0">
+            <a:spAutoFit/>
+          </a:bodyPr>
+          <a:lstStyle/>
+          <a:p>
+            <a:r>
+              <a:rPr lang="en-US" sz="700" dirty="0"/>
+              <a:t>7</a:t>
+            </a:r>
+          </a:p>
+        </p:txBody>
+      </p:sp>
+      <p:sp>
+        <p:nvSpPr>
+          <p:cNvPr id="40" name="TextBox 39">
+            <a:extLst>
+              <a:ext uri="{FF2B5EF4-FFF2-40B4-BE49-F238E27FC236}">
+                <a16:creationId xmlns:a16="http://schemas.microsoft.com/office/drawing/2014/main" id="{C46B6E6B-5627-AE03-C242-1789889769F4}"/>
+              </a:ext>
+            </a:extLst>
+          </p:cNvPr>
+          <p:cNvSpPr txBox="1"/>
+          <p:nvPr/>
+        </p:nvSpPr>
+        <p:spPr>
+          <a:xfrm>
+            <a:off x="8530960" y="3676565"/>
+            <a:ext cx="227338" cy="200055"/>
+          </a:xfrm>
+          <a:prstGeom prst="rect">
+            <a:avLst/>
+          </a:prstGeom>
+          <a:noFill/>
+        </p:spPr>
+        <p:txBody>
+          <a:bodyPr wrap="square" rtlCol="0">
+            <a:spAutoFit/>
+          </a:bodyPr>
+          <a:lstStyle/>
+          <a:p>
+            <a:r>
+              <a:rPr lang="en-US" sz="700" dirty="0"/>
+              <a:t>6</a:t>
+            </a:r>
+          </a:p>
+        </p:txBody>
+      </p:sp>
+      <p:sp>
+        <p:nvSpPr>
+          <p:cNvPr id="41" name="TextBox 40">
+            <a:extLst>
+              <a:ext uri="{FF2B5EF4-FFF2-40B4-BE49-F238E27FC236}">
+                <a16:creationId xmlns:a16="http://schemas.microsoft.com/office/drawing/2014/main" id="{DA7CD27C-83E2-5135-40BD-75DC385E24B7}"/>
+              </a:ext>
+            </a:extLst>
+          </p:cNvPr>
+          <p:cNvSpPr txBox="1"/>
+          <p:nvPr/>
+        </p:nvSpPr>
+        <p:spPr>
+          <a:xfrm>
+            <a:off x="8060465" y="3890411"/>
+            <a:ext cx="227338" cy="200055"/>
+          </a:xfrm>
+          <a:prstGeom prst="rect">
+            <a:avLst/>
+          </a:prstGeom>
+          <a:noFill/>
+        </p:spPr>
+        <p:txBody>
+          <a:bodyPr wrap="square" rtlCol="0">
+            <a:spAutoFit/>
+          </a:bodyPr>
+          <a:lstStyle/>
+          <a:p>
+            <a:r>
+              <a:rPr lang="en-US" sz="700" dirty="0"/>
+              <a:t>1</a:t>
+            </a:r>
+          </a:p>
+        </p:txBody>
+      </p:sp>
+      <p:sp>
+        <p:nvSpPr>
+          <p:cNvPr id="44" name="TextBox 43">
+            <a:extLst>
+              <a:ext uri="{FF2B5EF4-FFF2-40B4-BE49-F238E27FC236}">
+                <a16:creationId xmlns:a16="http://schemas.microsoft.com/office/drawing/2014/main" id="{6BAD4B5C-77A2-F96E-ACBB-ECECBDFF7056}"/>
+              </a:ext>
+            </a:extLst>
+          </p:cNvPr>
+          <p:cNvSpPr txBox="1"/>
+          <p:nvPr/>
+        </p:nvSpPr>
+        <p:spPr>
+          <a:xfrm>
+            <a:off x="9658641" y="2981946"/>
+            <a:ext cx="227338" cy="200055"/>
+          </a:xfrm>
+          <a:prstGeom prst="rect">
+            <a:avLst/>
+          </a:prstGeom>
+          <a:noFill/>
+        </p:spPr>
+        <p:txBody>
+          <a:bodyPr wrap="square" rtlCol="0">
+            <a:spAutoFit/>
+          </a:bodyPr>
+          <a:lstStyle/>
+          <a:p>
+            <a:r>
+              <a:rPr lang="en-US" sz="700" dirty="0"/>
+              <a:t>9</a:t>
+            </a:r>
+          </a:p>
+        </p:txBody>
+      </p:sp>
+      <p:sp>
+        <p:nvSpPr>
+          <p:cNvPr id="45" name="TextBox 44">
+            <a:extLst>
+              <a:ext uri="{FF2B5EF4-FFF2-40B4-BE49-F238E27FC236}">
+                <a16:creationId xmlns:a16="http://schemas.microsoft.com/office/drawing/2014/main" id="{1E24586A-0C2A-977E-6A3F-D52350B2E41F}"/>
+              </a:ext>
+            </a:extLst>
+          </p:cNvPr>
+          <p:cNvSpPr txBox="1"/>
+          <p:nvPr/>
+        </p:nvSpPr>
+        <p:spPr>
+          <a:xfrm>
+            <a:off x="9654551" y="3750100"/>
+            <a:ext cx="308746" cy="200055"/>
+          </a:xfrm>
+          <a:prstGeom prst="rect">
+            <a:avLst/>
+          </a:prstGeom>
+          <a:noFill/>
+        </p:spPr>
+        <p:txBody>
+          <a:bodyPr wrap="square" rtlCol="0">
+            <a:spAutoFit/>
+          </a:bodyPr>
+          <a:lstStyle/>
+          <a:p>
+            <a:r>
+              <a:rPr lang="en-US" sz="700" dirty="0"/>
+              <a:t>10</a:t>
+            </a:r>
+          </a:p>
+        </p:txBody>
+      </p:sp>
+      <p:sp>
+        <p:nvSpPr>
+          <p:cNvPr id="46" name="TextBox 45">
+            <a:extLst>
+              <a:ext uri="{FF2B5EF4-FFF2-40B4-BE49-F238E27FC236}">
+                <a16:creationId xmlns:a16="http://schemas.microsoft.com/office/drawing/2014/main" id="{1C955EFC-8ECA-FBC2-1C2B-6EA9A2FA097B}"/>
+              </a:ext>
+            </a:extLst>
+          </p:cNvPr>
+          <p:cNvSpPr txBox="1"/>
+          <p:nvPr/>
+        </p:nvSpPr>
+        <p:spPr>
+          <a:xfrm>
+            <a:off x="8895148" y="3896365"/>
+            <a:ext cx="227338" cy="200055"/>
+          </a:xfrm>
+          <a:prstGeom prst="rect">
+            <a:avLst/>
+          </a:prstGeom>
+          <a:noFill/>
+        </p:spPr>
+        <p:txBody>
+          <a:bodyPr wrap="square" rtlCol="0">
+            <a:spAutoFit/>
+          </a:bodyPr>
+          <a:lstStyle/>
+          <a:p>
+            <a:r>
+              <a:rPr lang="en-US" sz="700" dirty="0"/>
+              <a:t>2</a:t>
+            </a:r>
+          </a:p>
+        </p:txBody>
+      </p:sp>
+      <p:sp>
+        <p:nvSpPr>
+          <p:cNvPr id="47" name="TextBox 46">
+            <a:extLst>
+              <a:ext uri="{FF2B5EF4-FFF2-40B4-BE49-F238E27FC236}">
+                <a16:creationId xmlns:a16="http://schemas.microsoft.com/office/drawing/2014/main" id="{A01AD19B-D5E5-4DBE-11E5-11C68A444407}"/>
+              </a:ext>
+            </a:extLst>
+          </p:cNvPr>
+          <p:cNvSpPr txBox="1"/>
+          <p:nvPr/>
+        </p:nvSpPr>
+        <p:spPr>
+          <a:xfrm>
+            <a:off x="7363761" y="3601125"/>
+            <a:ext cx="227338" cy="200055"/>
+          </a:xfrm>
+          <a:prstGeom prst="rect">
+            <a:avLst/>
+          </a:prstGeom>
+          <a:noFill/>
+        </p:spPr>
+        <p:txBody>
+          <a:bodyPr wrap="square" rtlCol="0">
+            <a:spAutoFit/>
+          </a:bodyPr>
+          <a:lstStyle/>
+          <a:p>
+            <a:r>
+              <a:rPr lang="en-US" sz="700" dirty="0"/>
+              <a:t>2</a:t>
+            </a:r>
+          </a:p>
+        </p:txBody>
+      </p:sp>
+      <p:sp>
+        <p:nvSpPr>
+          <p:cNvPr id="48" name="TextBox 47">
+            <a:extLst>
+              <a:ext uri="{FF2B5EF4-FFF2-40B4-BE49-F238E27FC236}">
+                <a16:creationId xmlns:a16="http://schemas.microsoft.com/office/drawing/2014/main" id="{78E5D705-E091-2EF3-B859-D8174585ABAD}"/>
+              </a:ext>
+            </a:extLst>
+          </p:cNvPr>
+          <p:cNvSpPr txBox="1"/>
+          <p:nvPr/>
+        </p:nvSpPr>
+        <p:spPr>
+          <a:xfrm>
+            <a:off x="8530960" y="3059171"/>
+            <a:ext cx="227338" cy="200055"/>
+          </a:xfrm>
+          <a:prstGeom prst="rect">
+            <a:avLst/>
+          </a:prstGeom>
+          <a:noFill/>
+        </p:spPr>
+        <p:txBody>
+          <a:bodyPr wrap="square" rtlCol="0">
+            <a:spAutoFit/>
+          </a:bodyPr>
+          <a:lstStyle/>
+          <a:p>
+            <a:r>
+              <a:rPr lang="en-US" sz="700" dirty="0"/>
+              <a:t>2</a:t>
+            </a:r>
+          </a:p>
+        </p:txBody>
+      </p:sp>
+      <p:cxnSp>
+        <p:nvCxnSpPr>
+          <p:cNvPr id="50" name="Straight Connector 49">
+            <a:extLst>
+              <a:ext uri="{FF2B5EF4-FFF2-40B4-BE49-F238E27FC236}">
+                <a16:creationId xmlns:a16="http://schemas.microsoft.com/office/drawing/2014/main" id="{CFDC0D13-C8B8-7E6B-BE90-449081B77956}"/>
+              </a:ext>
+            </a:extLst>
+          </p:cNvPr>
+          <p:cNvCxnSpPr>
+            <a:cxnSpLocks/>
+          </p:cNvCxnSpPr>
+          <p:nvPr/>
+        </p:nvCxnSpPr>
+        <p:spPr>
+          <a:xfrm>
+            <a:off x="7806847" y="2934337"/>
+            <a:ext cx="640174" cy="493509"/>
+          </a:xfrm>
+          <a:prstGeom prst="line">
+            <a:avLst/>
+          </a:prstGeom>
+          <a:ln w="6350">
+            <a:tailEnd type="triangle" w="sm" len="sm"/>
+          </a:ln>
+        </p:spPr>
+        <p:style>
+          <a:lnRef idx="2">
+            <a:schemeClr val="accent1"/>
+          </a:lnRef>
+          <a:fillRef idx="0">
+            <a:schemeClr val="accent1"/>
+          </a:fillRef>
+          <a:effectRef idx="1">
+            <a:schemeClr val="accent1"/>
+          </a:effectRef>
+          <a:fontRef idx="minor">
+            <a:schemeClr val="tx1"/>
+          </a:fontRef>
+        </p:style>
+      </p:cxnSp>
+    </p:spTree>
+    <p:extLst>
+      <p:ext uri="{BB962C8B-B14F-4D97-AF65-F5344CB8AC3E}">
+        <p14:creationId xmlns:p14="http://schemas.microsoft.com/office/powerpoint/2010/main" val="2506209377"/>
       </p:ext>
     </p:extLst>
   </p:cSld>

--- a/docs/FiguresForDynamicProgrammingProblemsandTheirSolutionsInCode.pptx
+++ b/docs/FiguresForDynamicProgrammingProblemsandTheirSolutionsInCode.pptx
@@ -7899,7 +7899,7 @@
         </p:nvGrpSpPr>
         <p:grpSpPr>
           <a:xfrm>
-            <a:off x="7044551" y="4164978"/>
+            <a:off x="8616322" y="4267222"/>
             <a:ext cx="3111256" cy="1534963"/>
             <a:chOff x="7044551" y="4164978"/>
             <a:chExt cx="3111256" cy="1534963"/>
@@ -9734,6 +9734,1885 @@
               <a:extLst>
                 <a:ext uri="{FF2B5EF4-FFF2-40B4-BE49-F238E27FC236}">
                   <a16:creationId xmlns:a16="http://schemas.microsoft.com/office/drawing/2014/main" id="{9A334DE1-BF00-D6D8-E682-8DB647DE3FA4}"/>
+                </a:ext>
+              </a:extLst>
+            </p:cNvPr>
+            <p:cNvSpPr txBox="1"/>
+            <p:nvPr/>
+          </p:nvSpPr>
+          <p:spPr>
+            <a:xfrm>
+              <a:off x="8533060" y="4562631"/>
+              <a:ext cx="227338" cy="200055"/>
+            </a:xfrm>
+            <a:prstGeom prst="rect">
+              <a:avLst/>
+            </a:prstGeom>
+            <a:noFill/>
+          </p:spPr>
+          <p:txBody>
+            <a:bodyPr wrap="square" rtlCol="0">
+              <a:spAutoFit/>
+            </a:bodyPr>
+            <a:lstStyle/>
+            <a:p>
+              <a:r>
+                <a:rPr lang="en-US" sz="700" dirty="0"/>
+                <a:t>2</a:t>
+              </a:r>
+            </a:p>
+          </p:txBody>
+        </p:sp>
+      </p:grpSp>
+      <p:grpSp>
+        <p:nvGrpSpPr>
+          <p:cNvPr id="154" name="Group 153">
+            <a:extLst>
+              <a:ext uri="{FF2B5EF4-FFF2-40B4-BE49-F238E27FC236}">
+                <a16:creationId xmlns:a16="http://schemas.microsoft.com/office/drawing/2014/main" id="{BBC4DF85-02E5-321C-B684-603D5A37174E}"/>
+              </a:ext>
+            </a:extLst>
+          </p:cNvPr>
+          <p:cNvGrpSpPr/>
+          <p:nvPr/>
+        </p:nvGrpSpPr>
+        <p:grpSpPr>
+          <a:xfrm>
+            <a:off x="4765382" y="4242311"/>
+            <a:ext cx="3111256" cy="1534963"/>
+            <a:chOff x="7044551" y="4164978"/>
+            <a:chExt cx="3111256" cy="1534963"/>
+          </a:xfrm>
+        </p:grpSpPr>
+        <p:sp>
+          <p:nvSpPr>
+            <p:cNvPr id="155" name="Oval 154">
+              <a:extLst>
+                <a:ext uri="{FF2B5EF4-FFF2-40B4-BE49-F238E27FC236}">
+                  <a16:creationId xmlns:a16="http://schemas.microsoft.com/office/drawing/2014/main" id="{60E0CE30-BB49-A2AC-AAB1-3D1B1B285B62}"/>
+                </a:ext>
+              </a:extLst>
+            </p:cNvPr>
+            <p:cNvSpPr/>
+            <p:nvPr/>
+          </p:nvSpPr>
+          <p:spPr>
+            <a:xfrm>
+              <a:off x="7044551" y="4860166"/>
+              <a:ext cx="253014" cy="257453"/>
+            </a:xfrm>
+            <a:prstGeom prst="ellipse">
+              <a:avLst/>
+            </a:prstGeom>
+            <a:solidFill>
+              <a:schemeClr val="accent1">
+                <a:alpha val="39000"/>
+              </a:schemeClr>
+            </a:solidFill>
+            <a:ln w="6350"/>
+          </p:spPr>
+          <p:style>
+            <a:lnRef idx="2">
+              <a:schemeClr val="accent1">
+                <a:shade val="15000"/>
+              </a:schemeClr>
+            </a:lnRef>
+            <a:fillRef idx="1">
+              <a:schemeClr val="accent1"/>
+            </a:fillRef>
+            <a:effectRef idx="0">
+              <a:schemeClr val="accent1"/>
+            </a:effectRef>
+            <a:fontRef idx="minor">
+              <a:schemeClr val="lt1"/>
+            </a:fontRef>
+          </p:style>
+          <p:txBody>
+            <a:bodyPr rtlCol="0" anchor="ctr"/>
+            <a:lstStyle/>
+            <a:p>
+              <a:pPr algn="ctr"/>
+              <a:endParaRPr lang="en-US"/>
+            </a:p>
+          </p:txBody>
+        </p:sp>
+        <p:sp>
+          <p:nvSpPr>
+            <p:cNvPr id="156" name="TextBox 155">
+              <a:extLst>
+                <a:ext uri="{FF2B5EF4-FFF2-40B4-BE49-F238E27FC236}">
+                  <a16:creationId xmlns:a16="http://schemas.microsoft.com/office/drawing/2014/main" id="{5072AD57-D574-BE54-1E92-F70EA7E7834D}"/>
+                </a:ext>
+              </a:extLst>
+            </p:cNvPr>
+            <p:cNvSpPr txBox="1"/>
+            <p:nvPr/>
+          </p:nvSpPr>
+          <p:spPr>
+            <a:xfrm>
+              <a:off x="7051474" y="4881170"/>
+              <a:ext cx="239168" cy="215444"/>
+            </a:xfrm>
+            <a:prstGeom prst="rect">
+              <a:avLst/>
+            </a:prstGeom>
+            <a:noFill/>
+          </p:spPr>
+          <p:txBody>
+            <a:bodyPr wrap="none" rtlCol="0">
+              <a:spAutoFit/>
+            </a:bodyPr>
+            <a:lstStyle/>
+            <a:p>
+              <a:r>
+                <a:rPr lang="en-US" sz="800" dirty="0"/>
+                <a:t>0</a:t>
+              </a:r>
+            </a:p>
+          </p:txBody>
+        </p:sp>
+        <p:sp>
+          <p:nvSpPr>
+            <p:cNvPr id="157" name="Oval 156">
+              <a:extLst>
+                <a:ext uri="{FF2B5EF4-FFF2-40B4-BE49-F238E27FC236}">
+                  <a16:creationId xmlns:a16="http://schemas.microsoft.com/office/drawing/2014/main" id="{8BADC215-A803-A3D0-4DA6-24A22559321C}"/>
+                </a:ext>
+              </a:extLst>
+            </p:cNvPr>
+            <p:cNvSpPr/>
+            <p:nvPr/>
+          </p:nvSpPr>
+          <p:spPr>
+            <a:xfrm>
+              <a:off x="7591887" y="4226253"/>
+              <a:ext cx="253014" cy="257453"/>
+            </a:xfrm>
+            <a:prstGeom prst="ellipse">
+              <a:avLst/>
+            </a:prstGeom>
+            <a:solidFill>
+              <a:schemeClr val="accent1">
+                <a:alpha val="39000"/>
+              </a:schemeClr>
+            </a:solidFill>
+            <a:ln w="6350"/>
+          </p:spPr>
+          <p:style>
+            <a:lnRef idx="2">
+              <a:schemeClr val="accent1">
+                <a:shade val="15000"/>
+              </a:schemeClr>
+            </a:lnRef>
+            <a:fillRef idx="1">
+              <a:schemeClr val="accent1"/>
+            </a:fillRef>
+            <a:effectRef idx="0">
+              <a:schemeClr val="accent1"/>
+            </a:effectRef>
+            <a:fontRef idx="minor">
+              <a:schemeClr val="lt1"/>
+            </a:fontRef>
+          </p:style>
+          <p:txBody>
+            <a:bodyPr rtlCol="0" anchor="ctr"/>
+            <a:lstStyle/>
+            <a:p>
+              <a:pPr algn="ctr"/>
+              <a:endParaRPr lang="en-US"/>
+            </a:p>
+          </p:txBody>
+        </p:sp>
+        <p:sp>
+          <p:nvSpPr>
+            <p:cNvPr id="158" name="TextBox 157">
+              <a:extLst>
+                <a:ext uri="{FF2B5EF4-FFF2-40B4-BE49-F238E27FC236}">
+                  <a16:creationId xmlns:a16="http://schemas.microsoft.com/office/drawing/2014/main" id="{AC22BE1A-285A-7469-4E1F-E2400418B6C5}"/>
+                </a:ext>
+              </a:extLst>
+            </p:cNvPr>
+            <p:cNvSpPr txBox="1"/>
+            <p:nvPr/>
+          </p:nvSpPr>
+          <p:spPr>
+            <a:xfrm>
+              <a:off x="7598810" y="4247257"/>
+              <a:ext cx="239168" cy="215444"/>
+            </a:xfrm>
+            <a:prstGeom prst="rect">
+              <a:avLst/>
+            </a:prstGeom>
+            <a:noFill/>
+          </p:spPr>
+          <p:txBody>
+            <a:bodyPr wrap="none" rtlCol="0">
+              <a:spAutoFit/>
+            </a:bodyPr>
+            <a:lstStyle/>
+            <a:p>
+              <a:r>
+                <a:rPr lang="en-US" sz="800" dirty="0"/>
+                <a:t>1</a:t>
+              </a:r>
+            </a:p>
+          </p:txBody>
+        </p:sp>
+        <p:sp>
+          <p:nvSpPr>
+            <p:cNvPr id="159" name="Oval 158">
+              <a:extLst>
+                <a:ext uri="{FF2B5EF4-FFF2-40B4-BE49-F238E27FC236}">
+                  <a16:creationId xmlns:a16="http://schemas.microsoft.com/office/drawing/2014/main" id="{60B96541-6FCF-F458-08FF-F52C55151F08}"/>
+                </a:ext>
+              </a:extLst>
+            </p:cNvPr>
+            <p:cNvSpPr/>
+            <p:nvPr/>
+          </p:nvSpPr>
+          <p:spPr>
+            <a:xfrm>
+              <a:off x="8445208" y="4226253"/>
+              <a:ext cx="253014" cy="257453"/>
+            </a:xfrm>
+            <a:prstGeom prst="ellipse">
+              <a:avLst/>
+            </a:prstGeom>
+            <a:solidFill>
+              <a:schemeClr val="accent1">
+                <a:alpha val="39000"/>
+              </a:schemeClr>
+            </a:solidFill>
+            <a:ln w="6350"/>
+          </p:spPr>
+          <p:style>
+            <a:lnRef idx="2">
+              <a:schemeClr val="accent1">
+                <a:shade val="15000"/>
+              </a:schemeClr>
+            </a:lnRef>
+            <a:fillRef idx="1">
+              <a:schemeClr val="accent1"/>
+            </a:fillRef>
+            <a:effectRef idx="0">
+              <a:schemeClr val="accent1"/>
+            </a:effectRef>
+            <a:fontRef idx="minor">
+              <a:schemeClr val="lt1"/>
+            </a:fontRef>
+          </p:style>
+          <p:txBody>
+            <a:bodyPr rtlCol="0" anchor="ctr"/>
+            <a:lstStyle/>
+            <a:p>
+              <a:pPr algn="ctr"/>
+              <a:endParaRPr lang="en-US"/>
+            </a:p>
+          </p:txBody>
+        </p:sp>
+        <p:sp>
+          <p:nvSpPr>
+            <p:cNvPr id="160" name="TextBox 159">
+              <a:extLst>
+                <a:ext uri="{FF2B5EF4-FFF2-40B4-BE49-F238E27FC236}">
+                  <a16:creationId xmlns:a16="http://schemas.microsoft.com/office/drawing/2014/main" id="{CADA7DD8-851F-7818-D4EF-A0C6BF30D2BD}"/>
+                </a:ext>
+              </a:extLst>
+            </p:cNvPr>
+            <p:cNvSpPr txBox="1"/>
+            <p:nvPr/>
+          </p:nvSpPr>
+          <p:spPr>
+            <a:xfrm>
+              <a:off x="8452131" y="4247257"/>
+              <a:ext cx="239168" cy="215444"/>
+            </a:xfrm>
+            <a:prstGeom prst="rect">
+              <a:avLst/>
+            </a:prstGeom>
+            <a:noFill/>
+          </p:spPr>
+          <p:txBody>
+            <a:bodyPr wrap="none" rtlCol="0">
+              <a:spAutoFit/>
+            </a:bodyPr>
+            <a:lstStyle/>
+            <a:p>
+              <a:r>
+                <a:rPr lang="en-US" sz="800" dirty="0"/>
+                <a:t>2</a:t>
+              </a:r>
+            </a:p>
+          </p:txBody>
+        </p:sp>
+        <p:sp>
+          <p:nvSpPr>
+            <p:cNvPr id="161" name="Oval 160">
+              <a:extLst>
+                <a:ext uri="{FF2B5EF4-FFF2-40B4-BE49-F238E27FC236}">
+                  <a16:creationId xmlns:a16="http://schemas.microsoft.com/office/drawing/2014/main" id="{B0A4100C-D3AD-DE7B-C246-2F73F5E4212A}"/>
+                </a:ext>
+              </a:extLst>
+            </p:cNvPr>
+            <p:cNvSpPr/>
+            <p:nvPr/>
+          </p:nvSpPr>
+          <p:spPr>
+            <a:xfrm>
+              <a:off x="9266508" y="4226253"/>
+              <a:ext cx="253014" cy="257453"/>
+            </a:xfrm>
+            <a:prstGeom prst="ellipse">
+              <a:avLst/>
+            </a:prstGeom>
+            <a:solidFill>
+              <a:schemeClr val="accent1">
+                <a:alpha val="39000"/>
+              </a:schemeClr>
+            </a:solidFill>
+            <a:ln w="6350"/>
+          </p:spPr>
+          <p:style>
+            <a:lnRef idx="2">
+              <a:schemeClr val="accent1">
+                <a:shade val="15000"/>
+              </a:schemeClr>
+            </a:lnRef>
+            <a:fillRef idx="1">
+              <a:schemeClr val="accent1"/>
+            </a:fillRef>
+            <a:effectRef idx="0">
+              <a:schemeClr val="accent1"/>
+            </a:effectRef>
+            <a:fontRef idx="minor">
+              <a:schemeClr val="lt1"/>
+            </a:fontRef>
+          </p:style>
+          <p:txBody>
+            <a:bodyPr rtlCol="0" anchor="ctr"/>
+            <a:lstStyle/>
+            <a:p>
+              <a:pPr algn="ctr"/>
+              <a:endParaRPr lang="en-US"/>
+            </a:p>
+          </p:txBody>
+        </p:sp>
+        <p:sp>
+          <p:nvSpPr>
+            <p:cNvPr id="162" name="TextBox 161">
+              <a:extLst>
+                <a:ext uri="{FF2B5EF4-FFF2-40B4-BE49-F238E27FC236}">
+                  <a16:creationId xmlns:a16="http://schemas.microsoft.com/office/drawing/2014/main" id="{2FE7CF7D-60CC-029E-58A0-635739AD0C42}"/>
+                </a:ext>
+              </a:extLst>
+            </p:cNvPr>
+            <p:cNvSpPr txBox="1"/>
+            <p:nvPr/>
+          </p:nvSpPr>
+          <p:spPr>
+            <a:xfrm>
+              <a:off x="9273431" y="4247257"/>
+              <a:ext cx="239168" cy="215444"/>
+            </a:xfrm>
+            <a:prstGeom prst="rect">
+              <a:avLst/>
+            </a:prstGeom>
+            <a:noFill/>
+          </p:spPr>
+          <p:txBody>
+            <a:bodyPr wrap="none" rtlCol="0">
+              <a:spAutoFit/>
+            </a:bodyPr>
+            <a:lstStyle/>
+            <a:p>
+              <a:r>
+                <a:rPr lang="en-US" sz="800" dirty="0"/>
+                <a:t>3</a:t>
+              </a:r>
+            </a:p>
+          </p:txBody>
+        </p:sp>
+        <p:sp>
+          <p:nvSpPr>
+            <p:cNvPr id="163" name="Oval 162">
+              <a:extLst>
+                <a:ext uri="{FF2B5EF4-FFF2-40B4-BE49-F238E27FC236}">
+                  <a16:creationId xmlns:a16="http://schemas.microsoft.com/office/drawing/2014/main" id="{B4BC2E47-89CB-19DA-0AFB-78D25281EBDA}"/>
+                </a:ext>
+              </a:extLst>
+            </p:cNvPr>
+            <p:cNvSpPr/>
+            <p:nvPr/>
+          </p:nvSpPr>
+          <p:spPr>
+            <a:xfrm>
+              <a:off x="9902793" y="4860166"/>
+              <a:ext cx="253014" cy="257453"/>
+            </a:xfrm>
+            <a:prstGeom prst="ellipse">
+              <a:avLst/>
+            </a:prstGeom>
+            <a:solidFill>
+              <a:schemeClr val="accent1">
+                <a:alpha val="39000"/>
+              </a:schemeClr>
+            </a:solidFill>
+            <a:ln w="6350"/>
+          </p:spPr>
+          <p:style>
+            <a:lnRef idx="2">
+              <a:schemeClr val="accent1">
+                <a:shade val="15000"/>
+              </a:schemeClr>
+            </a:lnRef>
+            <a:fillRef idx="1">
+              <a:schemeClr val="accent1"/>
+            </a:fillRef>
+            <a:effectRef idx="0">
+              <a:schemeClr val="accent1"/>
+            </a:effectRef>
+            <a:fontRef idx="minor">
+              <a:schemeClr val="lt1"/>
+            </a:fontRef>
+          </p:style>
+          <p:txBody>
+            <a:bodyPr rtlCol="0" anchor="ctr"/>
+            <a:lstStyle/>
+            <a:p>
+              <a:pPr algn="ctr"/>
+              <a:endParaRPr lang="en-US"/>
+            </a:p>
+          </p:txBody>
+        </p:sp>
+        <p:sp>
+          <p:nvSpPr>
+            <p:cNvPr id="164" name="TextBox 163">
+              <a:extLst>
+                <a:ext uri="{FF2B5EF4-FFF2-40B4-BE49-F238E27FC236}">
+                  <a16:creationId xmlns:a16="http://schemas.microsoft.com/office/drawing/2014/main" id="{5DEACBF5-76E4-681E-6E54-451F8D9D0265}"/>
+                </a:ext>
+              </a:extLst>
+            </p:cNvPr>
+            <p:cNvSpPr txBox="1"/>
+            <p:nvPr/>
+          </p:nvSpPr>
+          <p:spPr>
+            <a:xfrm>
+              <a:off x="9909716" y="4881170"/>
+              <a:ext cx="239168" cy="215444"/>
+            </a:xfrm>
+            <a:prstGeom prst="rect">
+              <a:avLst/>
+            </a:prstGeom>
+            <a:noFill/>
+          </p:spPr>
+          <p:txBody>
+            <a:bodyPr wrap="none" rtlCol="0">
+              <a:spAutoFit/>
+            </a:bodyPr>
+            <a:lstStyle/>
+            <a:p>
+              <a:r>
+                <a:rPr lang="en-US" sz="800" dirty="0"/>
+                <a:t>4</a:t>
+              </a:r>
+            </a:p>
+          </p:txBody>
+        </p:sp>
+        <p:sp>
+          <p:nvSpPr>
+            <p:cNvPr id="165" name="Oval 164">
+              <a:extLst>
+                <a:ext uri="{FF2B5EF4-FFF2-40B4-BE49-F238E27FC236}">
+                  <a16:creationId xmlns:a16="http://schemas.microsoft.com/office/drawing/2014/main" id="{B668BBE2-6ED7-B4E5-F23C-7FE8B8BE7671}"/>
+                </a:ext>
+              </a:extLst>
+            </p:cNvPr>
+            <p:cNvSpPr/>
+            <p:nvPr/>
+          </p:nvSpPr>
+          <p:spPr>
+            <a:xfrm>
+              <a:off x="7591887" y="5442488"/>
+              <a:ext cx="253014" cy="257453"/>
+            </a:xfrm>
+            <a:prstGeom prst="ellipse">
+              <a:avLst/>
+            </a:prstGeom>
+            <a:solidFill>
+              <a:schemeClr val="accent1">
+                <a:alpha val="39000"/>
+              </a:schemeClr>
+            </a:solidFill>
+            <a:ln w="6350"/>
+          </p:spPr>
+          <p:style>
+            <a:lnRef idx="2">
+              <a:schemeClr val="accent1">
+                <a:shade val="15000"/>
+              </a:schemeClr>
+            </a:lnRef>
+            <a:fillRef idx="1">
+              <a:schemeClr val="accent1"/>
+            </a:fillRef>
+            <a:effectRef idx="0">
+              <a:schemeClr val="accent1"/>
+            </a:effectRef>
+            <a:fontRef idx="minor">
+              <a:schemeClr val="lt1"/>
+            </a:fontRef>
+          </p:style>
+          <p:txBody>
+            <a:bodyPr rtlCol="0" anchor="ctr"/>
+            <a:lstStyle/>
+            <a:p>
+              <a:pPr algn="ctr"/>
+              <a:endParaRPr lang="en-US"/>
+            </a:p>
+          </p:txBody>
+        </p:sp>
+        <p:sp>
+          <p:nvSpPr>
+            <p:cNvPr id="166" name="TextBox 165">
+              <a:extLst>
+                <a:ext uri="{FF2B5EF4-FFF2-40B4-BE49-F238E27FC236}">
+                  <a16:creationId xmlns:a16="http://schemas.microsoft.com/office/drawing/2014/main" id="{317DFD5E-48D2-B505-B016-AB9728630FE8}"/>
+                </a:ext>
+              </a:extLst>
+            </p:cNvPr>
+            <p:cNvSpPr txBox="1"/>
+            <p:nvPr/>
+          </p:nvSpPr>
+          <p:spPr>
+            <a:xfrm>
+              <a:off x="7598810" y="5463492"/>
+              <a:ext cx="239168" cy="215444"/>
+            </a:xfrm>
+            <a:prstGeom prst="rect">
+              <a:avLst/>
+            </a:prstGeom>
+            <a:noFill/>
+          </p:spPr>
+          <p:txBody>
+            <a:bodyPr wrap="none" rtlCol="0">
+              <a:spAutoFit/>
+            </a:bodyPr>
+            <a:lstStyle/>
+            <a:p>
+              <a:r>
+                <a:rPr lang="en-US" sz="800" dirty="0"/>
+                <a:t>7</a:t>
+              </a:r>
+            </a:p>
+          </p:txBody>
+        </p:sp>
+        <p:sp>
+          <p:nvSpPr>
+            <p:cNvPr id="167" name="Oval 166">
+              <a:extLst>
+                <a:ext uri="{FF2B5EF4-FFF2-40B4-BE49-F238E27FC236}">
+                  <a16:creationId xmlns:a16="http://schemas.microsoft.com/office/drawing/2014/main" id="{E2779102-2082-515E-1CC1-C1547EBC68AD}"/>
+                </a:ext>
+              </a:extLst>
+            </p:cNvPr>
+            <p:cNvSpPr/>
+            <p:nvPr/>
+          </p:nvSpPr>
+          <p:spPr>
+            <a:xfrm>
+              <a:off x="8445208" y="5442488"/>
+              <a:ext cx="253014" cy="257453"/>
+            </a:xfrm>
+            <a:prstGeom prst="ellipse">
+              <a:avLst/>
+            </a:prstGeom>
+            <a:solidFill>
+              <a:schemeClr val="accent1">
+                <a:alpha val="39000"/>
+              </a:schemeClr>
+            </a:solidFill>
+            <a:ln w="6350"/>
+          </p:spPr>
+          <p:style>
+            <a:lnRef idx="2">
+              <a:schemeClr val="accent1">
+                <a:shade val="15000"/>
+              </a:schemeClr>
+            </a:lnRef>
+            <a:fillRef idx="1">
+              <a:schemeClr val="accent1"/>
+            </a:fillRef>
+            <a:effectRef idx="0">
+              <a:schemeClr val="accent1"/>
+            </a:effectRef>
+            <a:fontRef idx="minor">
+              <a:schemeClr val="lt1"/>
+            </a:fontRef>
+          </p:style>
+          <p:txBody>
+            <a:bodyPr rtlCol="0" anchor="ctr"/>
+            <a:lstStyle/>
+            <a:p>
+              <a:pPr algn="ctr"/>
+              <a:endParaRPr lang="en-US"/>
+            </a:p>
+          </p:txBody>
+        </p:sp>
+        <p:sp>
+          <p:nvSpPr>
+            <p:cNvPr id="168" name="TextBox 167">
+              <a:extLst>
+                <a:ext uri="{FF2B5EF4-FFF2-40B4-BE49-F238E27FC236}">
+                  <a16:creationId xmlns:a16="http://schemas.microsoft.com/office/drawing/2014/main" id="{E32757FB-8FDB-FCBA-0150-E90A8994F155}"/>
+                </a:ext>
+              </a:extLst>
+            </p:cNvPr>
+            <p:cNvSpPr txBox="1"/>
+            <p:nvPr/>
+          </p:nvSpPr>
+          <p:spPr>
+            <a:xfrm>
+              <a:off x="8452131" y="5463492"/>
+              <a:ext cx="239168" cy="215444"/>
+            </a:xfrm>
+            <a:prstGeom prst="rect">
+              <a:avLst/>
+            </a:prstGeom>
+            <a:noFill/>
+          </p:spPr>
+          <p:txBody>
+            <a:bodyPr wrap="none" rtlCol="0">
+              <a:spAutoFit/>
+            </a:bodyPr>
+            <a:lstStyle/>
+            <a:p>
+              <a:r>
+                <a:rPr lang="en-US" sz="800" dirty="0"/>
+                <a:t>6</a:t>
+              </a:r>
+            </a:p>
+          </p:txBody>
+        </p:sp>
+        <p:sp>
+          <p:nvSpPr>
+            <p:cNvPr id="169" name="Oval 168">
+              <a:extLst>
+                <a:ext uri="{FF2B5EF4-FFF2-40B4-BE49-F238E27FC236}">
+                  <a16:creationId xmlns:a16="http://schemas.microsoft.com/office/drawing/2014/main" id="{3E2096EE-CC2B-A00B-7481-F5A57BA549D4}"/>
+                </a:ext>
+              </a:extLst>
+            </p:cNvPr>
+            <p:cNvSpPr/>
+            <p:nvPr/>
+          </p:nvSpPr>
+          <p:spPr>
+            <a:xfrm>
+              <a:off x="9266508" y="5442488"/>
+              <a:ext cx="253014" cy="257453"/>
+            </a:xfrm>
+            <a:prstGeom prst="ellipse">
+              <a:avLst/>
+            </a:prstGeom>
+            <a:solidFill>
+              <a:schemeClr val="accent1">
+                <a:alpha val="39000"/>
+              </a:schemeClr>
+            </a:solidFill>
+            <a:ln w="6350"/>
+          </p:spPr>
+          <p:style>
+            <a:lnRef idx="2">
+              <a:schemeClr val="accent1">
+                <a:shade val="15000"/>
+              </a:schemeClr>
+            </a:lnRef>
+            <a:fillRef idx="1">
+              <a:schemeClr val="accent1"/>
+            </a:fillRef>
+            <a:effectRef idx="0">
+              <a:schemeClr val="accent1"/>
+            </a:effectRef>
+            <a:fontRef idx="minor">
+              <a:schemeClr val="lt1"/>
+            </a:fontRef>
+          </p:style>
+          <p:txBody>
+            <a:bodyPr rtlCol="0" anchor="ctr"/>
+            <a:lstStyle/>
+            <a:p>
+              <a:pPr algn="ctr"/>
+              <a:endParaRPr lang="en-US"/>
+            </a:p>
+          </p:txBody>
+        </p:sp>
+        <p:sp>
+          <p:nvSpPr>
+            <p:cNvPr id="170" name="TextBox 169">
+              <a:extLst>
+                <a:ext uri="{FF2B5EF4-FFF2-40B4-BE49-F238E27FC236}">
+                  <a16:creationId xmlns:a16="http://schemas.microsoft.com/office/drawing/2014/main" id="{12B4ED29-0158-12D1-9D1E-F3F204D24AE7}"/>
+                </a:ext>
+              </a:extLst>
+            </p:cNvPr>
+            <p:cNvSpPr txBox="1"/>
+            <p:nvPr/>
+          </p:nvSpPr>
+          <p:spPr>
+            <a:xfrm>
+              <a:off x="9273431" y="5463492"/>
+              <a:ext cx="239168" cy="215444"/>
+            </a:xfrm>
+            <a:prstGeom prst="rect">
+              <a:avLst/>
+            </a:prstGeom>
+            <a:noFill/>
+          </p:spPr>
+          <p:txBody>
+            <a:bodyPr wrap="none" rtlCol="0">
+              <a:spAutoFit/>
+            </a:bodyPr>
+            <a:lstStyle/>
+            <a:p>
+              <a:r>
+                <a:rPr lang="en-US" sz="800" dirty="0"/>
+                <a:t>5</a:t>
+              </a:r>
+            </a:p>
+          </p:txBody>
+        </p:sp>
+        <p:sp>
+          <p:nvSpPr>
+            <p:cNvPr id="171" name="Oval 170">
+              <a:extLst>
+                <a:ext uri="{FF2B5EF4-FFF2-40B4-BE49-F238E27FC236}">
+                  <a16:creationId xmlns:a16="http://schemas.microsoft.com/office/drawing/2014/main" id="{836C0C2C-283B-0DF7-8F6A-93CCDD05D4EA}"/>
+                </a:ext>
+              </a:extLst>
+            </p:cNvPr>
+            <p:cNvSpPr/>
+            <p:nvPr/>
+          </p:nvSpPr>
+          <p:spPr>
+            <a:xfrm>
+              <a:off x="8438285" y="4860166"/>
+              <a:ext cx="253014" cy="257453"/>
+            </a:xfrm>
+            <a:prstGeom prst="ellipse">
+              <a:avLst/>
+            </a:prstGeom>
+            <a:solidFill>
+              <a:schemeClr val="accent1">
+                <a:alpha val="39000"/>
+              </a:schemeClr>
+            </a:solidFill>
+            <a:ln w="6350"/>
+          </p:spPr>
+          <p:style>
+            <a:lnRef idx="2">
+              <a:schemeClr val="accent1">
+                <a:shade val="15000"/>
+              </a:schemeClr>
+            </a:lnRef>
+            <a:fillRef idx="1">
+              <a:schemeClr val="accent1"/>
+            </a:fillRef>
+            <a:effectRef idx="0">
+              <a:schemeClr val="accent1"/>
+            </a:effectRef>
+            <a:fontRef idx="minor">
+              <a:schemeClr val="lt1"/>
+            </a:fontRef>
+          </p:style>
+          <p:txBody>
+            <a:bodyPr rtlCol="0" anchor="ctr"/>
+            <a:lstStyle/>
+            <a:p>
+              <a:pPr algn="ctr"/>
+              <a:endParaRPr lang="en-US"/>
+            </a:p>
+          </p:txBody>
+        </p:sp>
+        <p:sp>
+          <p:nvSpPr>
+            <p:cNvPr id="172" name="TextBox 171">
+              <a:extLst>
+                <a:ext uri="{FF2B5EF4-FFF2-40B4-BE49-F238E27FC236}">
+                  <a16:creationId xmlns:a16="http://schemas.microsoft.com/office/drawing/2014/main" id="{78A7F06B-6F8A-5C8D-33B1-BB1BD35087E1}"/>
+                </a:ext>
+              </a:extLst>
+            </p:cNvPr>
+            <p:cNvSpPr txBox="1"/>
+            <p:nvPr/>
+          </p:nvSpPr>
+          <p:spPr>
+            <a:xfrm>
+              <a:off x="8445208" y="4881170"/>
+              <a:ext cx="239168" cy="215444"/>
+            </a:xfrm>
+            <a:prstGeom prst="rect">
+              <a:avLst/>
+            </a:prstGeom>
+            <a:noFill/>
+          </p:spPr>
+          <p:txBody>
+            <a:bodyPr wrap="none" rtlCol="0">
+              <a:spAutoFit/>
+            </a:bodyPr>
+            <a:lstStyle/>
+            <a:p>
+              <a:r>
+                <a:rPr lang="en-US" sz="800" dirty="0"/>
+                <a:t>8</a:t>
+              </a:r>
+            </a:p>
+          </p:txBody>
+        </p:sp>
+        <p:cxnSp>
+          <p:nvCxnSpPr>
+            <p:cNvPr id="173" name="Straight Connector 172">
+              <a:extLst>
+                <a:ext uri="{FF2B5EF4-FFF2-40B4-BE49-F238E27FC236}">
+                  <a16:creationId xmlns:a16="http://schemas.microsoft.com/office/drawing/2014/main" id="{8C9AA43B-915A-E0CC-48EE-44E53E04BEBB}"/>
+                </a:ext>
+              </a:extLst>
+            </p:cNvPr>
+            <p:cNvCxnSpPr>
+              <a:cxnSpLocks/>
+            </p:cNvCxnSpPr>
+            <p:nvPr/>
+          </p:nvCxnSpPr>
+          <p:spPr>
+            <a:xfrm flipV="1">
+              <a:off x="7260627" y="4457223"/>
+              <a:ext cx="360408" cy="447266"/>
+            </a:xfrm>
+            <a:prstGeom prst="line">
+              <a:avLst/>
+            </a:prstGeom>
+            <a:ln w="6350">
+              <a:tailEnd type="triangle" w="sm" len="sm"/>
+            </a:ln>
+          </p:spPr>
+          <p:style>
+            <a:lnRef idx="2">
+              <a:schemeClr val="accent1"/>
+            </a:lnRef>
+            <a:fillRef idx="0">
+              <a:schemeClr val="accent1"/>
+            </a:fillRef>
+            <a:effectRef idx="1">
+              <a:schemeClr val="accent1"/>
+            </a:effectRef>
+            <a:fontRef idx="minor">
+              <a:schemeClr val="tx1"/>
+            </a:fontRef>
+          </p:style>
+        </p:cxnSp>
+        <p:cxnSp>
+          <p:nvCxnSpPr>
+            <p:cNvPr id="174" name="Straight Connector 173">
+              <a:extLst>
+                <a:ext uri="{FF2B5EF4-FFF2-40B4-BE49-F238E27FC236}">
+                  <a16:creationId xmlns:a16="http://schemas.microsoft.com/office/drawing/2014/main" id="{057721F6-EDB4-D79B-276D-13B003E7924E}"/>
+                </a:ext>
+              </a:extLst>
+            </p:cNvPr>
+            <p:cNvCxnSpPr>
+              <a:cxnSpLocks/>
+              <a:stCxn id="165" idx="0"/>
+              <a:endCxn id="157" idx="4"/>
+            </p:cNvCxnSpPr>
+            <p:nvPr/>
+          </p:nvCxnSpPr>
+          <p:spPr>
+            <a:xfrm flipV="1">
+              <a:off x="7718394" y="4483706"/>
+              <a:ext cx="0" cy="958782"/>
+            </a:xfrm>
+            <a:prstGeom prst="line">
+              <a:avLst/>
+            </a:prstGeom>
+            <a:ln w="6350">
+              <a:headEnd type="triangle" w="sm" len="sm"/>
+              <a:tailEnd type="none" w="sm" len="sm"/>
+            </a:ln>
+          </p:spPr>
+          <p:style>
+            <a:lnRef idx="2">
+              <a:schemeClr val="accent1"/>
+            </a:lnRef>
+            <a:fillRef idx="0">
+              <a:schemeClr val="accent1"/>
+            </a:fillRef>
+            <a:effectRef idx="1">
+              <a:schemeClr val="accent1"/>
+            </a:effectRef>
+            <a:fontRef idx="minor">
+              <a:schemeClr val="tx1"/>
+            </a:fontRef>
+          </p:style>
+        </p:cxnSp>
+        <p:cxnSp>
+          <p:nvCxnSpPr>
+            <p:cNvPr id="175" name="Straight Connector 174">
+              <a:extLst>
+                <a:ext uri="{FF2B5EF4-FFF2-40B4-BE49-F238E27FC236}">
+                  <a16:creationId xmlns:a16="http://schemas.microsoft.com/office/drawing/2014/main" id="{0FA15C4A-DB2B-1006-B0D2-EF0AD483466D}"/>
+                </a:ext>
+              </a:extLst>
+            </p:cNvPr>
+            <p:cNvCxnSpPr>
+              <a:cxnSpLocks/>
+            </p:cNvCxnSpPr>
+            <p:nvPr/>
+          </p:nvCxnSpPr>
+          <p:spPr>
+            <a:xfrm>
+              <a:off x="7260627" y="5079564"/>
+              <a:ext cx="371091" cy="406583"/>
+            </a:xfrm>
+            <a:prstGeom prst="line">
+              <a:avLst/>
+            </a:prstGeom>
+            <a:ln w="6350">
+              <a:tailEnd type="triangle" w="sm" len="sm"/>
+            </a:ln>
+          </p:spPr>
+          <p:style>
+            <a:lnRef idx="2">
+              <a:schemeClr val="accent1"/>
+            </a:lnRef>
+            <a:fillRef idx="0">
+              <a:schemeClr val="accent1"/>
+            </a:fillRef>
+            <a:effectRef idx="1">
+              <a:schemeClr val="accent1"/>
+            </a:effectRef>
+            <a:fontRef idx="minor">
+              <a:schemeClr val="tx1"/>
+            </a:fontRef>
+          </p:style>
+        </p:cxnSp>
+        <p:cxnSp>
+          <p:nvCxnSpPr>
+            <p:cNvPr id="176" name="Straight Connector 175">
+              <a:extLst>
+                <a:ext uri="{FF2B5EF4-FFF2-40B4-BE49-F238E27FC236}">
+                  <a16:creationId xmlns:a16="http://schemas.microsoft.com/office/drawing/2014/main" id="{14ACB476-D368-B53D-0EC7-06985A5273F6}"/>
+                </a:ext>
+              </a:extLst>
+            </p:cNvPr>
+            <p:cNvCxnSpPr>
+              <a:stCxn id="158" idx="3"/>
+              <a:endCxn id="160" idx="1"/>
+            </p:cNvCxnSpPr>
+            <p:nvPr/>
+          </p:nvCxnSpPr>
+          <p:spPr>
+            <a:xfrm>
+              <a:off x="7837978" y="4354979"/>
+              <a:ext cx="614153" cy="0"/>
+            </a:xfrm>
+            <a:prstGeom prst="line">
+              <a:avLst/>
+            </a:prstGeom>
+            <a:ln w="6350">
+              <a:tailEnd type="triangle" w="sm" len="sm"/>
+            </a:ln>
+          </p:spPr>
+          <p:style>
+            <a:lnRef idx="2">
+              <a:schemeClr val="accent1"/>
+            </a:lnRef>
+            <a:fillRef idx="0">
+              <a:schemeClr val="accent1"/>
+            </a:fillRef>
+            <a:effectRef idx="1">
+              <a:schemeClr val="accent1"/>
+            </a:effectRef>
+            <a:fontRef idx="minor">
+              <a:schemeClr val="tx1"/>
+            </a:fontRef>
+          </p:style>
+        </p:cxnSp>
+        <p:cxnSp>
+          <p:nvCxnSpPr>
+            <p:cNvPr id="177" name="Straight Connector 176">
+              <a:extLst>
+                <a:ext uri="{FF2B5EF4-FFF2-40B4-BE49-F238E27FC236}">
+                  <a16:creationId xmlns:a16="http://schemas.microsoft.com/office/drawing/2014/main" id="{1352E4DF-3577-1371-57B5-1ECF7E2561EA}"/>
+                </a:ext>
+              </a:extLst>
+            </p:cNvPr>
+            <p:cNvCxnSpPr>
+              <a:stCxn id="160" idx="3"/>
+              <a:endCxn id="162" idx="1"/>
+            </p:cNvCxnSpPr>
+            <p:nvPr/>
+          </p:nvCxnSpPr>
+          <p:spPr>
+            <a:xfrm>
+              <a:off x="8691299" y="4354979"/>
+              <a:ext cx="582132" cy="0"/>
+            </a:xfrm>
+            <a:prstGeom prst="line">
+              <a:avLst/>
+            </a:prstGeom>
+            <a:ln w="6350">
+              <a:tailEnd type="triangle" w="sm" len="sm"/>
+            </a:ln>
+          </p:spPr>
+          <p:style>
+            <a:lnRef idx="2">
+              <a:schemeClr val="accent1"/>
+            </a:lnRef>
+            <a:fillRef idx="0">
+              <a:schemeClr val="accent1"/>
+            </a:fillRef>
+            <a:effectRef idx="1">
+              <a:schemeClr val="accent1"/>
+            </a:effectRef>
+            <a:fontRef idx="minor">
+              <a:schemeClr val="tx1"/>
+            </a:fontRef>
+          </p:style>
+        </p:cxnSp>
+        <p:cxnSp>
+          <p:nvCxnSpPr>
+            <p:cNvPr id="178" name="Straight Connector 177">
+              <a:extLst>
+                <a:ext uri="{FF2B5EF4-FFF2-40B4-BE49-F238E27FC236}">
+                  <a16:creationId xmlns:a16="http://schemas.microsoft.com/office/drawing/2014/main" id="{738DEA0E-C322-9D94-34FE-A8402CFCB165}"/>
+                </a:ext>
+              </a:extLst>
+            </p:cNvPr>
+            <p:cNvCxnSpPr>
+              <a:cxnSpLocks/>
+            </p:cNvCxnSpPr>
+            <p:nvPr/>
+          </p:nvCxnSpPr>
+          <p:spPr>
+            <a:xfrm>
+              <a:off x="8662872" y="4442216"/>
+              <a:ext cx="652832" cy="1027873"/>
+            </a:xfrm>
+            <a:prstGeom prst="line">
+              <a:avLst/>
+            </a:prstGeom>
+            <a:ln w="6350">
+              <a:tailEnd type="triangle" w="sm" len="sm"/>
+            </a:ln>
+          </p:spPr>
+          <p:style>
+            <a:lnRef idx="2">
+              <a:schemeClr val="accent1"/>
+            </a:lnRef>
+            <a:fillRef idx="0">
+              <a:schemeClr val="accent1"/>
+            </a:fillRef>
+            <a:effectRef idx="1">
+              <a:schemeClr val="accent1"/>
+            </a:effectRef>
+            <a:fontRef idx="minor">
+              <a:schemeClr val="tx1"/>
+            </a:fontRef>
+          </p:style>
+        </p:cxnSp>
+        <p:cxnSp>
+          <p:nvCxnSpPr>
+            <p:cNvPr id="179" name="Straight Connector 178">
+              <a:extLst>
+                <a:ext uri="{FF2B5EF4-FFF2-40B4-BE49-F238E27FC236}">
+                  <a16:creationId xmlns:a16="http://schemas.microsoft.com/office/drawing/2014/main" id="{5206159E-96DD-3F98-4101-01F13BA9106D}"/>
+                </a:ext>
+              </a:extLst>
+            </p:cNvPr>
+            <p:cNvCxnSpPr>
+              <a:stCxn id="166" idx="3"/>
+              <a:endCxn id="168" idx="1"/>
+            </p:cNvCxnSpPr>
+            <p:nvPr/>
+          </p:nvCxnSpPr>
+          <p:spPr>
+            <a:xfrm>
+              <a:off x="7837978" y="5571214"/>
+              <a:ext cx="614153" cy="0"/>
+            </a:xfrm>
+            <a:prstGeom prst="line">
+              <a:avLst/>
+            </a:prstGeom>
+            <a:ln w="6350">
+              <a:tailEnd type="triangle" w="sm" len="sm"/>
+            </a:ln>
+          </p:spPr>
+          <p:style>
+            <a:lnRef idx="2">
+              <a:schemeClr val="accent1"/>
+            </a:lnRef>
+            <a:fillRef idx="0">
+              <a:schemeClr val="accent1"/>
+            </a:fillRef>
+            <a:effectRef idx="1">
+              <a:schemeClr val="accent1"/>
+            </a:effectRef>
+            <a:fontRef idx="minor">
+              <a:schemeClr val="tx1"/>
+            </a:fontRef>
+          </p:style>
+        </p:cxnSp>
+        <p:cxnSp>
+          <p:nvCxnSpPr>
+            <p:cNvPr id="180" name="Straight Connector 179">
+              <a:extLst>
+                <a:ext uri="{FF2B5EF4-FFF2-40B4-BE49-F238E27FC236}">
+                  <a16:creationId xmlns:a16="http://schemas.microsoft.com/office/drawing/2014/main" id="{A181B94D-D703-073B-62F6-E4E56D3EE934}"/>
+                </a:ext>
+              </a:extLst>
+            </p:cNvPr>
+            <p:cNvCxnSpPr>
+              <a:cxnSpLocks/>
+            </p:cNvCxnSpPr>
+            <p:nvPr/>
+          </p:nvCxnSpPr>
+          <p:spPr>
+            <a:xfrm flipV="1">
+              <a:off x="7824093" y="5051191"/>
+              <a:ext cx="630261" cy="457725"/>
+            </a:xfrm>
+            <a:prstGeom prst="line">
+              <a:avLst/>
+            </a:prstGeom>
+            <a:ln w="6350">
+              <a:tailEnd type="triangle" w="sm" len="sm"/>
+            </a:ln>
+          </p:spPr>
+          <p:style>
+            <a:lnRef idx="2">
+              <a:schemeClr val="accent1"/>
+            </a:lnRef>
+            <a:fillRef idx="0">
+              <a:schemeClr val="accent1"/>
+            </a:fillRef>
+            <a:effectRef idx="1">
+              <a:schemeClr val="accent1"/>
+            </a:effectRef>
+            <a:fontRef idx="minor">
+              <a:schemeClr val="tx1"/>
+            </a:fontRef>
+          </p:style>
+        </p:cxnSp>
+        <p:cxnSp>
+          <p:nvCxnSpPr>
+            <p:cNvPr id="181" name="Straight Connector 180">
+              <a:extLst>
+                <a:ext uri="{FF2B5EF4-FFF2-40B4-BE49-F238E27FC236}">
+                  <a16:creationId xmlns:a16="http://schemas.microsoft.com/office/drawing/2014/main" id="{27E36CA1-6DAF-3B78-4531-C3B56E1020FF}"/>
+                </a:ext>
+              </a:extLst>
+            </p:cNvPr>
+            <p:cNvCxnSpPr>
+              <a:stCxn id="159" idx="4"/>
+              <a:endCxn id="171" idx="0"/>
+            </p:cNvCxnSpPr>
+            <p:nvPr/>
+          </p:nvCxnSpPr>
+          <p:spPr>
+            <a:xfrm flipH="1">
+              <a:off x="8564792" y="4483706"/>
+              <a:ext cx="6923" cy="376460"/>
+            </a:xfrm>
+            <a:prstGeom prst="line">
+              <a:avLst/>
+            </a:prstGeom>
+            <a:ln w="6350">
+              <a:tailEnd type="triangle" w="sm" len="sm"/>
+            </a:ln>
+          </p:spPr>
+          <p:style>
+            <a:lnRef idx="2">
+              <a:schemeClr val="accent1"/>
+            </a:lnRef>
+            <a:fillRef idx="0">
+              <a:schemeClr val="accent1"/>
+            </a:fillRef>
+            <a:effectRef idx="1">
+              <a:schemeClr val="accent1"/>
+            </a:effectRef>
+            <a:fontRef idx="minor">
+              <a:schemeClr val="tx1"/>
+            </a:fontRef>
+          </p:style>
+        </p:cxnSp>
+        <p:cxnSp>
+          <p:nvCxnSpPr>
+            <p:cNvPr id="182" name="Straight Connector 181">
+              <a:extLst>
+                <a:ext uri="{FF2B5EF4-FFF2-40B4-BE49-F238E27FC236}">
+                  <a16:creationId xmlns:a16="http://schemas.microsoft.com/office/drawing/2014/main" id="{610BCFFA-6CA7-0054-CC36-E8E62566ED57}"/>
+                </a:ext>
+              </a:extLst>
+            </p:cNvPr>
+            <p:cNvCxnSpPr>
+              <a:cxnSpLocks/>
+            </p:cNvCxnSpPr>
+            <p:nvPr/>
+          </p:nvCxnSpPr>
+          <p:spPr>
+            <a:xfrm>
+              <a:off x="8566101" y="5112003"/>
+              <a:ext cx="0" cy="336100"/>
+            </a:xfrm>
+            <a:prstGeom prst="line">
+              <a:avLst/>
+            </a:prstGeom>
+            <a:ln w="6350">
+              <a:tailEnd type="triangle" w="sm" len="sm"/>
+            </a:ln>
+          </p:spPr>
+          <p:style>
+            <a:lnRef idx="2">
+              <a:schemeClr val="accent1"/>
+            </a:lnRef>
+            <a:fillRef idx="0">
+              <a:schemeClr val="accent1"/>
+            </a:fillRef>
+            <a:effectRef idx="1">
+              <a:schemeClr val="accent1"/>
+            </a:effectRef>
+            <a:fontRef idx="minor">
+              <a:schemeClr val="tx1"/>
+            </a:fontRef>
+          </p:style>
+        </p:cxnSp>
+        <p:cxnSp>
+          <p:nvCxnSpPr>
+            <p:cNvPr id="183" name="Straight Connector 182">
+              <a:extLst>
+                <a:ext uri="{FF2B5EF4-FFF2-40B4-BE49-F238E27FC236}">
+                  <a16:creationId xmlns:a16="http://schemas.microsoft.com/office/drawing/2014/main" id="{7F6E0F1C-7866-20D2-8AE4-05A0BECC90A2}"/>
+                </a:ext>
+              </a:extLst>
+            </p:cNvPr>
+            <p:cNvCxnSpPr>
+              <a:stCxn id="161" idx="4"/>
+              <a:endCxn id="169" idx="0"/>
+            </p:cNvCxnSpPr>
+            <p:nvPr/>
+          </p:nvCxnSpPr>
+          <p:spPr>
+            <a:xfrm>
+              <a:off x="9393015" y="4483706"/>
+              <a:ext cx="0" cy="958782"/>
+            </a:xfrm>
+            <a:prstGeom prst="line">
+              <a:avLst/>
+            </a:prstGeom>
+            <a:ln w="6350">
+              <a:headEnd type="triangle" w="sm" len="sm"/>
+              <a:tailEnd type="none"/>
+            </a:ln>
+          </p:spPr>
+          <p:style>
+            <a:lnRef idx="2">
+              <a:schemeClr val="accent1"/>
+            </a:lnRef>
+            <a:fillRef idx="0">
+              <a:schemeClr val="accent1"/>
+            </a:fillRef>
+            <a:effectRef idx="1">
+              <a:schemeClr val="accent1"/>
+            </a:effectRef>
+            <a:fontRef idx="minor">
+              <a:schemeClr val="tx1"/>
+            </a:fontRef>
+          </p:style>
+        </p:cxnSp>
+        <p:cxnSp>
+          <p:nvCxnSpPr>
+            <p:cNvPr id="184" name="Straight Connector 183">
+              <a:extLst>
+                <a:ext uri="{FF2B5EF4-FFF2-40B4-BE49-F238E27FC236}">
+                  <a16:creationId xmlns:a16="http://schemas.microsoft.com/office/drawing/2014/main" id="{B3F9C8F8-9274-5C81-7552-FE4651C34FEB}"/>
+                </a:ext>
+              </a:extLst>
+            </p:cNvPr>
+            <p:cNvCxnSpPr>
+              <a:stCxn id="167" idx="6"/>
+              <a:endCxn id="169" idx="2"/>
+            </p:cNvCxnSpPr>
+            <p:nvPr/>
+          </p:nvCxnSpPr>
+          <p:spPr>
+            <a:xfrm>
+              <a:off x="8698222" y="5571215"/>
+              <a:ext cx="568286" cy="0"/>
+            </a:xfrm>
+            <a:prstGeom prst="line">
+              <a:avLst/>
+            </a:prstGeom>
+            <a:ln w="6350">
+              <a:headEnd type="none"/>
+              <a:tailEnd type="triangle" w="sm" len="sm"/>
+            </a:ln>
+          </p:spPr>
+          <p:style>
+            <a:lnRef idx="2">
+              <a:schemeClr val="accent1"/>
+            </a:lnRef>
+            <a:fillRef idx="0">
+              <a:schemeClr val="accent1"/>
+            </a:fillRef>
+            <a:effectRef idx="1">
+              <a:schemeClr val="accent1"/>
+            </a:effectRef>
+            <a:fontRef idx="minor">
+              <a:schemeClr val="tx1"/>
+            </a:fontRef>
+          </p:style>
+        </p:cxnSp>
+        <p:cxnSp>
+          <p:nvCxnSpPr>
+            <p:cNvPr id="185" name="Straight Connector 184">
+              <a:extLst>
+                <a:ext uri="{FF2B5EF4-FFF2-40B4-BE49-F238E27FC236}">
+                  <a16:creationId xmlns:a16="http://schemas.microsoft.com/office/drawing/2014/main" id="{A248C0FE-24B2-0B79-159F-D1B16719892A}"/>
+                </a:ext>
+              </a:extLst>
+            </p:cNvPr>
+            <p:cNvCxnSpPr>
+              <a:cxnSpLocks/>
+            </p:cNvCxnSpPr>
+            <p:nvPr/>
+          </p:nvCxnSpPr>
+          <p:spPr>
+            <a:xfrm>
+              <a:off x="9481183" y="4451408"/>
+              <a:ext cx="454554" cy="458895"/>
+            </a:xfrm>
+            <a:prstGeom prst="line">
+              <a:avLst/>
+            </a:prstGeom>
+            <a:ln w="6350">
+              <a:tailEnd type="triangle" w="sm" len="sm"/>
+            </a:ln>
+          </p:spPr>
+          <p:style>
+            <a:lnRef idx="2">
+              <a:schemeClr val="accent1"/>
+            </a:lnRef>
+            <a:fillRef idx="0">
+              <a:schemeClr val="accent1"/>
+            </a:fillRef>
+            <a:effectRef idx="1">
+              <a:schemeClr val="accent1"/>
+            </a:effectRef>
+            <a:fontRef idx="minor">
+              <a:schemeClr val="tx1"/>
+            </a:fontRef>
+          </p:style>
+        </p:cxnSp>
+        <p:cxnSp>
+          <p:nvCxnSpPr>
+            <p:cNvPr id="186" name="Straight Connector 185">
+              <a:extLst>
+                <a:ext uri="{FF2B5EF4-FFF2-40B4-BE49-F238E27FC236}">
+                  <a16:creationId xmlns:a16="http://schemas.microsoft.com/office/drawing/2014/main" id="{0263470C-C71B-0F4D-FE73-5979DA5A743E}"/>
+                </a:ext>
+              </a:extLst>
+            </p:cNvPr>
+            <p:cNvCxnSpPr>
+              <a:cxnSpLocks/>
+            </p:cNvCxnSpPr>
+            <p:nvPr/>
+          </p:nvCxnSpPr>
+          <p:spPr>
+            <a:xfrm flipV="1">
+              <a:off x="9477902" y="5079564"/>
+              <a:ext cx="456307" cy="408064"/>
+            </a:xfrm>
+            <a:prstGeom prst="line">
+              <a:avLst/>
+            </a:prstGeom>
+            <a:ln w="6350">
+              <a:tailEnd type="triangle" w="sm" len="sm"/>
+            </a:ln>
+          </p:spPr>
+          <p:style>
+            <a:lnRef idx="2">
+              <a:schemeClr val="accent1"/>
+            </a:lnRef>
+            <a:fillRef idx="0">
+              <a:schemeClr val="accent1"/>
+            </a:fillRef>
+            <a:effectRef idx="1">
+              <a:schemeClr val="accent1"/>
+            </a:effectRef>
+            <a:fontRef idx="minor">
+              <a:schemeClr val="tx1"/>
+            </a:fontRef>
+          </p:style>
+        </p:cxnSp>
+        <p:sp>
+          <p:nvSpPr>
+            <p:cNvPr id="187" name="TextBox 186">
+              <a:extLst>
+                <a:ext uri="{FF2B5EF4-FFF2-40B4-BE49-F238E27FC236}">
+                  <a16:creationId xmlns:a16="http://schemas.microsoft.com/office/drawing/2014/main" id="{98714A4E-4164-4991-65E9-2E09FA34514D}"/>
+                </a:ext>
+              </a:extLst>
+            </p:cNvPr>
+            <p:cNvSpPr txBox="1"/>
+            <p:nvPr/>
+          </p:nvSpPr>
+          <p:spPr>
+            <a:xfrm>
+              <a:off x="7270986" y="4536347"/>
+              <a:ext cx="227338" cy="200055"/>
+            </a:xfrm>
+            <a:prstGeom prst="rect">
+              <a:avLst/>
+            </a:prstGeom>
+            <a:noFill/>
+          </p:spPr>
+          <p:txBody>
+            <a:bodyPr wrap="square" rtlCol="0">
+              <a:spAutoFit/>
+            </a:bodyPr>
+            <a:lstStyle/>
+            <a:p>
+              <a:r>
+                <a:rPr lang="en-US" sz="700" dirty="0"/>
+                <a:t>4</a:t>
+              </a:r>
+            </a:p>
+          </p:txBody>
+        </p:sp>
+        <p:sp>
+          <p:nvSpPr>
+            <p:cNvPr id="188" name="TextBox 187">
+              <a:extLst>
+                <a:ext uri="{FF2B5EF4-FFF2-40B4-BE49-F238E27FC236}">
+                  <a16:creationId xmlns:a16="http://schemas.microsoft.com/office/drawing/2014/main" id="{C107E05F-95F2-D544-C38C-1B01AE322921}"/>
+                </a:ext>
+              </a:extLst>
+            </p:cNvPr>
+            <p:cNvSpPr txBox="1"/>
+            <p:nvPr/>
+          </p:nvSpPr>
+          <p:spPr>
+            <a:xfrm>
+              <a:off x="8045424" y="4164978"/>
+              <a:ext cx="227338" cy="200055"/>
+            </a:xfrm>
+            <a:prstGeom prst="rect">
+              <a:avLst/>
+            </a:prstGeom>
+            <a:noFill/>
+          </p:spPr>
+          <p:txBody>
+            <a:bodyPr wrap="square" rtlCol="0">
+              <a:spAutoFit/>
+            </a:bodyPr>
+            <a:lstStyle/>
+            <a:p>
+              <a:r>
+                <a:rPr lang="en-US" sz="700" dirty="0"/>
+                <a:t>8</a:t>
+              </a:r>
+            </a:p>
+          </p:txBody>
+        </p:sp>
+        <p:sp>
+          <p:nvSpPr>
+            <p:cNvPr id="189" name="TextBox 188">
+              <a:extLst>
+                <a:ext uri="{FF2B5EF4-FFF2-40B4-BE49-F238E27FC236}">
+                  <a16:creationId xmlns:a16="http://schemas.microsoft.com/office/drawing/2014/main" id="{8696449F-456B-8D60-5A06-AE4A40BDC382}"/>
+                </a:ext>
+              </a:extLst>
+            </p:cNvPr>
+            <p:cNvSpPr txBox="1"/>
+            <p:nvPr/>
+          </p:nvSpPr>
+          <p:spPr>
+            <a:xfrm>
+              <a:off x="8850293" y="4172922"/>
+              <a:ext cx="227338" cy="200055"/>
+            </a:xfrm>
+            <a:prstGeom prst="rect">
+              <a:avLst/>
+            </a:prstGeom>
+            <a:noFill/>
+          </p:spPr>
+          <p:txBody>
+            <a:bodyPr wrap="square" rtlCol="0">
+              <a:spAutoFit/>
+            </a:bodyPr>
+            <a:lstStyle/>
+            <a:p>
+              <a:r>
+                <a:rPr lang="en-US" sz="700" dirty="0"/>
+                <a:t>7</a:t>
+              </a:r>
+            </a:p>
+          </p:txBody>
+        </p:sp>
+        <p:sp>
+          <p:nvSpPr>
+            <p:cNvPr id="190" name="TextBox 189">
+              <a:extLst>
+                <a:ext uri="{FF2B5EF4-FFF2-40B4-BE49-F238E27FC236}">
+                  <a16:creationId xmlns:a16="http://schemas.microsoft.com/office/drawing/2014/main" id="{11D6D886-5CDA-88D1-2E6F-D8676610ABE2}"/>
+                </a:ext>
+              </a:extLst>
+            </p:cNvPr>
+            <p:cNvSpPr txBox="1"/>
+            <p:nvPr/>
+          </p:nvSpPr>
+          <p:spPr>
+            <a:xfrm>
+              <a:off x="7674080" y="4842677"/>
+              <a:ext cx="325358" cy="200055"/>
+            </a:xfrm>
+            <a:prstGeom prst="rect">
+              <a:avLst/>
+            </a:prstGeom>
+            <a:noFill/>
+          </p:spPr>
+          <p:txBody>
+            <a:bodyPr wrap="square" rtlCol="0">
+              <a:spAutoFit/>
+            </a:bodyPr>
+            <a:lstStyle/>
+            <a:p>
+              <a:r>
+                <a:rPr lang="en-US" sz="700" dirty="0"/>
+                <a:t>11</a:t>
+              </a:r>
+            </a:p>
+          </p:txBody>
+        </p:sp>
+        <p:sp>
+          <p:nvSpPr>
+            <p:cNvPr id="191" name="TextBox 190">
+              <a:extLst>
+                <a:ext uri="{FF2B5EF4-FFF2-40B4-BE49-F238E27FC236}">
+                  <a16:creationId xmlns:a16="http://schemas.microsoft.com/office/drawing/2014/main" id="{4546380F-CCE2-B80A-A068-6A0C9DA4F794}"/>
+                </a:ext>
+              </a:extLst>
+            </p:cNvPr>
+            <p:cNvSpPr txBox="1"/>
+            <p:nvPr/>
+          </p:nvSpPr>
+          <p:spPr>
+            <a:xfrm>
+              <a:off x="7986946" y="5086676"/>
+              <a:ext cx="227338" cy="200055"/>
+            </a:xfrm>
+            <a:prstGeom prst="rect">
+              <a:avLst/>
+            </a:prstGeom>
+            <a:noFill/>
+          </p:spPr>
+          <p:txBody>
+            <a:bodyPr wrap="square" rtlCol="0">
+              <a:spAutoFit/>
+            </a:bodyPr>
+            <a:lstStyle/>
+            <a:p>
+              <a:r>
+                <a:rPr lang="en-US" sz="700" dirty="0"/>
+                <a:t>7</a:t>
+              </a:r>
+            </a:p>
+          </p:txBody>
+        </p:sp>
+        <p:sp>
+          <p:nvSpPr>
+            <p:cNvPr id="192" name="TextBox 191">
+              <a:extLst>
+                <a:ext uri="{FF2B5EF4-FFF2-40B4-BE49-F238E27FC236}">
+                  <a16:creationId xmlns:a16="http://schemas.microsoft.com/office/drawing/2014/main" id="{EFC1BC21-3FAC-DAF5-40D0-25A5CF263359}"/>
+                </a:ext>
+              </a:extLst>
+            </p:cNvPr>
+            <p:cNvSpPr txBox="1"/>
+            <p:nvPr/>
+          </p:nvSpPr>
+          <p:spPr>
+            <a:xfrm>
+              <a:off x="8533060" y="5180025"/>
+              <a:ext cx="227338" cy="200055"/>
+            </a:xfrm>
+            <a:prstGeom prst="rect">
+              <a:avLst/>
+            </a:prstGeom>
+            <a:noFill/>
+          </p:spPr>
+          <p:txBody>
+            <a:bodyPr wrap="square" rtlCol="0">
+              <a:spAutoFit/>
+            </a:bodyPr>
+            <a:lstStyle/>
+            <a:p>
+              <a:r>
+                <a:rPr lang="en-US" sz="700" dirty="0"/>
+                <a:t>6</a:t>
+              </a:r>
+            </a:p>
+          </p:txBody>
+        </p:sp>
+        <p:sp>
+          <p:nvSpPr>
+            <p:cNvPr id="193" name="TextBox 192">
+              <a:extLst>
+                <a:ext uri="{FF2B5EF4-FFF2-40B4-BE49-F238E27FC236}">
+                  <a16:creationId xmlns:a16="http://schemas.microsoft.com/office/drawing/2014/main" id="{4E375886-3E2B-780E-2603-6C2961711C0D}"/>
+                </a:ext>
+              </a:extLst>
+            </p:cNvPr>
+            <p:cNvSpPr txBox="1"/>
+            <p:nvPr/>
+          </p:nvSpPr>
+          <p:spPr>
+            <a:xfrm>
+              <a:off x="8062565" y="5393871"/>
+              <a:ext cx="227338" cy="200055"/>
+            </a:xfrm>
+            <a:prstGeom prst="rect">
+              <a:avLst/>
+            </a:prstGeom>
+            <a:noFill/>
+          </p:spPr>
+          <p:txBody>
+            <a:bodyPr wrap="square" rtlCol="0">
+              <a:spAutoFit/>
+            </a:bodyPr>
+            <a:lstStyle/>
+            <a:p>
+              <a:r>
+                <a:rPr lang="en-US" sz="700" dirty="0"/>
+                <a:t>1</a:t>
+              </a:r>
+            </a:p>
+          </p:txBody>
+        </p:sp>
+        <p:sp>
+          <p:nvSpPr>
+            <p:cNvPr id="194" name="TextBox 193">
+              <a:extLst>
+                <a:ext uri="{FF2B5EF4-FFF2-40B4-BE49-F238E27FC236}">
+                  <a16:creationId xmlns:a16="http://schemas.microsoft.com/office/drawing/2014/main" id="{8F88EF83-B182-C8CA-B1E6-8F44C00B7926}"/>
+                </a:ext>
+              </a:extLst>
+            </p:cNvPr>
+            <p:cNvSpPr txBox="1"/>
+            <p:nvPr/>
+          </p:nvSpPr>
+          <p:spPr>
+            <a:xfrm>
+              <a:off x="8942807" y="4781142"/>
+              <a:ext cx="227338" cy="200055"/>
+            </a:xfrm>
+            <a:prstGeom prst="rect">
+              <a:avLst/>
+            </a:prstGeom>
+            <a:noFill/>
+          </p:spPr>
+          <p:txBody>
+            <a:bodyPr wrap="square" rtlCol="0">
+              <a:spAutoFit/>
+            </a:bodyPr>
+            <a:lstStyle/>
+            <a:p>
+              <a:r>
+                <a:rPr lang="en-US" sz="700" dirty="0"/>
+                <a:t>4</a:t>
+              </a:r>
+            </a:p>
+          </p:txBody>
+        </p:sp>
+        <p:sp>
+          <p:nvSpPr>
+            <p:cNvPr id="195" name="TextBox 194">
+              <a:extLst>
+                <a:ext uri="{FF2B5EF4-FFF2-40B4-BE49-F238E27FC236}">
+                  <a16:creationId xmlns:a16="http://schemas.microsoft.com/office/drawing/2014/main" id="{0A8FBA85-CA06-BDE5-92F3-2C35CA54FD3A}"/>
+                </a:ext>
+              </a:extLst>
+            </p:cNvPr>
+            <p:cNvSpPr txBox="1"/>
+            <p:nvPr/>
+          </p:nvSpPr>
+          <p:spPr>
+            <a:xfrm>
+              <a:off x="9349340" y="4831279"/>
+              <a:ext cx="289019" cy="200055"/>
+            </a:xfrm>
+            <a:prstGeom prst="rect">
+              <a:avLst/>
+            </a:prstGeom>
+            <a:noFill/>
+          </p:spPr>
+          <p:txBody>
+            <a:bodyPr wrap="square" rtlCol="0">
+              <a:spAutoFit/>
+            </a:bodyPr>
+            <a:lstStyle/>
+            <a:p>
+              <a:r>
+                <a:rPr lang="en-US" sz="700" dirty="0"/>
+                <a:t>14</a:t>
+              </a:r>
+            </a:p>
+          </p:txBody>
+        </p:sp>
+        <p:sp>
+          <p:nvSpPr>
+            <p:cNvPr id="196" name="TextBox 195">
+              <a:extLst>
+                <a:ext uri="{FF2B5EF4-FFF2-40B4-BE49-F238E27FC236}">
+                  <a16:creationId xmlns:a16="http://schemas.microsoft.com/office/drawing/2014/main" id="{146D22DB-20D7-CC8C-DB92-A80353E20FBD}"/>
+                </a:ext>
+              </a:extLst>
+            </p:cNvPr>
+            <p:cNvSpPr txBox="1"/>
+            <p:nvPr/>
+          </p:nvSpPr>
+          <p:spPr>
+            <a:xfrm>
+              <a:off x="9660741" y="4485406"/>
+              <a:ext cx="227338" cy="200055"/>
+            </a:xfrm>
+            <a:prstGeom prst="rect">
+              <a:avLst/>
+            </a:prstGeom>
+            <a:noFill/>
+          </p:spPr>
+          <p:txBody>
+            <a:bodyPr wrap="square" rtlCol="0">
+              <a:spAutoFit/>
+            </a:bodyPr>
+            <a:lstStyle/>
+            <a:p>
+              <a:r>
+                <a:rPr lang="en-US" sz="700" dirty="0"/>
+                <a:t>9</a:t>
+              </a:r>
+            </a:p>
+          </p:txBody>
+        </p:sp>
+        <p:sp>
+          <p:nvSpPr>
+            <p:cNvPr id="197" name="TextBox 196">
+              <a:extLst>
+                <a:ext uri="{FF2B5EF4-FFF2-40B4-BE49-F238E27FC236}">
+                  <a16:creationId xmlns:a16="http://schemas.microsoft.com/office/drawing/2014/main" id="{07DDFAFF-9320-400D-7738-B956B1AEB4DE}"/>
+                </a:ext>
+              </a:extLst>
+            </p:cNvPr>
+            <p:cNvSpPr txBox="1"/>
+            <p:nvPr/>
+          </p:nvSpPr>
+          <p:spPr>
+            <a:xfrm>
+              <a:off x="9656651" y="5253560"/>
+              <a:ext cx="308746" cy="200055"/>
+            </a:xfrm>
+            <a:prstGeom prst="rect">
+              <a:avLst/>
+            </a:prstGeom>
+            <a:noFill/>
+          </p:spPr>
+          <p:txBody>
+            <a:bodyPr wrap="square" rtlCol="0">
+              <a:spAutoFit/>
+            </a:bodyPr>
+            <a:lstStyle/>
+            <a:p>
+              <a:r>
+                <a:rPr lang="en-US" sz="700" dirty="0"/>
+                <a:t>10</a:t>
+              </a:r>
+            </a:p>
+          </p:txBody>
+        </p:sp>
+        <p:sp>
+          <p:nvSpPr>
+            <p:cNvPr id="198" name="TextBox 197">
+              <a:extLst>
+                <a:ext uri="{FF2B5EF4-FFF2-40B4-BE49-F238E27FC236}">
+                  <a16:creationId xmlns:a16="http://schemas.microsoft.com/office/drawing/2014/main" id="{A466CEC6-EC79-6B0A-EB9D-44A1B74310AB}"/>
+                </a:ext>
+              </a:extLst>
+            </p:cNvPr>
+            <p:cNvSpPr txBox="1"/>
+            <p:nvPr/>
+          </p:nvSpPr>
+          <p:spPr>
+            <a:xfrm>
+              <a:off x="8897248" y="5399825"/>
+              <a:ext cx="227338" cy="200055"/>
+            </a:xfrm>
+            <a:prstGeom prst="rect">
+              <a:avLst/>
+            </a:prstGeom>
+            <a:noFill/>
+          </p:spPr>
+          <p:txBody>
+            <a:bodyPr wrap="square" rtlCol="0">
+              <a:spAutoFit/>
+            </a:bodyPr>
+            <a:lstStyle/>
+            <a:p>
+              <a:r>
+                <a:rPr lang="en-US" sz="700" dirty="0"/>
+                <a:t>2</a:t>
+              </a:r>
+            </a:p>
+          </p:txBody>
+        </p:sp>
+        <p:sp>
+          <p:nvSpPr>
+            <p:cNvPr id="199" name="TextBox 198">
+              <a:extLst>
+                <a:ext uri="{FF2B5EF4-FFF2-40B4-BE49-F238E27FC236}">
+                  <a16:creationId xmlns:a16="http://schemas.microsoft.com/office/drawing/2014/main" id="{EA830FBC-06A5-A3B5-01A1-62CBEDA0A041}"/>
+                </a:ext>
+              </a:extLst>
+            </p:cNvPr>
+            <p:cNvSpPr txBox="1"/>
+            <p:nvPr/>
+          </p:nvSpPr>
+          <p:spPr>
+            <a:xfrm>
+              <a:off x="7365861" y="5104585"/>
+              <a:ext cx="227338" cy="200055"/>
+            </a:xfrm>
+            <a:prstGeom prst="rect">
+              <a:avLst/>
+            </a:prstGeom>
+            <a:noFill/>
+          </p:spPr>
+          <p:txBody>
+            <a:bodyPr wrap="square" rtlCol="0">
+              <a:spAutoFit/>
+            </a:bodyPr>
+            <a:lstStyle/>
+            <a:p>
+              <a:r>
+                <a:rPr lang="en-US" sz="700" dirty="0"/>
+                <a:t>8</a:t>
+              </a:r>
+            </a:p>
+          </p:txBody>
+        </p:sp>
+        <p:sp>
+          <p:nvSpPr>
+            <p:cNvPr id="200" name="TextBox 199">
+              <a:extLst>
+                <a:ext uri="{FF2B5EF4-FFF2-40B4-BE49-F238E27FC236}">
+                  <a16:creationId xmlns:a16="http://schemas.microsoft.com/office/drawing/2014/main" id="{B9DFFF5E-E541-BD3F-188E-EA0DF86ACD5B}"/>
                 </a:ext>
               </a:extLst>
             </p:cNvPr>

--- a/docs/FiguresForDynamicProgrammingProblemsandTheirSolutionsInCode.pptx
+++ b/docs/FiguresForDynamicProgrammingProblemsandTheirSolutionsInCode.pptx
@@ -6905,986 +6905,6 @@
           </p:txBody>
         </p:sp>
       </p:grpSp>
-      <p:sp>
-        <p:nvSpPr>
-          <p:cNvPr id="79" name="Cloud 78">
-            <a:extLst>
-              <a:ext uri="{FF2B5EF4-FFF2-40B4-BE49-F238E27FC236}">
-                <a16:creationId xmlns:a16="http://schemas.microsoft.com/office/drawing/2014/main" id="{86A78290-74D9-4994-0692-CBC188A534E5}"/>
-              </a:ext>
-            </a:extLst>
-          </p:cNvPr>
-          <p:cNvSpPr/>
-          <p:nvPr/>
-        </p:nvSpPr>
-        <p:spPr>
-          <a:xfrm>
-            <a:off x="2588455" y="3512234"/>
-            <a:ext cx="801859" cy="614289"/>
-          </a:xfrm>
-          <a:prstGeom prst="cloud">
-            <a:avLst/>
-          </a:prstGeom>
-          <a:solidFill>
-            <a:schemeClr val="accent1">
-              <a:alpha val="9000"/>
-            </a:schemeClr>
-          </a:solidFill>
-          <a:ln w="6350"/>
-        </p:spPr>
-        <p:style>
-          <a:lnRef idx="2">
-            <a:schemeClr val="accent1">
-              <a:shade val="15000"/>
-            </a:schemeClr>
-          </a:lnRef>
-          <a:fillRef idx="1">
-            <a:schemeClr val="accent1"/>
-          </a:fillRef>
-          <a:effectRef idx="0">
-            <a:schemeClr val="accent1"/>
-          </a:effectRef>
-          <a:fontRef idx="minor">
-            <a:schemeClr val="lt1"/>
-          </a:fontRef>
-        </p:style>
-        <p:txBody>
-          <a:bodyPr rtlCol="0" anchor="ctr"/>
-          <a:lstStyle/>
-          <a:p>
-            <a:pPr algn="ctr"/>
-            <a:endParaRPr lang="en-US"/>
-          </a:p>
-        </p:txBody>
-      </p:sp>
-      <p:sp>
-        <p:nvSpPr>
-          <p:cNvPr id="80" name="Cloud 79">
-            <a:extLst>
-              <a:ext uri="{FF2B5EF4-FFF2-40B4-BE49-F238E27FC236}">
-                <a16:creationId xmlns:a16="http://schemas.microsoft.com/office/drawing/2014/main" id="{FF1378C4-3A12-4F0D-9C26-F9403761D9D2}"/>
-              </a:ext>
-            </a:extLst>
-          </p:cNvPr>
-          <p:cNvSpPr/>
-          <p:nvPr/>
-        </p:nvSpPr>
-        <p:spPr>
-          <a:xfrm>
-            <a:off x="1866315" y="2980246"/>
-            <a:ext cx="2339926" cy="1526105"/>
-          </a:xfrm>
-          <a:prstGeom prst="cloud">
-            <a:avLst/>
-          </a:prstGeom>
-          <a:solidFill>
-            <a:schemeClr val="accent1">
-              <a:alpha val="9000"/>
-            </a:schemeClr>
-          </a:solidFill>
-          <a:ln w="6350"/>
-        </p:spPr>
-        <p:style>
-          <a:lnRef idx="2">
-            <a:schemeClr val="accent1">
-              <a:shade val="15000"/>
-            </a:schemeClr>
-          </a:lnRef>
-          <a:fillRef idx="1">
-            <a:schemeClr val="accent1"/>
-          </a:fillRef>
-          <a:effectRef idx="0">
-            <a:schemeClr val="accent1"/>
-          </a:effectRef>
-          <a:fontRef idx="minor">
-            <a:schemeClr val="lt1"/>
-          </a:fontRef>
-        </p:style>
-        <p:txBody>
-          <a:bodyPr rtlCol="0" anchor="ctr"/>
-          <a:lstStyle/>
-          <a:p>
-            <a:pPr algn="ctr"/>
-            <a:endParaRPr lang="en-US"/>
-          </a:p>
-        </p:txBody>
-      </p:sp>
-      <p:sp>
-        <p:nvSpPr>
-          <p:cNvPr id="81" name="Oval 80">
-            <a:extLst>
-              <a:ext uri="{FF2B5EF4-FFF2-40B4-BE49-F238E27FC236}">
-                <a16:creationId xmlns:a16="http://schemas.microsoft.com/office/drawing/2014/main" id="{F9C53369-2C07-E2D2-D5DF-A6E4C5E27E41}"/>
-              </a:ext>
-            </a:extLst>
-          </p:cNvPr>
-          <p:cNvSpPr/>
-          <p:nvPr/>
-        </p:nvSpPr>
-        <p:spPr>
-          <a:xfrm>
-            <a:off x="2482990" y="3512234"/>
-            <a:ext cx="114300" cy="111978"/>
-          </a:xfrm>
-          <a:prstGeom prst="ellipse">
-            <a:avLst/>
-          </a:prstGeom>
-          <a:solidFill>
-            <a:schemeClr val="accent1">
-              <a:alpha val="13000"/>
-            </a:schemeClr>
-          </a:solidFill>
-          <a:ln w="6350"/>
-        </p:spPr>
-        <p:style>
-          <a:lnRef idx="2">
-            <a:schemeClr val="accent1">
-              <a:shade val="15000"/>
-            </a:schemeClr>
-          </a:lnRef>
-          <a:fillRef idx="1">
-            <a:schemeClr val="accent1"/>
-          </a:fillRef>
-          <a:effectRef idx="0">
-            <a:schemeClr val="accent1"/>
-          </a:effectRef>
-          <a:fontRef idx="minor">
-            <a:schemeClr val="lt1"/>
-          </a:fontRef>
-        </p:style>
-        <p:txBody>
-          <a:bodyPr rtlCol="0" anchor="ctr"/>
-          <a:lstStyle/>
-          <a:p>
-            <a:pPr algn="ctr"/>
-            <a:endParaRPr lang="en-US"/>
-          </a:p>
-        </p:txBody>
-      </p:sp>
-      <p:sp>
-        <p:nvSpPr>
-          <p:cNvPr id="82" name="Oval 81">
-            <a:extLst>
-              <a:ext uri="{FF2B5EF4-FFF2-40B4-BE49-F238E27FC236}">
-                <a16:creationId xmlns:a16="http://schemas.microsoft.com/office/drawing/2014/main" id="{9A595F12-1B7E-97E9-6373-E8A0123A6E19}"/>
-              </a:ext>
-            </a:extLst>
-          </p:cNvPr>
-          <p:cNvSpPr/>
-          <p:nvPr/>
-        </p:nvSpPr>
-        <p:spPr>
-          <a:xfrm>
-            <a:off x="2764096" y="3371857"/>
-            <a:ext cx="114300" cy="111978"/>
-          </a:xfrm>
-          <a:prstGeom prst="ellipse">
-            <a:avLst/>
-          </a:prstGeom>
-          <a:solidFill>
-            <a:schemeClr val="accent1">
-              <a:alpha val="13000"/>
-            </a:schemeClr>
-          </a:solidFill>
-          <a:ln w="6350"/>
-        </p:spPr>
-        <p:style>
-          <a:lnRef idx="2">
-            <a:schemeClr val="accent1">
-              <a:shade val="15000"/>
-            </a:schemeClr>
-          </a:lnRef>
-          <a:fillRef idx="1">
-            <a:schemeClr val="accent1"/>
-          </a:fillRef>
-          <a:effectRef idx="0">
-            <a:schemeClr val="accent1"/>
-          </a:effectRef>
-          <a:fontRef idx="minor">
-            <a:schemeClr val="lt1"/>
-          </a:fontRef>
-        </p:style>
-        <p:txBody>
-          <a:bodyPr rtlCol="0" anchor="ctr"/>
-          <a:lstStyle/>
-          <a:p>
-            <a:pPr algn="ctr"/>
-            <a:endParaRPr lang="en-US"/>
-          </a:p>
-        </p:txBody>
-      </p:sp>
-      <p:sp>
-        <p:nvSpPr>
-          <p:cNvPr id="83" name="Oval 82">
-            <a:extLst>
-              <a:ext uri="{FF2B5EF4-FFF2-40B4-BE49-F238E27FC236}">
-                <a16:creationId xmlns:a16="http://schemas.microsoft.com/office/drawing/2014/main" id="{B5353502-30A9-BB12-272C-CBE03CAD31F2}"/>
-              </a:ext>
-            </a:extLst>
-          </p:cNvPr>
-          <p:cNvSpPr/>
-          <p:nvPr/>
-        </p:nvSpPr>
-        <p:spPr>
-          <a:xfrm>
-            <a:off x="3171428" y="3347659"/>
-            <a:ext cx="114300" cy="111978"/>
-          </a:xfrm>
-          <a:prstGeom prst="ellipse">
-            <a:avLst/>
-          </a:prstGeom>
-          <a:solidFill>
-            <a:schemeClr val="accent1">
-              <a:alpha val="13000"/>
-            </a:schemeClr>
-          </a:solidFill>
-          <a:ln w="6350"/>
-        </p:spPr>
-        <p:style>
-          <a:lnRef idx="2">
-            <a:schemeClr val="accent1">
-              <a:shade val="15000"/>
-            </a:schemeClr>
-          </a:lnRef>
-          <a:fillRef idx="1">
-            <a:schemeClr val="accent1"/>
-          </a:fillRef>
-          <a:effectRef idx="0">
-            <a:schemeClr val="accent1"/>
-          </a:effectRef>
-          <a:fontRef idx="minor">
-            <a:schemeClr val="lt1"/>
-          </a:fontRef>
-        </p:style>
-        <p:txBody>
-          <a:bodyPr rtlCol="0" anchor="ctr"/>
-          <a:lstStyle/>
-          <a:p>
-            <a:pPr algn="ctr"/>
-            <a:endParaRPr lang="en-US"/>
-          </a:p>
-        </p:txBody>
-      </p:sp>
-      <p:sp>
-        <p:nvSpPr>
-          <p:cNvPr id="84" name="Oval 83">
-            <a:extLst>
-              <a:ext uri="{FF2B5EF4-FFF2-40B4-BE49-F238E27FC236}">
-                <a16:creationId xmlns:a16="http://schemas.microsoft.com/office/drawing/2014/main" id="{BCF03F23-CE60-7B36-B1AC-6F5B4631C6F3}"/>
-              </a:ext>
-            </a:extLst>
-          </p:cNvPr>
-          <p:cNvSpPr/>
-          <p:nvPr/>
-        </p:nvSpPr>
-        <p:spPr>
-          <a:xfrm>
-            <a:off x="3433318" y="3512234"/>
-            <a:ext cx="114300" cy="111978"/>
-          </a:xfrm>
-          <a:prstGeom prst="ellipse">
-            <a:avLst/>
-          </a:prstGeom>
-          <a:solidFill>
-            <a:schemeClr val="accent1">
-              <a:alpha val="13000"/>
-            </a:schemeClr>
-          </a:solidFill>
-          <a:ln w="6350"/>
-        </p:spPr>
-        <p:style>
-          <a:lnRef idx="2">
-            <a:schemeClr val="accent1">
-              <a:shade val="15000"/>
-            </a:schemeClr>
-          </a:lnRef>
-          <a:fillRef idx="1">
-            <a:schemeClr val="accent1"/>
-          </a:fillRef>
-          <a:effectRef idx="0">
-            <a:schemeClr val="accent1"/>
-          </a:effectRef>
-          <a:fontRef idx="minor">
-            <a:schemeClr val="lt1"/>
-          </a:fontRef>
-        </p:style>
-        <p:txBody>
-          <a:bodyPr rtlCol="0" anchor="ctr"/>
-          <a:lstStyle/>
-          <a:p>
-            <a:pPr algn="ctr"/>
-            <a:endParaRPr lang="en-US"/>
-          </a:p>
-        </p:txBody>
-      </p:sp>
-      <p:sp>
-        <p:nvSpPr>
-          <p:cNvPr id="85" name="Oval 84">
-            <a:extLst>
-              <a:ext uri="{FF2B5EF4-FFF2-40B4-BE49-F238E27FC236}">
-                <a16:creationId xmlns:a16="http://schemas.microsoft.com/office/drawing/2014/main" id="{2BD1D634-CF14-74F8-CE35-99A9AD9A7184}"/>
-              </a:ext>
-            </a:extLst>
-          </p:cNvPr>
-          <p:cNvSpPr/>
-          <p:nvPr/>
-        </p:nvSpPr>
-        <p:spPr>
-          <a:xfrm>
-            <a:off x="2267881" y="3271830"/>
-            <a:ext cx="114300" cy="111978"/>
-          </a:xfrm>
-          <a:prstGeom prst="ellipse">
-            <a:avLst/>
-          </a:prstGeom>
-          <a:solidFill>
-            <a:schemeClr val="accent1">
-              <a:alpha val="13000"/>
-            </a:schemeClr>
-          </a:solidFill>
-          <a:ln w="6350"/>
-        </p:spPr>
-        <p:style>
-          <a:lnRef idx="2">
-            <a:schemeClr val="accent1">
-              <a:shade val="15000"/>
-            </a:schemeClr>
-          </a:lnRef>
-          <a:fillRef idx="1">
-            <a:schemeClr val="accent1"/>
-          </a:fillRef>
-          <a:effectRef idx="0">
-            <a:schemeClr val="accent1"/>
-          </a:effectRef>
-          <a:fontRef idx="minor">
-            <a:schemeClr val="lt1"/>
-          </a:fontRef>
-        </p:style>
-        <p:txBody>
-          <a:bodyPr rtlCol="0" anchor="ctr"/>
-          <a:lstStyle/>
-          <a:p>
-            <a:pPr algn="ctr"/>
-            <a:endParaRPr lang="en-US"/>
-          </a:p>
-        </p:txBody>
-      </p:sp>
-      <p:sp>
-        <p:nvSpPr>
-          <p:cNvPr id="86" name="Oval 85">
-            <a:extLst>
-              <a:ext uri="{FF2B5EF4-FFF2-40B4-BE49-F238E27FC236}">
-                <a16:creationId xmlns:a16="http://schemas.microsoft.com/office/drawing/2014/main" id="{B8F3CED6-E597-A65B-4C69-1E8E0DA24E18}"/>
-              </a:ext>
-            </a:extLst>
-          </p:cNvPr>
-          <p:cNvSpPr/>
-          <p:nvPr/>
-        </p:nvSpPr>
-        <p:spPr>
-          <a:xfrm>
-            <a:off x="2169827" y="3440711"/>
-            <a:ext cx="114300" cy="111978"/>
-          </a:xfrm>
-          <a:prstGeom prst="ellipse">
-            <a:avLst/>
-          </a:prstGeom>
-          <a:solidFill>
-            <a:schemeClr val="accent1">
-              <a:alpha val="13000"/>
-            </a:schemeClr>
-          </a:solidFill>
-          <a:ln w="6350"/>
-        </p:spPr>
-        <p:style>
-          <a:lnRef idx="2">
-            <a:schemeClr val="accent1">
-              <a:shade val="15000"/>
-            </a:schemeClr>
-          </a:lnRef>
-          <a:fillRef idx="1">
-            <a:schemeClr val="accent1"/>
-          </a:fillRef>
-          <a:effectRef idx="0">
-            <a:schemeClr val="accent1"/>
-          </a:effectRef>
-          <a:fontRef idx="minor">
-            <a:schemeClr val="lt1"/>
-          </a:fontRef>
-        </p:style>
-        <p:txBody>
-          <a:bodyPr rtlCol="0" anchor="ctr"/>
-          <a:lstStyle/>
-          <a:p>
-            <a:pPr algn="ctr"/>
-            <a:endParaRPr lang="en-US"/>
-          </a:p>
-        </p:txBody>
-      </p:sp>
-      <p:sp>
-        <p:nvSpPr>
-          <p:cNvPr id="87" name="Oval 86">
-            <a:extLst>
-              <a:ext uri="{FF2B5EF4-FFF2-40B4-BE49-F238E27FC236}">
-                <a16:creationId xmlns:a16="http://schemas.microsoft.com/office/drawing/2014/main" id="{30F5CDB8-EF48-4436-7C1F-89655516DF49}"/>
-              </a:ext>
-            </a:extLst>
-          </p:cNvPr>
-          <p:cNvSpPr/>
-          <p:nvPr/>
-        </p:nvSpPr>
-        <p:spPr>
-          <a:xfrm>
-            <a:off x="2483198" y="3215841"/>
-            <a:ext cx="114300" cy="111978"/>
-          </a:xfrm>
-          <a:prstGeom prst="ellipse">
-            <a:avLst/>
-          </a:prstGeom>
-          <a:solidFill>
-            <a:schemeClr val="accent1">
-              <a:alpha val="13000"/>
-            </a:schemeClr>
-          </a:solidFill>
-          <a:ln w="6350"/>
-        </p:spPr>
-        <p:style>
-          <a:lnRef idx="2">
-            <a:schemeClr val="accent1">
-              <a:shade val="15000"/>
-            </a:schemeClr>
-          </a:lnRef>
-          <a:fillRef idx="1">
-            <a:schemeClr val="accent1"/>
-          </a:fillRef>
-          <a:effectRef idx="0">
-            <a:schemeClr val="accent1"/>
-          </a:effectRef>
-          <a:fontRef idx="minor">
-            <a:schemeClr val="lt1"/>
-          </a:fontRef>
-        </p:style>
-        <p:txBody>
-          <a:bodyPr rtlCol="0" anchor="ctr"/>
-          <a:lstStyle/>
-          <a:p>
-            <a:pPr algn="ctr"/>
-            <a:endParaRPr lang="en-US"/>
-          </a:p>
-        </p:txBody>
-      </p:sp>
-      <p:cxnSp>
-        <p:nvCxnSpPr>
-          <p:cNvPr id="91" name="Straight Connector 90">
-            <a:extLst>
-              <a:ext uri="{FF2B5EF4-FFF2-40B4-BE49-F238E27FC236}">
-                <a16:creationId xmlns:a16="http://schemas.microsoft.com/office/drawing/2014/main" id="{0E0E8E3D-F44F-352B-4E11-B42C4391E5B9}"/>
-              </a:ext>
-            </a:extLst>
-          </p:cNvPr>
-          <p:cNvCxnSpPr>
-            <a:stCxn id="81" idx="5"/>
-          </p:cNvCxnSpPr>
-          <p:nvPr/>
-        </p:nvCxnSpPr>
-        <p:spPr>
-          <a:xfrm>
-            <a:off x="2580551" y="3607813"/>
-            <a:ext cx="89624" cy="68752"/>
-          </a:xfrm>
-          <a:prstGeom prst="line">
-            <a:avLst/>
-          </a:prstGeom>
-          <a:ln w="6350"/>
-        </p:spPr>
-        <p:style>
-          <a:lnRef idx="2">
-            <a:schemeClr val="accent1"/>
-          </a:lnRef>
-          <a:fillRef idx="0">
-            <a:schemeClr val="accent1"/>
-          </a:fillRef>
-          <a:effectRef idx="1">
-            <a:schemeClr val="accent1"/>
-          </a:effectRef>
-          <a:fontRef idx="minor">
-            <a:schemeClr val="tx1"/>
-          </a:fontRef>
-        </p:style>
-      </p:cxnSp>
-      <p:cxnSp>
-        <p:nvCxnSpPr>
-          <p:cNvPr id="93" name="Straight Connector 92">
-            <a:extLst>
-              <a:ext uri="{FF2B5EF4-FFF2-40B4-BE49-F238E27FC236}">
-                <a16:creationId xmlns:a16="http://schemas.microsoft.com/office/drawing/2014/main" id="{E271572D-0B3E-F381-5793-B87DE7621B1A}"/>
-              </a:ext>
-            </a:extLst>
-          </p:cNvPr>
-          <p:cNvCxnSpPr>
-            <a:stCxn id="81" idx="1"/>
-            <a:endCxn id="85" idx="5"/>
-          </p:cNvCxnSpPr>
-          <p:nvPr/>
-        </p:nvCxnSpPr>
-        <p:spPr>
-          <a:xfrm flipH="1" flipV="1">
-            <a:off x="2365442" y="3367409"/>
-            <a:ext cx="134287" cy="161224"/>
-          </a:xfrm>
-          <a:prstGeom prst="line">
-            <a:avLst/>
-          </a:prstGeom>
-          <a:ln w="6350"/>
-        </p:spPr>
-        <p:style>
-          <a:lnRef idx="2">
-            <a:schemeClr val="accent1"/>
-          </a:lnRef>
-          <a:fillRef idx="0">
-            <a:schemeClr val="accent1"/>
-          </a:fillRef>
-          <a:effectRef idx="1">
-            <a:schemeClr val="accent1"/>
-          </a:effectRef>
-          <a:fontRef idx="minor">
-            <a:schemeClr val="tx1"/>
-          </a:fontRef>
-        </p:style>
-      </p:cxnSp>
-      <p:cxnSp>
-        <p:nvCxnSpPr>
-          <p:cNvPr id="95" name="Straight Connector 94">
-            <a:extLst>
-              <a:ext uri="{FF2B5EF4-FFF2-40B4-BE49-F238E27FC236}">
-                <a16:creationId xmlns:a16="http://schemas.microsoft.com/office/drawing/2014/main" id="{E8634810-74C6-6B8B-C248-13B1EBD6C39C}"/>
-              </a:ext>
-            </a:extLst>
-          </p:cNvPr>
-          <p:cNvCxnSpPr>
-            <a:stCxn id="81" idx="0"/>
-          </p:cNvCxnSpPr>
-          <p:nvPr/>
-        </p:nvCxnSpPr>
-        <p:spPr>
-          <a:xfrm flipV="1">
-            <a:off x="2540140" y="3401029"/>
-            <a:ext cx="3886" cy="111205"/>
-          </a:xfrm>
-          <a:prstGeom prst="line">
-            <a:avLst/>
-          </a:prstGeom>
-          <a:ln w="6350">
-            <a:prstDash val="sysDash"/>
-          </a:ln>
-        </p:spPr>
-        <p:style>
-          <a:lnRef idx="2">
-            <a:schemeClr val="accent1"/>
-          </a:lnRef>
-          <a:fillRef idx="0">
-            <a:schemeClr val="accent1"/>
-          </a:fillRef>
-          <a:effectRef idx="1">
-            <a:schemeClr val="accent1"/>
-          </a:effectRef>
-          <a:fontRef idx="minor">
-            <a:schemeClr val="tx1"/>
-          </a:fontRef>
-        </p:style>
-      </p:cxnSp>
-      <p:cxnSp>
-        <p:nvCxnSpPr>
-          <p:cNvPr id="97" name="Straight Connector 96">
-            <a:extLst>
-              <a:ext uri="{FF2B5EF4-FFF2-40B4-BE49-F238E27FC236}">
-                <a16:creationId xmlns:a16="http://schemas.microsoft.com/office/drawing/2014/main" id="{02965D2C-D480-BAA7-D135-0235C7C9241B}"/>
-              </a:ext>
-            </a:extLst>
-          </p:cNvPr>
-          <p:cNvCxnSpPr>
-            <a:stCxn id="81" idx="2"/>
-          </p:cNvCxnSpPr>
-          <p:nvPr/>
-        </p:nvCxnSpPr>
-        <p:spPr>
-          <a:xfrm flipH="1" flipV="1">
-            <a:off x="2365442" y="3539272"/>
-            <a:ext cx="117548" cy="28951"/>
-          </a:xfrm>
-          <a:prstGeom prst="line">
-            <a:avLst/>
-          </a:prstGeom>
-          <a:ln w="6350">
-            <a:prstDash val="dash"/>
-          </a:ln>
-        </p:spPr>
-        <p:style>
-          <a:lnRef idx="2">
-            <a:schemeClr val="accent1"/>
-          </a:lnRef>
-          <a:fillRef idx="0">
-            <a:schemeClr val="accent1"/>
-          </a:fillRef>
-          <a:effectRef idx="1">
-            <a:schemeClr val="accent1"/>
-          </a:effectRef>
-          <a:fontRef idx="minor">
-            <a:schemeClr val="tx1"/>
-          </a:fontRef>
-        </p:style>
-      </p:cxnSp>
-      <p:cxnSp>
-        <p:nvCxnSpPr>
-          <p:cNvPr id="99" name="Straight Connector 98">
-            <a:extLst>
-              <a:ext uri="{FF2B5EF4-FFF2-40B4-BE49-F238E27FC236}">
-                <a16:creationId xmlns:a16="http://schemas.microsoft.com/office/drawing/2014/main" id="{96DFB36C-9328-7976-EE74-416BB6A222E5}"/>
-              </a:ext>
-            </a:extLst>
-          </p:cNvPr>
-          <p:cNvCxnSpPr>
-            <a:stCxn id="82" idx="4"/>
-          </p:cNvCxnSpPr>
-          <p:nvPr/>
-        </p:nvCxnSpPr>
-        <p:spPr>
-          <a:xfrm>
-            <a:off x="2821246" y="3483835"/>
-            <a:ext cx="0" cy="99381"/>
-          </a:xfrm>
-          <a:prstGeom prst="line">
-            <a:avLst/>
-          </a:prstGeom>
-          <a:ln w="6350"/>
-        </p:spPr>
-        <p:style>
-          <a:lnRef idx="2">
-            <a:schemeClr val="accent1"/>
-          </a:lnRef>
-          <a:fillRef idx="0">
-            <a:schemeClr val="accent1"/>
-          </a:fillRef>
-          <a:effectRef idx="1">
-            <a:schemeClr val="accent1"/>
-          </a:effectRef>
-          <a:fontRef idx="minor">
-            <a:schemeClr val="tx1"/>
-          </a:fontRef>
-        </p:style>
-      </p:cxnSp>
-      <p:sp>
-        <p:nvSpPr>
-          <p:cNvPr id="100" name="Oval 99">
-            <a:extLst>
-              <a:ext uri="{FF2B5EF4-FFF2-40B4-BE49-F238E27FC236}">
-                <a16:creationId xmlns:a16="http://schemas.microsoft.com/office/drawing/2014/main" id="{80CC25DA-1A64-1363-2EDD-08C8933EA23E}"/>
-              </a:ext>
-            </a:extLst>
-          </p:cNvPr>
-          <p:cNvSpPr/>
-          <p:nvPr/>
-        </p:nvSpPr>
-        <p:spPr>
-          <a:xfrm>
-            <a:off x="2795236" y="3112487"/>
-            <a:ext cx="114300" cy="111978"/>
-          </a:xfrm>
-          <a:prstGeom prst="ellipse">
-            <a:avLst/>
-          </a:prstGeom>
-          <a:solidFill>
-            <a:schemeClr val="accent1">
-              <a:alpha val="13000"/>
-            </a:schemeClr>
-          </a:solidFill>
-          <a:ln w="6350"/>
-        </p:spPr>
-        <p:style>
-          <a:lnRef idx="2">
-            <a:schemeClr val="accent1">
-              <a:shade val="15000"/>
-            </a:schemeClr>
-          </a:lnRef>
-          <a:fillRef idx="1">
-            <a:schemeClr val="accent1"/>
-          </a:fillRef>
-          <a:effectRef idx="0">
-            <a:schemeClr val="accent1"/>
-          </a:effectRef>
-          <a:fontRef idx="minor">
-            <a:schemeClr val="lt1"/>
-          </a:fontRef>
-        </p:style>
-        <p:txBody>
-          <a:bodyPr rtlCol="0" anchor="ctr"/>
-          <a:lstStyle/>
-          <a:p>
-            <a:pPr algn="ctr"/>
-            <a:endParaRPr lang="en-US"/>
-          </a:p>
-        </p:txBody>
-      </p:sp>
-      <p:sp>
-        <p:nvSpPr>
-          <p:cNvPr id="101" name="Oval 100">
-            <a:extLst>
-              <a:ext uri="{FF2B5EF4-FFF2-40B4-BE49-F238E27FC236}">
-                <a16:creationId xmlns:a16="http://schemas.microsoft.com/office/drawing/2014/main" id="{0E78D46B-79E5-4AD9-D058-18C9C2302EF0}"/>
-              </a:ext>
-            </a:extLst>
-          </p:cNvPr>
-          <p:cNvSpPr/>
-          <p:nvPr/>
-        </p:nvSpPr>
-        <p:spPr>
-          <a:xfrm>
-            <a:off x="3200008" y="3092240"/>
-            <a:ext cx="114300" cy="111978"/>
-          </a:xfrm>
-          <a:prstGeom prst="ellipse">
-            <a:avLst/>
-          </a:prstGeom>
-          <a:solidFill>
-            <a:schemeClr val="accent1">
-              <a:alpha val="13000"/>
-            </a:schemeClr>
-          </a:solidFill>
-          <a:ln w="6350"/>
-        </p:spPr>
-        <p:style>
-          <a:lnRef idx="2">
-            <a:schemeClr val="accent1">
-              <a:shade val="15000"/>
-            </a:schemeClr>
-          </a:lnRef>
-          <a:fillRef idx="1">
-            <a:schemeClr val="accent1"/>
-          </a:fillRef>
-          <a:effectRef idx="0">
-            <a:schemeClr val="accent1"/>
-          </a:effectRef>
-          <a:fontRef idx="minor">
-            <a:schemeClr val="lt1"/>
-          </a:fontRef>
-        </p:style>
-        <p:txBody>
-          <a:bodyPr rtlCol="0" anchor="ctr"/>
-          <a:lstStyle/>
-          <a:p>
-            <a:pPr algn="ctr"/>
-            <a:endParaRPr lang="en-US"/>
-          </a:p>
-        </p:txBody>
-      </p:sp>
-      <p:sp>
-        <p:nvSpPr>
-          <p:cNvPr id="102" name="Oval 101">
-            <a:extLst>
-              <a:ext uri="{FF2B5EF4-FFF2-40B4-BE49-F238E27FC236}">
-                <a16:creationId xmlns:a16="http://schemas.microsoft.com/office/drawing/2014/main" id="{F95F4D1F-F66F-5B69-DD92-E5AF4F6C00E5}"/>
-              </a:ext>
-            </a:extLst>
-          </p:cNvPr>
-          <p:cNvSpPr/>
-          <p:nvPr/>
-        </p:nvSpPr>
-        <p:spPr>
-          <a:xfrm>
-            <a:off x="3724575" y="3402705"/>
-            <a:ext cx="114300" cy="111978"/>
-          </a:xfrm>
-          <a:prstGeom prst="ellipse">
-            <a:avLst/>
-          </a:prstGeom>
-          <a:solidFill>
-            <a:schemeClr val="accent1">
-              <a:alpha val="13000"/>
-            </a:schemeClr>
-          </a:solidFill>
-          <a:ln w="6350"/>
-        </p:spPr>
-        <p:style>
-          <a:lnRef idx="2">
-            <a:schemeClr val="accent1">
-              <a:shade val="15000"/>
-            </a:schemeClr>
-          </a:lnRef>
-          <a:fillRef idx="1">
-            <a:schemeClr val="accent1"/>
-          </a:fillRef>
-          <a:effectRef idx="0">
-            <a:schemeClr val="accent1"/>
-          </a:effectRef>
-          <a:fontRef idx="minor">
-            <a:schemeClr val="lt1"/>
-          </a:fontRef>
-        </p:style>
-        <p:txBody>
-          <a:bodyPr rtlCol="0" anchor="ctr"/>
-          <a:lstStyle/>
-          <a:p>
-            <a:pPr algn="ctr"/>
-            <a:endParaRPr lang="en-US"/>
-          </a:p>
-        </p:txBody>
-      </p:sp>
-      <p:sp>
-        <p:nvSpPr>
-          <p:cNvPr id="103" name="Oval 102">
-            <a:extLst>
-              <a:ext uri="{FF2B5EF4-FFF2-40B4-BE49-F238E27FC236}">
-                <a16:creationId xmlns:a16="http://schemas.microsoft.com/office/drawing/2014/main" id="{475FE024-64FF-603C-06B1-63A422D8B30E}"/>
-              </a:ext>
-            </a:extLst>
-          </p:cNvPr>
-          <p:cNvSpPr/>
-          <p:nvPr/>
-        </p:nvSpPr>
-        <p:spPr>
-          <a:xfrm>
-            <a:off x="3720254" y="3583216"/>
-            <a:ext cx="114300" cy="111978"/>
-          </a:xfrm>
-          <a:prstGeom prst="ellipse">
-            <a:avLst/>
-          </a:prstGeom>
-          <a:solidFill>
-            <a:schemeClr val="accent1">
-              <a:alpha val="13000"/>
-            </a:schemeClr>
-          </a:solidFill>
-          <a:ln w="6350"/>
-        </p:spPr>
-        <p:style>
-          <a:lnRef idx="2">
-            <a:schemeClr val="accent1">
-              <a:shade val="15000"/>
-            </a:schemeClr>
-          </a:lnRef>
-          <a:fillRef idx="1">
-            <a:schemeClr val="accent1"/>
-          </a:fillRef>
-          <a:effectRef idx="0">
-            <a:schemeClr val="accent1"/>
-          </a:effectRef>
-          <a:fontRef idx="minor">
-            <a:schemeClr val="lt1"/>
-          </a:fontRef>
-        </p:style>
-        <p:txBody>
-          <a:bodyPr rtlCol="0" anchor="ctr"/>
-          <a:lstStyle/>
-          <a:p>
-            <a:pPr algn="ctr"/>
-            <a:endParaRPr lang="en-US"/>
-          </a:p>
-        </p:txBody>
-      </p:sp>
-      <p:sp>
-        <p:nvSpPr>
-          <p:cNvPr id="104" name="Oval 103">
-            <a:extLst>
-              <a:ext uri="{FF2B5EF4-FFF2-40B4-BE49-F238E27FC236}">
-                <a16:creationId xmlns:a16="http://schemas.microsoft.com/office/drawing/2014/main" id="{E0119382-AB25-8C06-41CB-B97AE15E47B7}"/>
-              </a:ext>
-            </a:extLst>
-          </p:cNvPr>
-          <p:cNvSpPr/>
-          <p:nvPr/>
-        </p:nvSpPr>
-        <p:spPr>
-          <a:xfrm>
-            <a:off x="3537476" y="3233788"/>
-            <a:ext cx="114300" cy="111978"/>
-          </a:xfrm>
-          <a:prstGeom prst="ellipse">
-            <a:avLst/>
-          </a:prstGeom>
-          <a:solidFill>
-            <a:schemeClr val="accent1">
-              <a:alpha val="13000"/>
-            </a:schemeClr>
-          </a:solidFill>
-          <a:ln w="6350"/>
-        </p:spPr>
-        <p:style>
-          <a:lnRef idx="2">
-            <a:schemeClr val="accent1">
-              <a:shade val="15000"/>
-            </a:schemeClr>
-          </a:lnRef>
-          <a:fillRef idx="1">
-            <a:schemeClr val="accent1"/>
-          </a:fillRef>
-          <a:effectRef idx="0">
-            <a:schemeClr val="accent1"/>
-          </a:effectRef>
-          <a:fontRef idx="minor">
-            <a:schemeClr val="lt1"/>
-          </a:fontRef>
-        </p:style>
-        <p:txBody>
-          <a:bodyPr rtlCol="0" anchor="ctr"/>
-          <a:lstStyle/>
-          <a:p>
-            <a:pPr algn="ctr"/>
-            <a:endParaRPr lang="en-US"/>
-          </a:p>
-        </p:txBody>
-      </p:sp>
-      <p:sp>
-        <p:nvSpPr>
-          <p:cNvPr id="105" name="Oval 104">
-            <a:extLst>
-              <a:ext uri="{FF2B5EF4-FFF2-40B4-BE49-F238E27FC236}">
-                <a16:creationId xmlns:a16="http://schemas.microsoft.com/office/drawing/2014/main" id="{17B13070-18AA-43F2-4EF1-DEA3678D99D9}"/>
-              </a:ext>
-            </a:extLst>
-          </p:cNvPr>
-          <p:cNvSpPr/>
-          <p:nvPr/>
-        </p:nvSpPr>
-        <p:spPr>
-          <a:xfrm>
-            <a:off x="3397746" y="3112487"/>
-            <a:ext cx="114300" cy="111978"/>
-          </a:xfrm>
-          <a:prstGeom prst="ellipse">
-            <a:avLst/>
-          </a:prstGeom>
-          <a:solidFill>
-            <a:schemeClr val="accent1">
-              <a:alpha val="13000"/>
-            </a:schemeClr>
-          </a:solidFill>
-          <a:ln w="6350"/>
-        </p:spPr>
-        <p:style>
-          <a:lnRef idx="2">
-            <a:schemeClr val="accent1">
-              <a:shade val="15000"/>
-            </a:schemeClr>
-          </a:lnRef>
-          <a:fillRef idx="1">
-            <a:schemeClr val="accent1"/>
-          </a:fillRef>
-          <a:effectRef idx="0">
-            <a:schemeClr val="accent1"/>
-          </a:effectRef>
-          <a:fontRef idx="minor">
-            <a:schemeClr val="lt1"/>
-          </a:fontRef>
-        </p:style>
-        <p:txBody>
-          <a:bodyPr rtlCol="0" anchor="ctr"/>
-          <a:lstStyle/>
-          <a:p>
-            <a:pPr algn="ctr"/>
-            <a:endParaRPr lang="en-US"/>
-          </a:p>
-        </p:txBody>
-      </p:sp>
       <p:grpSp>
         <p:nvGrpSpPr>
           <p:cNvPr id="153" name="Group 152">
@@ -11642,6 +10662,2807 @@
             </a:p>
           </p:txBody>
         </p:sp>
+      </p:grpSp>
+      <p:grpSp>
+        <p:nvGrpSpPr>
+          <p:cNvPr id="241" name="Group 240">
+            <a:extLst>
+              <a:ext uri="{FF2B5EF4-FFF2-40B4-BE49-F238E27FC236}">
+                <a16:creationId xmlns:a16="http://schemas.microsoft.com/office/drawing/2014/main" id="{CE007A7E-5173-793B-33A8-1F9B01014563}"/>
+              </a:ext>
+            </a:extLst>
+          </p:cNvPr>
+          <p:cNvGrpSpPr/>
+          <p:nvPr/>
+        </p:nvGrpSpPr>
+        <p:grpSpPr>
+          <a:xfrm>
+            <a:off x="1866315" y="2980246"/>
+            <a:ext cx="2339926" cy="1526105"/>
+            <a:chOff x="1866315" y="2980246"/>
+            <a:chExt cx="2339926" cy="1526105"/>
+          </a:xfrm>
+        </p:grpSpPr>
+        <p:sp>
+          <p:nvSpPr>
+            <p:cNvPr id="79" name="Cloud 78">
+              <a:extLst>
+                <a:ext uri="{FF2B5EF4-FFF2-40B4-BE49-F238E27FC236}">
+                  <a16:creationId xmlns:a16="http://schemas.microsoft.com/office/drawing/2014/main" id="{86A78290-74D9-4994-0692-CBC188A534E5}"/>
+                </a:ext>
+              </a:extLst>
+            </p:cNvPr>
+            <p:cNvSpPr/>
+            <p:nvPr/>
+          </p:nvSpPr>
+          <p:spPr>
+            <a:xfrm>
+              <a:off x="2588455" y="3512234"/>
+              <a:ext cx="801859" cy="614289"/>
+            </a:xfrm>
+            <a:prstGeom prst="cloud">
+              <a:avLst/>
+            </a:prstGeom>
+            <a:solidFill>
+              <a:schemeClr val="accent1">
+                <a:alpha val="9000"/>
+              </a:schemeClr>
+            </a:solidFill>
+            <a:ln w="6350"/>
+          </p:spPr>
+          <p:style>
+            <a:lnRef idx="2">
+              <a:schemeClr val="accent1">
+                <a:shade val="15000"/>
+              </a:schemeClr>
+            </a:lnRef>
+            <a:fillRef idx="1">
+              <a:schemeClr val="accent1"/>
+            </a:fillRef>
+            <a:effectRef idx="0">
+              <a:schemeClr val="accent1"/>
+            </a:effectRef>
+            <a:fontRef idx="minor">
+              <a:schemeClr val="lt1"/>
+            </a:fontRef>
+          </p:style>
+          <p:txBody>
+            <a:bodyPr rtlCol="0" anchor="ctr"/>
+            <a:lstStyle/>
+            <a:p>
+              <a:pPr algn="ctr"/>
+              <a:endParaRPr lang="en-US"/>
+            </a:p>
+          </p:txBody>
+        </p:sp>
+        <p:sp>
+          <p:nvSpPr>
+            <p:cNvPr id="80" name="Cloud 79">
+              <a:extLst>
+                <a:ext uri="{FF2B5EF4-FFF2-40B4-BE49-F238E27FC236}">
+                  <a16:creationId xmlns:a16="http://schemas.microsoft.com/office/drawing/2014/main" id="{FF1378C4-3A12-4F0D-9C26-F9403761D9D2}"/>
+                </a:ext>
+              </a:extLst>
+            </p:cNvPr>
+            <p:cNvSpPr/>
+            <p:nvPr/>
+          </p:nvSpPr>
+          <p:spPr>
+            <a:xfrm>
+              <a:off x="1866315" y="2980246"/>
+              <a:ext cx="2339926" cy="1526105"/>
+            </a:xfrm>
+            <a:prstGeom prst="cloud">
+              <a:avLst/>
+            </a:prstGeom>
+            <a:solidFill>
+              <a:schemeClr val="accent1">
+                <a:alpha val="9000"/>
+              </a:schemeClr>
+            </a:solidFill>
+            <a:ln w="6350"/>
+          </p:spPr>
+          <p:style>
+            <a:lnRef idx="2">
+              <a:schemeClr val="accent1">
+                <a:shade val="15000"/>
+              </a:schemeClr>
+            </a:lnRef>
+            <a:fillRef idx="1">
+              <a:schemeClr val="accent1"/>
+            </a:fillRef>
+            <a:effectRef idx="0">
+              <a:schemeClr val="accent1"/>
+            </a:effectRef>
+            <a:fontRef idx="minor">
+              <a:schemeClr val="lt1"/>
+            </a:fontRef>
+          </p:style>
+          <p:txBody>
+            <a:bodyPr rtlCol="0" anchor="ctr"/>
+            <a:lstStyle/>
+            <a:p>
+              <a:pPr algn="ctr"/>
+              <a:endParaRPr lang="en-US"/>
+            </a:p>
+          </p:txBody>
+        </p:sp>
+        <p:sp>
+          <p:nvSpPr>
+            <p:cNvPr id="81" name="Oval 80">
+              <a:extLst>
+                <a:ext uri="{FF2B5EF4-FFF2-40B4-BE49-F238E27FC236}">
+                  <a16:creationId xmlns:a16="http://schemas.microsoft.com/office/drawing/2014/main" id="{F9C53369-2C07-E2D2-D5DF-A6E4C5E27E41}"/>
+                </a:ext>
+              </a:extLst>
+            </p:cNvPr>
+            <p:cNvSpPr/>
+            <p:nvPr/>
+          </p:nvSpPr>
+          <p:spPr>
+            <a:xfrm>
+              <a:off x="2482990" y="3512234"/>
+              <a:ext cx="114300" cy="111978"/>
+            </a:xfrm>
+            <a:prstGeom prst="ellipse">
+              <a:avLst/>
+            </a:prstGeom>
+            <a:solidFill>
+              <a:schemeClr val="accent1">
+                <a:alpha val="13000"/>
+              </a:schemeClr>
+            </a:solidFill>
+            <a:ln w="6350"/>
+          </p:spPr>
+          <p:style>
+            <a:lnRef idx="2">
+              <a:schemeClr val="accent1">
+                <a:shade val="15000"/>
+              </a:schemeClr>
+            </a:lnRef>
+            <a:fillRef idx="1">
+              <a:schemeClr val="accent1"/>
+            </a:fillRef>
+            <a:effectRef idx="0">
+              <a:schemeClr val="accent1"/>
+            </a:effectRef>
+            <a:fontRef idx="minor">
+              <a:schemeClr val="lt1"/>
+            </a:fontRef>
+          </p:style>
+          <p:txBody>
+            <a:bodyPr rtlCol="0" anchor="ctr"/>
+            <a:lstStyle/>
+            <a:p>
+              <a:pPr algn="ctr"/>
+              <a:endParaRPr lang="en-US"/>
+            </a:p>
+          </p:txBody>
+        </p:sp>
+        <p:sp>
+          <p:nvSpPr>
+            <p:cNvPr id="82" name="Oval 81">
+              <a:extLst>
+                <a:ext uri="{FF2B5EF4-FFF2-40B4-BE49-F238E27FC236}">
+                  <a16:creationId xmlns:a16="http://schemas.microsoft.com/office/drawing/2014/main" id="{9A595F12-1B7E-97E9-6373-E8A0123A6E19}"/>
+                </a:ext>
+              </a:extLst>
+            </p:cNvPr>
+            <p:cNvSpPr/>
+            <p:nvPr/>
+          </p:nvSpPr>
+          <p:spPr>
+            <a:xfrm>
+              <a:off x="2764096" y="3371857"/>
+              <a:ext cx="114300" cy="111978"/>
+            </a:xfrm>
+            <a:prstGeom prst="ellipse">
+              <a:avLst/>
+            </a:prstGeom>
+            <a:solidFill>
+              <a:schemeClr val="accent1">
+                <a:alpha val="13000"/>
+              </a:schemeClr>
+            </a:solidFill>
+            <a:ln w="6350"/>
+          </p:spPr>
+          <p:style>
+            <a:lnRef idx="2">
+              <a:schemeClr val="accent1">
+                <a:shade val="15000"/>
+              </a:schemeClr>
+            </a:lnRef>
+            <a:fillRef idx="1">
+              <a:schemeClr val="accent1"/>
+            </a:fillRef>
+            <a:effectRef idx="0">
+              <a:schemeClr val="accent1"/>
+            </a:effectRef>
+            <a:fontRef idx="minor">
+              <a:schemeClr val="lt1"/>
+            </a:fontRef>
+          </p:style>
+          <p:txBody>
+            <a:bodyPr rtlCol="0" anchor="ctr"/>
+            <a:lstStyle/>
+            <a:p>
+              <a:pPr algn="ctr"/>
+              <a:endParaRPr lang="en-US"/>
+            </a:p>
+          </p:txBody>
+        </p:sp>
+        <p:sp>
+          <p:nvSpPr>
+            <p:cNvPr id="83" name="Oval 82">
+              <a:extLst>
+                <a:ext uri="{FF2B5EF4-FFF2-40B4-BE49-F238E27FC236}">
+                  <a16:creationId xmlns:a16="http://schemas.microsoft.com/office/drawing/2014/main" id="{B5353502-30A9-BB12-272C-CBE03CAD31F2}"/>
+                </a:ext>
+              </a:extLst>
+            </p:cNvPr>
+            <p:cNvSpPr/>
+            <p:nvPr/>
+          </p:nvSpPr>
+          <p:spPr>
+            <a:xfrm>
+              <a:off x="3171428" y="3347659"/>
+              <a:ext cx="114300" cy="111978"/>
+            </a:xfrm>
+            <a:prstGeom prst="ellipse">
+              <a:avLst/>
+            </a:prstGeom>
+            <a:solidFill>
+              <a:schemeClr val="accent1">
+                <a:alpha val="13000"/>
+              </a:schemeClr>
+            </a:solidFill>
+            <a:ln w="6350"/>
+          </p:spPr>
+          <p:style>
+            <a:lnRef idx="2">
+              <a:schemeClr val="accent1">
+                <a:shade val="15000"/>
+              </a:schemeClr>
+            </a:lnRef>
+            <a:fillRef idx="1">
+              <a:schemeClr val="accent1"/>
+            </a:fillRef>
+            <a:effectRef idx="0">
+              <a:schemeClr val="accent1"/>
+            </a:effectRef>
+            <a:fontRef idx="minor">
+              <a:schemeClr val="lt1"/>
+            </a:fontRef>
+          </p:style>
+          <p:txBody>
+            <a:bodyPr rtlCol="0" anchor="ctr"/>
+            <a:lstStyle/>
+            <a:p>
+              <a:pPr algn="ctr"/>
+              <a:endParaRPr lang="en-US"/>
+            </a:p>
+          </p:txBody>
+        </p:sp>
+        <p:sp>
+          <p:nvSpPr>
+            <p:cNvPr id="84" name="Oval 83">
+              <a:extLst>
+                <a:ext uri="{FF2B5EF4-FFF2-40B4-BE49-F238E27FC236}">
+                  <a16:creationId xmlns:a16="http://schemas.microsoft.com/office/drawing/2014/main" id="{BCF03F23-CE60-7B36-B1AC-6F5B4631C6F3}"/>
+                </a:ext>
+              </a:extLst>
+            </p:cNvPr>
+            <p:cNvSpPr/>
+            <p:nvPr/>
+          </p:nvSpPr>
+          <p:spPr>
+            <a:xfrm>
+              <a:off x="3433318" y="3512234"/>
+              <a:ext cx="114300" cy="111978"/>
+            </a:xfrm>
+            <a:prstGeom prst="ellipse">
+              <a:avLst/>
+            </a:prstGeom>
+            <a:solidFill>
+              <a:schemeClr val="accent1">
+                <a:alpha val="13000"/>
+              </a:schemeClr>
+            </a:solidFill>
+            <a:ln w="6350"/>
+          </p:spPr>
+          <p:style>
+            <a:lnRef idx="2">
+              <a:schemeClr val="accent1">
+                <a:shade val="15000"/>
+              </a:schemeClr>
+            </a:lnRef>
+            <a:fillRef idx="1">
+              <a:schemeClr val="accent1"/>
+            </a:fillRef>
+            <a:effectRef idx="0">
+              <a:schemeClr val="accent1"/>
+            </a:effectRef>
+            <a:fontRef idx="minor">
+              <a:schemeClr val="lt1"/>
+            </a:fontRef>
+          </p:style>
+          <p:txBody>
+            <a:bodyPr rtlCol="0" anchor="ctr"/>
+            <a:lstStyle/>
+            <a:p>
+              <a:pPr algn="ctr"/>
+              <a:endParaRPr lang="en-US"/>
+            </a:p>
+          </p:txBody>
+        </p:sp>
+        <p:sp>
+          <p:nvSpPr>
+            <p:cNvPr id="85" name="Oval 84">
+              <a:extLst>
+                <a:ext uri="{FF2B5EF4-FFF2-40B4-BE49-F238E27FC236}">
+                  <a16:creationId xmlns:a16="http://schemas.microsoft.com/office/drawing/2014/main" id="{2BD1D634-CF14-74F8-CE35-99A9AD9A7184}"/>
+                </a:ext>
+              </a:extLst>
+            </p:cNvPr>
+            <p:cNvSpPr/>
+            <p:nvPr/>
+          </p:nvSpPr>
+          <p:spPr>
+            <a:xfrm>
+              <a:off x="2267881" y="3271830"/>
+              <a:ext cx="114300" cy="111978"/>
+            </a:xfrm>
+            <a:prstGeom prst="ellipse">
+              <a:avLst/>
+            </a:prstGeom>
+            <a:solidFill>
+              <a:schemeClr val="accent1">
+                <a:alpha val="13000"/>
+              </a:schemeClr>
+            </a:solidFill>
+            <a:ln w="6350"/>
+          </p:spPr>
+          <p:style>
+            <a:lnRef idx="2">
+              <a:schemeClr val="accent1">
+                <a:shade val="15000"/>
+              </a:schemeClr>
+            </a:lnRef>
+            <a:fillRef idx="1">
+              <a:schemeClr val="accent1"/>
+            </a:fillRef>
+            <a:effectRef idx="0">
+              <a:schemeClr val="accent1"/>
+            </a:effectRef>
+            <a:fontRef idx="minor">
+              <a:schemeClr val="lt1"/>
+            </a:fontRef>
+          </p:style>
+          <p:txBody>
+            <a:bodyPr rtlCol="0" anchor="ctr"/>
+            <a:lstStyle/>
+            <a:p>
+              <a:pPr algn="ctr"/>
+              <a:endParaRPr lang="en-US"/>
+            </a:p>
+          </p:txBody>
+        </p:sp>
+        <p:sp>
+          <p:nvSpPr>
+            <p:cNvPr id="86" name="Oval 85">
+              <a:extLst>
+                <a:ext uri="{FF2B5EF4-FFF2-40B4-BE49-F238E27FC236}">
+                  <a16:creationId xmlns:a16="http://schemas.microsoft.com/office/drawing/2014/main" id="{B8F3CED6-E597-A65B-4C69-1E8E0DA24E18}"/>
+                </a:ext>
+              </a:extLst>
+            </p:cNvPr>
+            <p:cNvSpPr/>
+            <p:nvPr/>
+          </p:nvSpPr>
+          <p:spPr>
+            <a:xfrm>
+              <a:off x="2169827" y="3440711"/>
+              <a:ext cx="114300" cy="111978"/>
+            </a:xfrm>
+            <a:prstGeom prst="ellipse">
+              <a:avLst/>
+            </a:prstGeom>
+            <a:solidFill>
+              <a:schemeClr val="accent1">
+                <a:alpha val="13000"/>
+              </a:schemeClr>
+            </a:solidFill>
+            <a:ln w="6350"/>
+          </p:spPr>
+          <p:style>
+            <a:lnRef idx="2">
+              <a:schemeClr val="accent1">
+                <a:shade val="15000"/>
+              </a:schemeClr>
+            </a:lnRef>
+            <a:fillRef idx="1">
+              <a:schemeClr val="accent1"/>
+            </a:fillRef>
+            <a:effectRef idx="0">
+              <a:schemeClr val="accent1"/>
+            </a:effectRef>
+            <a:fontRef idx="minor">
+              <a:schemeClr val="lt1"/>
+            </a:fontRef>
+          </p:style>
+          <p:txBody>
+            <a:bodyPr rtlCol="0" anchor="ctr"/>
+            <a:lstStyle/>
+            <a:p>
+              <a:pPr algn="ctr"/>
+              <a:endParaRPr lang="en-US"/>
+            </a:p>
+          </p:txBody>
+        </p:sp>
+        <p:sp>
+          <p:nvSpPr>
+            <p:cNvPr id="87" name="Oval 86">
+              <a:extLst>
+                <a:ext uri="{FF2B5EF4-FFF2-40B4-BE49-F238E27FC236}">
+                  <a16:creationId xmlns:a16="http://schemas.microsoft.com/office/drawing/2014/main" id="{30F5CDB8-EF48-4436-7C1F-89655516DF49}"/>
+                </a:ext>
+              </a:extLst>
+            </p:cNvPr>
+            <p:cNvSpPr/>
+            <p:nvPr/>
+          </p:nvSpPr>
+          <p:spPr>
+            <a:xfrm>
+              <a:off x="2483198" y="3215841"/>
+              <a:ext cx="114300" cy="111978"/>
+            </a:xfrm>
+            <a:prstGeom prst="ellipse">
+              <a:avLst/>
+            </a:prstGeom>
+            <a:solidFill>
+              <a:schemeClr val="accent1">
+                <a:alpha val="13000"/>
+              </a:schemeClr>
+            </a:solidFill>
+            <a:ln w="6350"/>
+          </p:spPr>
+          <p:style>
+            <a:lnRef idx="2">
+              <a:schemeClr val="accent1">
+                <a:shade val="15000"/>
+              </a:schemeClr>
+            </a:lnRef>
+            <a:fillRef idx="1">
+              <a:schemeClr val="accent1"/>
+            </a:fillRef>
+            <a:effectRef idx="0">
+              <a:schemeClr val="accent1"/>
+            </a:effectRef>
+            <a:fontRef idx="minor">
+              <a:schemeClr val="lt1"/>
+            </a:fontRef>
+          </p:style>
+          <p:txBody>
+            <a:bodyPr rtlCol="0" anchor="ctr"/>
+            <a:lstStyle/>
+            <a:p>
+              <a:pPr algn="ctr"/>
+              <a:endParaRPr lang="en-US"/>
+            </a:p>
+          </p:txBody>
+        </p:sp>
+        <p:cxnSp>
+          <p:nvCxnSpPr>
+            <p:cNvPr id="91" name="Straight Connector 90">
+              <a:extLst>
+                <a:ext uri="{FF2B5EF4-FFF2-40B4-BE49-F238E27FC236}">
+                  <a16:creationId xmlns:a16="http://schemas.microsoft.com/office/drawing/2014/main" id="{0E0E8E3D-F44F-352B-4E11-B42C4391E5B9}"/>
+                </a:ext>
+              </a:extLst>
+            </p:cNvPr>
+            <p:cNvCxnSpPr>
+              <a:stCxn id="81" idx="5"/>
+            </p:cNvCxnSpPr>
+            <p:nvPr/>
+          </p:nvCxnSpPr>
+          <p:spPr>
+            <a:xfrm>
+              <a:off x="2580551" y="3607813"/>
+              <a:ext cx="89624" cy="68752"/>
+            </a:xfrm>
+            <a:prstGeom prst="line">
+              <a:avLst/>
+            </a:prstGeom>
+            <a:ln w="6350"/>
+          </p:spPr>
+          <p:style>
+            <a:lnRef idx="2">
+              <a:schemeClr val="accent1"/>
+            </a:lnRef>
+            <a:fillRef idx="0">
+              <a:schemeClr val="accent1"/>
+            </a:fillRef>
+            <a:effectRef idx="1">
+              <a:schemeClr val="accent1"/>
+            </a:effectRef>
+            <a:fontRef idx="minor">
+              <a:schemeClr val="tx1"/>
+            </a:fontRef>
+          </p:style>
+        </p:cxnSp>
+        <p:cxnSp>
+          <p:nvCxnSpPr>
+            <p:cNvPr id="93" name="Straight Connector 92">
+              <a:extLst>
+                <a:ext uri="{FF2B5EF4-FFF2-40B4-BE49-F238E27FC236}">
+                  <a16:creationId xmlns:a16="http://schemas.microsoft.com/office/drawing/2014/main" id="{E271572D-0B3E-F381-5793-B87DE7621B1A}"/>
+                </a:ext>
+              </a:extLst>
+            </p:cNvPr>
+            <p:cNvCxnSpPr>
+              <a:stCxn id="81" idx="1"/>
+              <a:endCxn id="85" idx="5"/>
+            </p:cNvCxnSpPr>
+            <p:nvPr/>
+          </p:nvCxnSpPr>
+          <p:spPr>
+            <a:xfrm flipH="1" flipV="1">
+              <a:off x="2365442" y="3367409"/>
+              <a:ext cx="134287" cy="161224"/>
+            </a:xfrm>
+            <a:prstGeom prst="line">
+              <a:avLst/>
+            </a:prstGeom>
+            <a:ln w="6350"/>
+          </p:spPr>
+          <p:style>
+            <a:lnRef idx="2">
+              <a:schemeClr val="accent1"/>
+            </a:lnRef>
+            <a:fillRef idx="0">
+              <a:schemeClr val="accent1"/>
+            </a:fillRef>
+            <a:effectRef idx="1">
+              <a:schemeClr val="accent1"/>
+            </a:effectRef>
+            <a:fontRef idx="minor">
+              <a:schemeClr val="tx1"/>
+            </a:fontRef>
+          </p:style>
+        </p:cxnSp>
+        <p:cxnSp>
+          <p:nvCxnSpPr>
+            <p:cNvPr id="95" name="Straight Connector 94">
+              <a:extLst>
+                <a:ext uri="{FF2B5EF4-FFF2-40B4-BE49-F238E27FC236}">
+                  <a16:creationId xmlns:a16="http://schemas.microsoft.com/office/drawing/2014/main" id="{E8634810-74C6-6B8B-C248-13B1EBD6C39C}"/>
+                </a:ext>
+              </a:extLst>
+            </p:cNvPr>
+            <p:cNvCxnSpPr>
+              <a:stCxn id="81" idx="0"/>
+            </p:cNvCxnSpPr>
+            <p:nvPr/>
+          </p:nvCxnSpPr>
+          <p:spPr>
+            <a:xfrm flipV="1">
+              <a:off x="2540140" y="3401029"/>
+              <a:ext cx="3886" cy="111205"/>
+            </a:xfrm>
+            <a:prstGeom prst="line">
+              <a:avLst/>
+            </a:prstGeom>
+            <a:ln w="6350">
+              <a:prstDash val="sysDash"/>
+            </a:ln>
+          </p:spPr>
+          <p:style>
+            <a:lnRef idx="2">
+              <a:schemeClr val="accent1"/>
+            </a:lnRef>
+            <a:fillRef idx="0">
+              <a:schemeClr val="accent1"/>
+            </a:fillRef>
+            <a:effectRef idx="1">
+              <a:schemeClr val="accent1"/>
+            </a:effectRef>
+            <a:fontRef idx="minor">
+              <a:schemeClr val="tx1"/>
+            </a:fontRef>
+          </p:style>
+        </p:cxnSp>
+        <p:cxnSp>
+          <p:nvCxnSpPr>
+            <p:cNvPr id="97" name="Straight Connector 96">
+              <a:extLst>
+                <a:ext uri="{FF2B5EF4-FFF2-40B4-BE49-F238E27FC236}">
+                  <a16:creationId xmlns:a16="http://schemas.microsoft.com/office/drawing/2014/main" id="{02965D2C-D480-BAA7-D135-0235C7C9241B}"/>
+                </a:ext>
+              </a:extLst>
+            </p:cNvPr>
+            <p:cNvCxnSpPr>
+              <a:stCxn id="81" idx="2"/>
+            </p:cNvCxnSpPr>
+            <p:nvPr/>
+          </p:nvCxnSpPr>
+          <p:spPr>
+            <a:xfrm flipH="1" flipV="1">
+              <a:off x="2365442" y="3539272"/>
+              <a:ext cx="117548" cy="28951"/>
+            </a:xfrm>
+            <a:prstGeom prst="line">
+              <a:avLst/>
+            </a:prstGeom>
+            <a:ln w="6350">
+              <a:prstDash val="dash"/>
+            </a:ln>
+          </p:spPr>
+          <p:style>
+            <a:lnRef idx="2">
+              <a:schemeClr val="accent1"/>
+            </a:lnRef>
+            <a:fillRef idx="0">
+              <a:schemeClr val="accent1"/>
+            </a:fillRef>
+            <a:effectRef idx="1">
+              <a:schemeClr val="accent1"/>
+            </a:effectRef>
+            <a:fontRef idx="minor">
+              <a:schemeClr val="tx1"/>
+            </a:fontRef>
+          </p:style>
+        </p:cxnSp>
+        <p:cxnSp>
+          <p:nvCxnSpPr>
+            <p:cNvPr id="99" name="Straight Connector 98">
+              <a:extLst>
+                <a:ext uri="{FF2B5EF4-FFF2-40B4-BE49-F238E27FC236}">
+                  <a16:creationId xmlns:a16="http://schemas.microsoft.com/office/drawing/2014/main" id="{96DFB36C-9328-7976-EE74-416BB6A222E5}"/>
+                </a:ext>
+              </a:extLst>
+            </p:cNvPr>
+            <p:cNvCxnSpPr>
+              <a:stCxn id="82" idx="4"/>
+            </p:cNvCxnSpPr>
+            <p:nvPr/>
+          </p:nvCxnSpPr>
+          <p:spPr>
+            <a:xfrm>
+              <a:off x="2821246" y="3483835"/>
+              <a:ext cx="0" cy="99381"/>
+            </a:xfrm>
+            <a:prstGeom prst="line">
+              <a:avLst/>
+            </a:prstGeom>
+            <a:ln w="6350"/>
+          </p:spPr>
+          <p:style>
+            <a:lnRef idx="2">
+              <a:schemeClr val="accent1"/>
+            </a:lnRef>
+            <a:fillRef idx="0">
+              <a:schemeClr val="accent1"/>
+            </a:fillRef>
+            <a:effectRef idx="1">
+              <a:schemeClr val="accent1"/>
+            </a:effectRef>
+            <a:fontRef idx="minor">
+              <a:schemeClr val="tx1"/>
+            </a:fontRef>
+          </p:style>
+        </p:cxnSp>
+        <p:sp>
+          <p:nvSpPr>
+            <p:cNvPr id="100" name="Oval 99">
+              <a:extLst>
+                <a:ext uri="{FF2B5EF4-FFF2-40B4-BE49-F238E27FC236}">
+                  <a16:creationId xmlns:a16="http://schemas.microsoft.com/office/drawing/2014/main" id="{80CC25DA-1A64-1363-2EDD-08C8933EA23E}"/>
+                </a:ext>
+              </a:extLst>
+            </p:cNvPr>
+            <p:cNvSpPr/>
+            <p:nvPr/>
+          </p:nvSpPr>
+          <p:spPr>
+            <a:xfrm>
+              <a:off x="2795236" y="3112487"/>
+              <a:ext cx="114300" cy="111978"/>
+            </a:xfrm>
+            <a:prstGeom prst="ellipse">
+              <a:avLst/>
+            </a:prstGeom>
+            <a:solidFill>
+              <a:schemeClr val="accent1">
+                <a:alpha val="13000"/>
+              </a:schemeClr>
+            </a:solidFill>
+            <a:ln w="6350"/>
+          </p:spPr>
+          <p:style>
+            <a:lnRef idx="2">
+              <a:schemeClr val="accent1">
+                <a:shade val="15000"/>
+              </a:schemeClr>
+            </a:lnRef>
+            <a:fillRef idx="1">
+              <a:schemeClr val="accent1"/>
+            </a:fillRef>
+            <a:effectRef idx="0">
+              <a:schemeClr val="accent1"/>
+            </a:effectRef>
+            <a:fontRef idx="minor">
+              <a:schemeClr val="lt1"/>
+            </a:fontRef>
+          </p:style>
+          <p:txBody>
+            <a:bodyPr rtlCol="0" anchor="ctr"/>
+            <a:lstStyle/>
+            <a:p>
+              <a:pPr algn="ctr"/>
+              <a:endParaRPr lang="en-US"/>
+            </a:p>
+          </p:txBody>
+        </p:sp>
+        <p:sp>
+          <p:nvSpPr>
+            <p:cNvPr id="101" name="Oval 100">
+              <a:extLst>
+                <a:ext uri="{FF2B5EF4-FFF2-40B4-BE49-F238E27FC236}">
+                  <a16:creationId xmlns:a16="http://schemas.microsoft.com/office/drawing/2014/main" id="{0E78D46B-79E5-4AD9-D058-18C9C2302EF0}"/>
+                </a:ext>
+              </a:extLst>
+            </p:cNvPr>
+            <p:cNvSpPr/>
+            <p:nvPr/>
+          </p:nvSpPr>
+          <p:spPr>
+            <a:xfrm>
+              <a:off x="3200008" y="3092240"/>
+              <a:ext cx="114300" cy="111978"/>
+            </a:xfrm>
+            <a:prstGeom prst="ellipse">
+              <a:avLst/>
+            </a:prstGeom>
+            <a:solidFill>
+              <a:schemeClr val="accent1">
+                <a:alpha val="13000"/>
+              </a:schemeClr>
+            </a:solidFill>
+            <a:ln w="6350"/>
+          </p:spPr>
+          <p:style>
+            <a:lnRef idx="2">
+              <a:schemeClr val="accent1">
+                <a:shade val="15000"/>
+              </a:schemeClr>
+            </a:lnRef>
+            <a:fillRef idx="1">
+              <a:schemeClr val="accent1"/>
+            </a:fillRef>
+            <a:effectRef idx="0">
+              <a:schemeClr val="accent1"/>
+            </a:effectRef>
+            <a:fontRef idx="minor">
+              <a:schemeClr val="lt1"/>
+            </a:fontRef>
+          </p:style>
+          <p:txBody>
+            <a:bodyPr rtlCol="0" anchor="ctr"/>
+            <a:lstStyle/>
+            <a:p>
+              <a:pPr algn="ctr"/>
+              <a:endParaRPr lang="en-US"/>
+            </a:p>
+          </p:txBody>
+        </p:sp>
+        <p:sp>
+          <p:nvSpPr>
+            <p:cNvPr id="102" name="Oval 101">
+              <a:extLst>
+                <a:ext uri="{FF2B5EF4-FFF2-40B4-BE49-F238E27FC236}">
+                  <a16:creationId xmlns:a16="http://schemas.microsoft.com/office/drawing/2014/main" id="{F95F4D1F-F66F-5B69-DD92-E5AF4F6C00E5}"/>
+                </a:ext>
+              </a:extLst>
+            </p:cNvPr>
+            <p:cNvSpPr/>
+            <p:nvPr/>
+          </p:nvSpPr>
+          <p:spPr>
+            <a:xfrm>
+              <a:off x="3724575" y="3402705"/>
+              <a:ext cx="114300" cy="111978"/>
+            </a:xfrm>
+            <a:prstGeom prst="ellipse">
+              <a:avLst/>
+            </a:prstGeom>
+            <a:solidFill>
+              <a:schemeClr val="accent1">
+                <a:alpha val="13000"/>
+              </a:schemeClr>
+            </a:solidFill>
+            <a:ln w="6350"/>
+          </p:spPr>
+          <p:style>
+            <a:lnRef idx="2">
+              <a:schemeClr val="accent1">
+                <a:shade val="15000"/>
+              </a:schemeClr>
+            </a:lnRef>
+            <a:fillRef idx="1">
+              <a:schemeClr val="accent1"/>
+            </a:fillRef>
+            <a:effectRef idx="0">
+              <a:schemeClr val="accent1"/>
+            </a:effectRef>
+            <a:fontRef idx="minor">
+              <a:schemeClr val="lt1"/>
+            </a:fontRef>
+          </p:style>
+          <p:txBody>
+            <a:bodyPr rtlCol="0" anchor="ctr"/>
+            <a:lstStyle/>
+            <a:p>
+              <a:pPr algn="ctr"/>
+              <a:endParaRPr lang="en-US"/>
+            </a:p>
+          </p:txBody>
+        </p:sp>
+        <p:sp>
+          <p:nvSpPr>
+            <p:cNvPr id="103" name="Oval 102">
+              <a:extLst>
+                <a:ext uri="{FF2B5EF4-FFF2-40B4-BE49-F238E27FC236}">
+                  <a16:creationId xmlns:a16="http://schemas.microsoft.com/office/drawing/2014/main" id="{475FE024-64FF-603C-06B1-63A422D8B30E}"/>
+                </a:ext>
+              </a:extLst>
+            </p:cNvPr>
+            <p:cNvSpPr/>
+            <p:nvPr/>
+          </p:nvSpPr>
+          <p:spPr>
+            <a:xfrm>
+              <a:off x="3720254" y="3583216"/>
+              <a:ext cx="114300" cy="111978"/>
+            </a:xfrm>
+            <a:prstGeom prst="ellipse">
+              <a:avLst/>
+            </a:prstGeom>
+            <a:solidFill>
+              <a:schemeClr val="accent1">
+                <a:alpha val="13000"/>
+              </a:schemeClr>
+            </a:solidFill>
+            <a:ln w="6350"/>
+          </p:spPr>
+          <p:style>
+            <a:lnRef idx="2">
+              <a:schemeClr val="accent1">
+                <a:shade val="15000"/>
+              </a:schemeClr>
+            </a:lnRef>
+            <a:fillRef idx="1">
+              <a:schemeClr val="accent1"/>
+            </a:fillRef>
+            <a:effectRef idx="0">
+              <a:schemeClr val="accent1"/>
+            </a:effectRef>
+            <a:fontRef idx="minor">
+              <a:schemeClr val="lt1"/>
+            </a:fontRef>
+          </p:style>
+          <p:txBody>
+            <a:bodyPr rtlCol="0" anchor="ctr"/>
+            <a:lstStyle/>
+            <a:p>
+              <a:pPr algn="ctr"/>
+              <a:endParaRPr lang="en-US"/>
+            </a:p>
+          </p:txBody>
+        </p:sp>
+        <p:sp>
+          <p:nvSpPr>
+            <p:cNvPr id="104" name="Oval 103">
+              <a:extLst>
+                <a:ext uri="{FF2B5EF4-FFF2-40B4-BE49-F238E27FC236}">
+                  <a16:creationId xmlns:a16="http://schemas.microsoft.com/office/drawing/2014/main" id="{E0119382-AB25-8C06-41CB-B97AE15E47B7}"/>
+                </a:ext>
+              </a:extLst>
+            </p:cNvPr>
+            <p:cNvSpPr/>
+            <p:nvPr/>
+          </p:nvSpPr>
+          <p:spPr>
+            <a:xfrm>
+              <a:off x="3537476" y="3233788"/>
+              <a:ext cx="114300" cy="111978"/>
+            </a:xfrm>
+            <a:prstGeom prst="ellipse">
+              <a:avLst/>
+            </a:prstGeom>
+            <a:solidFill>
+              <a:schemeClr val="accent1">
+                <a:alpha val="13000"/>
+              </a:schemeClr>
+            </a:solidFill>
+            <a:ln w="6350"/>
+          </p:spPr>
+          <p:style>
+            <a:lnRef idx="2">
+              <a:schemeClr val="accent1">
+                <a:shade val="15000"/>
+              </a:schemeClr>
+            </a:lnRef>
+            <a:fillRef idx="1">
+              <a:schemeClr val="accent1"/>
+            </a:fillRef>
+            <a:effectRef idx="0">
+              <a:schemeClr val="accent1"/>
+            </a:effectRef>
+            <a:fontRef idx="minor">
+              <a:schemeClr val="lt1"/>
+            </a:fontRef>
+          </p:style>
+          <p:txBody>
+            <a:bodyPr rtlCol="0" anchor="ctr"/>
+            <a:lstStyle/>
+            <a:p>
+              <a:pPr algn="ctr"/>
+              <a:endParaRPr lang="en-US"/>
+            </a:p>
+          </p:txBody>
+        </p:sp>
+        <p:sp>
+          <p:nvSpPr>
+            <p:cNvPr id="105" name="Oval 104">
+              <a:extLst>
+                <a:ext uri="{FF2B5EF4-FFF2-40B4-BE49-F238E27FC236}">
+                  <a16:creationId xmlns:a16="http://schemas.microsoft.com/office/drawing/2014/main" id="{17B13070-18AA-43F2-4EF1-DEA3678D99D9}"/>
+                </a:ext>
+              </a:extLst>
+            </p:cNvPr>
+            <p:cNvSpPr/>
+            <p:nvPr/>
+          </p:nvSpPr>
+          <p:spPr>
+            <a:xfrm>
+              <a:off x="3397746" y="3112487"/>
+              <a:ext cx="114300" cy="111978"/>
+            </a:xfrm>
+            <a:prstGeom prst="ellipse">
+              <a:avLst/>
+            </a:prstGeom>
+            <a:solidFill>
+              <a:schemeClr val="accent1">
+                <a:alpha val="13000"/>
+              </a:schemeClr>
+            </a:solidFill>
+            <a:ln w="6350"/>
+          </p:spPr>
+          <p:style>
+            <a:lnRef idx="2">
+              <a:schemeClr val="accent1">
+                <a:shade val="15000"/>
+              </a:schemeClr>
+            </a:lnRef>
+            <a:fillRef idx="1">
+              <a:schemeClr val="accent1"/>
+            </a:fillRef>
+            <a:effectRef idx="0">
+              <a:schemeClr val="accent1"/>
+            </a:effectRef>
+            <a:fontRef idx="minor">
+              <a:schemeClr val="lt1"/>
+            </a:fontRef>
+          </p:style>
+          <p:txBody>
+            <a:bodyPr rtlCol="0" anchor="ctr"/>
+            <a:lstStyle/>
+            <a:p>
+              <a:pPr algn="ctr"/>
+              <a:endParaRPr lang="en-US"/>
+            </a:p>
+          </p:txBody>
+        </p:sp>
+        <mc:AlternateContent xmlns:mc="http://schemas.openxmlformats.org/markup-compatibility/2006">
+          <mc:Choice xmlns:a14="http://schemas.microsoft.com/office/drawing/2010/main" Requires="a14">
+            <p:sp>
+              <p:nvSpPr>
+                <p:cNvPr id="202" name="TextBox 201">
+                  <a:extLst>
+                    <a:ext uri="{FF2B5EF4-FFF2-40B4-BE49-F238E27FC236}">
+                      <a16:creationId xmlns:a16="http://schemas.microsoft.com/office/drawing/2014/main" id="{158DFC22-1DB7-580C-3850-50C1D30E0EDA}"/>
+                    </a:ext>
+                  </a:extLst>
+                </p:cNvPr>
+                <p:cNvSpPr txBox="1"/>
+                <p:nvPr/>
+              </p:nvSpPr>
+              <p:spPr>
+                <a:xfrm>
+                  <a:off x="2204591" y="3229402"/>
+                  <a:ext cx="258211" cy="184666"/>
+                </a:xfrm>
+                <a:prstGeom prst="rect">
+                  <a:avLst/>
+                </a:prstGeom>
+                <a:noFill/>
+              </p:spPr>
+              <p:txBody>
+                <a:bodyPr wrap="none" rtlCol="0">
+                  <a:spAutoFit/>
+                </a:bodyPr>
+                <a:lstStyle/>
+                <a:p>
+                  <a14:m>
+                    <m:oMathPara xmlns:m="http://schemas.openxmlformats.org/officeDocument/2006/math">
+                      <m:oMathParaPr>
+                        <m:jc m:val="centerGroup"/>
+                      </m:oMathParaPr>
+                      <m:oMath xmlns:m="http://schemas.openxmlformats.org/officeDocument/2006/math">
+                        <m:sSub>
+                          <m:sSubPr>
+                            <m:ctrlPr>
+                              <a:rPr lang="en-US" sz="600" i="1" dirty="0" smtClean="0">
+                                <a:latin typeface="Cambria Math" panose="02040503050406030204" pitchFamily="18" charset="0"/>
+                              </a:rPr>
+                            </m:ctrlPr>
+                          </m:sSubPr>
+                          <m:e>
+                            <m:r>
+                              <a:rPr lang="en-US" sz="600" b="0" i="1" dirty="0" smtClean="0">
+                                <a:latin typeface="Cambria Math" panose="02040503050406030204" pitchFamily="18" charset="0"/>
+                              </a:rPr>
+                              <m:t>𝑗</m:t>
+                            </m:r>
+                          </m:e>
+                          <m:sub>
+                            <m:r>
+                              <a:rPr lang="en-US" sz="600" b="0" i="1" dirty="0" smtClean="0">
+                                <a:latin typeface="Cambria Math" panose="02040503050406030204" pitchFamily="18" charset="0"/>
+                              </a:rPr>
+                              <m:t>1</m:t>
+                            </m:r>
+                          </m:sub>
+                        </m:sSub>
+                      </m:oMath>
+                    </m:oMathPara>
+                  </a14:m>
+                  <a:endParaRPr lang="en-US" sz="600" dirty="0"/>
+                </a:p>
+              </p:txBody>
+            </p:sp>
+          </mc:Choice>
+          <mc:Fallback>
+            <p:sp>
+              <p:nvSpPr>
+                <p:cNvPr id="202" name="TextBox 201">
+                  <a:extLst>
+                    <a:ext uri="{FF2B5EF4-FFF2-40B4-BE49-F238E27FC236}">
+                      <a16:creationId xmlns:a16="http://schemas.microsoft.com/office/drawing/2014/main" id="{158DFC22-1DB7-580C-3850-50C1D30E0EDA}"/>
+                    </a:ext>
+                  </a:extLst>
+                </p:cNvPr>
+                <p:cNvSpPr txBox="1">
+                  <a:spLocks noRot="1" noChangeAspect="1" noMove="1" noResize="1" noEditPoints="1" noAdjustHandles="1" noChangeArrowheads="1" noChangeShapeType="1" noTextEdit="1"/>
+                </p:cNvSpPr>
+                <p:nvPr/>
+              </p:nvSpPr>
+              <p:spPr>
+                <a:xfrm>
+                  <a:off x="2204591" y="3229402"/>
+                  <a:ext cx="258211" cy="184666"/>
+                </a:xfrm>
+                <a:prstGeom prst="rect">
+                  <a:avLst/>
+                </a:prstGeom>
+                <a:blipFill>
+                  <a:blip r:embed="rId2"/>
+                  <a:stretch>
+                    <a:fillRect/>
+                  </a:stretch>
+                </a:blipFill>
+              </p:spPr>
+              <p:txBody>
+                <a:bodyPr/>
+                <a:lstStyle/>
+                <a:p>
+                  <a:r>
+                    <a:rPr lang="en-US">
+                      <a:noFill/>
+                    </a:rPr>
+                    <a:t> </a:t>
+                  </a:r>
+                </a:p>
+              </p:txBody>
+            </p:sp>
+          </mc:Fallback>
+        </mc:AlternateContent>
+        <mc:AlternateContent xmlns:mc="http://schemas.openxmlformats.org/markup-compatibility/2006">
+          <mc:Choice xmlns:a14="http://schemas.microsoft.com/office/drawing/2010/main" Requires="a14">
+            <p:sp>
+              <p:nvSpPr>
+                <p:cNvPr id="203" name="TextBox 202">
+                  <a:extLst>
+                    <a:ext uri="{FF2B5EF4-FFF2-40B4-BE49-F238E27FC236}">
+                      <a16:creationId xmlns:a16="http://schemas.microsoft.com/office/drawing/2014/main" id="{8FFC497A-DC4C-73B0-D70C-3475D5DFBD05}"/>
+                    </a:ext>
+                  </a:extLst>
+                </p:cNvPr>
+                <p:cNvSpPr txBox="1"/>
+                <p:nvPr/>
+              </p:nvSpPr>
+              <p:spPr>
+                <a:xfrm>
+                  <a:off x="2418448" y="3471081"/>
+                  <a:ext cx="258211" cy="184666"/>
+                </a:xfrm>
+                <a:prstGeom prst="rect">
+                  <a:avLst/>
+                </a:prstGeom>
+                <a:noFill/>
+              </p:spPr>
+              <p:txBody>
+                <a:bodyPr wrap="none" rtlCol="0">
+                  <a:spAutoFit/>
+                </a:bodyPr>
+                <a:lstStyle/>
+                <a:p>
+                  <a14:m>
+                    <m:oMathPara xmlns:m="http://schemas.openxmlformats.org/officeDocument/2006/math">
+                      <m:oMathParaPr>
+                        <m:jc m:val="centerGroup"/>
+                      </m:oMathParaPr>
+                      <m:oMath xmlns:m="http://schemas.openxmlformats.org/officeDocument/2006/math">
+                        <m:sSub>
+                          <m:sSubPr>
+                            <m:ctrlPr>
+                              <a:rPr lang="en-US" sz="600" i="1" dirty="0" smtClean="0">
+                                <a:latin typeface="Cambria Math" panose="02040503050406030204" pitchFamily="18" charset="0"/>
+                              </a:rPr>
+                            </m:ctrlPr>
+                          </m:sSubPr>
+                          <m:e>
+                            <m:r>
+                              <a:rPr lang="en-US" sz="600" b="0" i="1" dirty="0" smtClean="0">
+                                <a:latin typeface="Cambria Math" panose="02040503050406030204" pitchFamily="18" charset="0"/>
+                              </a:rPr>
+                              <m:t>𝑖</m:t>
+                            </m:r>
+                          </m:e>
+                          <m:sub>
+                            <m:r>
+                              <a:rPr lang="en-US" sz="600" b="0" i="1" dirty="0" smtClean="0">
+                                <a:latin typeface="Cambria Math" panose="02040503050406030204" pitchFamily="18" charset="0"/>
+                              </a:rPr>
+                              <m:t>1</m:t>
+                            </m:r>
+                          </m:sub>
+                        </m:sSub>
+                      </m:oMath>
+                    </m:oMathPara>
+                  </a14:m>
+                  <a:endParaRPr lang="en-US" sz="600" dirty="0"/>
+                </a:p>
+              </p:txBody>
+            </p:sp>
+          </mc:Choice>
+          <mc:Fallback>
+            <p:sp>
+              <p:nvSpPr>
+                <p:cNvPr id="203" name="TextBox 202">
+                  <a:extLst>
+                    <a:ext uri="{FF2B5EF4-FFF2-40B4-BE49-F238E27FC236}">
+                      <a16:creationId xmlns:a16="http://schemas.microsoft.com/office/drawing/2014/main" id="{8FFC497A-DC4C-73B0-D70C-3475D5DFBD05}"/>
+                    </a:ext>
+                  </a:extLst>
+                </p:cNvPr>
+                <p:cNvSpPr txBox="1">
+                  <a:spLocks noRot="1" noChangeAspect="1" noMove="1" noResize="1" noEditPoints="1" noAdjustHandles="1" noChangeArrowheads="1" noChangeShapeType="1" noTextEdit="1"/>
+                </p:cNvSpPr>
+                <p:nvPr/>
+              </p:nvSpPr>
+              <p:spPr>
+                <a:xfrm>
+                  <a:off x="2418448" y="3471081"/>
+                  <a:ext cx="258211" cy="184666"/>
+                </a:xfrm>
+                <a:prstGeom prst="rect">
+                  <a:avLst/>
+                </a:prstGeom>
+                <a:blipFill>
+                  <a:blip r:embed="rId3"/>
+                  <a:stretch>
+                    <a:fillRect/>
+                  </a:stretch>
+                </a:blipFill>
+              </p:spPr>
+              <p:txBody>
+                <a:bodyPr/>
+                <a:lstStyle/>
+                <a:p>
+                  <a:r>
+                    <a:rPr lang="en-US">
+                      <a:noFill/>
+                    </a:rPr>
+                    <a:t> </a:t>
+                  </a:r>
+                </a:p>
+              </p:txBody>
+            </p:sp>
+          </mc:Fallback>
+        </mc:AlternateContent>
+        <mc:AlternateContent xmlns:mc="http://schemas.openxmlformats.org/markup-compatibility/2006">
+          <mc:Choice xmlns:a14="http://schemas.microsoft.com/office/drawing/2010/main" Requires="a14">
+            <p:sp>
+              <p:nvSpPr>
+                <p:cNvPr id="204" name="TextBox 203">
+                  <a:extLst>
+                    <a:ext uri="{FF2B5EF4-FFF2-40B4-BE49-F238E27FC236}">
+                      <a16:creationId xmlns:a16="http://schemas.microsoft.com/office/drawing/2014/main" id="{9990F756-7F1D-EA05-E0C5-ACD75E11E95E}"/>
+                    </a:ext>
+                  </a:extLst>
+                </p:cNvPr>
+                <p:cNvSpPr txBox="1"/>
+                <p:nvPr/>
+              </p:nvSpPr>
+              <p:spPr>
+                <a:xfrm>
+                  <a:off x="2697306" y="3331601"/>
+                  <a:ext cx="260007" cy="184666"/>
+                </a:xfrm>
+                <a:prstGeom prst="rect">
+                  <a:avLst/>
+                </a:prstGeom>
+                <a:noFill/>
+              </p:spPr>
+              <p:txBody>
+                <a:bodyPr wrap="none" rtlCol="0">
+                  <a:spAutoFit/>
+                </a:bodyPr>
+                <a:lstStyle/>
+                <a:p>
+                  <a14:m>
+                    <m:oMathPara xmlns:m="http://schemas.openxmlformats.org/officeDocument/2006/math">
+                      <m:oMathParaPr>
+                        <m:jc m:val="centerGroup"/>
+                      </m:oMathParaPr>
+                      <m:oMath xmlns:m="http://schemas.openxmlformats.org/officeDocument/2006/math">
+                        <m:sSub>
+                          <m:sSubPr>
+                            <m:ctrlPr>
+                              <a:rPr lang="en-US" sz="600" i="1" dirty="0" smtClean="0">
+                                <a:latin typeface="Cambria Math" panose="02040503050406030204" pitchFamily="18" charset="0"/>
+                              </a:rPr>
+                            </m:ctrlPr>
+                          </m:sSubPr>
+                          <m:e>
+                            <m:r>
+                              <a:rPr lang="en-US" sz="600" b="0" i="1" dirty="0" smtClean="0">
+                                <a:latin typeface="Cambria Math" panose="02040503050406030204" pitchFamily="18" charset="0"/>
+                              </a:rPr>
+                              <m:t>𝑖</m:t>
+                            </m:r>
+                          </m:e>
+                          <m:sub>
+                            <m:r>
+                              <a:rPr lang="en-US" sz="600" b="0" i="1" dirty="0" smtClean="0">
+                                <a:latin typeface="Cambria Math" panose="02040503050406030204" pitchFamily="18" charset="0"/>
+                              </a:rPr>
+                              <m:t>2</m:t>
+                            </m:r>
+                          </m:sub>
+                        </m:sSub>
+                      </m:oMath>
+                    </m:oMathPara>
+                  </a14:m>
+                  <a:endParaRPr lang="en-US" sz="600" dirty="0"/>
+                </a:p>
+              </p:txBody>
+            </p:sp>
+          </mc:Choice>
+          <mc:Fallback>
+            <p:sp>
+              <p:nvSpPr>
+                <p:cNvPr id="204" name="TextBox 203">
+                  <a:extLst>
+                    <a:ext uri="{FF2B5EF4-FFF2-40B4-BE49-F238E27FC236}">
+                      <a16:creationId xmlns:a16="http://schemas.microsoft.com/office/drawing/2014/main" id="{9990F756-7F1D-EA05-E0C5-ACD75E11E95E}"/>
+                    </a:ext>
+                  </a:extLst>
+                </p:cNvPr>
+                <p:cNvSpPr txBox="1">
+                  <a:spLocks noRot="1" noChangeAspect="1" noMove="1" noResize="1" noEditPoints="1" noAdjustHandles="1" noChangeArrowheads="1" noChangeShapeType="1" noTextEdit="1"/>
+                </p:cNvSpPr>
+                <p:nvPr/>
+              </p:nvSpPr>
+              <p:spPr>
+                <a:xfrm>
+                  <a:off x="2697306" y="3331601"/>
+                  <a:ext cx="260007" cy="184666"/>
+                </a:xfrm>
+                <a:prstGeom prst="rect">
+                  <a:avLst/>
+                </a:prstGeom>
+                <a:blipFill>
+                  <a:blip r:embed="rId4"/>
+                  <a:stretch>
+                    <a:fillRect/>
+                  </a:stretch>
+                </a:blipFill>
+              </p:spPr>
+              <p:txBody>
+                <a:bodyPr/>
+                <a:lstStyle/>
+                <a:p>
+                  <a:r>
+                    <a:rPr lang="en-US">
+                      <a:noFill/>
+                    </a:rPr>
+                    <a:t> </a:t>
+                  </a:r>
+                </a:p>
+              </p:txBody>
+            </p:sp>
+          </mc:Fallback>
+        </mc:AlternateContent>
+        <mc:AlternateContent xmlns:mc="http://schemas.openxmlformats.org/markup-compatibility/2006">
+          <mc:Choice xmlns:a14="http://schemas.microsoft.com/office/drawing/2010/main" Requires="a14">
+            <p:sp>
+              <p:nvSpPr>
+                <p:cNvPr id="205" name="TextBox 204">
+                  <a:extLst>
+                    <a:ext uri="{FF2B5EF4-FFF2-40B4-BE49-F238E27FC236}">
+                      <a16:creationId xmlns:a16="http://schemas.microsoft.com/office/drawing/2014/main" id="{1EA8257F-CFE6-3A1E-EFC6-16BD1EDBAE78}"/>
+                    </a:ext>
+                  </a:extLst>
+                </p:cNvPr>
+                <p:cNvSpPr txBox="1"/>
+                <p:nvPr/>
+              </p:nvSpPr>
+              <p:spPr>
+                <a:xfrm>
+                  <a:off x="2731304" y="3068560"/>
+                  <a:ext cx="260584" cy="184666"/>
+                </a:xfrm>
+                <a:prstGeom prst="rect">
+                  <a:avLst/>
+                </a:prstGeom>
+                <a:noFill/>
+              </p:spPr>
+              <p:txBody>
+                <a:bodyPr wrap="none" rtlCol="0">
+                  <a:spAutoFit/>
+                </a:bodyPr>
+                <a:lstStyle/>
+                <a:p>
+                  <a14:m>
+                    <m:oMathPara xmlns:m="http://schemas.openxmlformats.org/officeDocument/2006/math">
+                      <m:oMathParaPr>
+                        <m:jc m:val="centerGroup"/>
+                      </m:oMathParaPr>
+                      <m:oMath xmlns:m="http://schemas.openxmlformats.org/officeDocument/2006/math">
+                        <m:sSub>
+                          <m:sSubPr>
+                            <m:ctrlPr>
+                              <a:rPr lang="en-US" sz="600" i="1" dirty="0" smtClean="0">
+                                <a:latin typeface="Cambria Math" panose="02040503050406030204" pitchFamily="18" charset="0"/>
+                              </a:rPr>
+                            </m:ctrlPr>
+                          </m:sSubPr>
+                          <m:e>
+                            <m:r>
+                              <a:rPr lang="en-US" sz="600" b="0" i="1" dirty="0" smtClean="0">
+                                <a:latin typeface="Cambria Math" panose="02040503050406030204" pitchFamily="18" charset="0"/>
+                              </a:rPr>
+                              <m:t>𝑗</m:t>
+                            </m:r>
+                          </m:e>
+                          <m:sub>
+                            <m:r>
+                              <a:rPr lang="en-US" sz="600" b="0" i="1" dirty="0" smtClean="0">
+                                <a:latin typeface="Cambria Math" panose="02040503050406030204" pitchFamily="18" charset="0"/>
+                              </a:rPr>
+                              <m:t>2</m:t>
+                            </m:r>
+                          </m:sub>
+                        </m:sSub>
+                      </m:oMath>
+                    </m:oMathPara>
+                  </a14:m>
+                  <a:endParaRPr lang="en-US" sz="600" dirty="0"/>
+                </a:p>
+              </p:txBody>
+            </p:sp>
+          </mc:Choice>
+          <mc:Fallback>
+            <p:sp>
+              <p:nvSpPr>
+                <p:cNvPr id="205" name="TextBox 204">
+                  <a:extLst>
+                    <a:ext uri="{FF2B5EF4-FFF2-40B4-BE49-F238E27FC236}">
+                      <a16:creationId xmlns:a16="http://schemas.microsoft.com/office/drawing/2014/main" id="{1EA8257F-CFE6-3A1E-EFC6-16BD1EDBAE78}"/>
+                    </a:ext>
+                  </a:extLst>
+                </p:cNvPr>
+                <p:cNvSpPr txBox="1">
+                  <a:spLocks noRot="1" noChangeAspect="1" noMove="1" noResize="1" noEditPoints="1" noAdjustHandles="1" noChangeArrowheads="1" noChangeShapeType="1" noTextEdit="1"/>
+                </p:cNvSpPr>
+                <p:nvPr/>
+              </p:nvSpPr>
+              <p:spPr>
+                <a:xfrm>
+                  <a:off x="2731304" y="3068560"/>
+                  <a:ext cx="260584" cy="184666"/>
+                </a:xfrm>
+                <a:prstGeom prst="rect">
+                  <a:avLst/>
+                </a:prstGeom>
+                <a:blipFill>
+                  <a:blip r:embed="rId5"/>
+                  <a:stretch>
+                    <a:fillRect/>
+                  </a:stretch>
+                </a:blipFill>
+              </p:spPr>
+              <p:txBody>
+                <a:bodyPr/>
+                <a:lstStyle/>
+                <a:p>
+                  <a:r>
+                    <a:rPr lang="en-US">
+                      <a:noFill/>
+                    </a:rPr>
+                    <a:t> </a:t>
+                  </a:r>
+                </a:p>
+              </p:txBody>
+            </p:sp>
+          </mc:Fallback>
+        </mc:AlternateContent>
+        <mc:AlternateContent xmlns:mc="http://schemas.openxmlformats.org/markup-compatibility/2006">
+          <mc:Choice xmlns:a14="http://schemas.microsoft.com/office/drawing/2010/main" Requires="a14">
+            <p:sp>
+              <p:nvSpPr>
+                <p:cNvPr id="206" name="TextBox 205">
+                  <a:extLst>
+                    <a:ext uri="{FF2B5EF4-FFF2-40B4-BE49-F238E27FC236}">
+                      <a16:creationId xmlns:a16="http://schemas.microsoft.com/office/drawing/2014/main" id="{60D49FE4-C60E-5E6D-41A6-EBDC61D97E7E}"/>
+                    </a:ext>
+                  </a:extLst>
+                </p:cNvPr>
+                <p:cNvSpPr txBox="1"/>
+                <p:nvPr/>
+              </p:nvSpPr>
+              <p:spPr>
+                <a:xfrm>
+                  <a:off x="3097202" y="3299169"/>
+                  <a:ext cx="260007" cy="184666"/>
+                </a:xfrm>
+                <a:prstGeom prst="rect">
+                  <a:avLst/>
+                </a:prstGeom>
+                <a:noFill/>
+              </p:spPr>
+              <p:txBody>
+                <a:bodyPr wrap="none" rtlCol="0">
+                  <a:spAutoFit/>
+                </a:bodyPr>
+                <a:lstStyle/>
+                <a:p>
+                  <a14:m>
+                    <m:oMathPara xmlns:m="http://schemas.openxmlformats.org/officeDocument/2006/math">
+                      <m:oMathParaPr>
+                        <m:jc m:val="centerGroup"/>
+                      </m:oMathParaPr>
+                      <m:oMath xmlns:m="http://schemas.openxmlformats.org/officeDocument/2006/math">
+                        <m:sSub>
+                          <m:sSubPr>
+                            <m:ctrlPr>
+                              <a:rPr lang="en-US" sz="600" i="1" dirty="0" smtClean="0">
+                                <a:latin typeface="Cambria Math" panose="02040503050406030204" pitchFamily="18" charset="0"/>
+                              </a:rPr>
+                            </m:ctrlPr>
+                          </m:sSubPr>
+                          <m:e>
+                            <m:r>
+                              <a:rPr lang="en-US" sz="600" b="0" i="1" dirty="0" smtClean="0">
+                                <a:latin typeface="Cambria Math" panose="02040503050406030204" pitchFamily="18" charset="0"/>
+                              </a:rPr>
+                              <m:t>𝑖</m:t>
+                            </m:r>
+                          </m:e>
+                          <m:sub>
+                            <m:r>
+                              <a:rPr lang="en-US" sz="600" b="0" i="1" dirty="0" smtClean="0">
+                                <a:latin typeface="Cambria Math" panose="02040503050406030204" pitchFamily="18" charset="0"/>
+                              </a:rPr>
+                              <m:t>3</m:t>
+                            </m:r>
+                          </m:sub>
+                        </m:sSub>
+                      </m:oMath>
+                    </m:oMathPara>
+                  </a14:m>
+                  <a:endParaRPr lang="en-US" sz="600" dirty="0"/>
+                </a:p>
+              </p:txBody>
+            </p:sp>
+          </mc:Choice>
+          <mc:Fallback>
+            <p:sp>
+              <p:nvSpPr>
+                <p:cNvPr id="206" name="TextBox 205">
+                  <a:extLst>
+                    <a:ext uri="{FF2B5EF4-FFF2-40B4-BE49-F238E27FC236}">
+                      <a16:creationId xmlns:a16="http://schemas.microsoft.com/office/drawing/2014/main" id="{60D49FE4-C60E-5E6D-41A6-EBDC61D97E7E}"/>
+                    </a:ext>
+                  </a:extLst>
+                </p:cNvPr>
+                <p:cNvSpPr txBox="1">
+                  <a:spLocks noRot="1" noChangeAspect="1" noMove="1" noResize="1" noEditPoints="1" noAdjustHandles="1" noChangeArrowheads="1" noChangeShapeType="1" noTextEdit="1"/>
+                </p:cNvSpPr>
+                <p:nvPr/>
+              </p:nvSpPr>
+              <p:spPr>
+                <a:xfrm>
+                  <a:off x="3097202" y="3299169"/>
+                  <a:ext cx="260007" cy="184666"/>
+                </a:xfrm>
+                <a:prstGeom prst="rect">
+                  <a:avLst/>
+                </a:prstGeom>
+                <a:blipFill>
+                  <a:blip r:embed="rId6"/>
+                  <a:stretch>
+                    <a:fillRect/>
+                  </a:stretch>
+                </a:blipFill>
+              </p:spPr>
+              <p:txBody>
+                <a:bodyPr/>
+                <a:lstStyle/>
+                <a:p>
+                  <a:r>
+                    <a:rPr lang="en-US">
+                      <a:noFill/>
+                    </a:rPr>
+                    <a:t> </a:t>
+                  </a:r>
+                </a:p>
+              </p:txBody>
+            </p:sp>
+          </mc:Fallback>
+        </mc:AlternateContent>
+        <mc:AlternateContent xmlns:mc="http://schemas.openxmlformats.org/markup-compatibility/2006">
+          <mc:Choice xmlns:a14="http://schemas.microsoft.com/office/drawing/2010/main" Requires="a14">
+            <p:sp>
+              <p:nvSpPr>
+                <p:cNvPr id="208" name="TextBox 207">
+                  <a:extLst>
+                    <a:ext uri="{FF2B5EF4-FFF2-40B4-BE49-F238E27FC236}">
+                      <a16:creationId xmlns:a16="http://schemas.microsoft.com/office/drawing/2014/main" id="{C7F4E1D6-56A9-6459-28E2-109E032E913A}"/>
+                    </a:ext>
+                  </a:extLst>
+                </p:cNvPr>
+                <p:cNvSpPr txBox="1"/>
+                <p:nvPr/>
+              </p:nvSpPr>
+              <p:spPr>
+                <a:xfrm>
+                  <a:off x="3324604" y="3067028"/>
+                  <a:ext cx="260584" cy="184666"/>
+                </a:xfrm>
+                <a:prstGeom prst="rect">
+                  <a:avLst/>
+                </a:prstGeom>
+                <a:noFill/>
+              </p:spPr>
+              <p:txBody>
+                <a:bodyPr wrap="none" rtlCol="0">
+                  <a:spAutoFit/>
+                </a:bodyPr>
+                <a:lstStyle/>
+                <a:p>
+                  <a14:m>
+                    <m:oMathPara xmlns:m="http://schemas.openxmlformats.org/officeDocument/2006/math">
+                      <m:oMathParaPr>
+                        <m:jc m:val="centerGroup"/>
+                      </m:oMathParaPr>
+                      <m:oMath xmlns:m="http://schemas.openxmlformats.org/officeDocument/2006/math">
+                        <m:sSub>
+                          <m:sSubPr>
+                            <m:ctrlPr>
+                              <a:rPr lang="en-US" sz="600" i="1" dirty="0" smtClean="0">
+                                <a:latin typeface="Cambria Math" panose="02040503050406030204" pitchFamily="18" charset="0"/>
+                              </a:rPr>
+                            </m:ctrlPr>
+                          </m:sSubPr>
+                          <m:e>
+                            <m:r>
+                              <a:rPr lang="en-US" sz="600" b="0" i="1" dirty="0" smtClean="0">
+                                <a:latin typeface="Cambria Math" panose="02040503050406030204" pitchFamily="18" charset="0"/>
+                              </a:rPr>
+                              <m:t>𝑗</m:t>
+                            </m:r>
+                          </m:e>
+                          <m:sub>
+                            <m:r>
+                              <a:rPr lang="en-US" sz="600" b="0" i="1" dirty="0" smtClean="0">
+                                <a:latin typeface="Cambria Math" panose="02040503050406030204" pitchFamily="18" charset="0"/>
+                              </a:rPr>
+                              <m:t>3</m:t>
+                            </m:r>
+                          </m:sub>
+                        </m:sSub>
+                      </m:oMath>
+                    </m:oMathPara>
+                  </a14:m>
+                  <a:endParaRPr lang="en-US" sz="600" dirty="0"/>
+                </a:p>
+              </p:txBody>
+            </p:sp>
+          </mc:Choice>
+          <mc:Fallback>
+            <p:sp>
+              <p:nvSpPr>
+                <p:cNvPr id="208" name="TextBox 207">
+                  <a:extLst>
+                    <a:ext uri="{FF2B5EF4-FFF2-40B4-BE49-F238E27FC236}">
+                      <a16:creationId xmlns:a16="http://schemas.microsoft.com/office/drawing/2014/main" id="{C7F4E1D6-56A9-6459-28E2-109E032E913A}"/>
+                    </a:ext>
+                  </a:extLst>
+                </p:cNvPr>
+                <p:cNvSpPr txBox="1">
+                  <a:spLocks noRot="1" noChangeAspect="1" noMove="1" noResize="1" noEditPoints="1" noAdjustHandles="1" noChangeArrowheads="1" noChangeShapeType="1" noTextEdit="1"/>
+                </p:cNvSpPr>
+                <p:nvPr/>
+              </p:nvSpPr>
+              <p:spPr>
+                <a:xfrm>
+                  <a:off x="3324604" y="3067028"/>
+                  <a:ext cx="260584" cy="184666"/>
+                </a:xfrm>
+                <a:prstGeom prst="rect">
+                  <a:avLst/>
+                </a:prstGeom>
+                <a:blipFill>
+                  <a:blip r:embed="rId7"/>
+                  <a:stretch>
+                    <a:fillRect/>
+                  </a:stretch>
+                </a:blipFill>
+              </p:spPr>
+              <p:txBody>
+                <a:bodyPr/>
+                <a:lstStyle/>
+                <a:p>
+                  <a:r>
+                    <a:rPr lang="en-US">
+                      <a:noFill/>
+                    </a:rPr>
+                    <a:t> </a:t>
+                  </a:r>
+                </a:p>
+              </p:txBody>
+            </p:sp>
+          </mc:Fallback>
+        </mc:AlternateContent>
+        <mc:AlternateContent xmlns:mc="http://schemas.openxmlformats.org/markup-compatibility/2006">
+          <mc:Choice xmlns:a14="http://schemas.microsoft.com/office/drawing/2010/main" Requires="a14">
+            <p:sp>
+              <p:nvSpPr>
+                <p:cNvPr id="209" name="TextBox 208">
+                  <a:extLst>
+                    <a:ext uri="{FF2B5EF4-FFF2-40B4-BE49-F238E27FC236}">
+                      <a16:creationId xmlns:a16="http://schemas.microsoft.com/office/drawing/2014/main" id="{826D7475-5742-BAAE-A79E-F45E1F4283B7}"/>
+                    </a:ext>
+                  </a:extLst>
+                </p:cNvPr>
+                <p:cNvSpPr txBox="1"/>
+                <p:nvPr/>
+              </p:nvSpPr>
+              <p:spPr>
+                <a:xfrm>
+                  <a:off x="2090652" y="3404367"/>
+                  <a:ext cx="277448" cy="184666"/>
+                </a:xfrm>
+                <a:prstGeom prst="rect">
+                  <a:avLst/>
+                </a:prstGeom>
+                <a:noFill/>
+              </p:spPr>
+              <p:txBody>
+                <a:bodyPr wrap="none" rtlCol="0">
+                  <a:spAutoFit/>
+                </a:bodyPr>
+                <a:lstStyle/>
+                <a:p>
+                  <a14:m>
+                    <m:oMathPara xmlns:m="http://schemas.openxmlformats.org/officeDocument/2006/math">
+                      <m:oMathParaPr>
+                        <m:jc m:val="centerGroup"/>
+                      </m:oMathParaPr>
+                      <m:oMath xmlns:m="http://schemas.openxmlformats.org/officeDocument/2006/math">
+                        <m:sSub>
+                          <m:sSubPr>
+                            <m:ctrlPr>
+                              <a:rPr lang="en-US" sz="600" i="1" dirty="0" smtClean="0">
+                                <a:latin typeface="Cambria Math" panose="02040503050406030204" pitchFamily="18" charset="0"/>
+                              </a:rPr>
+                            </m:ctrlPr>
+                          </m:sSubPr>
+                          <m:e>
+                            <m:r>
+                              <a:rPr lang="en-US" sz="600" b="0" i="1" dirty="0" smtClean="0">
+                                <a:latin typeface="Cambria Math" panose="02040503050406030204" pitchFamily="18" charset="0"/>
+                              </a:rPr>
+                              <m:t>h</m:t>
+                            </m:r>
+                          </m:e>
+                          <m:sub>
+                            <m:r>
+                              <a:rPr lang="en-US" sz="600" b="0" i="1" dirty="0" smtClean="0">
+                                <a:latin typeface="Cambria Math" panose="02040503050406030204" pitchFamily="18" charset="0"/>
+                              </a:rPr>
+                              <m:t>1</m:t>
+                            </m:r>
+                          </m:sub>
+                        </m:sSub>
+                      </m:oMath>
+                    </m:oMathPara>
+                  </a14:m>
+                  <a:endParaRPr lang="en-US" sz="600" dirty="0"/>
+                </a:p>
+              </p:txBody>
+            </p:sp>
+          </mc:Choice>
+          <mc:Fallback>
+            <p:sp>
+              <p:nvSpPr>
+                <p:cNvPr id="209" name="TextBox 208">
+                  <a:extLst>
+                    <a:ext uri="{FF2B5EF4-FFF2-40B4-BE49-F238E27FC236}">
+                      <a16:creationId xmlns:a16="http://schemas.microsoft.com/office/drawing/2014/main" id="{826D7475-5742-BAAE-A79E-F45E1F4283B7}"/>
+                    </a:ext>
+                  </a:extLst>
+                </p:cNvPr>
+                <p:cNvSpPr txBox="1">
+                  <a:spLocks noRot="1" noChangeAspect="1" noMove="1" noResize="1" noEditPoints="1" noAdjustHandles="1" noChangeArrowheads="1" noChangeShapeType="1" noTextEdit="1"/>
+                </p:cNvSpPr>
+                <p:nvPr/>
+              </p:nvSpPr>
+              <p:spPr>
+                <a:xfrm>
+                  <a:off x="2090652" y="3404367"/>
+                  <a:ext cx="277448" cy="184666"/>
+                </a:xfrm>
+                <a:prstGeom prst="rect">
+                  <a:avLst/>
+                </a:prstGeom>
+                <a:blipFill>
+                  <a:blip r:embed="rId8"/>
+                  <a:stretch>
+                    <a:fillRect/>
+                  </a:stretch>
+                </a:blipFill>
+              </p:spPr>
+              <p:txBody>
+                <a:bodyPr/>
+                <a:lstStyle/>
+                <a:p>
+                  <a:r>
+                    <a:rPr lang="en-US">
+                      <a:noFill/>
+                    </a:rPr>
+                    <a:t> </a:t>
+                  </a:r>
+                </a:p>
+              </p:txBody>
+            </p:sp>
+          </mc:Fallback>
+        </mc:AlternateContent>
+        <mc:AlternateContent xmlns:mc="http://schemas.openxmlformats.org/markup-compatibility/2006">
+          <mc:Choice xmlns:a14="http://schemas.microsoft.com/office/drawing/2010/main" Requires="a14">
+            <p:sp>
+              <p:nvSpPr>
+                <p:cNvPr id="210" name="TextBox 209">
+                  <a:extLst>
+                    <a:ext uri="{FF2B5EF4-FFF2-40B4-BE49-F238E27FC236}">
+                      <a16:creationId xmlns:a16="http://schemas.microsoft.com/office/drawing/2014/main" id="{A497641B-CC13-E370-EE59-92EFB30B07E2}"/>
+                    </a:ext>
+                  </a:extLst>
+                </p:cNvPr>
+                <p:cNvSpPr txBox="1"/>
+                <p:nvPr/>
+              </p:nvSpPr>
+              <p:spPr>
+                <a:xfrm>
+                  <a:off x="2408236" y="3177424"/>
+                  <a:ext cx="277448" cy="184666"/>
+                </a:xfrm>
+                <a:prstGeom prst="rect">
+                  <a:avLst/>
+                </a:prstGeom>
+                <a:noFill/>
+              </p:spPr>
+              <p:txBody>
+                <a:bodyPr wrap="none" rtlCol="0">
+                  <a:spAutoFit/>
+                </a:bodyPr>
+                <a:lstStyle/>
+                <a:p>
+                  <a14:m>
+                    <m:oMathPara xmlns:m="http://schemas.openxmlformats.org/officeDocument/2006/math">
+                      <m:oMathParaPr>
+                        <m:jc m:val="centerGroup"/>
+                      </m:oMathParaPr>
+                      <m:oMath xmlns:m="http://schemas.openxmlformats.org/officeDocument/2006/math">
+                        <m:sSub>
+                          <m:sSubPr>
+                            <m:ctrlPr>
+                              <a:rPr lang="en-US" sz="600" i="1" dirty="0" smtClean="0">
+                                <a:latin typeface="Cambria Math" panose="02040503050406030204" pitchFamily="18" charset="0"/>
+                              </a:rPr>
+                            </m:ctrlPr>
+                          </m:sSubPr>
+                          <m:e>
+                            <m:r>
+                              <a:rPr lang="en-US" sz="600" b="0" i="1" dirty="0" smtClean="0">
+                                <a:latin typeface="Cambria Math" panose="02040503050406030204" pitchFamily="18" charset="0"/>
+                              </a:rPr>
+                              <m:t>𝑘</m:t>
+                            </m:r>
+                          </m:e>
+                          <m:sub>
+                            <m:r>
+                              <a:rPr lang="en-US" sz="600" b="0" i="1" dirty="0" smtClean="0">
+                                <a:latin typeface="Cambria Math" panose="02040503050406030204" pitchFamily="18" charset="0"/>
+                              </a:rPr>
+                              <m:t>1</m:t>
+                            </m:r>
+                          </m:sub>
+                        </m:sSub>
+                      </m:oMath>
+                    </m:oMathPara>
+                  </a14:m>
+                  <a:endParaRPr lang="en-US" sz="600" dirty="0"/>
+                </a:p>
+              </p:txBody>
+            </p:sp>
+          </mc:Choice>
+          <mc:Fallback>
+            <p:sp>
+              <p:nvSpPr>
+                <p:cNvPr id="210" name="TextBox 209">
+                  <a:extLst>
+                    <a:ext uri="{FF2B5EF4-FFF2-40B4-BE49-F238E27FC236}">
+                      <a16:creationId xmlns:a16="http://schemas.microsoft.com/office/drawing/2014/main" id="{A497641B-CC13-E370-EE59-92EFB30B07E2}"/>
+                    </a:ext>
+                  </a:extLst>
+                </p:cNvPr>
+                <p:cNvSpPr txBox="1">
+                  <a:spLocks noRot="1" noChangeAspect="1" noMove="1" noResize="1" noEditPoints="1" noAdjustHandles="1" noChangeArrowheads="1" noChangeShapeType="1" noTextEdit="1"/>
+                </p:cNvSpPr>
+                <p:nvPr/>
+              </p:nvSpPr>
+              <p:spPr>
+                <a:xfrm>
+                  <a:off x="2408236" y="3177424"/>
+                  <a:ext cx="277448" cy="184666"/>
+                </a:xfrm>
+                <a:prstGeom prst="rect">
+                  <a:avLst/>
+                </a:prstGeom>
+                <a:blipFill>
+                  <a:blip r:embed="rId9"/>
+                  <a:stretch>
+                    <a:fillRect/>
+                  </a:stretch>
+                </a:blipFill>
+              </p:spPr>
+              <p:txBody>
+                <a:bodyPr/>
+                <a:lstStyle/>
+                <a:p>
+                  <a:r>
+                    <a:rPr lang="en-US">
+                      <a:noFill/>
+                    </a:rPr>
+                    <a:t> </a:t>
+                  </a:r>
+                </a:p>
+              </p:txBody>
+            </p:sp>
+          </mc:Fallback>
+        </mc:AlternateContent>
+        <mc:AlternateContent xmlns:mc="http://schemas.openxmlformats.org/markup-compatibility/2006">
+          <mc:Choice xmlns:a14="http://schemas.microsoft.com/office/drawing/2010/main" Requires="a14">
+            <p:sp>
+              <p:nvSpPr>
+                <p:cNvPr id="211" name="TextBox 210">
+                  <a:extLst>
+                    <a:ext uri="{FF2B5EF4-FFF2-40B4-BE49-F238E27FC236}">
+                      <a16:creationId xmlns:a16="http://schemas.microsoft.com/office/drawing/2014/main" id="{BDCD563F-27A8-7F4F-E726-E4D26AFDC468}"/>
+                    </a:ext>
+                  </a:extLst>
+                </p:cNvPr>
+                <p:cNvSpPr txBox="1"/>
+                <p:nvPr/>
+              </p:nvSpPr>
+              <p:spPr>
+                <a:xfrm>
+                  <a:off x="3124701" y="3048353"/>
+                  <a:ext cx="279243" cy="184666"/>
+                </a:xfrm>
+                <a:prstGeom prst="rect">
+                  <a:avLst/>
+                </a:prstGeom>
+                <a:noFill/>
+              </p:spPr>
+              <p:txBody>
+                <a:bodyPr wrap="none" rtlCol="0">
+                  <a:spAutoFit/>
+                </a:bodyPr>
+                <a:lstStyle/>
+                <a:p>
+                  <a14:m>
+                    <m:oMathPara xmlns:m="http://schemas.openxmlformats.org/officeDocument/2006/math">
+                      <m:oMathParaPr>
+                        <m:jc m:val="centerGroup"/>
+                      </m:oMathParaPr>
+                      <m:oMath xmlns:m="http://schemas.openxmlformats.org/officeDocument/2006/math">
+                        <m:sSub>
+                          <m:sSubPr>
+                            <m:ctrlPr>
+                              <a:rPr lang="en-US" sz="600" i="1" dirty="0" smtClean="0">
+                                <a:latin typeface="Cambria Math" panose="02040503050406030204" pitchFamily="18" charset="0"/>
+                              </a:rPr>
+                            </m:ctrlPr>
+                          </m:sSubPr>
+                          <m:e>
+                            <m:r>
+                              <a:rPr lang="en-US" sz="600" b="0" i="1" dirty="0" smtClean="0">
+                                <a:latin typeface="Cambria Math" panose="02040503050406030204" pitchFamily="18" charset="0"/>
+                              </a:rPr>
+                              <m:t>h</m:t>
+                            </m:r>
+                          </m:e>
+                          <m:sub>
+                            <m:r>
+                              <a:rPr lang="en-US" sz="600" b="0" i="1" dirty="0" smtClean="0">
+                                <a:latin typeface="Cambria Math" panose="02040503050406030204" pitchFamily="18" charset="0"/>
+                              </a:rPr>
+                              <m:t>3</m:t>
+                            </m:r>
+                          </m:sub>
+                        </m:sSub>
+                      </m:oMath>
+                    </m:oMathPara>
+                  </a14:m>
+                  <a:endParaRPr lang="en-US" sz="600" dirty="0"/>
+                </a:p>
+              </p:txBody>
+            </p:sp>
+          </mc:Choice>
+          <mc:Fallback>
+            <p:sp>
+              <p:nvSpPr>
+                <p:cNvPr id="211" name="TextBox 210">
+                  <a:extLst>
+                    <a:ext uri="{FF2B5EF4-FFF2-40B4-BE49-F238E27FC236}">
+                      <a16:creationId xmlns:a16="http://schemas.microsoft.com/office/drawing/2014/main" id="{BDCD563F-27A8-7F4F-E726-E4D26AFDC468}"/>
+                    </a:ext>
+                  </a:extLst>
+                </p:cNvPr>
+                <p:cNvSpPr txBox="1">
+                  <a:spLocks noRot="1" noChangeAspect="1" noMove="1" noResize="1" noEditPoints="1" noAdjustHandles="1" noChangeArrowheads="1" noChangeShapeType="1" noTextEdit="1"/>
+                </p:cNvSpPr>
+                <p:nvPr/>
+              </p:nvSpPr>
+              <p:spPr>
+                <a:xfrm>
+                  <a:off x="3124701" y="3048353"/>
+                  <a:ext cx="279243" cy="184666"/>
+                </a:xfrm>
+                <a:prstGeom prst="rect">
+                  <a:avLst/>
+                </a:prstGeom>
+                <a:blipFill>
+                  <a:blip r:embed="rId10"/>
+                  <a:stretch>
+                    <a:fillRect/>
+                  </a:stretch>
+                </a:blipFill>
+              </p:spPr>
+              <p:txBody>
+                <a:bodyPr/>
+                <a:lstStyle/>
+                <a:p>
+                  <a:r>
+                    <a:rPr lang="en-US">
+                      <a:noFill/>
+                    </a:rPr>
+                    <a:t> </a:t>
+                  </a:r>
+                </a:p>
+              </p:txBody>
+            </p:sp>
+          </mc:Fallback>
+        </mc:AlternateContent>
+        <mc:AlternateContent xmlns:mc="http://schemas.openxmlformats.org/markup-compatibility/2006">
+          <mc:Choice xmlns:a14="http://schemas.microsoft.com/office/drawing/2010/main" Requires="a14">
+            <p:sp>
+              <p:nvSpPr>
+                <p:cNvPr id="212" name="TextBox 211">
+                  <a:extLst>
+                    <a:ext uri="{FF2B5EF4-FFF2-40B4-BE49-F238E27FC236}">
+                      <a16:creationId xmlns:a16="http://schemas.microsoft.com/office/drawing/2014/main" id="{60ED4BCC-A1E5-CB27-BAEF-ABDDA463229A}"/>
+                    </a:ext>
+                  </a:extLst>
+                </p:cNvPr>
+                <p:cNvSpPr txBox="1"/>
+                <p:nvPr/>
+              </p:nvSpPr>
+              <p:spPr>
+                <a:xfrm>
+                  <a:off x="3455902" y="3189932"/>
+                  <a:ext cx="277640" cy="184666"/>
+                </a:xfrm>
+                <a:prstGeom prst="rect">
+                  <a:avLst/>
+                </a:prstGeom>
+                <a:noFill/>
+              </p:spPr>
+              <p:txBody>
+                <a:bodyPr wrap="none" rtlCol="0">
+                  <a:spAutoFit/>
+                </a:bodyPr>
+                <a:lstStyle/>
+                <a:p>
+                  <a14:m>
+                    <m:oMathPara xmlns:m="http://schemas.openxmlformats.org/officeDocument/2006/math">
+                      <m:oMathParaPr>
+                        <m:jc m:val="centerGroup"/>
+                      </m:oMathParaPr>
+                      <m:oMath xmlns:m="http://schemas.openxmlformats.org/officeDocument/2006/math">
+                        <m:sSub>
+                          <m:sSubPr>
+                            <m:ctrlPr>
+                              <a:rPr lang="en-US" sz="600" i="1" dirty="0" smtClean="0">
+                                <a:latin typeface="Cambria Math" panose="02040503050406030204" pitchFamily="18" charset="0"/>
+                              </a:rPr>
+                            </m:ctrlPr>
+                          </m:sSubPr>
+                          <m:e>
+                            <m:r>
+                              <a:rPr lang="en-US" sz="600" b="0" i="1" dirty="0" smtClean="0">
+                                <a:latin typeface="Cambria Math" panose="02040503050406030204" pitchFamily="18" charset="0"/>
+                              </a:rPr>
+                              <m:t>𝑘</m:t>
+                            </m:r>
+                          </m:e>
+                          <m:sub>
+                            <m:r>
+                              <a:rPr lang="en-US" sz="600" b="0" i="1" dirty="0" smtClean="0">
+                                <a:latin typeface="Cambria Math" panose="02040503050406030204" pitchFamily="18" charset="0"/>
+                              </a:rPr>
+                              <m:t>3</m:t>
+                            </m:r>
+                          </m:sub>
+                        </m:sSub>
+                      </m:oMath>
+                    </m:oMathPara>
+                  </a14:m>
+                  <a:endParaRPr lang="en-US" sz="600" dirty="0"/>
+                </a:p>
+              </p:txBody>
+            </p:sp>
+          </mc:Choice>
+          <mc:Fallback>
+            <p:sp>
+              <p:nvSpPr>
+                <p:cNvPr id="212" name="TextBox 211">
+                  <a:extLst>
+                    <a:ext uri="{FF2B5EF4-FFF2-40B4-BE49-F238E27FC236}">
+                      <a16:creationId xmlns:a16="http://schemas.microsoft.com/office/drawing/2014/main" id="{60ED4BCC-A1E5-CB27-BAEF-ABDDA463229A}"/>
+                    </a:ext>
+                  </a:extLst>
+                </p:cNvPr>
+                <p:cNvSpPr txBox="1">
+                  <a:spLocks noRot="1" noChangeAspect="1" noMove="1" noResize="1" noEditPoints="1" noAdjustHandles="1" noChangeArrowheads="1" noChangeShapeType="1" noTextEdit="1"/>
+                </p:cNvSpPr>
+                <p:nvPr/>
+              </p:nvSpPr>
+              <p:spPr>
+                <a:xfrm>
+                  <a:off x="3455902" y="3189932"/>
+                  <a:ext cx="277640" cy="184666"/>
+                </a:xfrm>
+                <a:prstGeom prst="rect">
+                  <a:avLst/>
+                </a:prstGeom>
+                <a:blipFill>
+                  <a:blip r:embed="rId11"/>
+                  <a:stretch>
+                    <a:fillRect/>
+                  </a:stretch>
+                </a:blipFill>
+              </p:spPr>
+              <p:txBody>
+                <a:bodyPr/>
+                <a:lstStyle/>
+                <a:p>
+                  <a:r>
+                    <a:rPr lang="en-US">
+                      <a:noFill/>
+                    </a:rPr>
+                    <a:t> </a:t>
+                  </a:r>
+                </a:p>
+              </p:txBody>
+            </p:sp>
+          </mc:Fallback>
+        </mc:AlternateContent>
+        <mc:AlternateContent xmlns:mc="http://schemas.openxmlformats.org/markup-compatibility/2006">
+          <mc:Choice xmlns:a14="http://schemas.microsoft.com/office/drawing/2010/main" Requires="a14">
+            <p:sp>
+              <p:nvSpPr>
+                <p:cNvPr id="213" name="TextBox 212">
+                  <a:extLst>
+                    <a:ext uri="{FF2B5EF4-FFF2-40B4-BE49-F238E27FC236}">
+                      <a16:creationId xmlns:a16="http://schemas.microsoft.com/office/drawing/2014/main" id="{FF150C5C-25A5-3690-C9F1-8ECD99E97DFB}"/>
+                    </a:ext>
+                  </a:extLst>
+                </p:cNvPr>
+                <p:cNvSpPr txBox="1"/>
+                <p:nvPr/>
+              </p:nvSpPr>
+              <p:spPr>
+                <a:xfrm>
+                  <a:off x="3360464" y="3473312"/>
+                  <a:ext cx="260007" cy="184666"/>
+                </a:xfrm>
+                <a:prstGeom prst="rect">
+                  <a:avLst/>
+                </a:prstGeom>
+                <a:noFill/>
+              </p:spPr>
+              <p:txBody>
+                <a:bodyPr wrap="none" rtlCol="0">
+                  <a:spAutoFit/>
+                </a:bodyPr>
+                <a:lstStyle/>
+                <a:p>
+                  <a14:m>
+                    <m:oMathPara xmlns:m="http://schemas.openxmlformats.org/officeDocument/2006/math">
+                      <m:oMathParaPr>
+                        <m:jc m:val="centerGroup"/>
+                      </m:oMathParaPr>
+                      <m:oMath xmlns:m="http://schemas.openxmlformats.org/officeDocument/2006/math">
+                        <m:sSub>
+                          <m:sSubPr>
+                            <m:ctrlPr>
+                              <a:rPr lang="en-US" sz="600" i="1" dirty="0" smtClean="0">
+                                <a:latin typeface="Cambria Math" panose="02040503050406030204" pitchFamily="18" charset="0"/>
+                              </a:rPr>
+                            </m:ctrlPr>
+                          </m:sSubPr>
+                          <m:e>
+                            <m:r>
+                              <a:rPr lang="en-US" sz="600" b="0" i="1" dirty="0" smtClean="0">
+                                <a:latin typeface="Cambria Math" panose="02040503050406030204" pitchFamily="18" charset="0"/>
+                              </a:rPr>
+                              <m:t>𝑖</m:t>
+                            </m:r>
+                          </m:e>
+                          <m:sub>
+                            <m:r>
+                              <a:rPr lang="en-US" sz="600" b="0" i="1" dirty="0" smtClean="0">
+                                <a:latin typeface="Cambria Math" panose="02040503050406030204" pitchFamily="18" charset="0"/>
+                              </a:rPr>
+                              <m:t>4</m:t>
+                            </m:r>
+                          </m:sub>
+                        </m:sSub>
+                      </m:oMath>
+                    </m:oMathPara>
+                  </a14:m>
+                  <a:endParaRPr lang="en-US" sz="600" dirty="0"/>
+                </a:p>
+              </p:txBody>
+            </p:sp>
+          </mc:Choice>
+          <mc:Fallback>
+            <p:sp>
+              <p:nvSpPr>
+                <p:cNvPr id="213" name="TextBox 212">
+                  <a:extLst>
+                    <a:ext uri="{FF2B5EF4-FFF2-40B4-BE49-F238E27FC236}">
+                      <a16:creationId xmlns:a16="http://schemas.microsoft.com/office/drawing/2014/main" id="{FF150C5C-25A5-3690-C9F1-8ECD99E97DFB}"/>
+                    </a:ext>
+                  </a:extLst>
+                </p:cNvPr>
+                <p:cNvSpPr txBox="1">
+                  <a:spLocks noRot="1" noChangeAspect="1" noMove="1" noResize="1" noEditPoints="1" noAdjustHandles="1" noChangeArrowheads="1" noChangeShapeType="1" noTextEdit="1"/>
+                </p:cNvSpPr>
+                <p:nvPr/>
+              </p:nvSpPr>
+              <p:spPr>
+                <a:xfrm>
+                  <a:off x="3360464" y="3473312"/>
+                  <a:ext cx="260007" cy="184666"/>
+                </a:xfrm>
+                <a:prstGeom prst="rect">
+                  <a:avLst/>
+                </a:prstGeom>
+                <a:blipFill>
+                  <a:blip r:embed="rId12"/>
+                  <a:stretch>
+                    <a:fillRect/>
+                  </a:stretch>
+                </a:blipFill>
+              </p:spPr>
+              <p:txBody>
+                <a:bodyPr/>
+                <a:lstStyle/>
+                <a:p>
+                  <a:r>
+                    <a:rPr lang="en-US">
+                      <a:noFill/>
+                    </a:rPr>
+                    <a:t> </a:t>
+                  </a:r>
+                </a:p>
+              </p:txBody>
+            </p:sp>
+          </mc:Fallback>
+        </mc:AlternateContent>
+        <mc:AlternateContent xmlns:mc="http://schemas.openxmlformats.org/markup-compatibility/2006">
+          <mc:Choice xmlns:a14="http://schemas.microsoft.com/office/drawing/2010/main" Requires="a14">
+            <p:sp>
+              <p:nvSpPr>
+                <p:cNvPr id="214" name="TextBox 213">
+                  <a:extLst>
+                    <a:ext uri="{FF2B5EF4-FFF2-40B4-BE49-F238E27FC236}">
+                      <a16:creationId xmlns:a16="http://schemas.microsoft.com/office/drawing/2014/main" id="{4F1E3A81-0402-7915-0FD9-15F0CCBE65B9}"/>
+                    </a:ext>
+                  </a:extLst>
+                </p:cNvPr>
+                <p:cNvSpPr txBox="1"/>
+                <p:nvPr/>
+              </p:nvSpPr>
+              <p:spPr>
+                <a:xfrm>
+                  <a:off x="3655208" y="3355688"/>
+                  <a:ext cx="258725" cy="184666"/>
+                </a:xfrm>
+                <a:prstGeom prst="rect">
+                  <a:avLst/>
+                </a:prstGeom>
+                <a:noFill/>
+              </p:spPr>
+              <p:txBody>
+                <a:bodyPr wrap="none" rtlCol="0">
+                  <a:spAutoFit/>
+                </a:bodyPr>
+                <a:lstStyle/>
+                <a:p>
+                  <a14:m>
+                    <m:oMathPara xmlns:m="http://schemas.openxmlformats.org/officeDocument/2006/math">
+                      <m:oMathParaPr>
+                        <m:jc m:val="centerGroup"/>
+                      </m:oMathParaPr>
+                      <m:oMath xmlns:m="http://schemas.openxmlformats.org/officeDocument/2006/math">
+                        <m:sSub>
+                          <m:sSubPr>
+                            <m:ctrlPr>
+                              <a:rPr lang="en-US" sz="600" i="1" dirty="0" smtClean="0">
+                                <a:latin typeface="Cambria Math" panose="02040503050406030204" pitchFamily="18" charset="0"/>
+                              </a:rPr>
+                            </m:ctrlPr>
+                          </m:sSubPr>
+                          <m:e>
+                            <m:r>
+                              <a:rPr lang="en-US" sz="600" b="0" i="1" dirty="0" smtClean="0">
+                                <a:latin typeface="Cambria Math" panose="02040503050406030204" pitchFamily="18" charset="0"/>
+                              </a:rPr>
+                              <m:t>𝑗</m:t>
+                            </m:r>
+                          </m:e>
+                          <m:sub>
+                            <m:r>
+                              <a:rPr lang="en-US" sz="600" b="0" i="1" dirty="0" smtClean="0">
+                                <a:latin typeface="Cambria Math" panose="02040503050406030204" pitchFamily="18" charset="0"/>
+                              </a:rPr>
+                              <m:t>4</m:t>
+                            </m:r>
+                          </m:sub>
+                        </m:sSub>
+                      </m:oMath>
+                    </m:oMathPara>
+                  </a14:m>
+                  <a:endParaRPr lang="en-US" sz="600" dirty="0"/>
+                </a:p>
+              </p:txBody>
+            </p:sp>
+          </mc:Choice>
+          <mc:Fallback>
+            <p:sp>
+              <p:nvSpPr>
+                <p:cNvPr id="214" name="TextBox 213">
+                  <a:extLst>
+                    <a:ext uri="{FF2B5EF4-FFF2-40B4-BE49-F238E27FC236}">
+                      <a16:creationId xmlns:a16="http://schemas.microsoft.com/office/drawing/2014/main" id="{4F1E3A81-0402-7915-0FD9-15F0CCBE65B9}"/>
+                    </a:ext>
+                  </a:extLst>
+                </p:cNvPr>
+                <p:cNvSpPr txBox="1">
+                  <a:spLocks noRot="1" noChangeAspect="1" noMove="1" noResize="1" noEditPoints="1" noAdjustHandles="1" noChangeArrowheads="1" noChangeShapeType="1" noTextEdit="1"/>
+                </p:cNvSpPr>
+                <p:nvPr/>
+              </p:nvSpPr>
+              <p:spPr>
+                <a:xfrm>
+                  <a:off x="3655208" y="3355688"/>
+                  <a:ext cx="258725" cy="184666"/>
+                </a:xfrm>
+                <a:prstGeom prst="rect">
+                  <a:avLst/>
+                </a:prstGeom>
+                <a:blipFill>
+                  <a:blip r:embed="rId13"/>
+                  <a:stretch>
+                    <a:fillRect/>
+                  </a:stretch>
+                </a:blipFill>
+              </p:spPr>
+              <p:txBody>
+                <a:bodyPr/>
+                <a:lstStyle/>
+                <a:p>
+                  <a:r>
+                    <a:rPr lang="en-US">
+                      <a:noFill/>
+                    </a:rPr>
+                    <a:t> </a:t>
+                  </a:r>
+                </a:p>
+              </p:txBody>
+            </p:sp>
+          </mc:Fallback>
+        </mc:AlternateContent>
+        <mc:AlternateContent xmlns:mc="http://schemas.openxmlformats.org/markup-compatibility/2006">
+          <mc:Choice xmlns:a14="http://schemas.microsoft.com/office/drawing/2010/main" Requires="a14">
+            <p:sp>
+              <p:nvSpPr>
+                <p:cNvPr id="215" name="TextBox 214">
+                  <a:extLst>
+                    <a:ext uri="{FF2B5EF4-FFF2-40B4-BE49-F238E27FC236}">
+                      <a16:creationId xmlns:a16="http://schemas.microsoft.com/office/drawing/2014/main" id="{88126DAE-07CD-CE55-E4EC-837A10024E23}"/>
+                    </a:ext>
+                  </a:extLst>
+                </p:cNvPr>
+                <p:cNvSpPr txBox="1"/>
+                <p:nvPr/>
+              </p:nvSpPr>
+              <p:spPr>
+                <a:xfrm>
+                  <a:off x="3643268" y="3536542"/>
+                  <a:ext cx="277640" cy="184666"/>
+                </a:xfrm>
+                <a:prstGeom prst="rect">
+                  <a:avLst/>
+                </a:prstGeom>
+                <a:noFill/>
+              </p:spPr>
+              <p:txBody>
+                <a:bodyPr wrap="none" rtlCol="0">
+                  <a:spAutoFit/>
+                </a:bodyPr>
+                <a:lstStyle/>
+                <a:p>
+                  <a14:m>
+                    <m:oMathPara xmlns:m="http://schemas.openxmlformats.org/officeDocument/2006/math">
+                      <m:oMathParaPr>
+                        <m:jc m:val="centerGroup"/>
+                      </m:oMathParaPr>
+                      <m:oMath xmlns:m="http://schemas.openxmlformats.org/officeDocument/2006/math">
+                        <m:sSub>
+                          <m:sSubPr>
+                            <m:ctrlPr>
+                              <a:rPr lang="en-US" sz="600" i="1" dirty="0" smtClean="0">
+                                <a:latin typeface="Cambria Math" panose="02040503050406030204" pitchFamily="18" charset="0"/>
+                              </a:rPr>
+                            </m:ctrlPr>
+                          </m:sSubPr>
+                          <m:e>
+                            <m:r>
+                              <a:rPr lang="en-US" sz="600" b="0" i="1" dirty="0" smtClean="0">
+                                <a:latin typeface="Cambria Math" panose="02040503050406030204" pitchFamily="18" charset="0"/>
+                              </a:rPr>
+                              <m:t>𝑘</m:t>
+                            </m:r>
+                          </m:e>
+                          <m:sub>
+                            <m:r>
+                              <a:rPr lang="en-US" sz="600" b="0" i="1" dirty="0" smtClean="0">
+                                <a:latin typeface="Cambria Math" panose="02040503050406030204" pitchFamily="18" charset="0"/>
+                              </a:rPr>
+                              <m:t>4</m:t>
+                            </m:r>
+                          </m:sub>
+                        </m:sSub>
+                      </m:oMath>
+                    </m:oMathPara>
+                  </a14:m>
+                  <a:endParaRPr lang="en-US" sz="600" dirty="0"/>
+                </a:p>
+              </p:txBody>
+            </p:sp>
+          </mc:Choice>
+          <mc:Fallback>
+            <p:sp>
+              <p:nvSpPr>
+                <p:cNvPr id="215" name="TextBox 214">
+                  <a:extLst>
+                    <a:ext uri="{FF2B5EF4-FFF2-40B4-BE49-F238E27FC236}">
+                      <a16:creationId xmlns:a16="http://schemas.microsoft.com/office/drawing/2014/main" id="{88126DAE-07CD-CE55-E4EC-837A10024E23}"/>
+                    </a:ext>
+                  </a:extLst>
+                </p:cNvPr>
+                <p:cNvSpPr txBox="1">
+                  <a:spLocks noRot="1" noChangeAspect="1" noMove="1" noResize="1" noEditPoints="1" noAdjustHandles="1" noChangeArrowheads="1" noChangeShapeType="1" noTextEdit="1"/>
+                </p:cNvSpPr>
+                <p:nvPr/>
+              </p:nvSpPr>
+              <p:spPr>
+                <a:xfrm>
+                  <a:off x="3643268" y="3536542"/>
+                  <a:ext cx="277640" cy="184666"/>
+                </a:xfrm>
+                <a:prstGeom prst="rect">
+                  <a:avLst/>
+                </a:prstGeom>
+                <a:blipFill>
+                  <a:blip r:embed="rId14"/>
+                  <a:stretch>
+                    <a:fillRect/>
+                  </a:stretch>
+                </a:blipFill>
+              </p:spPr>
+              <p:txBody>
+                <a:bodyPr/>
+                <a:lstStyle/>
+                <a:p>
+                  <a:r>
+                    <a:rPr lang="en-US">
+                      <a:noFill/>
+                    </a:rPr>
+                    <a:t> </a:t>
+                  </a:r>
+                </a:p>
+              </p:txBody>
+            </p:sp>
+          </mc:Fallback>
+        </mc:AlternateContent>
+        <p:cxnSp>
+          <p:nvCxnSpPr>
+            <p:cNvPr id="218" name="Straight Connector 217">
+              <a:extLst>
+                <a:ext uri="{FF2B5EF4-FFF2-40B4-BE49-F238E27FC236}">
+                  <a16:creationId xmlns:a16="http://schemas.microsoft.com/office/drawing/2014/main" id="{8A1367CE-62EC-94D2-A560-AE7960A64069}"/>
+                </a:ext>
+              </a:extLst>
+            </p:cNvPr>
+            <p:cNvCxnSpPr>
+              <a:cxnSpLocks/>
+            </p:cNvCxnSpPr>
+            <p:nvPr/>
+          </p:nvCxnSpPr>
+          <p:spPr>
+            <a:xfrm flipV="1">
+              <a:off x="2822425" y="3219456"/>
+              <a:ext cx="33077" cy="146269"/>
+            </a:xfrm>
+            <a:prstGeom prst="line">
+              <a:avLst/>
+            </a:prstGeom>
+            <a:ln w="6350"/>
+          </p:spPr>
+          <p:style>
+            <a:lnRef idx="2">
+              <a:schemeClr val="accent1"/>
+            </a:lnRef>
+            <a:fillRef idx="0">
+              <a:schemeClr val="accent1"/>
+            </a:fillRef>
+            <a:effectRef idx="1">
+              <a:schemeClr val="accent1"/>
+            </a:effectRef>
+            <a:fontRef idx="minor">
+              <a:schemeClr val="tx1"/>
+            </a:fontRef>
+          </p:style>
+        </p:cxnSp>
+        <p:cxnSp>
+          <p:nvCxnSpPr>
+            <p:cNvPr id="222" name="Straight Connector 221">
+              <a:extLst>
+                <a:ext uri="{FF2B5EF4-FFF2-40B4-BE49-F238E27FC236}">
+                  <a16:creationId xmlns:a16="http://schemas.microsoft.com/office/drawing/2014/main" id="{71D94472-F991-B009-A2C7-09B5CE64A688}"/>
+                </a:ext>
+              </a:extLst>
+            </p:cNvPr>
+            <p:cNvCxnSpPr>
+              <a:cxnSpLocks/>
+            </p:cNvCxnSpPr>
+            <p:nvPr/>
+          </p:nvCxnSpPr>
+          <p:spPr>
+            <a:xfrm flipV="1">
+              <a:off x="3263426" y="3194145"/>
+              <a:ext cx="151689" cy="171127"/>
+            </a:xfrm>
+            <a:prstGeom prst="line">
+              <a:avLst/>
+            </a:prstGeom>
+            <a:ln w="6350"/>
+          </p:spPr>
+          <p:style>
+            <a:lnRef idx="2">
+              <a:schemeClr val="accent1"/>
+            </a:lnRef>
+            <a:fillRef idx="0">
+              <a:schemeClr val="accent1"/>
+            </a:fillRef>
+            <a:effectRef idx="1">
+              <a:schemeClr val="accent1"/>
+            </a:effectRef>
+            <a:fontRef idx="minor">
+              <a:schemeClr val="tx1"/>
+            </a:fontRef>
+          </p:style>
+        </p:cxnSp>
+        <p:cxnSp>
+          <p:nvCxnSpPr>
+            <p:cNvPr id="225" name="Straight Connector 224">
+              <a:extLst>
+                <a:ext uri="{FF2B5EF4-FFF2-40B4-BE49-F238E27FC236}">
+                  <a16:creationId xmlns:a16="http://schemas.microsoft.com/office/drawing/2014/main" id="{38FD6306-16C4-0E37-C39B-A9CE4FA3042C}"/>
+                </a:ext>
+              </a:extLst>
+            </p:cNvPr>
+            <p:cNvCxnSpPr>
+              <a:cxnSpLocks/>
+            </p:cNvCxnSpPr>
+            <p:nvPr/>
+          </p:nvCxnSpPr>
+          <p:spPr>
+            <a:xfrm flipV="1">
+              <a:off x="3534444" y="3478468"/>
+              <a:ext cx="194067" cy="63161"/>
+            </a:xfrm>
+            <a:prstGeom prst="line">
+              <a:avLst/>
+            </a:prstGeom>
+            <a:ln w="6350"/>
+          </p:spPr>
+          <p:style>
+            <a:lnRef idx="2">
+              <a:schemeClr val="accent1"/>
+            </a:lnRef>
+            <a:fillRef idx="0">
+              <a:schemeClr val="accent1"/>
+            </a:fillRef>
+            <a:effectRef idx="1">
+              <a:schemeClr val="accent1"/>
+            </a:effectRef>
+            <a:fontRef idx="minor">
+              <a:schemeClr val="tx1"/>
+            </a:fontRef>
+          </p:style>
+        </p:cxnSp>
+        <p:cxnSp>
+          <p:nvCxnSpPr>
+            <p:cNvPr id="228" name="Straight Connector 227">
+              <a:extLst>
+                <a:ext uri="{FF2B5EF4-FFF2-40B4-BE49-F238E27FC236}">
+                  <a16:creationId xmlns:a16="http://schemas.microsoft.com/office/drawing/2014/main" id="{2EE73D7A-5421-E8AF-AAC8-63EDFC9A1596}"/>
+                </a:ext>
+              </a:extLst>
+            </p:cNvPr>
+            <p:cNvCxnSpPr>
+              <a:cxnSpLocks/>
+            </p:cNvCxnSpPr>
+            <p:nvPr/>
+          </p:nvCxnSpPr>
+          <p:spPr>
+            <a:xfrm flipV="1">
+              <a:off x="3285559" y="3338244"/>
+              <a:ext cx="169337" cy="34923"/>
+            </a:xfrm>
+            <a:prstGeom prst="line">
+              <a:avLst/>
+            </a:prstGeom>
+            <a:ln w="6350">
+              <a:prstDash val="sysDash"/>
+            </a:ln>
+          </p:spPr>
+          <p:style>
+            <a:lnRef idx="2">
+              <a:schemeClr val="accent1"/>
+            </a:lnRef>
+            <a:fillRef idx="0">
+              <a:schemeClr val="accent1"/>
+            </a:fillRef>
+            <a:effectRef idx="1">
+              <a:schemeClr val="accent1"/>
+            </a:effectRef>
+            <a:fontRef idx="minor">
+              <a:schemeClr val="tx1"/>
+            </a:fontRef>
+          </p:style>
+        </p:cxnSp>
+        <p:cxnSp>
+          <p:nvCxnSpPr>
+            <p:cNvPr id="231" name="Straight Connector 230">
+              <a:extLst>
+                <a:ext uri="{FF2B5EF4-FFF2-40B4-BE49-F238E27FC236}">
+                  <a16:creationId xmlns:a16="http://schemas.microsoft.com/office/drawing/2014/main" id="{77126B11-49C1-7130-5DE2-A7FA41890E4E}"/>
+                </a:ext>
+              </a:extLst>
+            </p:cNvPr>
+            <p:cNvCxnSpPr>
+              <a:cxnSpLocks/>
+            </p:cNvCxnSpPr>
+            <p:nvPr/>
+          </p:nvCxnSpPr>
+          <p:spPr>
+            <a:xfrm>
+              <a:off x="3542410" y="3575196"/>
+              <a:ext cx="144130" cy="42039"/>
+            </a:xfrm>
+            <a:prstGeom prst="line">
+              <a:avLst/>
+            </a:prstGeom>
+            <a:ln w="6350">
+              <a:prstDash val="sysDash"/>
+            </a:ln>
+          </p:spPr>
+          <p:style>
+            <a:lnRef idx="2">
+              <a:schemeClr val="accent1"/>
+            </a:lnRef>
+            <a:fillRef idx="0">
+              <a:schemeClr val="accent1"/>
+            </a:fillRef>
+            <a:effectRef idx="1">
+              <a:schemeClr val="accent1"/>
+            </a:effectRef>
+            <a:fontRef idx="minor">
+              <a:schemeClr val="tx1"/>
+            </a:fontRef>
+          </p:style>
+        </p:cxnSp>
+        <p:cxnSp>
+          <p:nvCxnSpPr>
+            <p:cNvPr id="235" name="Straight Connector 234">
+              <a:extLst>
+                <a:ext uri="{FF2B5EF4-FFF2-40B4-BE49-F238E27FC236}">
+                  <a16:creationId xmlns:a16="http://schemas.microsoft.com/office/drawing/2014/main" id="{3EED8429-BBC3-4F64-D728-1F79229C6F3B}"/>
+                </a:ext>
+              </a:extLst>
+            </p:cNvPr>
+            <p:cNvCxnSpPr>
+              <a:cxnSpLocks/>
+            </p:cNvCxnSpPr>
+            <p:nvPr/>
+          </p:nvCxnSpPr>
+          <p:spPr>
+            <a:xfrm flipH="1" flipV="1">
+              <a:off x="3232306" y="3238851"/>
+              <a:ext cx="1062" cy="101852"/>
+            </a:xfrm>
+            <a:prstGeom prst="line">
+              <a:avLst/>
+            </a:prstGeom>
+            <a:ln w="6350">
+              <a:prstDash val="sysDash"/>
+            </a:ln>
+          </p:spPr>
+          <p:style>
+            <a:lnRef idx="2">
+              <a:schemeClr val="accent1"/>
+            </a:lnRef>
+            <a:fillRef idx="0">
+              <a:schemeClr val="accent1"/>
+            </a:fillRef>
+            <a:effectRef idx="1">
+              <a:schemeClr val="accent1"/>
+            </a:effectRef>
+            <a:fontRef idx="minor">
+              <a:schemeClr val="tx1"/>
+            </a:fontRef>
+          </p:style>
+        </p:cxnSp>
+        <p:cxnSp>
+          <p:nvCxnSpPr>
+            <p:cNvPr id="237" name="Straight Connector 236">
+              <a:extLst>
+                <a:ext uri="{FF2B5EF4-FFF2-40B4-BE49-F238E27FC236}">
+                  <a16:creationId xmlns:a16="http://schemas.microsoft.com/office/drawing/2014/main" id="{0B734646-DCD2-DECE-7C57-C04A150DDE8C}"/>
+                </a:ext>
+              </a:extLst>
+            </p:cNvPr>
+            <p:cNvCxnSpPr>
+              <a:cxnSpLocks/>
+            </p:cNvCxnSpPr>
+            <p:nvPr/>
+          </p:nvCxnSpPr>
+          <p:spPr>
+            <a:xfrm flipH="1">
+              <a:off x="3169887" y="3448526"/>
+              <a:ext cx="40261" cy="88040"/>
+            </a:xfrm>
+            <a:prstGeom prst="line">
+              <a:avLst/>
+            </a:prstGeom>
+            <a:ln w="6350"/>
+          </p:spPr>
+          <p:style>
+            <a:lnRef idx="2">
+              <a:schemeClr val="accent1"/>
+            </a:lnRef>
+            <a:fillRef idx="0">
+              <a:schemeClr val="accent1"/>
+            </a:fillRef>
+            <a:effectRef idx="1">
+              <a:schemeClr val="accent1"/>
+            </a:effectRef>
+            <a:fontRef idx="minor">
+              <a:schemeClr val="tx1"/>
+            </a:fontRef>
+          </p:style>
+        </p:cxnSp>
+        <p:cxnSp>
+          <p:nvCxnSpPr>
+            <p:cNvPr id="239" name="Straight Connector 238">
+              <a:extLst>
+                <a:ext uri="{FF2B5EF4-FFF2-40B4-BE49-F238E27FC236}">
+                  <a16:creationId xmlns:a16="http://schemas.microsoft.com/office/drawing/2014/main" id="{8EAA59DE-2819-637E-FD8F-E49F06B5933E}"/>
+                </a:ext>
+              </a:extLst>
+            </p:cNvPr>
+            <p:cNvCxnSpPr>
+              <a:cxnSpLocks/>
+            </p:cNvCxnSpPr>
+            <p:nvPr/>
+          </p:nvCxnSpPr>
+          <p:spPr>
+            <a:xfrm flipH="1">
+              <a:off x="3358006" y="3586499"/>
+              <a:ext cx="79479" cy="41881"/>
+            </a:xfrm>
+            <a:prstGeom prst="line">
+              <a:avLst/>
+            </a:prstGeom>
+            <a:ln w="6350"/>
+          </p:spPr>
+          <p:style>
+            <a:lnRef idx="2">
+              <a:schemeClr val="accent1"/>
+            </a:lnRef>
+            <a:fillRef idx="0">
+              <a:schemeClr val="accent1"/>
+            </a:fillRef>
+            <a:effectRef idx="1">
+              <a:schemeClr val="accent1"/>
+            </a:effectRef>
+            <a:fontRef idx="minor">
+              <a:schemeClr val="tx1"/>
+            </a:fontRef>
+          </p:style>
+        </p:cxnSp>
       </p:grpSp>
     </p:spTree>
     <p:extLst>
